--- a/CNN-RNN-efficientDeeplearningSeminar/Compare CNN and RNN  and then efficient scheduling.pptx
+++ b/CNN-RNN-efficientDeeplearningSeminar/Compare CNN and RNN  and then efficient scheduling.pptx
@@ -2,7 +2,7 @@
 <file path=ppt/presentation.xml><?xml version="1.0" encoding="utf-8"?>
 <p:presentation xmlns:r="http://schemas.openxmlformats.org/officeDocument/2006/relationships" xmlns:c="http://schemas.openxmlformats.org/drawingml/2006/chart" xmlns:a="http://schemas.openxmlformats.org/drawingml/2006/main" xmlns:dgm="http://schemas.openxmlformats.org/drawingml/2006/diagram" xmlns:dsp="http://schemas.microsoft.com/office/drawing/2008/diagram" xmlns:p="http://schemas.openxmlformats.org/presentationml/2006/main" saveSubsetFonts="1">
   <p:sldMasterIdLst>
-    <p:sldMasterId id="2147483764" r:id="rId1"/>
+    <p:sldMasterId id="2147483730" r:id="rId1"/>
   </p:sldMasterIdLst>
   <p:notesMasterIdLst>
     <p:notesMasterId r:id="rId2"/>
@@ -19,6 +19,9 @@
     <p:sldId id="264" r:id="rId11"/>
     <p:sldId id="265" r:id="rId12"/>
     <p:sldId id="266" r:id="rId13"/>
+    <p:sldId id="267" r:id="rId14"/>
+    <p:sldId id="268" r:id="rId15"/>
+    <p:sldId id="269" r:id="rId16"/>
   </p:sldIdLst>
   <p:sldSz cx="9144000" cy="6858000" type="screen4x3"/>
   <p:notesSz cx="6858000" cy="9144000"/>
@@ -215,7 +218,7 @@
               <a:pPr lvl="0">
                 <a:defRPr lang="ko-KR" altLang="en-US"/>
               </a:pPr>
-              <a:t>2018-06-25</a:t>
+              <a:t>2018-06-26</a:t>
             </a:fld>
             <a:endParaRPr lang="ko-KR" altLang="en-US"/>
           </a:p>
@@ -698,7 +701,7 @@
               <a:pPr lvl="0">
                 <a:defRPr lang="ko-KR" altLang="en-US"/>
               </a:pPr>
-              <a:t>5</a:t>
+              <a:t>6</a:t>
             </a:fld>
             <a:endParaRPr lang="en-US" altLang="en-US"/>
           </a:p>
@@ -797,7 +800,7 @@
               <a:pPr lvl="0">
                 <a:defRPr lang="ko-KR" altLang="en-US"/>
               </a:pPr>
-              <a:t>5</a:t>
+              <a:t>7</a:t>
             </a:fld>
             <a:endParaRPr lang="en-US" altLang="en-US"/>
           </a:p>
@@ -3970,8 +3973,8 @@
         </p:nvSpPr>
         <p:spPr>
           <a:xfrm>
-            <a:off x="1043555" y="2974657"/>
-            <a:ext cx="6696838" cy="366713"/>
+            <a:off x="1043554" y="2974657"/>
+            <a:ext cx="6696838" cy="909638"/>
           </a:xfrm>
           <a:prstGeom prst="rect">
             <a:avLst/>
@@ -3990,6 +3993,34 @@
             <a:r>
               <a:rPr lang="en-US" altLang="ko-KR"/>
               <a:t>RNN model</a:t>
+            </a:r>
+            <a:endParaRPr lang="en-US" altLang="ko-KR"/>
+          </a:p>
+          <a:p>
+            <a:pPr marL="257040" indent="-257040">
+              <a:buFont typeface="Arial"/>
+              <a:buNone/>
+              <a:defRPr lang="ko-KR" altLang="en-US"/>
+            </a:pPr>
+            <a:r>
+              <a:rPr lang="ko-KR" altLang="en-US"/>
+              <a:t>	- </a:t>
+            </a:r>
+            <a:r>
+              <a:rPr lang="en-US" altLang="ko-KR"/>
+              <a:t>RNN</a:t>
+            </a:r>
+            <a:endParaRPr lang="en-US" altLang="ko-KR"/>
+          </a:p>
+          <a:p>
+            <a:pPr marL="257040" indent="-257040">
+              <a:buFont typeface="Arial"/>
+              <a:buNone/>
+              <a:defRPr lang="ko-KR" altLang="en-US"/>
+            </a:pPr>
+            <a:r>
+              <a:rPr lang="en-US" altLang="ko-KR"/>
+              <a:t>	- LSTM</a:t>
             </a:r>
             <a:endParaRPr lang="en-US" altLang="ko-KR"/>
           </a:p>
@@ -4066,7 +4097,7 @@
         </p:nvSpPr>
         <p:spPr>
           <a:xfrm>
-            <a:off x="457200" y="1600199"/>
+            <a:off x="457200" y="1417638"/>
             <a:ext cx="8229600" cy="1636231"/>
           </a:xfrm>
         </p:spPr>
@@ -4122,6 +4153,24 @@
             <a:r>
               <a:rPr lang="ko-KR" altLang="en-US" sz="1800"/>
               <a:t>를 모든 단계에서 공유</a:t>
+            </a:r>
+            <a:endParaRPr lang="ko-KR" altLang="en-US" sz="1800"/>
+          </a:p>
+          <a:p>
+            <a:pPr>
+              <a:defRPr lang="ko-KR" altLang="en-US"/>
+            </a:pPr>
+            <a:r>
+              <a:rPr lang="ko-KR" altLang="en-US" sz="1800"/>
+              <a:t>역전파 학습 모델의 변형인 </a:t>
+            </a:r>
+            <a:r>
+              <a:rPr lang="en-US" altLang="ko-KR" sz="1800"/>
+              <a:t>BPTT</a:t>
+            </a:r>
+            <a:r>
+              <a:rPr lang="ko-KR" altLang="en-US" sz="1800"/>
+              <a:t>로 학습</a:t>
             </a:r>
             <a:endParaRPr lang="ko-KR" altLang="en-US" sz="1800"/>
           </a:p>
@@ -4166,8 +4215,8 @@
         </p:nvSpPr>
         <p:spPr>
           <a:xfrm>
-            <a:off x="611504" y="6021324"/>
-            <a:ext cx="2448307" cy="634746"/>
+            <a:off x="611440" y="6021324"/>
+            <a:ext cx="7704963" cy="634746"/>
           </a:xfrm>
           <a:prstGeom prst="rect">
             <a:avLst/>
@@ -4209,6 +4258,22 @@
               <a:rPr lang="en-US" altLang="ko-KR"/>
               <a:t>)</a:t>
             </a:r>
+            <a:r>
+              <a:rPr lang="ko-KR" altLang="en-US"/>
+              <a:t> :</a:t>
+            </a:r>
+            <a:r>
+              <a:rPr lang="en-US" altLang="ko-KR"/>
+              <a:t> than or RNN</a:t>
+            </a:r>
+            <a:r>
+              <a:rPr lang="ko-KR" altLang="en-US"/>
+              <a:t> 모델을 사용</a:t>
+            </a:r>
+            <a:r>
+              <a:rPr lang="en-US" altLang="ko-KR"/>
+              <a:t> </a:t>
+            </a:r>
             <a:endParaRPr lang="en-US" altLang="ko-KR"/>
           </a:p>
           <a:p>
@@ -4217,7 +4282,7 @@
             </a:pPr>
             <a:r>
               <a:rPr lang="en-US" altLang="ko-KR"/>
-              <a:t>Z</a:t>
+              <a:t>O</a:t>
             </a:r>
             <a:r>
               <a:rPr lang="en-US" altLang="ko-KR" baseline="-24000"/>
@@ -4235,7 +4300,498 @@
               <a:rPr lang="en-US" altLang="ko-KR"/>
               <a:t>)</a:t>
             </a:r>
+            <a:r>
+              <a:rPr lang="ko-KR" altLang="en-US"/>
+              <a:t> :</a:t>
+            </a:r>
+            <a:r>
+              <a:rPr lang="en-US" altLang="ko-KR"/>
+              <a:t> O</a:t>
+            </a:r>
+            <a:r>
+              <a:rPr lang="ko-KR" altLang="en-US"/>
+              <a:t>는 </a:t>
+            </a:r>
+            <a:r>
+              <a:rPr lang="en-US" altLang="ko-KR"/>
+              <a:t>timestamp</a:t>
+            </a:r>
+            <a:r>
+              <a:rPr lang="ko-KR" altLang="en-US"/>
+              <a:t> 값 </a:t>
+            </a:r>
+            <a:r>
+              <a:rPr lang="en-US" altLang="ko-KR"/>
+              <a:t>t</a:t>
+            </a:r>
+            <a:r>
+              <a:rPr lang="ko-KR" altLang="en-US"/>
+              <a:t>의 출력</a:t>
+            </a:r>
+            <a:endParaRPr lang="ko-KR" altLang="en-US"/>
+          </a:p>
+        </p:txBody>
+      </p:sp>
+    </p:spTree>
+  </p:cSld>
+  <p:clrMapOvr>
+    <a:masterClrMapping/>
+  </p:clrMapOvr>
+  <mc:AlternateContent xmlns:mc="http://schemas.openxmlformats.org/markup-compatibility/2006">
+    <mc:Choice xmlns:p14="http://schemas.microsoft.com/office/powerpoint/2010/main" Requires="p14">
+      <p:transition xmlns:mc="http://schemas.openxmlformats.org/markup-compatibility/2006" xmlns:p14="http://schemas.microsoft.com/office/powerpoint/2010/main" mc:Ignorable="p14" p14:dur="500"/>
+    </mc:Choice>
+    <mc:Fallback>
+      <p:transition/>
+    </mc:Fallback>
+  </mc:AlternateContent>
+</p:sld>
+</file>
+
+<file path=ppt/slides/slide12.xml><?xml version="1.0" encoding="utf-8"?>
+<p:sld xmlns:r="http://schemas.openxmlformats.org/officeDocument/2006/relationships" xmlns:c="http://schemas.openxmlformats.org/drawingml/2006/chart" xmlns:a="http://schemas.openxmlformats.org/drawingml/2006/main" xmlns:dgm="http://schemas.openxmlformats.org/drawingml/2006/diagram" xmlns:dsp="http://schemas.microsoft.com/office/drawing/2008/diagram" xmlns:p="http://schemas.openxmlformats.org/presentationml/2006/main">
+  <p:cSld>
+    <p:spTree>
+      <p:nvGrpSpPr>
+        <p:cNvPr id="1" name=""/>
+        <p:cNvGrpSpPr/>
+        <p:nvPr/>
+      </p:nvGrpSpPr>
+      <p:grpSpPr>
+        <a:xfrm>
+          <a:off x="0" y="0"/>
+          <a:ext cx="0" cy="0"/>
+          <a:chOff x="0" y="0"/>
+          <a:chExt cx="0" cy="0"/>
+        </a:xfrm>
+      </p:grpSpPr>
+      <p:sp>
+        <p:nvSpPr>
+          <p:cNvPr id="2" name="제목 1"/>
+          <p:cNvSpPr>
+            <a:spLocks noGrp="1"/>
+          </p:cNvSpPr>
+          <p:nvPr>
+            <p:ph type="title" idx="0"/>
+          </p:nvPr>
+        </p:nvSpPr>
+        <p:spPr/>
+        <p:txBody>
+          <a:bodyPr/>
+          <a:lstStyle/>
+          <a:p>
+            <a:pPr algn="l">
+              <a:defRPr lang="ko-KR" altLang="en-US"/>
+            </a:pPr>
+            <a:r>
+              <a:rPr lang="en-US" altLang="ko-KR"/>
+              <a:t>LSTM</a:t>
+            </a:r>
             <a:endParaRPr lang="en-US" altLang="ko-KR"/>
+          </a:p>
+        </p:txBody>
+      </p:sp>
+      <p:sp>
+        <p:nvSpPr>
+          <p:cNvPr id="3" name="내용 개체 틀 2"/>
+          <p:cNvSpPr>
+            <a:spLocks noGrp="1"/>
+          </p:cNvSpPr>
+          <p:nvPr>
+            <p:ph idx="1"/>
+          </p:nvPr>
+        </p:nvSpPr>
+        <p:spPr>
+          <a:xfrm>
+            <a:off x="457200" y="1600200"/>
+            <a:ext cx="8229600" cy="2548890"/>
+          </a:xfrm>
+        </p:spPr>
+        <p:txBody>
+          <a:bodyPr/>
+          <a:lstStyle/>
+          <a:p>
+            <a:pPr>
+              <a:defRPr lang="ko-KR" altLang="en-US"/>
+            </a:pPr>
+            <a:r>
+              <a:rPr lang="en-US" altLang="ko-KR" sz="2400"/>
+              <a:t>Long short term memory</a:t>
+            </a:r>
+            <a:endParaRPr lang="en-US" altLang="ko-KR" sz="2400"/>
+          </a:p>
+          <a:p>
+            <a:pPr>
+              <a:defRPr lang="ko-KR" altLang="en-US"/>
+            </a:pPr>
+            <a:r>
+              <a:rPr lang="en-US" altLang="ko-KR" sz="2400"/>
+              <a:t>RNN</a:t>
+            </a:r>
+            <a:r>
+              <a:rPr lang="ko-KR" altLang="en-US" sz="2400"/>
+              <a:t>의 각 출력값들은 이전 시간에 매우 의존적</a:t>
+            </a:r>
+            <a:endParaRPr lang="ko-KR" altLang="en-US" sz="2400"/>
+          </a:p>
+          <a:p>
+            <a:pPr>
+              <a:defRPr lang="ko-KR" altLang="en-US"/>
+            </a:pPr>
+            <a:r>
+              <a:rPr lang="en-US" altLang="ko-KR" sz="2400"/>
+              <a:t>RNN</a:t>
+            </a:r>
+            <a:r>
+              <a:rPr lang="ko-KR" altLang="en-US" sz="2400"/>
+              <a:t>의 이런 점은 결국 </a:t>
+            </a:r>
+            <a:r>
+              <a:rPr lang="en-US" altLang="ko-KR" sz="2400"/>
+              <a:t>Vanishing</a:t>
+            </a:r>
+            <a:r>
+              <a:rPr lang="ko-KR" altLang="en-US" sz="2400"/>
+              <a:t> 또는 </a:t>
+            </a:r>
+            <a:r>
+              <a:rPr lang="en-US" altLang="ko-KR" sz="2400"/>
+              <a:t>Exploding</a:t>
+            </a:r>
+            <a:r>
+              <a:rPr lang="ko-KR" altLang="en-US" sz="2400"/>
+              <a:t> 발생</a:t>
+            </a:r>
+            <a:endParaRPr lang="ko-KR" altLang="en-US" sz="2400"/>
+          </a:p>
+          <a:p>
+            <a:pPr>
+              <a:defRPr lang="ko-KR" altLang="en-US"/>
+            </a:pPr>
+            <a:r>
+              <a:rPr lang="en-US" altLang="ko-KR" sz="2400"/>
+              <a:t>LSTM </a:t>
+            </a:r>
+            <a:r>
+              <a:rPr lang="ko-KR" altLang="en-US" sz="2400"/>
+              <a:t>구조는 </a:t>
+            </a:r>
+            <a:r>
+              <a:rPr lang="en-US" altLang="ko-KR" sz="2400"/>
+              <a:t>RNN</a:t>
+            </a:r>
+            <a:r>
+              <a:rPr lang="ko-KR" altLang="en-US" sz="2400"/>
+              <a:t>과 유사</a:t>
+            </a:r>
+            <a:endParaRPr lang="ko-KR" altLang="en-US" sz="2400"/>
+          </a:p>
+          <a:p>
+            <a:pPr>
+              <a:defRPr lang="ko-KR" altLang="en-US"/>
+            </a:pPr>
+            <a:r>
+              <a:rPr lang="ko-KR" altLang="en-US" sz="2400"/>
+              <a:t>각 노드를 메모리 셀로 대체</a:t>
+            </a:r>
+            <a:endParaRPr lang="ko-KR" altLang="en-US" sz="2400"/>
+          </a:p>
+        </p:txBody>
+      </p:sp>
+      <p:pic>
+        <p:nvPicPr>
+          <p:cNvPr id="4" name=""/>
+          <p:cNvPicPr>
+            <a:picLocks noChangeAspect="1"/>
+          </p:cNvPicPr>
+          <p:nvPr/>
+        </p:nvPicPr>
+        <p:blipFill rotWithShape="1">
+          <a:blip r:embed="rId2"/>
+          <a:stretch>
+            <a:fillRect/>
+          </a:stretch>
+        </p:blipFill>
+        <p:spPr>
+          <a:xfrm>
+            <a:off x="4572000" y="4149090"/>
+            <a:ext cx="3971544" cy="2374876"/>
+          </a:xfrm>
+          <a:prstGeom prst="rect">
+            <a:avLst/>
+          </a:prstGeom>
+          <a:ln>
+            <a:solidFill>
+              <a:schemeClr val="tx1"/>
+            </a:solidFill>
+            <a:prstDash val="solid"/>
+          </a:ln>
+        </p:spPr>
+      </p:pic>
+    </p:spTree>
+  </p:cSld>
+  <p:clrMapOvr>
+    <a:masterClrMapping/>
+  </p:clrMapOvr>
+  <mc:AlternateContent xmlns:mc="http://schemas.openxmlformats.org/markup-compatibility/2006">
+    <mc:Choice xmlns:p14="http://schemas.microsoft.com/office/powerpoint/2010/main" Requires="p14">
+      <p:transition xmlns:mc="http://schemas.openxmlformats.org/markup-compatibility/2006" xmlns:p14="http://schemas.microsoft.com/office/powerpoint/2010/main" mc:Ignorable="p14" p14:dur="500"/>
+    </mc:Choice>
+    <mc:Fallback>
+      <p:transition/>
+    </mc:Fallback>
+  </mc:AlternateContent>
+</p:sld>
+</file>
+
+<file path=ppt/slides/slide13.xml><?xml version="1.0" encoding="utf-8"?>
+<p:sld xmlns:r="http://schemas.openxmlformats.org/officeDocument/2006/relationships" xmlns:c="http://schemas.openxmlformats.org/drawingml/2006/chart" xmlns:a="http://schemas.openxmlformats.org/drawingml/2006/main" xmlns:dgm="http://schemas.openxmlformats.org/drawingml/2006/diagram" xmlns:dsp="http://schemas.microsoft.com/office/drawing/2008/diagram" xmlns:p="http://schemas.openxmlformats.org/presentationml/2006/main">
+  <p:cSld>
+    <p:spTree>
+      <p:nvGrpSpPr>
+        <p:cNvPr id="1" name=""/>
+        <p:cNvGrpSpPr/>
+        <p:nvPr/>
+      </p:nvGrpSpPr>
+      <p:grpSpPr>
+        <a:xfrm>
+          <a:off x="0" y="0"/>
+          <a:ext cx="0" cy="0"/>
+          <a:chOff x="0" y="0"/>
+          <a:chExt cx="0" cy="0"/>
+        </a:xfrm>
+      </p:grpSpPr>
+      <p:sp>
+        <p:nvSpPr>
+          <p:cNvPr id="4" name=""/>
+          <p:cNvSpPr txBox="1"/>
+          <p:nvPr/>
+        </p:nvSpPr>
+        <p:spPr>
+          <a:xfrm>
+            <a:off x="1907667" y="3429000"/>
+            <a:ext cx="5616702" cy="360045"/>
+          </a:xfrm>
+          <a:prstGeom prst="rect">
+            <a:avLst/>
+          </a:prstGeom>
+        </p:spPr>
+        <p:txBody>
+          <a:bodyPr wrap="square">
+            <a:spAutoFit/>
+          </a:bodyPr>
+          <a:p>
+            <a:pPr marL="257040" indent="-257040">
+              <a:buFont typeface="Arial"/>
+              <a:buNone/>
+              <a:defRPr lang="ko-KR" altLang="en-US"/>
+            </a:pPr>
+            <a:r>
+              <a:rPr lang="en-US" altLang="ko-KR"/>
+              <a:t>Compare CNN and RNN</a:t>
+            </a:r>
+            <a:endParaRPr lang="en-US" altLang="ko-KR"/>
+          </a:p>
+        </p:txBody>
+      </p:sp>
+    </p:spTree>
+  </p:cSld>
+  <p:clrMapOvr>
+    <a:masterClrMapping/>
+  </p:clrMapOvr>
+  <mc:AlternateContent xmlns:mc="http://schemas.openxmlformats.org/markup-compatibility/2006">
+    <mc:Choice xmlns:p14="http://schemas.microsoft.com/office/powerpoint/2010/main" Requires="p14">
+      <p:transition xmlns:mc="http://schemas.openxmlformats.org/markup-compatibility/2006" xmlns:p14="http://schemas.microsoft.com/office/powerpoint/2010/main" mc:Ignorable="p14" p14:dur="500"/>
+    </mc:Choice>
+    <mc:Fallback>
+      <p:transition/>
+    </mc:Fallback>
+  </mc:AlternateContent>
+</p:sld>
+</file>
+
+<file path=ppt/slides/slide14.xml><?xml version="1.0" encoding="utf-8"?>
+<p:sld xmlns:r="http://schemas.openxmlformats.org/officeDocument/2006/relationships" xmlns:c="http://schemas.openxmlformats.org/drawingml/2006/chart" xmlns:a="http://schemas.openxmlformats.org/drawingml/2006/main" xmlns:dgm="http://schemas.openxmlformats.org/drawingml/2006/diagram" xmlns:dsp="http://schemas.microsoft.com/office/drawing/2008/diagram" xmlns:p="http://schemas.openxmlformats.org/presentationml/2006/main">
+  <p:cSld>
+    <p:spTree>
+      <p:nvGrpSpPr>
+        <p:cNvPr id="1" name=""/>
+        <p:cNvGrpSpPr/>
+        <p:nvPr/>
+      </p:nvGrpSpPr>
+      <p:grpSpPr>
+        <a:xfrm>
+          <a:off x="0" y="0"/>
+          <a:ext cx="0" cy="0"/>
+          <a:chOff x="0" y="0"/>
+          <a:chExt cx="0" cy="0"/>
+        </a:xfrm>
+      </p:grpSpPr>
+      <p:sp>
+        <p:nvSpPr>
+          <p:cNvPr id="2" name="제목 1"/>
+          <p:cNvSpPr>
+            <a:spLocks noGrp="1"/>
+          </p:cNvSpPr>
+          <p:nvPr>
+            <p:ph type="title" idx="0"/>
+          </p:nvPr>
+        </p:nvSpPr>
+        <p:spPr/>
+        <p:txBody>
+          <a:bodyPr/>
+          <a:lstStyle/>
+          <a:p>
+            <a:pPr algn="l">
+              <a:defRPr lang="ko-KR" altLang="en-US"/>
+            </a:pPr>
+            <a:r>
+              <a:rPr lang="en-US" altLang="ko-KR"/>
+              <a:t>CNN</a:t>
+            </a:r>
+            <a:r>
+              <a:rPr lang="ko-KR" altLang="en-US"/>
+              <a:t>과 </a:t>
+            </a:r>
+            <a:r>
+              <a:rPr lang="en-US" altLang="ko-KR"/>
+              <a:t>RNN</a:t>
+            </a:r>
+            <a:r>
+              <a:rPr lang="ko-KR" altLang="en-US"/>
+              <a:t> 비교</a:t>
+            </a:r>
+            <a:endParaRPr lang="ko-KR" altLang="en-US"/>
+          </a:p>
+        </p:txBody>
+      </p:sp>
+      <p:sp>
+        <p:nvSpPr>
+          <p:cNvPr id="3" name="내용 개체 틀 2"/>
+          <p:cNvSpPr>
+            <a:spLocks noGrp="1"/>
+          </p:cNvSpPr>
+          <p:nvPr>
+            <p:ph idx="1"/>
+          </p:nvPr>
+        </p:nvSpPr>
+        <p:spPr/>
+        <p:txBody>
+          <a:bodyPr/>
+          <a:lstStyle/>
+          <a:p>
+            <a:pPr>
+              <a:buNone/>
+              <a:defRPr lang="ko-KR" altLang="en-US"/>
+            </a:pPr>
+            <a:r>
+              <a:rPr lang="ko-KR" altLang="en-US" sz="1500"/>
+              <a:t>1. 최근 </a:t>
+            </a:r>
+            <a:r>
+              <a:rPr lang="en-US" altLang="ko-KR" sz="1500"/>
+              <a:t>CNN</a:t>
+            </a:r>
+            <a:r>
+              <a:rPr lang="ko-KR" altLang="en-US" sz="1500"/>
+              <a:t>과 </a:t>
+            </a:r>
+            <a:r>
+              <a:rPr lang="en-US" altLang="ko-KR" sz="1500"/>
+              <a:t>RNN</a:t>
+            </a:r>
+            <a:r>
+              <a:rPr lang="ko-KR" altLang="en-US" sz="1500"/>
+              <a:t>의 비교를 통해 각 분야별로 최적의 모델을 사용하는 추세</a:t>
+            </a:r>
+            <a:endParaRPr lang="ko-KR" altLang="en-US" sz="1500"/>
+          </a:p>
+          <a:p>
+            <a:pPr>
+              <a:buNone/>
+              <a:defRPr lang="ko-KR" altLang="en-US"/>
+            </a:pPr>
+            <a:r>
+              <a:rPr lang="ko-KR" altLang="en-US" sz="1500"/>
+              <a:t>2. </a:t>
+            </a:r>
+            <a:r>
+              <a:rPr lang="en-US" altLang="ko-KR" sz="1500"/>
+              <a:t>CNN</a:t>
+            </a:r>
+            <a:r>
+              <a:rPr lang="ko-KR" altLang="en-US" sz="1500"/>
+              <a:t>은 시각적 특성만을 추측하고, 분류하는 것에 최적 </a:t>
+            </a:r>
+            <a:endParaRPr lang="ko-KR" altLang="en-US" sz="1500"/>
+          </a:p>
+          <a:p>
+            <a:pPr>
+              <a:buNone/>
+              <a:defRPr lang="ko-KR" altLang="en-US"/>
+            </a:pPr>
+            <a:r>
+              <a:rPr lang="ko-KR" altLang="en-US" sz="1500"/>
+              <a:t>	</a:t>
+            </a:r>
+            <a:r>
+              <a:rPr lang="en-US" altLang="ko-KR" sz="1500"/>
+              <a:t>ex) CCTV</a:t>
+            </a:r>
+            <a:r>
+              <a:rPr lang="ko-KR" altLang="en-US" sz="1500"/>
+              <a:t>를 통한 차량 번호 분석, 새틀레이트 촬영을 통한 이미지 인식, 스마트폰 얼굴 인식</a:t>
+            </a:r>
+            <a:endParaRPr lang="ko-KR" altLang="en-US" sz="1500"/>
+          </a:p>
+          <a:p>
+            <a:pPr>
+              <a:buNone/>
+              <a:defRPr lang="ko-KR" altLang="en-US"/>
+            </a:pPr>
+            <a:r>
+              <a:rPr lang="ko-KR" altLang="en-US" sz="1500"/>
+              <a:t>3. </a:t>
+            </a:r>
+            <a:r>
+              <a:rPr lang="en-US" altLang="ko-KR" sz="1500"/>
+              <a:t>RNN</a:t>
+            </a:r>
+            <a:r>
+              <a:rPr lang="ko-KR" altLang="en-US" sz="1500"/>
+              <a:t>은 시계열 정보를 토대로 미래를 예측하는 것에 최적</a:t>
+            </a:r>
+            <a:endParaRPr lang="ko-KR" altLang="en-US" sz="1500"/>
+          </a:p>
+          <a:p>
+            <a:pPr>
+              <a:buNone/>
+              <a:defRPr lang="ko-KR" altLang="en-US"/>
+            </a:pPr>
+            <a:r>
+              <a:rPr lang="ko-KR" altLang="en-US" sz="1500"/>
+              <a:t>	</a:t>
+            </a:r>
+            <a:r>
+              <a:rPr lang="en-US" altLang="ko-KR" sz="1500"/>
+              <a:t>ex) </a:t>
+            </a:r>
+            <a:r>
+              <a:rPr lang="ko-KR" altLang="en-US" sz="1500"/>
+              <a:t>주식 예측</a:t>
+            </a:r>
+            <a:endParaRPr lang="ko-KR" altLang="en-US" sz="1500"/>
+          </a:p>
+          <a:p>
+            <a:pPr>
+              <a:buNone/>
+              <a:defRPr lang="ko-KR" altLang="en-US"/>
+            </a:pPr>
+            <a:r>
+              <a:rPr lang="ko-KR" altLang="en-US" sz="1500"/>
+              <a:t>4. </a:t>
+            </a:r>
+            <a:endParaRPr lang="ko-KR" altLang="en-US" sz="1500"/>
           </a:p>
         </p:txBody>
       </p:sp>
@@ -4281,7 +4837,7 @@
         <p:spPr>
           <a:xfrm>
             <a:off x="1043551" y="2974657"/>
-            <a:ext cx="6696837" cy="909638"/>
+            <a:ext cx="6696837" cy="1185863"/>
           </a:xfrm>
           <a:prstGeom prst="rect">
             <a:avLst/>
@@ -4320,6 +4876,18 @@
             <a:r>
               <a:rPr lang="en-US" altLang="ko-KR"/>
               <a:t>RNN model</a:t>
+            </a:r>
+            <a:endParaRPr lang="en-US" altLang="ko-KR"/>
+          </a:p>
+          <a:p>
+            <a:pPr marL="257040" indent="-257040">
+              <a:buFont typeface="Arial"/>
+              <a:buChar char="•"/>
+              <a:defRPr lang="ko-KR" altLang="en-US"/>
+            </a:pPr>
+            <a:r>
+              <a:rPr lang="en-US" altLang="ko-KR"/>
+              <a:t>Compare CNN and RNN</a:t>
             </a:r>
             <a:endParaRPr lang="en-US" altLang="ko-KR"/>
           </a:p>

--- a/CNN-RNN-efficientDeeplearningSeminar/Compare CNN and RNN  and then efficient scheduling.pptx
+++ b/CNN-RNN-efficientDeeplearningSeminar/Compare CNN and RNN  and then efficient scheduling.pptx
@@ -2,7 +2,7 @@
 <file path=ppt/presentation.xml><?xml version="1.0" encoding="utf-8"?>
 <p:presentation xmlns:r="http://schemas.openxmlformats.org/officeDocument/2006/relationships" xmlns:c="http://schemas.openxmlformats.org/drawingml/2006/chart" xmlns:a="http://schemas.openxmlformats.org/drawingml/2006/main" xmlns:dgm="http://schemas.openxmlformats.org/drawingml/2006/diagram" xmlns:dsp="http://schemas.microsoft.com/office/drawing/2008/diagram" xmlns:p="http://schemas.openxmlformats.org/presentationml/2006/main" saveSubsetFonts="1">
   <p:sldMasterIdLst>
-    <p:sldMasterId id="2147483730" r:id="rId1"/>
+    <p:sldMasterId id="2147483721" r:id="rId1"/>
   </p:sldMasterIdLst>
   <p:notesMasterIdLst>
     <p:notesMasterId r:id="rId2"/>
@@ -22,6 +22,8 @@
     <p:sldId id="267" r:id="rId14"/>
     <p:sldId id="268" r:id="rId15"/>
     <p:sldId id="269" r:id="rId16"/>
+    <p:sldId id="270" r:id="rId17"/>
+    <p:sldId id="271" r:id="rId18"/>
   </p:sldIdLst>
   <p:sldSz cx="9144000" cy="6858000" type="screen4x3"/>
   <p:notesSz cx="6858000" cy="9144000"/>
@@ -218,7 +220,7 @@
               <a:pPr lvl="0">
                 <a:defRPr lang="ko-KR" altLang="en-US"/>
               </a:pPr>
-              <a:t>2018-06-26</a:t>
+              <a:t>2018-06-27</a:t>
             </a:fld>
             <a:endParaRPr lang="ko-KR" altLang="en-US"/>
           </a:p>
@@ -4657,10 +4659,6 @@
               <a:rPr lang="en-US" altLang="ko-KR"/>
               <a:t>RNN</a:t>
             </a:r>
-            <a:r>
-              <a:rPr lang="ko-KR" altLang="en-US"/>
-              <a:t> 비교</a:t>
-            </a:r>
             <a:endParaRPr lang="ko-KR" altLang="en-US"/>
           </a:p>
         </p:txBody>
@@ -4740,7 +4738,7 @@
             </a:r>
             <a:r>
               <a:rPr lang="ko-KR" altLang="en-US" sz="1500"/>
-              <a:t>를 통한 차량 번호 분석, 새틀레이트 촬영을 통한 이미지 인식, 스마트폰 얼굴 인식</a:t>
+              <a:t>를 통한 차량 번호 분석, 이미지 또는 영상 인식 등</a:t>
             </a:r>
             <a:endParaRPr lang="ko-KR" altLang="en-US" sz="1500"/>
           </a:p>
@@ -4778,7 +4776,7 @@
             </a:r>
             <a:r>
               <a:rPr lang="ko-KR" altLang="en-US" sz="1500"/>
-              <a:t>주식 예측</a:t>
+              <a:t>주식 예측, 질의 응답, 검색어 추천 등</a:t>
             </a:r>
             <a:endParaRPr lang="ko-KR" altLang="en-US" sz="1500"/>
           </a:p>
@@ -4792,6 +4790,157 @@
               <a:t>4. </a:t>
             </a:r>
             <a:endParaRPr lang="ko-KR" altLang="en-US" sz="1500"/>
+          </a:p>
+        </p:txBody>
+      </p:sp>
+    </p:spTree>
+  </p:cSld>
+  <p:clrMapOvr>
+    <a:masterClrMapping/>
+  </p:clrMapOvr>
+  <mc:AlternateContent xmlns:mc="http://schemas.openxmlformats.org/markup-compatibility/2006">
+    <mc:Choice xmlns:p14="http://schemas.microsoft.com/office/powerpoint/2010/main" Requires="p14">
+      <p:transition xmlns:mc="http://schemas.openxmlformats.org/markup-compatibility/2006" xmlns:p14="http://schemas.microsoft.com/office/powerpoint/2010/main" mc:Ignorable="p14" p14:dur="500"/>
+    </mc:Choice>
+    <mc:Fallback>
+      <p:transition/>
+    </mc:Fallback>
+  </mc:AlternateContent>
+</p:sld>
+</file>
+
+<file path=ppt/slides/slide15.xml><?xml version="1.0" encoding="utf-8"?>
+<p:sld xmlns:r="http://schemas.openxmlformats.org/officeDocument/2006/relationships" xmlns:c="http://schemas.openxmlformats.org/drawingml/2006/chart" xmlns:a="http://schemas.openxmlformats.org/drawingml/2006/main" xmlns:dgm="http://schemas.openxmlformats.org/drawingml/2006/diagram" xmlns:dsp="http://schemas.microsoft.com/office/drawing/2008/diagram" xmlns:p="http://schemas.openxmlformats.org/presentationml/2006/main">
+  <p:cSld>
+    <p:spTree>
+      <p:nvGrpSpPr>
+        <p:cNvPr id="1" name=""/>
+        <p:cNvGrpSpPr/>
+        <p:nvPr/>
+      </p:nvGrpSpPr>
+      <p:grpSpPr>
+        <a:xfrm>
+          <a:off x="0" y="0"/>
+          <a:ext cx="0" cy="0"/>
+          <a:chOff x="0" y="0"/>
+          <a:chExt cx="0" cy="0"/>
+        </a:xfrm>
+      </p:grpSpPr>
+      <p:sp>
+        <p:nvSpPr>
+          <p:cNvPr id="4" name=""/>
+          <p:cNvSpPr txBox="1"/>
+          <p:nvPr/>
+        </p:nvSpPr>
+        <p:spPr>
+          <a:xfrm>
+            <a:off x="1907667" y="3429000"/>
+            <a:ext cx="5616702" cy="360045"/>
+          </a:xfrm>
+          <a:prstGeom prst="rect">
+            <a:avLst/>
+          </a:prstGeom>
+        </p:spPr>
+        <p:txBody>
+          <a:bodyPr wrap="square">
+            <a:spAutoFit/>
+          </a:bodyPr>
+          <a:p>
+            <a:pPr marL="257040" indent="-257040">
+              <a:buFont typeface="Arial"/>
+              <a:buNone/>
+              <a:defRPr lang="ko-KR" altLang="en-US"/>
+            </a:pPr>
+            <a:r>
+              <a:rPr lang="en-US" altLang="ko-KR"/>
+              <a:t>Distributed </a:t>
+            </a:r>
+            <a:endParaRPr lang="en-US" altLang="ko-KR"/>
+          </a:p>
+        </p:txBody>
+      </p:sp>
+    </p:spTree>
+  </p:cSld>
+  <p:clrMapOvr>
+    <a:masterClrMapping/>
+  </p:clrMapOvr>
+  <mc:AlternateContent xmlns:mc="http://schemas.openxmlformats.org/markup-compatibility/2006">
+    <mc:Choice xmlns:p14="http://schemas.microsoft.com/office/powerpoint/2010/main" Requires="p14">
+      <p:transition xmlns:mc="http://schemas.openxmlformats.org/markup-compatibility/2006" xmlns:p14="http://schemas.microsoft.com/office/powerpoint/2010/main" mc:Ignorable="p14" p14:dur="500"/>
+    </mc:Choice>
+    <mc:Fallback>
+      <p:transition/>
+    </mc:Fallback>
+  </mc:AlternateContent>
+</p:sld>
+</file>
+
+<file path=ppt/slides/slide16.xml><?xml version="1.0" encoding="utf-8"?>
+<p:sld xmlns:r="http://schemas.openxmlformats.org/officeDocument/2006/relationships" xmlns:c="http://schemas.openxmlformats.org/drawingml/2006/chart" xmlns:a="http://schemas.openxmlformats.org/drawingml/2006/main" xmlns:dgm="http://schemas.openxmlformats.org/drawingml/2006/diagram" xmlns:dsp="http://schemas.microsoft.com/office/drawing/2008/diagram" xmlns:p="http://schemas.openxmlformats.org/presentationml/2006/main">
+  <p:cSld>
+    <p:spTree>
+      <p:nvGrpSpPr>
+        <p:cNvPr id="1" name=""/>
+        <p:cNvGrpSpPr/>
+        <p:nvPr/>
+      </p:nvGrpSpPr>
+      <p:grpSpPr>
+        <a:xfrm>
+          <a:off x="0" y="0"/>
+          <a:ext cx="0" cy="0"/>
+          <a:chOff x="0" y="0"/>
+          <a:chExt cx="0" cy="0"/>
+        </a:xfrm>
+      </p:grpSpPr>
+      <p:sp>
+        <p:nvSpPr>
+          <p:cNvPr id="2" name="제목 1"/>
+          <p:cNvSpPr>
+            <a:spLocks noGrp="1"/>
+          </p:cNvSpPr>
+          <p:nvPr>
+            <p:ph type="title" idx="0"/>
+          </p:nvPr>
+        </p:nvSpPr>
+        <p:spPr/>
+        <p:txBody>
+          <a:bodyPr/>
+          <a:lstStyle/>
+          <a:p>
+            <a:pPr>
+              <a:defRPr lang="ko-KR" altLang="en-US"/>
+            </a:pPr>
+            <a:r>
+              <a:rPr lang="ko-KR" altLang="en-US"/>
+              <a:t/>
+            </a:r>
+            <a:endParaRPr lang="ko-KR" altLang="en-US"/>
+          </a:p>
+        </p:txBody>
+      </p:sp>
+      <p:sp>
+        <p:nvSpPr>
+          <p:cNvPr id="3" name="내용 개체 틀 2"/>
+          <p:cNvSpPr>
+            <a:spLocks noGrp="1"/>
+          </p:cNvSpPr>
+          <p:nvPr>
+            <p:ph idx="1"/>
+          </p:nvPr>
+        </p:nvSpPr>
+        <p:spPr/>
+        <p:txBody>
+          <a:bodyPr/>
+          <a:lstStyle/>
+          <a:p>
+            <a:pPr>
+              <a:defRPr lang="ko-KR" altLang="en-US"/>
+            </a:pPr>
+            <a:r>
+              <a:rPr lang="ko-KR" altLang="en-US"/>
+              <a:t/>
+            </a:r>
+            <a:endParaRPr lang="ko-KR" altLang="en-US"/>
           </a:p>
         </p:txBody>
       </p:sp>

--- a/CNN-RNN-efficientDeeplearningSeminar/Compare CNN and RNN  and then efficient scheduling.pptx
+++ b/CNN-RNN-efficientDeeplearningSeminar/Compare CNN and RNN  and then efficient scheduling.pptx
@@ -2,7 +2,7 @@
 <file path=ppt/presentation.xml><?xml version="1.0" encoding="utf-8"?>
 <p:presentation xmlns:r="http://schemas.openxmlformats.org/officeDocument/2006/relationships" xmlns:c="http://schemas.openxmlformats.org/drawingml/2006/chart" xmlns:a="http://schemas.openxmlformats.org/drawingml/2006/main" xmlns:dgm="http://schemas.openxmlformats.org/drawingml/2006/diagram" xmlns:dsp="http://schemas.microsoft.com/office/drawing/2008/diagram" xmlns:p="http://schemas.openxmlformats.org/presentationml/2006/main" saveSubsetFonts="1">
   <p:sldMasterIdLst>
-    <p:sldMasterId id="2147483721" r:id="rId1"/>
+    <p:sldMasterId id="2147483733" r:id="rId1"/>
   </p:sldMasterIdLst>
   <p:notesMasterIdLst>
     <p:notesMasterId r:id="rId2"/>
@@ -24,6 +24,11 @@
     <p:sldId id="269" r:id="rId16"/>
     <p:sldId id="270" r:id="rId17"/>
     <p:sldId id="271" r:id="rId18"/>
+    <p:sldId id="272" r:id="rId19"/>
+    <p:sldId id="273" r:id="rId20"/>
+    <p:sldId id="274" r:id="rId21"/>
+    <p:sldId id="275" r:id="rId22"/>
+    <p:sldId id="276" r:id="rId23"/>
   </p:sldIdLst>
   <p:sldSz cx="9144000" cy="6858000" type="screen4x3"/>
   <p:notesSz cx="6858000" cy="9144000"/>
@@ -220,7 +225,7 @@
               <a:pPr lvl="0">
                 <a:defRPr lang="ko-KR" altLang="en-US"/>
               </a:pPr>
-              <a:t>2018-06-27</a:t>
+              <a:t>2018-06-29</a:t>
             </a:fld>
             <a:endParaRPr lang="ko-KR" altLang="en-US"/>
           </a:p>
@@ -4834,8 +4839,8 @@
         </p:nvSpPr>
         <p:spPr>
           <a:xfrm>
-            <a:off x="1907667" y="3429000"/>
-            <a:ext cx="5616702" cy="360045"/>
+            <a:off x="1763649" y="2563177"/>
+            <a:ext cx="5616702" cy="2006918"/>
           </a:xfrm>
           <a:prstGeom prst="rect">
             <a:avLst/>
@@ -4853,9 +4858,93 @@
             </a:pPr>
             <a:r>
               <a:rPr lang="en-US" altLang="ko-KR"/>
-              <a:t>Distributed </a:t>
+              <a:t>Efficient scheduling for deep learning task</a:t>
             </a:r>
             <a:endParaRPr lang="en-US" altLang="ko-KR"/>
+          </a:p>
+          <a:p>
+            <a:pPr marL="257040" indent="-257040">
+              <a:buFont typeface="Arial"/>
+              <a:buNone/>
+              <a:defRPr lang="ko-KR" altLang="en-US"/>
+            </a:pPr>
+            <a:r>
+              <a:rPr lang="ko-KR" altLang="en-US"/>
+              <a:t>	- </a:t>
+            </a:r>
+            <a:r>
+              <a:rPr lang="en-US" altLang="ko-KR"/>
+              <a:t>Term</a:t>
+            </a:r>
+            <a:endParaRPr lang="en-US" altLang="ko-KR"/>
+          </a:p>
+          <a:p>
+            <a:pPr marL="257040" indent="-257040">
+              <a:buFont typeface="Arial"/>
+              <a:buNone/>
+              <a:defRPr lang="ko-KR" altLang="en-US"/>
+            </a:pPr>
+            <a:r>
+              <a:rPr lang="en-US" altLang="ko-KR"/>
+              <a:t>	- Parallelism</a:t>
+            </a:r>
+            <a:endParaRPr lang="en-US" altLang="ko-KR"/>
+          </a:p>
+          <a:p>
+            <a:pPr marL="257040" indent="-257040">
+              <a:buFont typeface="Arial"/>
+              <a:buNone/>
+              <a:defRPr lang="ko-KR" altLang="en-US"/>
+            </a:pPr>
+            <a:r>
+              <a:rPr lang="en-US" altLang="ko-KR"/>
+              <a:t>	- Distributed Tensorflow</a:t>
+            </a:r>
+            <a:endParaRPr lang="en-US" altLang="ko-KR"/>
+          </a:p>
+          <a:p>
+            <a:pPr marL="257040" indent="-257040">
+              <a:buFont typeface="Arial"/>
+              <a:buNone/>
+              <a:defRPr lang="ko-KR" altLang="en-US"/>
+            </a:pPr>
+            <a:r>
+              <a:rPr lang="ko-KR" altLang="en-US"/>
+              <a:t>	-</a:t>
+            </a:r>
+            <a:r>
+              <a:rPr lang="en-US" altLang="ko-KR"/>
+              <a:t> Synchronous and asynchronous</a:t>
+            </a:r>
+            <a:endParaRPr lang="en-US" altLang="ko-KR"/>
+          </a:p>
+          <a:p>
+            <a:pPr marL="257040" indent="-257040">
+              <a:buFont typeface="Arial"/>
+              <a:buNone/>
+              <a:defRPr lang="ko-KR" altLang="en-US"/>
+            </a:pPr>
+            <a:r>
+              <a:rPr lang="ko-KR" altLang="en-US"/>
+              <a:t>	- </a:t>
+            </a:r>
+            <a:r>
+              <a:rPr lang="en-US" altLang="ko-KR"/>
+              <a:t>Parameter server</a:t>
+            </a:r>
+            <a:endParaRPr lang="en-US" altLang="ko-KR"/>
+          </a:p>
+          <a:p>
+            <a:pPr marL="257040" indent="-257040">
+              <a:buFont typeface="Arial"/>
+              <a:buNone/>
+              <a:defRPr lang="ko-KR" altLang="en-US"/>
+            </a:pPr>
+            <a:r>
+              <a:rPr lang="ko-KR" altLang="en-US"/>
+              <a:t>	- 학습 단계별 소모되는 시간</a:t>
+            </a:r>
+            <a:endParaRPr lang="ko-KR" altLang="en-US"/>
           </a:p>
         </p:txBody>
       </p:sp>
@@ -4907,14 +4996,123 @@
           <a:bodyPr/>
           <a:lstStyle/>
           <a:p>
+            <a:pPr algn="l">
+              <a:defRPr lang="ko-KR" altLang="en-US"/>
+            </a:pPr>
+            <a:r>
+              <a:rPr lang="en-US" altLang="ko-KR"/>
+              <a:t>Term</a:t>
+            </a:r>
+            <a:endParaRPr lang="en-US" altLang="ko-KR"/>
+          </a:p>
+        </p:txBody>
+      </p:sp>
+      <p:sp>
+        <p:nvSpPr>
+          <p:cNvPr id="3" name="내용 개체 틀 2"/>
+          <p:cNvSpPr>
+            <a:spLocks noGrp="1"/>
+          </p:cNvSpPr>
+          <p:nvPr>
+            <p:ph idx="1"/>
+          </p:nvPr>
+        </p:nvSpPr>
+        <p:spPr/>
+        <p:txBody>
+          <a:bodyPr/>
+          <a:lstStyle/>
+          <a:p>
             <a:pPr>
               <a:defRPr lang="ko-KR" altLang="en-US"/>
             </a:pPr>
             <a:r>
-              <a:rPr lang="ko-KR" altLang="en-US"/>
-              <a:t/>
-            </a:r>
-            <a:endParaRPr lang="ko-KR" altLang="en-US"/>
+              <a:rPr lang="en-US" altLang="ko-KR" sz="1700"/>
+              <a:t>Mini-batch size:</a:t>
+            </a:r>
+            <a:r>
+              <a:rPr lang="ko-KR" altLang="en-US" sz="1700"/>
+              <a:t> 전체 데이터셋 중 각 학습 작업에 사용되는 데이터 크기</a:t>
+            </a:r>
+            <a:endParaRPr lang="ko-KR" altLang="en-US" sz="1700"/>
+          </a:p>
+          <a:p>
+            <a:pPr>
+              <a:defRPr lang="ko-KR" altLang="en-US"/>
+            </a:pPr>
+            <a:r>
+              <a:rPr lang="en-US" altLang="ko-KR" sz="1700"/>
+              <a:t>Epoch : </a:t>
+            </a:r>
+            <a:r>
+              <a:rPr lang="ko-KR" altLang="en-US" sz="1700"/>
+              <a:t>딥러닝 모델을 따라 학습이 1회 완료</a:t>
+            </a:r>
+            <a:endParaRPr lang="ko-KR" altLang="en-US" sz="1700"/>
+          </a:p>
+          <a:p>
+            <a:pPr>
+              <a:defRPr lang="ko-KR" altLang="en-US"/>
+            </a:pPr>
+            <a:endParaRPr lang="ko-KR" altLang="en-US" sz="1700"/>
+          </a:p>
+        </p:txBody>
+      </p:sp>
+    </p:spTree>
+  </p:cSld>
+  <p:clrMapOvr>
+    <a:masterClrMapping/>
+  </p:clrMapOvr>
+  <mc:AlternateContent xmlns:mc="http://schemas.openxmlformats.org/markup-compatibility/2006">
+    <mc:Choice xmlns:p14="http://schemas.microsoft.com/office/powerpoint/2010/main" Requires="p14">
+      <p:transition xmlns:mc="http://schemas.openxmlformats.org/markup-compatibility/2006" xmlns:p14="http://schemas.microsoft.com/office/powerpoint/2010/main" mc:Ignorable="p14" p14:dur="500"/>
+    </mc:Choice>
+    <mc:Fallback>
+      <p:transition/>
+    </mc:Fallback>
+  </mc:AlternateContent>
+</p:sld>
+</file>
+
+<file path=ppt/slides/slide17.xml><?xml version="1.0" encoding="utf-8"?>
+<p:sld xmlns:r="http://schemas.openxmlformats.org/officeDocument/2006/relationships" xmlns:c="http://schemas.openxmlformats.org/drawingml/2006/chart" xmlns:a="http://schemas.openxmlformats.org/drawingml/2006/main" xmlns:dgm="http://schemas.openxmlformats.org/drawingml/2006/diagram" xmlns:dsp="http://schemas.microsoft.com/office/drawing/2008/diagram" xmlns:p="http://schemas.openxmlformats.org/presentationml/2006/main">
+  <p:cSld>
+    <p:spTree>
+      <p:nvGrpSpPr>
+        <p:cNvPr id="1" name=""/>
+        <p:cNvGrpSpPr/>
+        <p:nvPr/>
+      </p:nvGrpSpPr>
+      <p:grpSpPr>
+        <a:xfrm>
+          <a:off x="0" y="0"/>
+          <a:ext cx="0" cy="0"/>
+          <a:chOff x="0" y="0"/>
+          <a:chExt cx="0" cy="0"/>
+        </a:xfrm>
+      </p:grpSpPr>
+      <p:sp>
+        <p:nvSpPr>
+          <p:cNvPr id="2" name="제목 1"/>
+          <p:cNvSpPr>
+            <a:spLocks noGrp="1"/>
+          </p:cNvSpPr>
+          <p:nvPr>
+            <p:ph type="title" idx="0"/>
+          </p:nvPr>
+        </p:nvSpPr>
+        <p:spPr/>
+        <p:txBody>
+          <a:bodyPr/>
+          <a:lstStyle/>
+          <a:p>
+            <a:pPr algn="l">
+              <a:defRPr lang="ko-KR" altLang="en-US"/>
+            </a:pPr>
+            <a:r>
+              <a:rPr lang="en-US" altLang="ko-KR"/>
+              <a:t>Distributed Neural Network</a:t>
+            </a:r>
+            <a:endParaRPr lang="en-US" altLang="ko-KR"/>
           </a:p>
         </p:txBody>
       </p:sp>
@@ -4937,10 +5135,389 @@
               <a:defRPr lang="ko-KR" altLang="en-US"/>
             </a:pPr>
             <a:r>
-              <a:rPr lang="ko-KR" altLang="en-US"/>
-              <a:t/>
-            </a:r>
-            <a:endParaRPr lang="ko-KR" altLang="en-US"/>
+              <a:rPr lang="en-US" altLang="ko-KR" sz="2600"/>
+              <a:t>Model parallelism : </a:t>
+            </a:r>
+            <a:r>
+              <a:rPr lang="ko-KR" altLang="en-US" sz="2600"/>
+              <a:t>뉴럴네트워크 모델을 사용함에 있어, 일부 분야에서는 모델의 크기가 매우 크고, </a:t>
+            </a:r>
+            <a:r>
+              <a:rPr lang="en-US" altLang="ko-KR" sz="2600"/>
+              <a:t>GPU</a:t>
+            </a:r>
+            <a:r>
+              <a:rPr lang="ko-KR" altLang="en-US" sz="2600"/>
+              <a:t> 메모리로는 이를 모두 적재할 수 없다.</a:t>
+            </a:r>
+            <a:r>
+              <a:rPr lang="en-US" altLang="ko-KR" sz="2600"/>
+              <a:t> </a:t>
+            </a:r>
+            <a:r>
+              <a:rPr lang="ko-KR" altLang="en-US" sz="2600"/>
+              <a:t>따라서 </a:t>
+            </a:r>
+            <a:r>
+              <a:rPr lang="ko-KR" altLang="en-US" sz="2600">
+                <a:solidFill>
+                  <a:srgbClr val="008000"/>
+                </a:solidFill>
+              </a:rPr>
+              <a:t>하나의 모델을 다수의 장치에 나누어 저장한다.</a:t>
+            </a:r>
+            <a:endParaRPr lang="ko-KR" altLang="en-US" sz="2600"/>
+          </a:p>
+          <a:p>
+            <a:pPr>
+              <a:defRPr lang="ko-KR" altLang="en-US"/>
+            </a:pPr>
+            <a:endParaRPr lang="ko-KR" altLang="en-US" sz="2600"/>
+          </a:p>
+          <a:p>
+            <a:pPr>
+              <a:defRPr lang="ko-KR" altLang="en-US"/>
+            </a:pPr>
+            <a:endParaRPr lang="ko-KR" altLang="en-US" sz="2600"/>
+          </a:p>
+          <a:p>
+            <a:pPr>
+              <a:defRPr lang="ko-KR" altLang="en-US"/>
+            </a:pPr>
+            <a:r>
+              <a:rPr lang="en-US" altLang="ko-KR" sz="2600"/>
+              <a:t>Data parallelism : </a:t>
+            </a:r>
+            <a:r>
+              <a:rPr lang="ko-KR" altLang="en-US" sz="2600"/>
+              <a:t>적당한 크기를 가지는 딥러닝 모델을 각 </a:t>
+            </a:r>
+            <a:r>
+              <a:rPr lang="en-US" altLang="ko-KR" sz="2600"/>
+              <a:t>GPU</a:t>
+            </a:r>
+            <a:r>
+              <a:rPr lang="ko-KR" altLang="en-US" sz="2600"/>
+              <a:t>마다 저장하고, </a:t>
+            </a:r>
+            <a:r>
+              <a:rPr lang="ko-KR" altLang="en-US" sz="2600">
+                <a:solidFill>
+                  <a:srgbClr val="008000"/>
+                </a:solidFill>
+              </a:rPr>
+              <a:t>대량의 학습 데이터를 서로 다르게 분산하여 저장한다.</a:t>
+            </a:r>
+            <a:endParaRPr lang="ko-KR" altLang="en-US" sz="2600">
+              <a:solidFill>
+                <a:srgbClr val="008000"/>
+              </a:solidFill>
+            </a:endParaRPr>
+          </a:p>
+        </p:txBody>
+      </p:sp>
+    </p:spTree>
+  </p:cSld>
+  <p:clrMapOvr>
+    <a:masterClrMapping/>
+  </p:clrMapOvr>
+  <mc:AlternateContent xmlns:mc="http://schemas.openxmlformats.org/markup-compatibility/2006">
+    <mc:Choice xmlns:p14="http://schemas.microsoft.com/office/powerpoint/2010/main" Requires="p14">
+      <p:transition xmlns:mc="http://schemas.openxmlformats.org/markup-compatibility/2006" xmlns:p14="http://schemas.microsoft.com/office/powerpoint/2010/main" mc:Ignorable="p14" p14:dur="500"/>
+    </mc:Choice>
+    <mc:Fallback>
+      <p:transition/>
+    </mc:Fallback>
+  </mc:AlternateContent>
+</p:sld>
+</file>
+
+<file path=ppt/slides/slide18.xml><?xml version="1.0" encoding="utf-8"?>
+<p:sld xmlns:r="http://schemas.openxmlformats.org/officeDocument/2006/relationships" xmlns:c="http://schemas.openxmlformats.org/drawingml/2006/chart" xmlns:a="http://schemas.openxmlformats.org/drawingml/2006/main" xmlns:dgm="http://schemas.openxmlformats.org/drawingml/2006/diagram" xmlns:dsp="http://schemas.microsoft.com/office/drawing/2008/diagram" xmlns:p="http://schemas.openxmlformats.org/presentationml/2006/main">
+  <p:cSld>
+    <p:spTree>
+      <p:nvGrpSpPr>
+        <p:cNvPr id="1" name=""/>
+        <p:cNvGrpSpPr/>
+        <p:nvPr/>
+      </p:nvGrpSpPr>
+      <p:grpSpPr>
+        <a:xfrm>
+          <a:off x="0" y="0"/>
+          <a:ext cx="0" cy="0"/>
+          <a:chOff x="0" y="0"/>
+          <a:chExt cx="0" cy="0"/>
+        </a:xfrm>
+      </p:grpSpPr>
+      <p:sp>
+        <p:nvSpPr>
+          <p:cNvPr id="2" name="제목 1"/>
+          <p:cNvSpPr>
+            <a:spLocks noGrp="1"/>
+          </p:cNvSpPr>
+          <p:nvPr>
+            <p:ph type="title" idx="0"/>
+          </p:nvPr>
+        </p:nvSpPr>
+        <p:spPr/>
+        <p:txBody>
+          <a:bodyPr>
+            <a:normAutofit fontScale="90000"/>
+          </a:bodyPr>
+          <a:lstStyle/>
+          <a:p>
+            <a:pPr marL="257040" indent="-257040" algn="l">
+              <a:buFont typeface="Arial"/>
+              <a:buNone/>
+              <a:defRPr lang="ko-KR" altLang="en-US"/>
+            </a:pPr>
+            <a:r>
+              <a:rPr lang="en-US" altLang="ko-KR"/>
+              <a:t>Synchronous and asynchronous</a:t>
+            </a:r>
+            <a:endParaRPr lang="en-US" altLang="ko-KR"/>
+          </a:p>
+        </p:txBody>
+      </p:sp>
+      <p:sp>
+        <p:nvSpPr>
+          <p:cNvPr id="3" name="내용 개체 틀 2"/>
+          <p:cNvSpPr>
+            <a:spLocks noGrp="1"/>
+          </p:cNvSpPr>
+          <p:nvPr>
+            <p:ph idx="1"/>
+          </p:nvPr>
+        </p:nvSpPr>
+        <p:spPr>
+          <a:xfrm>
+            <a:off x="457200" y="1600200"/>
+            <a:ext cx="8229600" cy="1540764"/>
+          </a:xfrm>
+        </p:spPr>
+        <p:txBody>
+          <a:bodyPr>
+            <a:normAutofit fontScale="92500" lnSpcReduction="20000"/>
+          </a:bodyPr>
+          <a:lstStyle/>
+          <a:p>
+            <a:pPr>
+              <a:defRPr lang="ko-KR" altLang="en-US"/>
+            </a:pPr>
+            <a:r>
+              <a:rPr lang="ko-KR" altLang="en-US" sz="2200"/>
+              <a:t>비동기 학습 : 모델을 업데이트 할 때, 다른 장치를 기다릴 필요가 없다.</a:t>
+            </a:r>
+            <a:endParaRPr lang="ko-KR" altLang="en-US" sz="2200"/>
+          </a:p>
+          <a:p>
+            <a:pPr>
+              <a:defRPr lang="ko-KR" altLang="en-US"/>
+            </a:pPr>
+            <a:endParaRPr lang="ko-KR" altLang="en-US" sz="2200"/>
+          </a:p>
+          <a:p>
+            <a:pPr>
+              <a:defRPr lang="ko-KR" altLang="en-US"/>
+            </a:pPr>
+            <a:r>
+              <a:rPr lang="ko-KR" altLang="en-US" sz="2200"/>
+              <a:t>동기 학습 : 모델을 업데이트 할 때, 다른 장치들이 모두 업데이트를 수행해야만 다음 작업을 진행</a:t>
+            </a:r>
+            <a:endParaRPr lang="ko-KR" altLang="en-US" sz="2200"/>
+          </a:p>
+        </p:txBody>
+      </p:sp>
+      <p:pic>
+        <p:nvPicPr>
+          <p:cNvPr id="4" name=""/>
+          <p:cNvPicPr>
+            <a:picLocks noChangeAspect="1"/>
+          </p:cNvPicPr>
+          <p:nvPr/>
+        </p:nvPicPr>
+        <p:blipFill rotWithShape="1">
+          <a:blip r:embed="rId2"/>
+          <a:stretch>
+            <a:fillRect/>
+          </a:stretch>
+        </p:blipFill>
+        <p:spPr>
+          <a:xfrm>
+            <a:off x="1132046" y="3429000"/>
+            <a:ext cx="6879907" cy="3075195"/>
+          </a:xfrm>
+          <a:prstGeom prst="rect">
+            <a:avLst/>
+          </a:prstGeom>
+        </p:spPr>
+      </p:pic>
+    </p:spTree>
+  </p:cSld>
+  <p:clrMapOvr>
+    <a:masterClrMapping/>
+  </p:clrMapOvr>
+  <mc:AlternateContent xmlns:mc="http://schemas.openxmlformats.org/markup-compatibility/2006">
+    <mc:Choice xmlns:p14="http://schemas.microsoft.com/office/powerpoint/2010/main" Requires="p14">
+      <p:transition xmlns:mc="http://schemas.openxmlformats.org/markup-compatibility/2006" xmlns:p14="http://schemas.microsoft.com/office/powerpoint/2010/main" mc:Ignorable="p14" p14:dur="500"/>
+    </mc:Choice>
+    <mc:Fallback>
+      <p:transition/>
+    </mc:Fallback>
+  </mc:AlternateContent>
+</p:sld>
+</file>
+
+<file path=ppt/slides/slide19.xml><?xml version="1.0" encoding="utf-8"?>
+<p:sld xmlns:r="http://schemas.openxmlformats.org/officeDocument/2006/relationships" xmlns:c="http://schemas.openxmlformats.org/drawingml/2006/chart" xmlns:a="http://schemas.openxmlformats.org/drawingml/2006/main" xmlns:dgm="http://schemas.openxmlformats.org/drawingml/2006/diagram" xmlns:dsp="http://schemas.microsoft.com/office/drawing/2008/diagram" xmlns:p="http://schemas.openxmlformats.org/presentationml/2006/main">
+  <p:cSld>
+    <p:spTree>
+      <p:nvGrpSpPr>
+        <p:cNvPr id="1" name=""/>
+        <p:cNvGrpSpPr/>
+        <p:nvPr/>
+      </p:nvGrpSpPr>
+      <p:grpSpPr>
+        <a:xfrm>
+          <a:off x="0" y="0"/>
+          <a:ext cx="0" cy="0"/>
+          <a:chOff x="0" y="0"/>
+          <a:chExt cx="0" cy="0"/>
+        </a:xfrm>
+      </p:grpSpPr>
+      <p:sp>
+        <p:nvSpPr>
+          <p:cNvPr id="2" name="제목 1"/>
+          <p:cNvSpPr>
+            <a:spLocks noGrp="1"/>
+          </p:cNvSpPr>
+          <p:nvPr>
+            <p:ph type="title" idx="0"/>
+          </p:nvPr>
+        </p:nvSpPr>
+        <p:spPr/>
+        <p:txBody>
+          <a:bodyPr/>
+          <a:lstStyle/>
+          <a:p>
+            <a:pPr marL="257040" indent="-257040" algn="l">
+              <a:buFont typeface="Arial"/>
+              <a:buNone/>
+              <a:defRPr lang="ko-KR" altLang="en-US"/>
+            </a:pPr>
+            <a:r>
+              <a:rPr lang="en-US" altLang="ko-KR"/>
+              <a:t>Parameter server</a:t>
+            </a:r>
+            <a:endParaRPr lang="en-US" altLang="ko-KR"/>
+          </a:p>
+        </p:txBody>
+      </p:sp>
+      <p:sp>
+        <p:nvSpPr>
+          <p:cNvPr id="3" name="내용 개체 틀 2"/>
+          <p:cNvSpPr>
+            <a:spLocks noGrp="1"/>
+          </p:cNvSpPr>
+          <p:nvPr>
+            <p:ph idx="1"/>
+          </p:nvPr>
+        </p:nvSpPr>
+        <p:spPr>
+          <a:xfrm>
+            <a:off x="457200" y="1600200"/>
+            <a:ext cx="8229600" cy="1540764"/>
+          </a:xfrm>
+        </p:spPr>
+        <p:txBody>
+          <a:bodyPr/>
+          <a:lstStyle/>
+          <a:p>
+            <a:pPr>
+              <a:defRPr lang="ko-KR" altLang="en-US"/>
+            </a:pPr>
+            <a:r>
+              <a:rPr lang="ko-KR" altLang="en-US" sz="2200"/>
+              <a:t>In each training iteration, each worker reads its own split from the mini-batch, computing its own gradients, and sending those gradients to one or more parameter servers.</a:t>
+            </a:r>
+            <a:endParaRPr lang="ko-KR" altLang="en-US" sz="2200"/>
+          </a:p>
+          <a:p>
+            <a:pPr>
+              <a:defRPr lang="ko-KR" altLang="en-US"/>
+            </a:pPr>
+            <a:endParaRPr lang="ko-KR" altLang="en-US" sz="2200"/>
+          </a:p>
+        </p:txBody>
+      </p:sp>
+      <p:pic>
+        <p:nvPicPr>
+          <p:cNvPr id="5" name=""/>
+          <p:cNvPicPr>
+            <a:picLocks noChangeAspect="1"/>
+          </p:cNvPicPr>
+          <p:nvPr/>
+        </p:nvPicPr>
+        <p:blipFill rotWithShape="1">
+          <a:blip r:embed="rId2"/>
+          <a:stretch>
+            <a:fillRect/>
+          </a:stretch>
+        </p:blipFill>
+        <p:spPr>
+          <a:xfrm>
+            <a:off x="2410301" y="3334348"/>
+            <a:ext cx="4323397" cy="2975011"/>
+          </a:xfrm>
+          <a:prstGeom prst="rect">
+            <a:avLst/>
+          </a:prstGeom>
+        </p:spPr>
+      </p:pic>
+      <p:sp>
+        <p:nvSpPr>
+          <p:cNvPr id="6" name=""/>
+          <p:cNvSpPr/>
+          <p:nvPr/>
+        </p:nvSpPr>
+        <p:spPr>
+          <a:xfrm>
+            <a:off x="3419856" y="3334348"/>
+            <a:ext cx="2376297" cy="886751"/>
+          </a:xfrm>
+          <a:prstGeom prst="rect">
+            <a:avLst/>
+          </a:prstGeom>
+          <a:noFill/>
+          <a:ln>
+            <a:solidFill>
+              <a:srgbClr val="ff0000"/>
+            </a:solidFill>
+          </a:ln>
+        </p:spPr>
+        <p:style>
+          <a:lnRef idx="2">
+            <a:schemeClr val="accent1">
+              <a:shade val="20000"/>
+            </a:schemeClr>
+          </a:lnRef>
+          <a:fillRef idx="1">
+            <a:schemeClr val="accent1"/>
+          </a:fillRef>
+          <a:effectRef idx="0">
+            <a:schemeClr val="accent1"/>
+          </a:effectRef>
+          <a:fontRef idx="minor">
+            <a:schemeClr val="lt1"/>
+          </a:fontRef>
+        </p:style>
+        <p:txBody>
+          <a:bodyPr anchor="ctr"/>
+          <a:p>
+            <a:pPr algn="ctr">
+              <a:defRPr lang="ko-KR" altLang="en-US"/>
+            </a:pPr>
+            <a:endParaRPr lang="en-US" altLang="ko-KR"/>
           </a:p>
         </p:txBody>
       </p:sp>
@@ -5067,6 +5644,671 @@
       <p:transition/>
     </mc:Fallback>
   </mc:AlternateContent>
+</p:sld>
+</file>
+
+<file path=ppt/slides/slide20.xml><?xml version="1.0" encoding="utf-8"?>
+<p:sld xmlns:r="http://schemas.openxmlformats.org/officeDocument/2006/relationships" xmlns:c="http://schemas.openxmlformats.org/drawingml/2006/chart" xmlns:a="http://schemas.openxmlformats.org/drawingml/2006/main" xmlns:dgm="http://schemas.openxmlformats.org/drawingml/2006/diagram" xmlns:dsp="http://schemas.microsoft.com/office/drawing/2008/diagram" xmlns:p="http://schemas.openxmlformats.org/presentationml/2006/main">
+  <p:cSld>
+    <p:spTree>
+      <p:nvGrpSpPr>
+        <p:cNvPr id="1" name=""/>
+        <p:cNvGrpSpPr/>
+        <p:nvPr/>
+      </p:nvGrpSpPr>
+      <p:grpSpPr>
+        <a:xfrm>
+          <a:off x="0" y="0"/>
+          <a:ext cx="0" cy="0"/>
+          <a:chOff x="0" y="0"/>
+          <a:chExt cx="0" cy="0"/>
+        </a:xfrm>
+      </p:grpSpPr>
+      <p:sp>
+        <p:nvSpPr>
+          <p:cNvPr id="2" name="제목 1"/>
+          <p:cNvSpPr>
+            <a:spLocks noGrp="1"/>
+          </p:cNvSpPr>
+          <p:nvPr>
+            <p:ph type="title" idx="0"/>
+          </p:nvPr>
+        </p:nvSpPr>
+        <p:spPr/>
+        <p:txBody>
+          <a:bodyPr/>
+          <a:lstStyle/>
+          <a:p>
+            <a:pPr marL="257040" indent="-257040" algn="l">
+              <a:buFont typeface="Arial"/>
+              <a:buNone/>
+              <a:defRPr lang="ko-KR" altLang="en-US"/>
+            </a:pPr>
+            <a:r>
+              <a:rPr lang="en-US" altLang="ko-KR"/>
+              <a:t>Worker</a:t>
+            </a:r>
+            <a:endParaRPr lang="en-US" altLang="ko-KR"/>
+          </a:p>
+        </p:txBody>
+      </p:sp>
+      <p:sp>
+        <p:nvSpPr>
+          <p:cNvPr id="3" name="내용 개체 틀 2"/>
+          <p:cNvSpPr>
+            <a:spLocks noGrp="1"/>
+          </p:cNvSpPr>
+          <p:nvPr>
+            <p:ph idx="1"/>
+          </p:nvPr>
+        </p:nvSpPr>
+        <p:spPr>
+          <a:xfrm>
+            <a:off x="457200" y="1600200"/>
+            <a:ext cx="8229600" cy="1036701"/>
+          </a:xfrm>
+        </p:spPr>
+        <p:txBody>
+          <a:bodyPr/>
+          <a:lstStyle/>
+          <a:p>
+            <a:pPr>
+              <a:defRPr lang="ko-KR" altLang="en-US"/>
+            </a:pPr>
+            <a:r>
+              <a:rPr lang="en-US" altLang="ko-KR" sz="2200"/>
+              <a:t>Devices = Worker</a:t>
+            </a:r>
+            <a:endParaRPr lang="en-US" altLang="ko-KR" sz="2200"/>
+          </a:p>
+          <a:p>
+            <a:pPr>
+              <a:defRPr lang="ko-KR" altLang="en-US"/>
+            </a:pPr>
+            <a:r>
+              <a:rPr lang="en-US" altLang="ko-KR" sz="2200"/>
+              <a:t>Because of, tensorflow document called device is 'worker' </a:t>
+            </a:r>
+            <a:endParaRPr lang="en-US" altLang="ko-KR" sz="2200"/>
+          </a:p>
+          <a:p>
+            <a:pPr>
+              <a:defRPr lang="ko-KR" altLang="en-US"/>
+            </a:pPr>
+            <a:endParaRPr lang="ko-KR" altLang="en-US" sz="2200"/>
+          </a:p>
+        </p:txBody>
+      </p:sp>
+      <p:pic>
+        <p:nvPicPr>
+          <p:cNvPr id="5" name=""/>
+          <p:cNvPicPr>
+            <a:picLocks noChangeAspect="1"/>
+          </p:cNvPicPr>
+          <p:nvPr/>
+        </p:nvPicPr>
+        <p:blipFill rotWithShape="1">
+          <a:blip r:embed="rId2"/>
+          <a:stretch>
+            <a:fillRect/>
+          </a:stretch>
+        </p:blipFill>
+        <p:spPr>
+          <a:xfrm>
+            <a:off x="2410301" y="3334348"/>
+            <a:ext cx="4323397" cy="2975011"/>
+          </a:xfrm>
+          <a:prstGeom prst="rect">
+            <a:avLst/>
+          </a:prstGeom>
+        </p:spPr>
+      </p:pic>
+      <p:sp>
+        <p:nvSpPr>
+          <p:cNvPr id="6" name=""/>
+          <p:cNvSpPr/>
+          <p:nvPr/>
+        </p:nvSpPr>
+        <p:spPr>
+          <a:xfrm>
+            <a:off x="2267712" y="4725162"/>
+            <a:ext cx="3888486" cy="1008126"/>
+          </a:xfrm>
+          <a:prstGeom prst="rect">
+            <a:avLst/>
+          </a:prstGeom>
+          <a:noFill/>
+          <a:ln>
+            <a:solidFill>
+              <a:srgbClr val="ff0000"/>
+            </a:solidFill>
+          </a:ln>
+        </p:spPr>
+        <p:style>
+          <a:lnRef idx="2">
+            <a:schemeClr val="accent1">
+              <a:shade val="20000"/>
+            </a:schemeClr>
+          </a:lnRef>
+          <a:fillRef idx="1">
+            <a:schemeClr val="accent1"/>
+          </a:fillRef>
+          <a:effectRef idx="0">
+            <a:schemeClr val="accent1"/>
+          </a:effectRef>
+          <a:fontRef idx="minor">
+            <a:schemeClr val="lt1"/>
+          </a:fontRef>
+        </p:style>
+        <p:txBody>
+          <a:bodyPr anchor="ctr"/>
+          <a:p>
+            <a:pPr algn="ctr">
+              <a:defRPr lang="ko-KR" altLang="en-US"/>
+            </a:pPr>
+            <a:endParaRPr lang="en-US" altLang="ko-KR"/>
+          </a:p>
+        </p:txBody>
+      </p:sp>
+    </p:spTree>
+  </p:cSld>
+  <p:clrMapOvr>
+    <a:masterClrMapping/>
+  </p:clrMapOvr>
+  <mc:AlternateContent xmlns:mc="http://schemas.openxmlformats.org/markup-compatibility/2006">
+    <mc:Choice xmlns:p14="http://schemas.microsoft.com/office/powerpoint/2010/main" Requires="p14">
+      <p:transition xmlns:mc="http://schemas.openxmlformats.org/markup-compatibility/2006" xmlns:p14="http://schemas.microsoft.com/office/powerpoint/2010/main" mc:Ignorable="p14" p14:dur="500"/>
+    </mc:Choice>
+    <mc:Fallback>
+      <p:transition/>
+    </mc:Fallback>
+  </mc:AlternateContent>
+</p:sld>
+</file>
+
+<file path=ppt/slides/slide21.xml><?xml version="1.0" encoding="utf-8"?>
+<p:sld xmlns:r="http://schemas.openxmlformats.org/officeDocument/2006/relationships" xmlns:c="http://schemas.openxmlformats.org/drawingml/2006/chart" xmlns:a="http://schemas.openxmlformats.org/drawingml/2006/main" xmlns:dgm="http://schemas.openxmlformats.org/drawingml/2006/diagram" xmlns:dsp="http://schemas.microsoft.com/office/drawing/2008/diagram" xmlns:p="http://schemas.openxmlformats.org/presentationml/2006/main">
+  <p:cSld>
+    <p:spTree>
+      <p:nvGrpSpPr>
+        <p:cNvPr id="1" name=""/>
+        <p:cNvGrpSpPr/>
+        <p:nvPr/>
+      </p:nvGrpSpPr>
+      <p:grpSpPr>
+        <a:xfrm>
+          <a:off x="0" y="0"/>
+          <a:ext cx="0" cy="0"/>
+          <a:chOff x="0" y="0"/>
+          <a:chExt cx="0" cy="0"/>
+        </a:xfrm>
+      </p:grpSpPr>
+      <p:sp>
+        <p:nvSpPr>
+          <p:cNvPr id="2" name="제목 1"/>
+          <p:cNvSpPr>
+            <a:spLocks noGrp="1"/>
+          </p:cNvSpPr>
+          <p:nvPr>
+            <p:ph type="title" idx="0"/>
+          </p:nvPr>
+        </p:nvSpPr>
+        <p:spPr/>
+        <p:txBody>
+          <a:bodyPr/>
+          <a:lstStyle/>
+          <a:p>
+            <a:pPr marL="257040" indent="-257040" algn="l">
+              <a:buFont typeface="Arial"/>
+              <a:buNone/>
+              <a:defRPr lang="ko-KR" altLang="en-US"/>
+            </a:pPr>
+            <a:r>
+              <a:rPr lang="ko-KR" altLang="en-US"/>
+              <a:t>학습 단계별 소모되는 시간</a:t>
+            </a:r>
+            <a:endParaRPr lang="ko-KR" altLang="en-US"/>
+          </a:p>
+        </p:txBody>
+      </p:sp>
+      <p:sp>
+        <p:nvSpPr>
+          <p:cNvPr id="6" name="내용 개체 틀 2"/>
+          <p:cNvSpPr>
+            <a:spLocks noGrp="1"/>
+          </p:cNvSpPr>
+          <p:nvPr>
+            <p:ph idx="1"/>
+          </p:nvPr>
+        </p:nvSpPr>
+        <p:spPr>
+          <a:xfrm>
+            <a:off x="457200" y="1600200"/>
+            <a:ext cx="8229600" cy="4525963"/>
+          </a:xfrm>
+        </p:spPr>
+        <p:txBody>
+          <a:bodyPr vert="horz" wrap="square" lIns="91440" tIns="45720" rIns="91440" bIns="45720" anchor="t">
+            <a:normAutofit/>
+          </a:bodyPr>
+          <a:lstStyle/>
+          <a:p>
+            <a:pPr>
+              <a:defRPr lang="ko-KR" altLang="en-US"/>
+            </a:pPr>
+            <a:r>
+              <a:rPr lang="ko-KR" altLang="en-US" sz="2400"/>
+              <a:t>각 워커들의 </a:t>
+            </a:r>
+            <a:r>
+              <a:rPr lang="en-US" altLang="ko-KR" sz="2400"/>
+              <a:t>Data Transfer Time</a:t>
+            </a:r>
+            <a:br>
+              <a:rPr lang="en-US" altLang="ko-KR" sz="2400"/>
+            </a:br>
+            <a:br>
+              <a:rPr lang="en-US" altLang="ko-KR" sz="2400"/>
+            </a:br>
+            <a:r>
+              <a:rPr lang="en-US" altLang="ko-KR" sz="1500"/>
+              <a:t>2 * Sw'</a:t>
+            </a:r>
+            <a:r>
+              <a:rPr lang="en-US" altLang="ko-KR" sz="1500" baseline="-24000">
+                <a:solidFill>
+                  <a:schemeClr val="tx1"/>
+                </a:solidFill>
+              </a:rPr>
+              <a:t>p </a:t>
+            </a:r>
+            <a:r>
+              <a:rPr xmlns:mc="http://schemas.openxmlformats.org/markup-compatibility/2006" xmlns:hp="http://schemas.haansoft.com/office/presentation/8.0" lang="en-US" altLang="ko-KR" sz="1500" b="0" i="0" u="none" kern="1200" mc:Ignorable="hp" hp:hslEmbossed="0">
+                <a:solidFill>
+                  <a:schemeClr val="tx1"/>
+                </a:solidFill>
+                <a:latin typeface="+mn-lt"/>
+                <a:ea typeface="+mn-ea"/>
+                <a:cs typeface="+mn-cs"/>
+              </a:rPr>
+              <a:t>/ pB</a:t>
+            </a:r>
+            <a:endParaRPr xmlns:mc="http://schemas.openxmlformats.org/markup-compatibility/2006" xmlns:hp="http://schemas.haansoft.com/office/presentation/8.0" lang="en-US" altLang="ko-KR" sz="1500" b="0" i="0" u="none" kern="1200" mc:Ignorable="hp" hp:hslEmbossed="0">
+              <a:solidFill>
+                <a:schemeClr val="tx1"/>
+              </a:solidFill>
+              <a:latin typeface="+mn-lt"/>
+              <a:ea typeface="+mn-ea"/>
+              <a:cs typeface="+mn-cs"/>
+            </a:endParaRPr>
+          </a:p>
+          <a:p>
+            <a:pPr>
+              <a:defRPr lang="ko-KR" altLang="en-US"/>
+            </a:pPr>
+            <a:endParaRPr lang="en-US" altLang="ko-KR" sz="2400"/>
+          </a:p>
+          <a:p>
+            <a:pPr>
+              <a:defRPr lang="ko-KR" altLang="en-US"/>
+            </a:pPr>
+            <a:r>
+              <a:rPr lang="en-US" altLang="ko-KR" sz="2400"/>
+              <a:t>Parameter </a:t>
+            </a:r>
+            <a:r>
+              <a:rPr lang="ko-KR" altLang="en-US" sz="2400"/>
+              <a:t>서버에서 </a:t>
+            </a:r>
+            <a:r>
+              <a:rPr lang="en-US" altLang="ko-KR" sz="2400"/>
+              <a:t>Parameter </a:t>
+            </a:r>
+            <a:r>
+              <a:rPr lang="ko-KR" altLang="en-US" sz="2400"/>
+              <a:t>업데이트에 소모되는 시간</a:t>
+            </a:r>
+            <a:br>
+              <a:rPr lang="en-US" altLang="ko-KR" sz="1500"/>
+            </a:br>
+            <a:br>
+              <a:rPr lang="en-US" altLang="ko-KR" sz="1500"/>
+            </a:br>
+            <a:r>
+              <a:rPr lang="en-US" altLang="ko-KR" sz="1500"/>
+              <a:t>T</a:t>
+            </a:r>
+            <a:r>
+              <a:rPr lang="en-US" altLang="ko-KR" sz="1500" baseline="-24000">
+                <a:solidFill>
+                  <a:schemeClr val="tx1"/>
+                </a:solidFill>
+              </a:rPr>
+              <a:t>update</a:t>
+            </a:r>
+            <a:r>
+              <a:rPr lang="en-US" altLang="ko-KR" sz="1500"/>
+              <a:t> * w'</a:t>
+            </a:r>
+            <a:r>
+              <a:rPr lang="en-US" altLang="ko-KR" sz="1500" baseline="-24000">
+                <a:solidFill>
+                  <a:schemeClr val="tx1"/>
+                </a:solidFill>
+              </a:rPr>
+              <a:t>p</a:t>
+            </a:r>
+            <a:r>
+              <a:rPr lang="en-US" altLang="ko-KR" sz="1500"/>
+              <a:t> / p</a:t>
+            </a:r>
+            <a:endParaRPr lang="en-US" altLang="ko-KR" sz="1500"/>
+          </a:p>
+          <a:p>
+            <a:pPr>
+              <a:defRPr lang="ko-KR" altLang="en-US"/>
+            </a:pPr>
+            <a:endParaRPr lang="en-US" altLang="ko-KR" sz="2400"/>
+          </a:p>
+          <a:p>
+            <a:pPr>
+              <a:defRPr lang="ko-KR" altLang="en-US"/>
+            </a:pPr>
+            <a:r>
+              <a:rPr lang="ko-KR" altLang="en-US" sz="2400"/>
+              <a:t>각 학습 단계에서 가장 많은 시간을 소모한 </a:t>
+            </a:r>
+            <a:r>
+              <a:rPr lang="en-US" altLang="ko-KR" sz="2400"/>
+              <a:t>Worker</a:t>
+            </a:r>
+            <a:r>
+              <a:rPr lang="ko-KR" altLang="en-US" sz="2400"/>
+              <a:t>의 소모 시간</a:t>
+            </a:r>
+            <a:br>
+              <a:rPr lang="en-US" altLang="ko-KR" sz="2400"/>
+            </a:br>
+            <a:br>
+              <a:rPr lang="en-US" altLang="ko-KR" sz="1500"/>
+            </a:br>
+            <a:r>
+              <a:rPr lang="en-US" altLang="ko-KR" sz="1500"/>
+              <a:t>max[ m*Tf + Tb + (2 * Sw'</a:t>
+            </a:r>
+            <a:r>
+              <a:rPr lang="en-US" altLang="ko-KR" sz="1500" baseline="-24000">
+                <a:solidFill>
+                  <a:schemeClr val="tx1"/>
+                </a:solidFill>
+              </a:rPr>
+              <a:t>p </a:t>
+            </a:r>
+            <a:r>
+              <a:rPr xmlns:mc="http://schemas.openxmlformats.org/markup-compatibility/2006" xmlns:hp="http://schemas.haansoft.com/office/presentation/8.0" lang="en-US" altLang="ko-KR" sz="1500" b="0" i="0" u="none" kern="1200" mc:Ignorable="hp" hp:hslEmbossed="0">
+                <a:solidFill>
+                  <a:schemeClr val="tx1"/>
+                </a:solidFill>
+                <a:latin typeface="+mn-lt"/>
+                <a:ea typeface="+mn-ea"/>
+                <a:cs typeface="+mn-cs"/>
+              </a:rPr>
+              <a:t>/ pB</a:t>
+            </a:r>
+            <a:r>
+              <a:rPr lang="en-US" altLang="ko-KR" sz="1500"/>
+              <a:t>) + (T</a:t>
+            </a:r>
+            <a:r>
+              <a:rPr lang="en-US" altLang="ko-KR" sz="1500" baseline="-24000">
+                <a:solidFill>
+                  <a:schemeClr val="tx1"/>
+                </a:solidFill>
+              </a:rPr>
+              <a:t>update</a:t>
+            </a:r>
+            <a:r>
+              <a:rPr lang="en-US" altLang="ko-KR" sz="1500"/>
+              <a:t> * w'</a:t>
+            </a:r>
+            <a:r>
+              <a:rPr lang="en-US" altLang="ko-KR" sz="1500" baseline="-24000">
+                <a:solidFill>
+                  <a:schemeClr val="tx1"/>
+                </a:solidFill>
+              </a:rPr>
+              <a:t>p</a:t>
+            </a:r>
+            <a:r>
+              <a:rPr lang="en-US" altLang="ko-KR" sz="1500"/>
+              <a:t> / p) + (</a:t>
+            </a:r>
+            <a:r>
+              <a:rPr lang="ko-KR" altLang="en-US" sz="1500"/>
+              <a:t>δ*</a:t>
+            </a:r>
+            <a:r>
+              <a:rPr lang="en-US" altLang="ko-KR" sz="1500"/>
+              <a:t>w) + (</a:t>
+            </a:r>
+            <a:r>
+              <a:rPr lang="ko-KR" altLang="en-US" sz="1500"/>
+              <a:t>δ</a:t>
+            </a:r>
+            <a:r>
+              <a:rPr lang="en-US" altLang="ko-KR" sz="1500"/>
+              <a:t>'*P) ]</a:t>
+            </a:r>
+            <a:endParaRPr lang="en-US" altLang="ko-KR" sz="1500"/>
+          </a:p>
+        </p:txBody>
+      </p:sp>
+      <p:sp>
+        <p:nvSpPr>
+          <p:cNvPr id="9" name=""/>
+          <p:cNvSpPr/>
+          <p:nvPr/>
+        </p:nvSpPr>
+        <p:spPr>
+          <a:xfrm>
+            <a:off x="457200" y="1600200"/>
+            <a:ext cx="8229600" cy="4104513"/>
+          </a:xfrm>
+          <a:prstGeom prst="rect">
+            <a:avLst/>
+          </a:prstGeom>
+        </p:spPr>
+        <p:style>
+          <a:lnRef idx="0">
+            <a:schemeClr val="accent3"/>
+          </a:lnRef>
+          <a:fillRef idx="3">
+            <a:schemeClr val="accent3"/>
+          </a:fillRef>
+          <a:effectRef idx="3">
+            <a:schemeClr val="accent3"/>
+          </a:effectRef>
+          <a:fontRef idx="minor">
+            <a:schemeClr val="lt1"/>
+          </a:fontRef>
+        </p:style>
+        <p:txBody>
+          <a:bodyPr anchor="ctr"/>
+          <a:p>
+            <a:pPr algn="ctr">
+              <a:defRPr lang="ko-KR" altLang="en-US"/>
+            </a:pPr>
+            <a:r>
+              <a:rPr lang="ko-KR" altLang="en-US"/>
+              <a:t>1) </a:t>
+            </a:r>
+            <a:r>
+              <a:rPr lang="en-US" altLang="ko-KR"/>
+              <a:t>Worker</a:t>
+            </a:r>
+            <a:r>
+              <a:rPr lang="ko-KR" altLang="en-US"/>
+              <a:t>가 처리 속도와 관련되고,</a:t>
+            </a:r>
+            <a:endParaRPr lang="ko-KR" altLang="en-US"/>
+          </a:p>
+          <a:p>
+            <a:pPr algn="ctr">
+              <a:defRPr lang="ko-KR" altLang="en-US"/>
+            </a:pPr>
+            <a:endParaRPr lang="ko-KR" altLang="en-US"/>
+          </a:p>
+          <a:p>
+            <a:pPr algn="ctr">
+              <a:defRPr lang="ko-KR" altLang="en-US"/>
+            </a:pPr>
+            <a:r>
+              <a:rPr lang="ko-KR" altLang="en-US"/>
+              <a:t>2) </a:t>
+            </a:r>
+            <a:r>
+              <a:rPr lang="en-US" altLang="ko-KR"/>
+              <a:t>Parameter</a:t>
+            </a:r>
+            <a:r>
+              <a:rPr lang="ko-KR" altLang="en-US"/>
+              <a:t>가 </a:t>
+            </a:r>
+            <a:r>
+              <a:rPr lang="en-US" altLang="ko-KR"/>
+              <a:t>Load-Balancing </a:t>
+            </a:r>
+            <a:r>
+              <a:rPr lang="ko-KR" altLang="en-US"/>
+              <a:t>역할을 수행</a:t>
+            </a:r>
+            <a:endParaRPr lang="ko-KR" altLang="en-US"/>
+          </a:p>
+          <a:p>
+            <a:pPr algn="ctr">
+              <a:defRPr lang="ko-KR" altLang="en-US"/>
+            </a:pPr>
+            <a:endParaRPr lang="ko-KR" altLang="en-US"/>
+          </a:p>
+          <a:p>
+            <a:pPr algn="ctr">
+              <a:defRPr lang="ko-KR" altLang="en-US"/>
+            </a:pPr>
+            <a:r>
+              <a:rPr lang="ko-KR" altLang="en-US"/>
+              <a:t>따라서 </a:t>
+            </a:r>
+            <a:r>
+              <a:rPr lang="en-US" altLang="ko-KR"/>
+              <a:t>Worker</a:t>
+            </a:r>
+            <a:r>
+              <a:rPr lang="ko-KR" altLang="en-US"/>
+              <a:t>와 </a:t>
+            </a:r>
+            <a:r>
+              <a:rPr lang="en-US" altLang="ko-KR"/>
+              <a:t>Parameter</a:t>
+            </a:r>
+            <a:r>
+              <a:rPr lang="ko-KR" altLang="en-US"/>
+              <a:t>를 개선하면, 학습의 시간을 최소화 시킬 수 있다.</a:t>
+            </a:r>
+            <a:endParaRPr lang="ko-KR" altLang="en-US"/>
+          </a:p>
+        </p:txBody>
+      </p:sp>
+    </p:spTree>
+  </p:cSld>
+  <p:clrMapOvr>
+    <a:masterClrMapping/>
+  </p:clrMapOvr>
+  <mc:AlternateContent xmlns:mc="http://schemas.openxmlformats.org/markup-compatibility/2006">
+    <mc:Choice xmlns:p14="http://schemas.microsoft.com/office/powerpoint/2010/main" Requires="p14">
+      <p:transition xmlns:mc="http://schemas.openxmlformats.org/markup-compatibility/2006" xmlns:p14="http://schemas.microsoft.com/office/powerpoint/2010/main" mc:Ignorable="p14" p14:dur="500"/>
+    </mc:Choice>
+    <mc:Fallback>
+      <p:transition/>
+    </mc:Fallback>
+  </mc:AlternateContent>
+  <p:timing>
+    <p:tnLst>
+      <p:par>
+        <p:cTn id="1" dur="indefinite" restart="never" nodeType="tmRoot">
+          <p:childTnLst>
+            <p:seq concurrent="1" nextAc="seek">
+              <p:cTn id="2" dur="indefinite" nodeType="mainSeq">
+                <p:childTnLst>
+                  <p:par>
+                    <p:cTn id="3" fill="hold">
+                      <p:stCondLst>
+                        <p:cond delay="indefinite"/>
+                      </p:stCondLst>
+                      <p:childTnLst>
+                        <p:par>
+                          <p:cTn id="4" fill="hold">
+                            <p:stCondLst>
+                              <p:cond delay="0"/>
+                            </p:stCondLst>
+                            <p:childTnLst>
+                              <p:par>
+                                <p:cTn id="5" presetID="1" presetClass="entr" presetSubtype="0" fill="hold" grpId="0" nodeType="clickEffect">
+                                  <p:stCondLst>
+                                    <p:cond delay="0"/>
+                                  </p:stCondLst>
+                                  <p:childTnLst>
+                                    <p:set>
+                                      <p:cBhvr>
+                                        <p:cTn id="6" dur="1" fill="hold">
+                                          <p:stCondLst>
+                                            <p:cond delay="0"/>
+                                          </p:stCondLst>
+                                        </p:cTn>
+                                        <p:tgtEl>
+                                          <p:spTgt spid="9"/>
+                                        </p:tgtEl>
+                                        <p:attrNameLst>
+                                          <p:attrName>style.visibility</p:attrName>
+                                        </p:attrNameLst>
+                                      </p:cBhvr>
+                                      <p:to>
+                                        <p:strVal val="visible"/>
+                                      </p:to>
+                                    </p:set>
+                                  </p:childTnLst>
+                                </p:cTn>
+                              </p:par>
+                            </p:childTnLst>
+                          </p:cTn>
+                        </p:par>
+                      </p:childTnLst>
+                    </p:cTn>
+                  </p:par>
+                </p:childTnLst>
+              </p:cTn>
+              <p:prevCondLst>
+                <p:cond evt="onPrev" delay="0">
+                  <p:tgtEl>
+                    <p:sldTgt/>
+                  </p:tgtEl>
+                </p:cond>
+              </p:prevCondLst>
+              <p:nextCondLst>
+                <p:cond evt="onNext" delay="0">
+                  <p:tgtEl>
+                    <p:sldTgt/>
+                  </p:tgtEl>
+                </p:cond>
+              </p:nextCondLst>
+            </p:seq>
+          </p:childTnLst>
+        </p:cTn>
+      </p:par>
+    </p:tnLst>
+    <p:bldLst>
+      <p:bldP spid="9" grpId="0" animBg="1"/>
+    </p:bldLst>
+  </p:timing>
 </p:sld>
 </file>
 

--- a/CNN-RNN-efficientDeeplearningSeminar/Compare CNN and RNN  and then efficient scheduling.pptx
+++ b/CNN-RNN-efficientDeeplearningSeminar/Compare CNN and RNN  and then efficient scheduling.pptx
@@ -2,7 +2,7 @@
 <file path=ppt/presentation.xml><?xml version="1.0" encoding="utf-8"?>
 <p:presentation xmlns:r="http://schemas.openxmlformats.org/officeDocument/2006/relationships" xmlns:c="http://schemas.openxmlformats.org/drawingml/2006/chart" xmlns:a="http://schemas.openxmlformats.org/drawingml/2006/main" xmlns:dgm="http://schemas.openxmlformats.org/drawingml/2006/diagram" xmlns:dsp="http://schemas.microsoft.com/office/drawing/2008/diagram" xmlns:p="http://schemas.openxmlformats.org/presentationml/2006/main" saveSubsetFonts="1">
   <p:sldMasterIdLst>
-    <p:sldMasterId id="2147483733" r:id="rId1"/>
+    <p:sldMasterId id="2147483747" r:id="rId1"/>
   </p:sldMasterIdLst>
   <p:notesMasterIdLst>
     <p:notesMasterId r:id="rId2"/>
@@ -29,6 +29,13 @@
     <p:sldId id="274" r:id="rId21"/>
     <p:sldId id="275" r:id="rId22"/>
     <p:sldId id="276" r:id="rId23"/>
+    <p:sldId id="277" r:id="rId24"/>
+    <p:sldId id="278" r:id="rId25"/>
+    <p:sldId id="279" r:id="rId26"/>
+    <p:sldId id="280" r:id="rId27"/>
+    <p:sldId id="281" r:id="rId28"/>
+    <p:sldId id="282" r:id="rId29"/>
+    <p:sldId id="283" r:id="rId30"/>
   </p:sldIdLst>
   <p:sldSz cx="9144000" cy="6858000" type="screen4x3"/>
   <p:notesSz cx="6858000" cy="9144000"/>
@@ -4858,7 +4865,7 @@
             </a:pPr>
             <a:r>
               <a:rPr lang="en-US" altLang="ko-KR"/>
-              <a:t>Efficient scheduling for deep learning task</a:t>
+              <a:t>Distributed Deep Learning</a:t>
             </a:r>
             <a:endParaRPr lang="en-US" altLang="ko-KR"/>
           </a:p>
@@ -5563,7 +5570,7 @@
         <p:spPr>
           <a:xfrm>
             <a:off x="1043551" y="2974657"/>
-            <a:ext cx="6696837" cy="1185863"/>
+            <a:ext cx="6696837" cy="1462088"/>
           </a:xfrm>
           <a:prstGeom prst="rect">
             <a:avLst/>
@@ -5625,7 +5632,19 @@
             </a:pPr>
             <a:r>
               <a:rPr lang="en-US" altLang="ko-KR"/>
-              <a:t>Efficient scheduling for deep learning task</a:t>
+              <a:t>Distributed Deep Learning</a:t>
+            </a:r>
+            <a:endParaRPr lang="en-US" altLang="ko-KR"/>
+          </a:p>
+          <a:p>
+            <a:pPr marL="257040" indent="-257040">
+              <a:buFont typeface="Arial"/>
+              <a:buChar char="•"/>
+              <a:defRPr lang="ko-KR" altLang="en-US"/>
+            </a:pPr>
+            <a:r>
+              <a:rPr lang="en-US" altLang="ko-KR"/>
+              <a:t>Traning Speed Up demo</a:t>
             </a:r>
             <a:endParaRPr lang="en-US" altLang="ko-KR"/>
           </a:p>
@@ -6309,6 +6328,1181 @@
       <p:bldP spid="9" grpId="0" animBg="1"/>
     </p:bldLst>
   </p:timing>
+</p:sld>
+</file>
+
+<file path=ppt/slides/slide22.xml><?xml version="1.0" encoding="utf-8"?>
+<p:sld xmlns:r="http://schemas.openxmlformats.org/officeDocument/2006/relationships" xmlns:c="http://schemas.openxmlformats.org/drawingml/2006/chart" xmlns:a="http://schemas.openxmlformats.org/drawingml/2006/main" xmlns:dgm="http://schemas.openxmlformats.org/drawingml/2006/diagram" xmlns:dsp="http://schemas.microsoft.com/office/drawing/2008/diagram" xmlns:p="http://schemas.openxmlformats.org/presentationml/2006/main">
+  <p:cSld>
+    <p:spTree>
+      <p:nvGrpSpPr>
+        <p:cNvPr id="1" name=""/>
+        <p:cNvGrpSpPr/>
+        <p:nvPr/>
+      </p:nvGrpSpPr>
+      <p:grpSpPr>
+        <a:xfrm>
+          <a:off x="0" y="0"/>
+          <a:ext cx="0" cy="0"/>
+          <a:chOff x="0" y="0"/>
+          <a:chExt cx="0" cy="0"/>
+        </a:xfrm>
+      </p:grpSpPr>
+      <p:sp>
+        <p:nvSpPr>
+          <p:cNvPr id="4" name=""/>
+          <p:cNvSpPr txBox="1"/>
+          <p:nvPr/>
+        </p:nvSpPr>
+        <p:spPr>
+          <a:xfrm>
+            <a:off x="1043559" y="2563177"/>
+            <a:ext cx="6336792" cy="1454468"/>
+          </a:xfrm>
+          <a:prstGeom prst="rect">
+            <a:avLst/>
+          </a:prstGeom>
+        </p:spPr>
+        <p:txBody>
+          <a:bodyPr wrap="square">
+            <a:spAutoFit/>
+          </a:bodyPr>
+          <a:p>
+            <a:pPr marL="257040" indent="-257040">
+              <a:buFont typeface="Arial"/>
+              <a:buNone/>
+              <a:defRPr lang="ko-KR" altLang="en-US"/>
+            </a:pPr>
+            <a:r>
+              <a:rPr lang="en-US" altLang="ko-KR"/>
+              <a:t>Training Speed Up demo</a:t>
+            </a:r>
+            <a:endParaRPr lang="en-US" altLang="ko-KR"/>
+          </a:p>
+          <a:p>
+            <a:pPr marL="257040" indent="-257040">
+              <a:buFont typeface="Arial"/>
+              <a:buNone/>
+              <a:defRPr lang="ko-KR" altLang="en-US"/>
+            </a:pPr>
+            <a:r>
+              <a:rPr lang="en-US" altLang="ko-KR"/>
+              <a:t>	- Introduction paper</a:t>
+            </a:r>
+            <a:endParaRPr lang="en-US" altLang="ko-KR"/>
+          </a:p>
+          <a:p>
+            <a:pPr marL="257040" indent="-257040">
+              <a:buFont typeface="Arial"/>
+              <a:buNone/>
+              <a:defRPr lang="ko-KR" altLang="en-US"/>
+            </a:pPr>
+            <a:r>
+              <a:rPr lang="ko-KR" altLang="en-US"/>
+              <a:t>	- </a:t>
+            </a:r>
+            <a:r>
+              <a:rPr lang="en-US" altLang="ko-KR"/>
+              <a:t>System demo</a:t>
+            </a:r>
+            <a:endParaRPr lang="en-US" altLang="ko-KR"/>
+          </a:p>
+          <a:p>
+            <a:pPr marL="257040" indent="-257040">
+              <a:buFont typeface="Arial"/>
+              <a:buNone/>
+              <a:defRPr lang="ko-KR" altLang="en-US"/>
+            </a:pPr>
+            <a:r>
+              <a:rPr lang="ko-KR" altLang="en-US"/>
+              <a:t>	- </a:t>
+            </a:r>
+            <a:r>
+              <a:rPr lang="en-US" altLang="ko-KR"/>
+              <a:t>Efficient resouce scheduling for Kubernets Cluster</a:t>
+            </a:r>
+            <a:endParaRPr lang="en-US" altLang="ko-KR"/>
+          </a:p>
+          <a:p>
+            <a:pPr marL="257040" indent="-257040">
+              <a:buFont typeface="Arial"/>
+              <a:buNone/>
+              <a:defRPr lang="ko-KR" altLang="en-US"/>
+            </a:pPr>
+            <a:r>
+              <a:rPr lang="en-US" altLang="ko-KR"/>
+              <a:t>	</a:t>
+            </a:r>
+            <a:endParaRPr lang="en-US" altLang="ko-KR"/>
+          </a:p>
+        </p:txBody>
+      </p:sp>
+    </p:spTree>
+  </p:cSld>
+  <p:clrMapOvr>
+    <a:masterClrMapping/>
+  </p:clrMapOvr>
+  <mc:AlternateContent xmlns:mc="http://schemas.openxmlformats.org/markup-compatibility/2006">
+    <mc:Choice xmlns:p14="http://schemas.microsoft.com/office/powerpoint/2010/main" Requires="p14">
+      <p:transition xmlns:mc="http://schemas.openxmlformats.org/markup-compatibility/2006" xmlns:p14="http://schemas.microsoft.com/office/powerpoint/2010/main" mc:Ignorable="p14" p14:dur="500"/>
+    </mc:Choice>
+    <mc:Fallback>
+      <p:transition/>
+    </mc:Fallback>
+  </mc:AlternateContent>
+</p:sld>
+</file>
+
+<file path=ppt/slides/slide23.xml><?xml version="1.0" encoding="utf-8"?>
+<p:sld xmlns:r="http://schemas.openxmlformats.org/officeDocument/2006/relationships" xmlns:c="http://schemas.openxmlformats.org/drawingml/2006/chart" xmlns:a="http://schemas.openxmlformats.org/drawingml/2006/main" xmlns:dgm="http://schemas.openxmlformats.org/drawingml/2006/diagram" xmlns:dsp="http://schemas.microsoft.com/office/drawing/2008/diagram" xmlns:p="http://schemas.openxmlformats.org/presentationml/2006/main">
+  <p:cSld>
+    <p:spTree>
+      <p:nvGrpSpPr>
+        <p:cNvPr id="1" name=""/>
+        <p:cNvGrpSpPr/>
+        <p:nvPr/>
+      </p:nvGrpSpPr>
+      <p:grpSpPr>
+        <a:xfrm>
+          <a:off x="0" y="0"/>
+          <a:ext cx="0" cy="0"/>
+          <a:chOff x="0" y="0"/>
+          <a:chExt cx="0" cy="0"/>
+        </a:xfrm>
+      </p:grpSpPr>
+      <p:sp>
+        <p:nvSpPr>
+          <p:cNvPr id="2" name="제목 1"/>
+          <p:cNvSpPr>
+            <a:spLocks noGrp="1"/>
+          </p:cNvSpPr>
+          <p:nvPr>
+            <p:ph type="title" idx="0"/>
+          </p:nvPr>
+        </p:nvSpPr>
+        <p:spPr/>
+        <p:txBody>
+          <a:bodyPr/>
+          <a:lstStyle/>
+          <a:p>
+            <a:pPr algn="l">
+              <a:defRPr lang="ko-KR" altLang="en-US"/>
+            </a:pPr>
+            <a:r>
+              <a:rPr lang="en-US" altLang="ko-KR"/>
+              <a:t>Introduction Paper</a:t>
+            </a:r>
+            <a:endParaRPr lang="en-US" altLang="ko-KR"/>
+          </a:p>
+        </p:txBody>
+      </p:sp>
+      <p:sp>
+        <p:nvSpPr>
+          <p:cNvPr id="3" name="내용 개체 틀 2"/>
+          <p:cNvSpPr>
+            <a:spLocks noGrp="1"/>
+          </p:cNvSpPr>
+          <p:nvPr>
+            <p:ph idx="1"/>
+          </p:nvPr>
+        </p:nvSpPr>
+        <p:spPr/>
+        <p:txBody>
+          <a:bodyPr/>
+          <a:lstStyle/>
+          <a:p>
+            <a:pPr>
+              <a:defRPr lang="ko-KR" altLang="en-US"/>
+            </a:pPr>
+            <a:r>
+              <a:rPr lang="ko-KR" altLang="en-US"/>
+              <a:t>학습 속도를 향상시키기 위한 논문</a:t>
+            </a:r>
+            <a:endParaRPr lang="ko-KR" altLang="en-US"/>
+          </a:p>
+          <a:p>
+            <a:pPr>
+              <a:defRPr lang="ko-KR" altLang="en-US"/>
+            </a:pPr>
+            <a:endParaRPr lang="ko-KR" altLang="en-US"/>
+          </a:p>
+          <a:p>
+            <a:pPr>
+              <a:defRPr lang="ko-KR" altLang="en-US"/>
+            </a:pPr>
+            <a:r>
+              <a:rPr lang="ko-KR" altLang="en-US"/>
+              <a:t>Optimus:An EfficientDynamic Resource Scheduler for Deep Learning Clusters </a:t>
+            </a:r>
+            <a:endParaRPr lang="ko-KR" altLang="en-US"/>
+          </a:p>
+          <a:p>
+            <a:pPr>
+              <a:defRPr lang="ko-KR" altLang="en-US"/>
+            </a:pPr>
+            <a:endParaRPr lang="ko-KR" altLang="en-US"/>
+          </a:p>
+          <a:p>
+            <a:pPr>
+              <a:defRPr lang="ko-KR" altLang="en-US"/>
+            </a:pPr>
+            <a:r>
+              <a:rPr lang="ko-KR" altLang="en-US"/>
+              <a:t>홍콩 대학, 컴퓨터 사이언스 대학원</a:t>
+            </a:r>
+            <a:endParaRPr lang="ko-KR" altLang="en-US"/>
+          </a:p>
+          <a:p>
+            <a:pPr>
+              <a:defRPr lang="ko-KR" altLang="en-US"/>
+            </a:pPr>
+            <a:endParaRPr lang="ko-KR" altLang="en-US"/>
+          </a:p>
+        </p:txBody>
+      </p:sp>
+    </p:spTree>
+  </p:cSld>
+  <p:clrMapOvr>
+    <a:masterClrMapping/>
+  </p:clrMapOvr>
+  <mc:AlternateContent xmlns:mc="http://schemas.openxmlformats.org/markup-compatibility/2006">
+    <mc:Choice xmlns:p14="http://schemas.microsoft.com/office/powerpoint/2010/main" Requires="p14">
+      <p:transition xmlns:mc="http://schemas.openxmlformats.org/markup-compatibility/2006" xmlns:p14="http://schemas.microsoft.com/office/powerpoint/2010/main" mc:Ignorable="p14" p14:dur="500"/>
+    </mc:Choice>
+    <mc:Fallback>
+      <p:transition/>
+    </mc:Fallback>
+  </mc:AlternateContent>
+</p:sld>
+</file>
+
+<file path=ppt/slides/slide24.xml><?xml version="1.0" encoding="utf-8"?>
+<p:sld xmlns:r="http://schemas.openxmlformats.org/officeDocument/2006/relationships" xmlns:c="http://schemas.openxmlformats.org/drawingml/2006/chart" xmlns:a="http://schemas.openxmlformats.org/drawingml/2006/main" xmlns:dgm="http://schemas.openxmlformats.org/drawingml/2006/diagram" xmlns:dsp="http://schemas.microsoft.com/office/drawing/2008/diagram" xmlns:p="http://schemas.openxmlformats.org/presentationml/2006/main">
+  <p:cSld>
+    <p:spTree>
+      <p:nvGrpSpPr>
+        <p:cNvPr id="1" name=""/>
+        <p:cNvGrpSpPr/>
+        <p:nvPr/>
+      </p:nvGrpSpPr>
+      <p:grpSpPr>
+        <a:xfrm>
+          <a:off x="0" y="0"/>
+          <a:ext cx="0" cy="0"/>
+          <a:chOff x="0" y="0"/>
+          <a:chExt cx="0" cy="0"/>
+        </a:xfrm>
+      </p:grpSpPr>
+      <p:sp>
+        <p:nvSpPr>
+          <p:cNvPr id="2" name="제목 1"/>
+          <p:cNvSpPr>
+            <a:spLocks noGrp="1"/>
+          </p:cNvSpPr>
+          <p:nvPr>
+            <p:ph type="title" idx="0"/>
+          </p:nvPr>
+        </p:nvSpPr>
+        <p:spPr/>
+        <p:txBody>
+          <a:bodyPr/>
+          <a:lstStyle/>
+          <a:p>
+            <a:pPr algn="l">
+              <a:defRPr lang="ko-KR" altLang="en-US"/>
+            </a:pPr>
+            <a:r>
+              <a:rPr lang="en-US" altLang="ko-KR"/>
+              <a:t>System demo</a:t>
+            </a:r>
+            <a:endParaRPr lang="en-US" altLang="ko-KR"/>
+          </a:p>
+        </p:txBody>
+      </p:sp>
+      <p:sp>
+        <p:nvSpPr>
+          <p:cNvPr id="3" name="내용 개체 틀 2"/>
+          <p:cNvSpPr>
+            <a:spLocks noGrp="1"/>
+          </p:cNvSpPr>
+          <p:nvPr>
+            <p:ph idx="1"/>
+          </p:nvPr>
+        </p:nvSpPr>
+        <p:spPr/>
+        <p:txBody>
+          <a:bodyPr/>
+          <a:lstStyle/>
+          <a:p>
+            <a:pPr>
+              <a:buNone/>
+              <a:defRPr lang="ko-KR" altLang="en-US"/>
+            </a:pPr>
+            <a:endParaRPr lang="en-US" altLang="ko-KR"/>
+          </a:p>
+          <a:p>
+            <a:pPr>
+              <a:defRPr lang="ko-KR" altLang="en-US"/>
+            </a:pPr>
+            <a:r>
+              <a:rPr lang="en-US" altLang="ko-KR"/>
+              <a:t>Straggler Handling</a:t>
+            </a:r>
+            <a:br>
+              <a:rPr lang="en-US" altLang="ko-KR"/>
+            </a:br>
+            <a:r>
+              <a:rPr lang="en-US" altLang="ko-KR"/>
+              <a:t>- </a:t>
+            </a:r>
+            <a:r>
+              <a:rPr lang="ko-KR" altLang="en-US"/>
+              <a:t>느려지거나 또는 느린 </a:t>
+            </a:r>
+            <a:r>
+              <a:rPr lang="en-US" altLang="ko-KR"/>
+              <a:t>Worker</a:t>
+            </a:r>
+            <a:r>
+              <a:rPr lang="ko-KR" altLang="en-US"/>
+              <a:t>의 관리</a:t>
+            </a:r>
+            <a:endParaRPr lang="ko-KR" altLang="en-US"/>
+          </a:p>
+          <a:p>
+            <a:pPr>
+              <a:defRPr lang="ko-KR" altLang="en-US"/>
+            </a:pPr>
+            <a:endParaRPr lang="ko-KR" altLang="en-US"/>
+          </a:p>
+          <a:p>
+            <a:pPr>
+              <a:defRPr lang="ko-KR" altLang="en-US"/>
+            </a:pPr>
+            <a:endParaRPr lang="ko-KR" altLang="en-US"/>
+          </a:p>
+          <a:p>
+            <a:pPr>
+              <a:defRPr lang="ko-KR" altLang="en-US"/>
+            </a:pPr>
+            <a:r>
+              <a:rPr lang="en-US" altLang="ko-KR"/>
+              <a:t>Load Balancing</a:t>
+            </a:r>
+            <a:br>
+              <a:rPr lang="ko-KR" altLang="en-US"/>
+            </a:br>
+            <a:r>
+              <a:rPr lang="ko-KR" altLang="en-US"/>
+              <a:t>- </a:t>
+            </a:r>
+            <a:r>
+              <a:rPr lang="en-US" altLang="ko-KR"/>
+              <a:t>Parameter Server</a:t>
+            </a:r>
+            <a:r>
+              <a:rPr lang="ko-KR" altLang="en-US"/>
+              <a:t>를 이용한 로드밸런싱</a:t>
+            </a:r>
+            <a:endParaRPr lang="ko-KR" altLang="en-US"/>
+          </a:p>
+        </p:txBody>
+      </p:sp>
+    </p:spTree>
+  </p:cSld>
+  <p:clrMapOvr>
+    <a:masterClrMapping/>
+  </p:clrMapOvr>
+  <mc:AlternateContent xmlns:mc="http://schemas.openxmlformats.org/markup-compatibility/2006">
+    <mc:Choice xmlns:p14="http://schemas.microsoft.com/office/powerpoint/2010/main" Requires="p14">
+      <p:transition xmlns:mc="http://schemas.openxmlformats.org/markup-compatibility/2006" xmlns:p14="http://schemas.microsoft.com/office/powerpoint/2010/main" mc:Ignorable="p14" p14:dur="500"/>
+    </mc:Choice>
+    <mc:Fallback>
+      <p:transition/>
+    </mc:Fallback>
+  </mc:AlternateContent>
+</p:sld>
+</file>
+
+<file path=ppt/slides/slide25.xml><?xml version="1.0" encoding="utf-8"?>
+<p:sld xmlns:r="http://schemas.openxmlformats.org/officeDocument/2006/relationships" xmlns:c="http://schemas.openxmlformats.org/drawingml/2006/chart" xmlns:a="http://schemas.openxmlformats.org/drawingml/2006/main" xmlns:dgm="http://schemas.openxmlformats.org/drawingml/2006/diagram" xmlns:dsp="http://schemas.microsoft.com/office/drawing/2008/diagram" xmlns:p="http://schemas.openxmlformats.org/presentationml/2006/main">
+  <p:cSld>
+    <p:spTree>
+      <p:nvGrpSpPr>
+        <p:cNvPr id="1" name=""/>
+        <p:cNvGrpSpPr/>
+        <p:nvPr/>
+      </p:nvGrpSpPr>
+      <p:grpSpPr>
+        <a:xfrm>
+          <a:off x="0" y="0"/>
+          <a:ext cx="0" cy="0"/>
+          <a:chOff x="0" y="0"/>
+          <a:chExt cx="0" cy="0"/>
+        </a:xfrm>
+      </p:grpSpPr>
+      <p:sp>
+        <p:nvSpPr>
+          <p:cNvPr id="2" name="제목 1"/>
+          <p:cNvSpPr>
+            <a:spLocks noGrp="1"/>
+          </p:cNvSpPr>
+          <p:nvPr>
+            <p:ph type="title" idx="0"/>
+          </p:nvPr>
+        </p:nvSpPr>
+        <p:spPr/>
+        <p:txBody>
+          <a:bodyPr/>
+          <a:lstStyle/>
+          <a:p>
+            <a:pPr algn="l">
+              <a:defRPr lang="ko-KR" altLang="en-US"/>
+            </a:pPr>
+            <a:r>
+              <a:rPr lang="en-US" altLang="ko-KR"/>
+              <a:t>Straggler Handling</a:t>
+            </a:r>
+            <a:endParaRPr lang="en-US" altLang="ko-KR"/>
+          </a:p>
+        </p:txBody>
+      </p:sp>
+      <p:sp>
+        <p:nvSpPr>
+          <p:cNvPr id="4" name=""/>
+          <p:cNvSpPr txBox="1"/>
+          <p:nvPr/>
+        </p:nvSpPr>
+        <p:spPr>
+          <a:xfrm>
+            <a:off x="457198" y="1417638"/>
+            <a:ext cx="8003288" cy="2552382"/>
+          </a:xfrm>
+          <a:prstGeom prst="rect">
+            <a:avLst/>
+          </a:prstGeom>
+        </p:spPr>
+        <p:txBody>
+          <a:bodyPr wrap="square">
+            <a:spAutoFit/>
+          </a:bodyPr>
+          <a:p>
+            <a:pPr>
+              <a:defRPr lang="ko-KR" altLang="en-US"/>
+            </a:pPr>
+            <a:r>
+              <a:rPr lang="ko-KR" altLang="en-US"/>
+              <a:t>1) 문제</a:t>
+            </a:r>
+            <a:endParaRPr lang="ko-KR" altLang="en-US"/>
+          </a:p>
+          <a:p>
+            <a:pPr>
+              <a:defRPr lang="ko-KR" altLang="en-US"/>
+            </a:pPr>
+            <a:r>
+              <a:rPr lang="en-US" altLang="ko-KR"/>
+              <a:t>Worker</a:t>
+            </a:r>
+            <a:r>
+              <a:rPr lang="ko-KR" altLang="en-US"/>
+              <a:t>의 성능이 뒤처질 경우 동기나 비동기 처리에서 학습 속도의 중대한 영향을 입힘.</a:t>
+            </a:r>
+            <a:endParaRPr lang="ko-KR" altLang="en-US"/>
+          </a:p>
+          <a:p>
+            <a:pPr>
+              <a:defRPr lang="ko-KR" altLang="en-US"/>
+            </a:pPr>
+            <a:r>
+              <a:rPr lang="ko-KR" altLang="en-US"/>
+              <a:t>따라서 각</a:t>
+            </a:r>
+            <a:r>
+              <a:rPr lang="en-US" altLang="ko-KR"/>
+              <a:t> Worker</a:t>
+            </a:r>
+            <a:r>
+              <a:rPr lang="ko-KR" altLang="en-US"/>
+              <a:t>가 작업 완료 후, </a:t>
+            </a:r>
+            <a:r>
+              <a:rPr lang="en-US" altLang="ko-KR"/>
+              <a:t>Gradient</a:t>
+            </a:r>
+            <a:r>
+              <a:rPr lang="ko-KR" altLang="en-US"/>
+              <a:t>를 </a:t>
+            </a:r>
+            <a:r>
+              <a:rPr lang="en-US" altLang="ko-KR"/>
+              <a:t>Parameter Server</a:t>
+            </a:r>
+            <a:r>
+              <a:rPr lang="ko-KR" altLang="en-US"/>
+              <a:t>로 </a:t>
+            </a:r>
+            <a:r>
+              <a:rPr lang="en-US" altLang="ko-KR"/>
+              <a:t>Update</a:t>
+            </a:r>
+            <a:r>
+              <a:rPr lang="ko-KR" altLang="en-US"/>
+              <a:t>를 시작할 때, 서로 다른 </a:t>
+            </a:r>
+            <a:r>
+              <a:rPr lang="en-US" altLang="ko-KR"/>
+              <a:t>Worker</a:t>
+            </a:r>
+            <a:r>
+              <a:rPr lang="ko-KR" altLang="en-US"/>
+              <a:t>들과</a:t>
+            </a:r>
+            <a:r>
+              <a:rPr lang="en-US" altLang="ko-KR"/>
+              <a:t> </a:t>
+            </a:r>
+            <a:r>
+              <a:rPr lang="ko-KR" altLang="en-US"/>
+              <a:t>비교하여 </a:t>
+            </a:r>
+            <a:r>
+              <a:rPr lang="en-US" altLang="ko-KR"/>
+              <a:t>Update </a:t>
+            </a:r>
+            <a:r>
+              <a:rPr lang="ko-KR" altLang="en-US"/>
+              <a:t>시작 시점의 </a:t>
+            </a:r>
+            <a:r>
+              <a:rPr lang="en-US" altLang="ko-KR"/>
+              <a:t>Gap</a:t>
+            </a:r>
+            <a:r>
+              <a:rPr lang="ko-KR" altLang="en-US"/>
+              <a:t>을 구해야함.</a:t>
+            </a:r>
+            <a:endParaRPr lang="ko-KR" altLang="en-US"/>
+          </a:p>
+          <a:p>
+            <a:pPr>
+              <a:defRPr lang="ko-KR" altLang="en-US"/>
+            </a:pPr>
+            <a:endParaRPr lang="ko-KR" altLang="en-US"/>
+          </a:p>
+          <a:p>
+            <a:pPr>
+              <a:defRPr lang="ko-KR" altLang="en-US"/>
+            </a:pPr>
+            <a:r>
+              <a:rPr lang="ko-KR" altLang="en-US"/>
+              <a:t>2) 해결 방안 제시</a:t>
+            </a:r>
+            <a:endParaRPr lang="ko-KR" altLang="en-US"/>
+          </a:p>
+          <a:p>
+            <a:pPr>
+              <a:defRPr lang="ko-KR" altLang="en-US"/>
+            </a:pPr>
+            <a:r>
+              <a:rPr lang="ko-KR" altLang="en-US"/>
+              <a:t>느려진 워커를 발견할 경우 새로운 </a:t>
+            </a:r>
+            <a:r>
+              <a:rPr lang="en-US" altLang="ko-KR"/>
+              <a:t>Worker</a:t>
+            </a:r>
+            <a:r>
+              <a:rPr lang="ko-KR" altLang="en-US"/>
+              <a:t>(</a:t>
+            </a:r>
+            <a:r>
+              <a:rPr lang="en-US" altLang="ko-KR"/>
+              <a:t>Device)</a:t>
+            </a:r>
+            <a:r>
+              <a:rPr lang="ko-KR" altLang="en-US"/>
+              <a:t>를 추가</a:t>
+            </a:r>
+            <a:endParaRPr lang="ko-KR" altLang="en-US"/>
+          </a:p>
+        </p:txBody>
+      </p:sp>
+    </p:spTree>
+  </p:cSld>
+  <p:clrMapOvr>
+    <a:masterClrMapping/>
+  </p:clrMapOvr>
+  <mc:AlternateContent xmlns:mc="http://schemas.openxmlformats.org/markup-compatibility/2006">
+    <mc:Choice xmlns:p14="http://schemas.microsoft.com/office/powerpoint/2010/main" Requires="p14">
+      <p:transition xmlns:mc="http://schemas.openxmlformats.org/markup-compatibility/2006" xmlns:p14="http://schemas.microsoft.com/office/powerpoint/2010/main" mc:Ignorable="p14" p14:dur="500"/>
+    </mc:Choice>
+    <mc:Fallback>
+      <p:transition/>
+    </mc:Fallback>
+  </mc:AlternateContent>
+</p:sld>
+</file>
+
+<file path=ppt/slides/slide26.xml><?xml version="1.0" encoding="utf-8"?>
+<p:sld xmlns:r="http://schemas.openxmlformats.org/officeDocument/2006/relationships" xmlns:c="http://schemas.openxmlformats.org/drawingml/2006/chart" xmlns:a="http://schemas.openxmlformats.org/drawingml/2006/main" xmlns:dgm="http://schemas.openxmlformats.org/drawingml/2006/diagram" xmlns:dsp="http://schemas.microsoft.com/office/drawing/2008/diagram" xmlns:p="http://schemas.openxmlformats.org/presentationml/2006/main">
+  <p:cSld>
+    <p:spTree>
+      <p:nvGrpSpPr>
+        <p:cNvPr id="1" name=""/>
+        <p:cNvGrpSpPr/>
+        <p:nvPr/>
+      </p:nvGrpSpPr>
+      <p:grpSpPr>
+        <a:xfrm>
+          <a:off x="0" y="0"/>
+          <a:ext cx="0" cy="0"/>
+          <a:chOff x="0" y="0"/>
+          <a:chExt cx="0" cy="0"/>
+        </a:xfrm>
+      </p:grpSpPr>
+      <p:sp>
+        <p:nvSpPr>
+          <p:cNvPr id="2" name="제목 1"/>
+          <p:cNvSpPr>
+            <a:spLocks noGrp="1"/>
+          </p:cNvSpPr>
+          <p:nvPr>
+            <p:ph type="title" idx="0"/>
+          </p:nvPr>
+        </p:nvSpPr>
+        <p:spPr/>
+        <p:txBody>
+          <a:bodyPr/>
+          <a:lstStyle/>
+          <a:p>
+            <a:pPr algn="l">
+              <a:defRPr lang="ko-KR" altLang="en-US"/>
+            </a:pPr>
+            <a:r>
+              <a:rPr lang="en-US" altLang="ko-KR"/>
+              <a:t>Load Balancing</a:t>
+            </a:r>
+            <a:endParaRPr lang="en-US" altLang="ko-KR"/>
+          </a:p>
+        </p:txBody>
+      </p:sp>
+      <p:sp>
+        <p:nvSpPr>
+          <p:cNvPr id="4" name=""/>
+          <p:cNvSpPr txBox="1"/>
+          <p:nvPr/>
+        </p:nvSpPr>
+        <p:spPr>
+          <a:xfrm>
+            <a:off x="457198" y="1417637"/>
+            <a:ext cx="8507351" cy="3104833"/>
+          </a:xfrm>
+          <a:prstGeom prst="rect">
+            <a:avLst/>
+          </a:prstGeom>
+        </p:spPr>
+        <p:txBody>
+          <a:bodyPr wrap="square">
+            <a:spAutoFit/>
+          </a:bodyPr>
+          <a:p>
+            <a:pPr>
+              <a:defRPr lang="ko-KR" altLang="en-US"/>
+            </a:pPr>
+            <a:r>
+              <a:rPr lang="en-US" altLang="ko-KR"/>
+              <a:t>1)</a:t>
+            </a:r>
+            <a:r>
+              <a:rPr lang="ko-KR" altLang="en-US"/>
+              <a:t>문제</a:t>
+            </a:r>
+            <a:endParaRPr lang="ko-KR" altLang="en-US"/>
+          </a:p>
+          <a:p>
+            <a:pPr>
+              <a:defRPr lang="ko-KR" altLang="en-US"/>
+            </a:pPr>
+            <a:r>
+              <a:rPr lang="en-US" altLang="ko-KR"/>
+              <a:t>MXNet</a:t>
+            </a:r>
+            <a:r>
+              <a:rPr lang="ko-KR" altLang="en-US"/>
+              <a:t>과 같은 분산 처리 딥러닝 프레임워크. 예를 들어, </a:t>
+            </a:r>
+            <a:r>
+              <a:rPr lang="en-US" altLang="ko-KR"/>
+              <a:t>TensorFlow</a:t>
+            </a:r>
+            <a:r>
+              <a:rPr lang="ko-KR" altLang="en-US"/>
+              <a:t> 같은 프레임워크는 서로 다른 모델의 대해 임계값이 서로 다를 수 있으며, 이는 딥러닝 작업 처리 속도에 매우 큰 영향을 가짐</a:t>
+            </a:r>
+            <a:endParaRPr lang="ko-KR" altLang="en-US"/>
+          </a:p>
+          <a:p>
+            <a:pPr>
+              <a:defRPr lang="ko-KR" altLang="en-US"/>
+            </a:pPr>
+            <a:endParaRPr lang="ko-KR" altLang="en-US"/>
+          </a:p>
+          <a:p>
+            <a:pPr>
+              <a:defRPr lang="ko-KR" altLang="en-US"/>
+            </a:pPr>
+            <a:r>
+              <a:rPr lang="ko-KR" altLang="en-US"/>
+              <a:t>2)해결 방안 제안</a:t>
+            </a:r>
+            <a:endParaRPr lang="ko-KR" altLang="en-US"/>
+          </a:p>
+          <a:p>
+            <a:pPr>
+              <a:defRPr lang="ko-KR" altLang="en-US"/>
+            </a:pPr>
+            <a:r>
+              <a:rPr lang="en-US" altLang="ko-KR"/>
+              <a:t>  - Parameter Server</a:t>
+            </a:r>
+            <a:r>
+              <a:rPr lang="ko-KR" altLang="en-US"/>
+              <a:t>로 입력되는 각 </a:t>
+            </a:r>
+            <a:r>
+              <a:rPr lang="en-US" altLang="ko-KR"/>
+              <a:t>Parameter</a:t>
+            </a:r>
+            <a:r>
+              <a:rPr lang="ko-KR" altLang="en-US"/>
+              <a:t>들의 평균(</a:t>
+            </a:r>
+            <a:r>
+              <a:rPr lang="en-US" altLang="ko-KR"/>
+              <a:t>avg)</a:t>
+            </a:r>
+            <a:r>
+              <a:rPr lang="ko-KR" altLang="en-US"/>
+              <a:t>을 구한 후, 입력 </a:t>
+            </a:r>
+            <a:r>
+              <a:rPr lang="en-US" altLang="ko-KR"/>
+              <a:t>Parameter size</a:t>
+            </a:r>
+            <a:r>
+              <a:rPr lang="ko-KR" altLang="en-US"/>
+              <a:t>가 평균 이하일 경우 ( </a:t>
+            </a:r>
+            <a:r>
+              <a:rPr lang="en-US" altLang="ko-KR"/>
+              <a:t>avg - parameter size</a:t>
+            </a:r>
+            <a:r>
+              <a:rPr lang="ko-KR" altLang="en-US"/>
+              <a:t> )의 서버를 할당</a:t>
+            </a:r>
+            <a:endParaRPr lang="ko-KR" altLang="en-US"/>
+          </a:p>
+          <a:p>
+            <a:pPr>
+              <a:defRPr lang="ko-KR" altLang="en-US"/>
+            </a:pPr>
+            <a:r>
+              <a:rPr lang="en-US" altLang="ko-KR"/>
+              <a:t>  - Parameter</a:t>
+            </a:r>
+            <a:r>
+              <a:rPr lang="ko-KR" altLang="en-US"/>
+              <a:t>들의 크기가 평균 이상일 경우 </a:t>
+            </a:r>
+            <a:r>
+              <a:rPr lang="en-US" altLang="ko-KR"/>
+              <a:t>Parameter </a:t>
+            </a:r>
+            <a:r>
+              <a:rPr lang="ko-KR" altLang="en-US"/>
+              <a:t>서버는 가장 적은 </a:t>
+            </a:r>
+            <a:r>
+              <a:rPr lang="en-US" altLang="ko-KR"/>
+              <a:t>Parameter</a:t>
+            </a:r>
+            <a:r>
+              <a:rPr lang="ko-KR" altLang="en-US"/>
+              <a:t>의</a:t>
+            </a:r>
+            <a:r>
+              <a:rPr lang="en-US" altLang="ko-KR"/>
+              <a:t> </a:t>
+            </a:r>
+            <a:r>
+              <a:rPr lang="ko-KR" altLang="en-US"/>
+              <a:t>크기를 가지며, </a:t>
+            </a:r>
+            <a:r>
+              <a:rPr lang="en-US" altLang="ko-KR"/>
+              <a:t>Parameter</a:t>
+            </a:r>
+            <a:r>
+              <a:rPr lang="ko-KR" altLang="en-US"/>
+              <a:t>들은 평균 크기로 분할되어 </a:t>
+            </a:r>
+            <a:r>
+              <a:rPr lang="en-US" altLang="ko-KR"/>
+              <a:t>parameter </a:t>
+            </a:r>
+            <a:r>
+              <a:rPr lang="ko-KR" altLang="en-US"/>
+              <a:t>서버에 할당</a:t>
+            </a:r>
+            <a:endParaRPr lang="ko-KR" altLang="en-US"/>
+          </a:p>
+        </p:txBody>
+      </p:sp>
+    </p:spTree>
+  </p:cSld>
+  <p:clrMapOvr>
+    <a:masterClrMapping/>
+  </p:clrMapOvr>
+  <mc:AlternateContent xmlns:mc="http://schemas.openxmlformats.org/markup-compatibility/2006">
+    <mc:Choice xmlns:p14="http://schemas.microsoft.com/office/powerpoint/2010/main" Requires="p14">
+      <p:transition xmlns:mc="http://schemas.openxmlformats.org/markup-compatibility/2006" xmlns:p14="http://schemas.microsoft.com/office/powerpoint/2010/main" mc:Ignorable="p14" p14:dur="500"/>
+    </mc:Choice>
+    <mc:Fallback>
+      <p:transition/>
+    </mc:Fallback>
+  </mc:AlternateContent>
+</p:sld>
+</file>
+
+<file path=ppt/slides/slide27.xml><?xml version="1.0" encoding="utf-8"?>
+<p:sld xmlns:r="http://schemas.openxmlformats.org/officeDocument/2006/relationships" xmlns:c="http://schemas.openxmlformats.org/drawingml/2006/chart" xmlns:a="http://schemas.openxmlformats.org/drawingml/2006/main" xmlns:dgm="http://schemas.openxmlformats.org/drawingml/2006/diagram" xmlns:dsp="http://schemas.microsoft.com/office/drawing/2008/diagram" xmlns:p="http://schemas.openxmlformats.org/presentationml/2006/main">
+  <p:cSld>
+    <p:spTree>
+      <p:nvGrpSpPr>
+        <p:cNvPr id="1" name=""/>
+        <p:cNvGrpSpPr/>
+        <p:nvPr/>
+      </p:nvGrpSpPr>
+      <p:grpSpPr>
+        <a:xfrm>
+          <a:off x="0" y="0"/>
+          <a:ext cx="0" cy="0"/>
+          <a:chOff x="0" y="0"/>
+          <a:chExt cx="0" cy="0"/>
+        </a:xfrm>
+      </p:grpSpPr>
+      <p:sp>
+        <p:nvSpPr>
+          <p:cNvPr id="2" name="제목 1"/>
+          <p:cNvSpPr>
+            <a:spLocks noGrp="1"/>
+          </p:cNvSpPr>
+          <p:nvPr>
+            <p:ph type="title" idx="0"/>
+          </p:nvPr>
+        </p:nvSpPr>
+        <p:spPr/>
+        <p:txBody>
+          <a:bodyPr>
+            <a:normAutofit fontScale="90000"/>
+          </a:bodyPr>
+          <a:lstStyle/>
+          <a:p>
+            <a:pPr marL="257040" indent="-257040" algn="l">
+              <a:buFont typeface="Arial"/>
+              <a:buNone/>
+              <a:defRPr lang="ko-KR" altLang="en-US"/>
+            </a:pPr>
+            <a:r>
+              <a:rPr lang="en-US" altLang="ko-KR"/>
+              <a:t>Efficient resouce scheduling </a:t>
+            </a:r>
+            <a:endParaRPr lang="en-US" altLang="ko-KR"/>
+          </a:p>
+          <a:p>
+            <a:pPr marL="257040" indent="-257040" algn="l">
+              <a:buFont typeface="Arial"/>
+              <a:buNone/>
+              <a:defRPr lang="ko-KR" altLang="en-US"/>
+            </a:pPr>
+            <a:r>
+              <a:rPr lang="en-US" altLang="ko-KR"/>
+              <a:t>for Kubernets Cluster</a:t>
+            </a:r>
+            <a:endParaRPr lang="en-US" altLang="ko-KR"/>
+          </a:p>
+        </p:txBody>
+      </p:sp>
+      <p:sp>
+        <p:nvSpPr>
+          <p:cNvPr id="4" name=""/>
+          <p:cNvSpPr txBox="1"/>
+          <p:nvPr/>
+        </p:nvSpPr>
+        <p:spPr>
+          <a:xfrm>
+            <a:off x="457197" y="1988820"/>
+            <a:ext cx="8507351" cy="1733550"/>
+          </a:xfrm>
+          <a:prstGeom prst="rect">
+            <a:avLst/>
+          </a:prstGeom>
+        </p:spPr>
+        <p:txBody>
+          <a:bodyPr wrap="square">
+            <a:spAutoFit/>
+          </a:bodyPr>
+          <a:p>
+            <a:pPr>
+              <a:defRPr lang="ko-KR" altLang="en-US"/>
+            </a:pPr>
+            <a:r>
+              <a:rPr lang="ko-KR" altLang="en-US"/>
+              <a:t>1) </a:t>
+            </a:r>
+            <a:r>
+              <a:rPr lang="en-US" altLang="ko-KR"/>
+              <a:t>Tensorflow</a:t>
+            </a:r>
+            <a:r>
+              <a:rPr lang="ko-KR" altLang="en-US"/>
+              <a:t>와 같은 분산 처리 딥러닝 프레임 워크는 일반적으로 </a:t>
+            </a:r>
+            <a:r>
+              <a:rPr lang="en-US" altLang="ko-KR"/>
+              <a:t>Docker</a:t>
+            </a:r>
+            <a:r>
+              <a:rPr lang="ko-KR" altLang="en-US"/>
+              <a:t>를 활용하여 </a:t>
+            </a:r>
+            <a:r>
+              <a:rPr lang="en-US" altLang="ko-KR"/>
+              <a:t>Parameter Server</a:t>
+            </a:r>
+            <a:r>
+              <a:rPr lang="ko-KR" altLang="en-US"/>
+              <a:t>를 구현</a:t>
+            </a:r>
+            <a:endParaRPr lang="ko-KR" altLang="en-US"/>
+          </a:p>
+          <a:p>
+            <a:pPr>
+              <a:defRPr lang="ko-KR" altLang="en-US"/>
+            </a:pPr>
+            <a:endParaRPr lang="ko-KR" altLang="en-US"/>
+          </a:p>
+          <a:p>
+            <a:pPr>
+              <a:defRPr lang="ko-KR" altLang="en-US"/>
+            </a:pPr>
+            <a:r>
+              <a:rPr lang="ko-KR" altLang="en-US"/>
+              <a:t>2) </a:t>
+            </a:r>
+            <a:r>
+              <a:rPr lang="en-US" altLang="ko-KR"/>
+              <a:t>Kubernets</a:t>
+            </a:r>
+            <a:r>
+              <a:rPr lang="ko-KR" altLang="en-US"/>
+              <a:t>는 </a:t>
+            </a:r>
+            <a:r>
+              <a:rPr lang="en-US" altLang="ko-KR"/>
+              <a:t>Docker</a:t>
+            </a:r>
+            <a:r>
+              <a:rPr lang="ko-KR" altLang="en-US"/>
+              <a:t>를 효과적으로 </a:t>
+            </a:r>
+            <a:r>
+              <a:rPr lang="en-US" altLang="ko-KR"/>
+              <a:t>Scheduling </a:t>
+            </a:r>
+            <a:r>
+              <a:rPr lang="ko-KR" altLang="en-US"/>
+              <a:t>할 수 있는 관리 도구로,</a:t>
+            </a:r>
+            <a:endParaRPr lang="ko-KR" altLang="en-US"/>
+          </a:p>
+          <a:p>
+            <a:pPr>
+              <a:defRPr lang="ko-KR" altLang="en-US"/>
+            </a:pPr>
+            <a:r>
+              <a:rPr lang="en-US" altLang="ko-KR"/>
+              <a:t>master node</a:t>
+            </a:r>
+            <a:r>
+              <a:rPr lang="ko-KR" altLang="en-US"/>
+              <a:t>와 </a:t>
+            </a:r>
+            <a:r>
+              <a:rPr lang="en-US" altLang="ko-KR"/>
+              <a:t>slave node</a:t>
+            </a:r>
+            <a:r>
+              <a:rPr lang="ko-KR" altLang="en-US"/>
+              <a:t>로 구성되어지며, </a:t>
+            </a:r>
+            <a:r>
+              <a:rPr lang="en-US" altLang="ko-KR"/>
+              <a:t>load-balance </a:t>
+            </a:r>
+            <a:r>
+              <a:rPr lang="ko-KR" altLang="en-US"/>
+              <a:t>및 </a:t>
+            </a:r>
+            <a:r>
+              <a:rPr lang="en-US" altLang="ko-KR"/>
+              <a:t>fault-tolerance</a:t>
+            </a:r>
+            <a:r>
+              <a:rPr lang="ko-KR" altLang="en-US"/>
+              <a:t> 기능으로 효과적인 작업 분배 및 관리가 용이</a:t>
+            </a:r>
+            <a:endParaRPr lang="ko-KR" altLang="en-US"/>
+          </a:p>
+        </p:txBody>
+      </p:sp>
+    </p:spTree>
+  </p:cSld>
+  <p:clrMapOvr>
+    <a:masterClrMapping/>
+  </p:clrMapOvr>
+  <mc:AlternateContent xmlns:mc="http://schemas.openxmlformats.org/markup-compatibility/2006">
+    <mc:Choice xmlns:p14="http://schemas.microsoft.com/office/powerpoint/2010/main" Requires="p14">
+      <p:transition xmlns:mc="http://schemas.openxmlformats.org/markup-compatibility/2006" xmlns:p14="http://schemas.microsoft.com/office/powerpoint/2010/main" mc:Ignorable="p14" p14:dur="500"/>
+    </mc:Choice>
+    <mc:Fallback>
+      <p:transition/>
+    </mc:Fallback>
+  </mc:AlternateContent>
+</p:sld>
+</file>
+
+<file path=ppt/slides/slide28.xml><?xml version="1.0" encoding="utf-8"?>
+<p:sld xmlns:r="http://schemas.openxmlformats.org/officeDocument/2006/relationships" xmlns:c="http://schemas.openxmlformats.org/drawingml/2006/chart" xmlns:a="http://schemas.openxmlformats.org/drawingml/2006/main" xmlns:dgm="http://schemas.openxmlformats.org/drawingml/2006/diagram" xmlns:dsp="http://schemas.microsoft.com/office/drawing/2008/diagram" xmlns:p="http://schemas.openxmlformats.org/presentationml/2006/main">
+  <p:cSld>
+    <p:spTree>
+      <p:nvGrpSpPr>
+        <p:cNvPr id="1" name=""/>
+        <p:cNvGrpSpPr/>
+        <p:nvPr/>
+      </p:nvGrpSpPr>
+      <p:grpSpPr>
+        <a:xfrm>
+          <a:off x="0" y="0"/>
+          <a:ext cx="0" cy="0"/>
+          <a:chOff x="0" y="0"/>
+          <a:chExt cx="0" cy="0"/>
+        </a:xfrm>
+      </p:grpSpPr>
+      <p:sp>
+        <p:nvSpPr>
+          <p:cNvPr id="2" name="제목 1"/>
+          <p:cNvSpPr>
+            <a:spLocks noGrp="1"/>
+          </p:cNvSpPr>
+          <p:nvPr>
+            <p:ph type="title" idx="0"/>
+          </p:nvPr>
+        </p:nvSpPr>
+        <p:spPr/>
+        <p:txBody>
+          <a:bodyPr/>
+          <a:lstStyle/>
+          <a:p>
+            <a:pPr marL="257040" indent="-257040">
+              <a:buFont typeface="Arial"/>
+              <a:buNone/>
+              <a:defRPr lang="ko-KR" altLang="en-US"/>
+            </a:pPr>
+            <a:r>
+              <a:rPr lang="ko-KR" altLang="en-US"/>
+              <a:t>참 고 논 문</a:t>
+            </a:r>
+            <a:endParaRPr lang="ko-KR" altLang="en-US"/>
+          </a:p>
+        </p:txBody>
+      </p:sp>
+      <p:sp>
+        <p:nvSpPr>
+          <p:cNvPr id="4" name=""/>
+          <p:cNvSpPr txBox="1"/>
+          <p:nvPr/>
+        </p:nvSpPr>
+        <p:spPr>
+          <a:xfrm>
+            <a:off x="457197" y="1988820"/>
+            <a:ext cx="8507351" cy="942975"/>
+          </a:xfrm>
+          <a:prstGeom prst="rect">
+            <a:avLst/>
+          </a:prstGeom>
+        </p:spPr>
+        <p:txBody>
+          <a:bodyPr wrap="square">
+            <a:spAutoFit/>
+          </a:bodyPr>
+          <a:p>
+            <a:pPr>
+              <a:defRPr lang="ko-KR" altLang="en-US"/>
+            </a:pPr>
+            <a:r>
+              <a:rPr lang="ko-KR" altLang="en-US" sz="1400"/>
+              <a:t>1. 이은주 (2017). CNN과 RNN의 기초 및 응용 연구. 방송과 미디어. 22(1).87-95.</a:t>
+            </a:r>
+            <a:endParaRPr lang="ko-KR" altLang="en-US" sz="1400"/>
+          </a:p>
+          <a:p>
+            <a:pPr>
+              <a:defRPr lang="ko-KR" altLang="en-US"/>
+            </a:pPr>
+            <a:r>
+              <a:rPr lang="ko-KR" altLang="en-US" sz="1400"/>
+              <a:t>2. Optimus: an efficient dynamic resource scheduler for deep learning clusters</a:t>
+            </a:r>
+            <a:endParaRPr lang="ko-KR" altLang="en-US" sz="1400"/>
+          </a:p>
+          <a:p>
+            <a:pPr>
+              <a:defRPr lang="ko-KR" altLang="en-US"/>
+            </a:pPr>
+            <a:r>
+              <a:rPr lang="ko-KR" altLang="en-US" sz="1400"/>
+              <a:t>3. Rectified Linear Units Improve Restricted Boltzmann Machines</a:t>
+            </a:r>
+            <a:endParaRPr lang="ko-KR" altLang="en-US" sz="1400"/>
+          </a:p>
+          <a:p>
+            <a:pPr>
+              <a:defRPr lang="ko-KR" altLang="en-US"/>
+            </a:pPr>
+            <a:r>
+              <a:rPr lang="ko-KR" altLang="en-US" sz="1400"/>
+              <a:t>4. https://www.oreilly.com/ideas/distributed-tensorflow</a:t>
+            </a:r>
+            <a:endParaRPr lang="ko-KR" altLang="en-US" sz="1400"/>
+          </a:p>
+        </p:txBody>
+      </p:sp>
+    </p:spTree>
+  </p:cSld>
+  <p:clrMapOvr>
+    <a:masterClrMapping/>
+  </p:clrMapOvr>
+  <mc:AlternateContent xmlns:mc="http://schemas.openxmlformats.org/markup-compatibility/2006">
+    <mc:Choice xmlns:p14="http://schemas.microsoft.com/office/powerpoint/2010/main" Requires="p14">
+      <p:transition xmlns:mc="http://schemas.openxmlformats.org/markup-compatibility/2006" xmlns:p14="http://schemas.microsoft.com/office/powerpoint/2010/main" mc:Ignorable="p14" p14:dur="500"/>
+    </mc:Choice>
+    <mc:Fallback>
+      <p:transition/>
+    </mc:Fallback>
+  </mc:AlternateContent>
 </p:sld>
 </file>
 

--- a/CNN-RNN-efficientDeeplearningSeminar/Compare CNN and RNN  and then efficient scheduling.pptx
+++ b/CNN-RNN-efficientDeeplearningSeminar/Compare CNN and RNN  and then efficient scheduling.pptx
@@ -2,42 +2,43 @@
 <file path=ppt/presentation.xml><?xml version="1.0" encoding="utf-8"?>
 <p:presentation xmlns:r="http://schemas.openxmlformats.org/officeDocument/2006/relationships" xmlns:c="http://schemas.openxmlformats.org/drawingml/2006/chart" xmlns:a="http://schemas.openxmlformats.org/drawingml/2006/main" xmlns:dgm="http://schemas.openxmlformats.org/drawingml/2006/diagram" xmlns:dsp="http://schemas.microsoft.com/office/drawing/2008/diagram" xmlns:p="http://schemas.openxmlformats.org/presentationml/2006/main" saveSubsetFonts="1">
   <p:sldMasterIdLst>
-    <p:sldMasterId id="2147483747" r:id="rId1"/>
+    <p:sldMasterId id="2147483758" r:id="rId14"/>
   </p:sldMasterIdLst>
   <p:notesMasterIdLst>
-    <p:notesMasterId r:id="rId2"/>
+    <p:notesMasterId r:id="rId16"/>
   </p:notesMasterIdLst>
   <p:sldIdLst>
-    <p:sldId id="256" r:id="rId3"/>
-    <p:sldId id="257" r:id="rId4"/>
-    <p:sldId id="258" r:id="rId5"/>
-    <p:sldId id="259" r:id="rId6"/>
-    <p:sldId id="260" r:id="rId7"/>
-    <p:sldId id="261" r:id="rId8"/>
-    <p:sldId id="262" r:id="rId9"/>
-    <p:sldId id="263" r:id="rId10"/>
-    <p:sldId id="264" r:id="rId11"/>
-    <p:sldId id="265" r:id="rId12"/>
-    <p:sldId id="266" r:id="rId13"/>
-    <p:sldId id="267" r:id="rId14"/>
-    <p:sldId id="268" r:id="rId15"/>
-    <p:sldId id="269" r:id="rId16"/>
-    <p:sldId id="270" r:id="rId17"/>
-    <p:sldId id="271" r:id="rId18"/>
-    <p:sldId id="272" r:id="rId19"/>
-    <p:sldId id="273" r:id="rId20"/>
-    <p:sldId id="274" r:id="rId21"/>
-    <p:sldId id="275" r:id="rId22"/>
-    <p:sldId id="276" r:id="rId23"/>
-    <p:sldId id="277" r:id="rId24"/>
-    <p:sldId id="278" r:id="rId25"/>
-    <p:sldId id="279" r:id="rId26"/>
-    <p:sldId id="280" r:id="rId27"/>
-    <p:sldId id="281" r:id="rId28"/>
-    <p:sldId id="282" r:id="rId29"/>
-    <p:sldId id="283" r:id="rId30"/>
+    <p:sldId id="256" r:id="rId18"/>
+    <p:sldId id="257" r:id="rId19"/>
+    <p:sldId id="258" r:id="rId20"/>
+    <p:sldId id="259" r:id="rId21"/>
+    <p:sldId id="260" r:id="rId22"/>
+    <p:sldId id="261" r:id="rId23"/>
+    <p:sldId id="262" r:id="rId24"/>
+    <p:sldId id="263" r:id="rId25"/>
+    <p:sldId id="264" r:id="rId26"/>
+    <p:sldId id="265" r:id="rId27"/>
+    <p:sldId id="266" r:id="rId28"/>
+    <p:sldId id="267" r:id="rId29"/>
+    <p:sldId id="268" r:id="rId30"/>
+    <p:sldId id="269" r:id="rId31"/>
+    <p:sldId id="270" r:id="rId32"/>
+    <p:sldId id="271" r:id="rId33"/>
+    <p:sldId id="272" r:id="rId34"/>
+    <p:sldId id="273" r:id="rId35"/>
+    <p:sldId id="274" r:id="rId36"/>
+    <p:sldId id="275" r:id="rId37"/>
+    <p:sldId id="276" r:id="rId38"/>
+    <p:sldId id="277" r:id="rId39"/>
+    <p:sldId id="278" r:id="rId40"/>
+    <p:sldId id="279" r:id="rId41"/>
+    <p:sldId id="280" r:id="rId42"/>
+    <p:sldId id="281" r:id="rId43"/>
+    <p:sldId id="282" r:id="rId44"/>
+    <p:sldId id="283" r:id="rId45"/>
+    <p:sldId id="284" r:id="rId46"/>
   </p:sldIdLst>
-  <p:sldSz cx="9144000" cy="6858000" type="screen4x3"/>
+  <p:sldSz cx="9144000" cy="6858000"/>
   <p:notesSz cx="6858000" cy="9144000"/>
   <p:defaultTextStyle>
     <a:defPPr>
@@ -134,6 +135,22 @@
       </a:defRPr>
     </a:lvl9pPr>
   </p:defaultTextStyle>
+  <p:extLst>
+    <p:ext uri="{EFAFB233-063F-42B5-8137-9DF3F51BA10A}">
+      <p15:sldGuideLst xmlns:p15="http://schemas.microsoft.com/office/powerpoint/2012/main">
+        <p15:guide id="0" orient="horz" pos="2153" userDrawn="1">
+          <p15:clr>
+            <a:srgbClr val="A4A3A4"/>
+          </p15:clr>
+        </p15:guide>
+        <p15:guide id="1" pos="2877" userDrawn="1">
+          <p15:clr>
+            <a:srgbClr val="A4A3A4"/>
+          </p15:clr>
+        </p15:guide>
+      </p15:sldGuideLst>
+    </p:ext>
+  </p:extLst>
 </p:presentation>
 </file>
 
@@ -6356,84 +6373,147 @@
         </p:nvSpPr>
         <p:spPr>
           <a:xfrm>
-            <a:off x="1043559" y="2563177"/>
-            <a:ext cx="6336792" cy="1454468"/>
+            <a:off x="1043305" y="2562860"/>
+            <a:ext cx="6336665" cy="1469390"/>
           </a:xfrm>
           <a:prstGeom prst="rect">
             <a:avLst/>
           </a:prstGeom>
         </p:spPr>
         <p:txBody>
-          <a:bodyPr wrap="square">
+          <a:bodyPr wrap="square" lIns="91440" tIns="45720" rIns="91440" bIns="45720" vert="horz" anchor="t">
             <a:spAutoFit/>
           </a:bodyPr>
-          <a:p>
-            <a:pPr marL="257040" indent="-257040">
-              <a:buFont typeface="Arial"/>
+          <a:lstStyle/>
+          <a:p>
+            <a:pPr marL="257175" indent="-257175" algn="l" fontAlgn="auto" defTabSz="914400" eaLnBrk="0">
+              <a:lnSpc>
+                <a:spcPct val="100000"/>
+              </a:lnSpc>
+              <a:spcBef>
+                <a:spcPts val="0"/>
+              </a:spcBef>
+              <a:spcAft>
+                <a:spcPts val="0"/>
+              </a:spcAft>
+              <a:buFontTx/>
               <a:buNone/>
-              <a:defRPr lang="ko-KR" altLang="en-US"/>
-            </a:pPr>
-            <a:r>
-              <a:rPr lang="en-US" altLang="ko-KR"/>
+            </a:pPr>
+            <a:r>
+              <a:rPr lang="en-US" altLang="ko-KR" sz="1800" dirty="0" smtClean="0">
+                <a:latin typeface="함초롬돋움" charset="0"/>
+                <a:ea typeface="함초롬돋움" charset="0"/>
+              </a:rPr>
               <a:t>Training Speed Up demo</a:t>
             </a:r>
-            <a:endParaRPr lang="en-US" altLang="ko-KR"/>
-          </a:p>
-          <a:p>
-            <a:pPr marL="257040" indent="-257040">
-              <a:buFont typeface="Arial"/>
+            <a:endParaRPr lang="ko-KR" altLang="en-US" sz="1800" dirty="0" smtClean="0">
+              <a:latin typeface="함초롬돋움" charset="0"/>
+              <a:ea typeface="함초롬돋움" charset="0"/>
+            </a:endParaRPr>
+          </a:p>
+          <a:p>
+            <a:pPr marL="257175" indent="-257175" algn="l" fontAlgn="auto" defTabSz="914400" eaLnBrk="0">
+              <a:lnSpc>
+                <a:spcPct val="100000"/>
+              </a:lnSpc>
+              <a:spcBef>
+                <a:spcPts val="0"/>
+              </a:spcBef>
+              <a:spcAft>
+                <a:spcPts val="0"/>
+              </a:spcAft>
+              <a:buFontTx/>
               <a:buNone/>
-              <a:defRPr lang="ko-KR" altLang="en-US"/>
-            </a:pPr>
-            <a:r>
-              <a:rPr lang="en-US" altLang="ko-KR"/>
+            </a:pPr>
+            <a:r>
+              <a:rPr lang="en-US" altLang="ko-KR" sz="1800" dirty="0" smtClean="0">
+                <a:latin typeface="함초롬돋움" charset="0"/>
+                <a:ea typeface="함초롬돋움" charset="0"/>
+              </a:rPr>
               <a:t>	- Introduction paper</a:t>
             </a:r>
-            <a:endParaRPr lang="en-US" altLang="ko-KR"/>
-          </a:p>
-          <a:p>
-            <a:pPr marL="257040" indent="-257040">
-              <a:buFont typeface="Arial"/>
+            <a:endParaRPr lang="ko-KR" altLang="en-US" sz="1800" dirty="0" smtClean="0">
+              <a:latin typeface="함초롬돋움" charset="0"/>
+              <a:ea typeface="함초롬돋움" charset="0"/>
+            </a:endParaRPr>
+          </a:p>
+          <a:p>
+            <a:pPr marL="257175" indent="-257175" algn="l" fontAlgn="auto" defTabSz="914400" eaLnBrk="0">
+              <a:lnSpc>
+                <a:spcPct val="100000"/>
+              </a:lnSpc>
+              <a:spcBef>
+                <a:spcPts val="0"/>
+              </a:spcBef>
+              <a:spcAft>
+                <a:spcPts val="0"/>
+              </a:spcAft>
+              <a:buFontTx/>
               <a:buNone/>
-              <a:defRPr lang="ko-KR" altLang="en-US"/>
-            </a:pPr>
-            <a:r>
-              <a:rPr lang="ko-KR" altLang="en-US"/>
-              <a:t>	- </a:t>
-            </a:r>
-            <a:r>
-              <a:rPr lang="en-US" altLang="ko-KR"/>
-              <a:t>System demo</a:t>
-            </a:r>
-            <a:endParaRPr lang="en-US" altLang="ko-KR"/>
-          </a:p>
-          <a:p>
-            <a:pPr marL="257040" indent="-257040">
-              <a:buFont typeface="Arial"/>
+            </a:pPr>
+            <a:r>
+              <a:rPr lang="en-US" altLang="ko-KR" sz="1800" dirty="0" smtClean="0">
+                <a:latin typeface="함초롬돋움" charset="0"/>
+                <a:ea typeface="함초롬돋움" charset="0"/>
+              </a:rPr>
+              <a:t>	- System demo</a:t>
+            </a:r>
+            <a:endParaRPr lang="ko-KR" altLang="en-US" sz="1800" dirty="0" smtClean="0">
+              <a:latin typeface="함초롬돋움" charset="0"/>
+              <a:ea typeface="함초롬돋움" charset="0"/>
+            </a:endParaRPr>
+          </a:p>
+          <a:p>
+            <a:pPr marL="257175" indent="-257175" algn="l" fontAlgn="auto" defTabSz="914400" eaLnBrk="0">
+              <a:lnSpc>
+                <a:spcPct val="100000"/>
+              </a:lnSpc>
+              <a:spcBef>
+                <a:spcPts val="0"/>
+              </a:spcBef>
+              <a:spcAft>
+                <a:spcPts val="0"/>
+              </a:spcAft>
+              <a:buFontTx/>
               <a:buNone/>
-              <a:defRPr lang="ko-KR" altLang="en-US"/>
-            </a:pPr>
-            <a:r>
-              <a:rPr lang="ko-KR" altLang="en-US"/>
-              <a:t>	- </a:t>
-            </a:r>
-            <a:r>
-              <a:rPr lang="en-US" altLang="ko-KR"/>
-              <a:t>Efficient resouce scheduling for Kubernets Cluster</a:t>
-            </a:r>
-            <a:endParaRPr lang="en-US" altLang="ko-KR"/>
-          </a:p>
-          <a:p>
-            <a:pPr marL="257040" indent="-257040">
-              <a:buFont typeface="Arial"/>
+            </a:pPr>
+            <a:r>
+              <a:rPr lang="en-US" altLang="ko-KR" sz="1800" dirty="0" smtClean="0">
+                <a:latin typeface="함초롬돋움" charset="0"/>
+                <a:ea typeface="함초롬돋움" charset="0"/>
+              </a:rPr>
+              <a:t>	- Efficient resouce scheduling for Kubernets Cluster</a:t>
+            </a:r>
+            <a:endParaRPr lang="ko-KR" altLang="en-US" sz="1800" dirty="0" smtClean="0">
+              <a:latin typeface="함초롬돋움" charset="0"/>
+              <a:ea typeface="함초롬돋움" charset="0"/>
+            </a:endParaRPr>
+          </a:p>
+          <a:p>
+            <a:pPr marL="257175" indent="-257175" algn="l" fontAlgn="auto" defTabSz="914400" eaLnBrk="0">
+              <a:lnSpc>
+                <a:spcPct val="100000"/>
+              </a:lnSpc>
+              <a:spcBef>
+                <a:spcPts val="0"/>
+              </a:spcBef>
+              <a:spcAft>
+                <a:spcPts val="0"/>
+              </a:spcAft>
+              <a:buFontTx/>
               <a:buNone/>
-              <a:defRPr lang="ko-KR" altLang="en-US"/>
-            </a:pPr>
-            <a:r>
-              <a:rPr lang="en-US" altLang="ko-KR"/>
-              <a:t>	</a:t>
-            </a:r>
-            <a:endParaRPr lang="en-US" altLang="ko-KR"/>
+            </a:pPr>
+            <a:r>
+              <a:rPr lang="en-US" altLang="ko-KR" sz="1800" dirty="0" smtClean="0">
+                <a:latin typeface="함초롬돋움" charset="0"/>
+                <a:ea typeface="함초롬돋움" charset="0"/>
+              </a:rPr>
+              <a:t>	- Allocation resources dynamically</a:t>
+            </a:r>
+            <a:endParaRPr lang="ko-KR" altLang="en-US" sz="1800" dirty="0" smtClean="0">
+              <a:latin typeface="함초롬돋움" charset="0"/>
+              <a:ea typeface="함초롬돋움" charset="0"/>
+            </a:endParaRPr>
           </a:p>
         </p:txBody>
       </p:sp>
@@ -6444,12 +6524,19 @@
   </p:clrMapOvr>
   <mc:AlternateContent xmlns:mc="http://schemas.openxmlformats.org/markup-compatibility/2006">
     <mc:Choice xmlns:p14="http://schemas.microsoft.com/office/powerpoint/2010/main" Requires="p14">
-      <p:transition xmlns:mc="http://schemas.openxmlformats.org/markup-compatibility/2006" xmlns:p14="http://schemas.microsoft.com/office/powerpoint/2010/main" mc:Ignorable="p14" p14:dur="500"/>
+      <p:transition spd="slow" p14:dur="500"/>
     </mc:Choice>
     <mc:Fallback>
-      <p:transition/>
+      <p:transition spd="slow"/>
     </mc:Fallback>
   </mc:AlternateContent>
+  <p:timing>
+    <p:tnLst>
+      <p:par>
+        <p:cTn id="1" dur="indefinite" restart="never" nodeType="tmRoot"/>
+      </p:par>
+    </p:tnLst>
+  </p:timing>
 </p:sld>
 </file>
 
@@ -7385,6 +7472,358 @@
 </file>
 
 <file path=ppt/slides/slide28.xml><?xml version="1.0" encoding="utf-8"?>
+<p:sld xmlns:a="http://schemas.openxmlformats.org/drawingml/2006/main" xmlns:r="http://schemas.openxmlformats.org/officeDocument/2006/relationships" xmlns:p="http://schemas.openxmlformats.org/presentationml/2006/main">
+  <p:cSld>
+    <p:spTree>
+      <p:nvGrpSpPr>
+        <p:cNvPr id="1" name=""/>
+        <p:cNvGrpSpPr/>
+        <p:nvPr/>
+      </p:nvGrpSpPr>
+      <p:grpSpPr>
+        <a:xfrm>
+          <a:off x="0" y="0"/>
+          <a:ext cx="0" cy="0"/>
+          <a:chOff x="0" y="0"/>
+          <a:chExt cx="0" cy="0"/>
+        </a:xfrm>
+      </p:grpSpPr>
+      <p:sp>
+        <p:nvSpPr>
+          <p:cNvPr id="2" name="Title Placeholder 2"/>
+          <p:cNvSpPr>
+            <a:spLocks noChangeArrowheads="1" noGrp="1"/>
+          </p:cNvSpPr>
+          <p:nvPr>
+            <p:ph type="title"/>
+          </p:nvPr>
+        </p:nvSpPr>
+        <p:spPr>
+          <a:xfrm rot="0">
+            <a:off x="452120" y="269875"/>
+            <a:ext cx="8230235" cy="1143635"/>
+          </a:xfrm>
+          <a:prstGeom prst="rect"/>
+        </p:spPr>
+        <p:txBody>
+          <a:bodyPr wrap="square" lIns="91440" tIns="45720" rIns="91440" bIns="45720" vert="horz" anchor="ctr">
+            <a:normAutofit fontScale="90000" lnSpcReduction="0"/>
+          </a:bodyPr>
+          <a:lstStyle/>
+          <a:p>
+            <a:pPr marL="257175" indent="-257175" algn="l" fontAlgn="auto" defTabSz="914400">
+              <a:lnSpc>
+                <a:spcPct val="100000"/>
+              </a:lnSpc>
+              <a:spcBef>
+                <a:spcPts val="0"/>
+              </a:spcBef>
+              <a:spcAft>
+                <a:spcPts val="0"/>
+              </a:spcAft>
+              <a:buFontTx/>
+              <a:buNone/>
+            </a:pPr>
+            <a:r>
+              <a:rPr lang="en-US" altLang="ko-KR" sz="4400" dirty="0" smtClean="0">
+                <a:latin typeface="함초롬돋움" charset="0"/>
+                <a:ea typeface="함초롬돋움" charset="0"/>
+              </a:rPr>
+              <a:t>Allocation resources dynamically</a:t>
+            </a:r>
+            <a:endParaRPr lang="ko-KR" altLang="en-US" sz="4400" dirty="0" smtClean="0">
+              <a:latin typeface="함초롬돋움" charset="0"/>
+              <a:ea typeface="함초롬돋움" charset="0"/>
+            </a:endParaRPr>
+          </a:p>
+        </p:txBody>
+      </p:sp>
+      <p:sp>
+        <p:nvSpPr>
+          <p:cNvPr id="4" name="Text Box 4"/>
+          <p:cNvSpPr txBox="1">
+            <a:spLocks noChangeArrowheads="1" noGrp="1"/>
+          </p:cNvSpPr>
+          <p:nvPr/>
+        </p:nvSpPr>
+        <p:spPr>
+          <a:xfrm rot="0">
+            <a:off x="457200" y="1978025"/>
+            <a:ext cx="8507730" cy="3169285"/>
+          </a:xfrm>
+          <a:prstGeom prst="rect"/>
+        </p:spPr>
+        <p:txBody>
+          <a:bodyPr wrap="square" lIns="91440" tIns="45720" rIns="91440" bIns="45720" vert="horz" anchor="t">
+            <a:spAutoFit/>
+          </a:bodyPr>
+          <a:lstStyle/>
+          <a:p>
+            <a:pPr marL="0" indent="0" algn="l" fontAlgn="auto" defTabSz="914400" eaLnBrk="0">
+              <a:lnSpc>
+                <a:spcPct val="100000"/>
+              </a:lnSpc>
+              <a:spcBef>
+                <a:spcPts val="0"/>
+              </a:spcBef>
+              <a:spcAft>
+                <a:spcPts val="0"/>
+              </a:spcAft>
+              <a:buFontTx/>
+              <a:buNone/>
+            </a:pPr>
+            <a:r>
+              <a:rPr lang="en-US" altLang="ko-KR" sz="1800" dirty="0" smtClean="0">
+                <a:latin typeface="함초롬돋움" charset="0"/>
+                <a:ea typeface="함초롬돋움" charset="0"/>
+              </a:rPr>
+              <a:t>1) 기존 동기/비동기 수식으로부터 작업을 대기 중인 파라메터들을 포함한 전체 작</a:t>
+            </a:r>
+            <a:r>
+              <a:rPr lang="en-US" altLang="ko-KR" sz="1800" dirty="0" smtClean="0">
+                <a:latin typeface="함초롬돋움" charset="0"/>
+                <a:ea typeface="함초롬돋움" charset="0"/>
+              </a:rPr>
+              <a:t>업 시간은 </a:t>
+            </a:r>
+            <a:r>
+              <a:rPr lang="en-US" altLang="ko-KR" sz="2100" dirty="0" smtClean="0" b="1">
+                <a:latin typeface="함초롬돋움" charset="0"/>
+                <a:ea typeface="함초롬돋움" charset="0"/>
+              </a:rPr>
+              <a:t>Q/f(p,w)</a:t>
+            </a:r>
+            <a:r>
+              <a:rPr lang="en-US" altLang="ko-KR" sz="1800" dirty="0" smtClean="0">
+                <a:latin typeface="함초롬돋움" charset="0"/>
+                <a:ea typeface="함초롬돋움" charset="0"/>
+              </a:rPr>
+              <a:t> 가 된다. 따라서, 작업 시간이 느릴 수록, 전체 epoch/step의 </a:t>
+            </a:r>
+            <a:r>
+              <a:rPr lang="en-US" altLang="ko-KR" sz="1800" dirty="0" smtClean="0">
+                <a:latin typeface="함초롬돋움" charset="0"/>
+                <a:ea typeface="함초롬돋움" charset="0"/>
+              </a:rPr>
+              <a:t>완료 시간에 영향을 줄 수 밖에 없다.</a:t>
+            </a:r>
+            <a:endParaRPr lang="ko-KR" altLang="en-US" sz="1800" dirty="0" smtClean="0">
+              <a:latin typeface="함초롬돋움" charset="0"/>
+              <a:ea typeface="함초롬돋움" charset="0"/>
+            </a:endParaRPr>
+          </a:p>
+          <a:p>
+            <a:pPr marL="0" indent="0" algn="l" fontAlgn="auto" defTabSz="914400" eaLnBrk="0">
+              <a:lnSpc>
+                <a:spcPct val="100000"/>
+              </a:lnSpc>
+              <a:spcBef>
+                <a:spcPts val="0"/>
+              </a:spcBef>
+              <a:spcAft>
+                <a:spcPts val="0"/>
+              </a:spcAft>
+              <a:buFontTx/>
+              <a:buNone/>
+            </a:pPr>
+            <a:endParaRPr lang="ko-KR" altLang="en-US" sz="1800" dirty="0" smtClean="0">
+              <a:latin typeface="함초롬돋움" charset="0"/>
+              <a:ea typeface="함초롬돋움" charset="0"/>
+            </a:endParaRPr>
+          </a:p>
+          <a:p>
+            <a:pPr marL="0" indent="0" algn="l" fontAlgn="auto" defTabSz="914400" eaLnBrk="0">
+              <a:lnSpc>
+                <a:spcPct val="100000"/>
+              </a:lnSpc>
+              <a:spcBef>
+                <a:spcPts val="0"/>
+              </a:spcBef>
+              <a:spcAft>
+                <a:spcPts val="0"/>
+              </a:spcAft>
+              <a:buFontTx/>
+              <a:buNone/>
+            </a:pPr>
+            <a:r>
+              <a:rPr lang="en-US" altLang="ko-KR" sz="1800" dirty="0" smtClean="0">
+                <a:latin typeface="함초롬돋움" charset="0"/>
+                <a:ea typeface="함초롬돋움" charset="0"/>
+              </a:rPr>
+              <a:t>2) 효과적으로 분산 처리 딥러닝 프레임워크를 사용하려면, 당연히 자원을 효율적</a:t>
+            </a:r>
+            <a:r>
+              <a:rPr lang="en-US" altLang="ko-KR" sz="1800" dirty="0" smtClean="0">
+                <a:latin typeface="함초롬돋움" charset="0"/>
+                <a:ea typeface="함초롬돋움" charset="0"/>
+              </a:rPr>
+              <a:t>으로 사용할 수 있도록 분배해야한다.</a:t>
+            </a:r>
+            <a:endParaRPr lang="ko-KR" altLang="en-US" sz="1800" dirty="0" smtClean="0">
+              <a:latin typeface="함초롬돋움" charset="0"/>
+              <a:ea typeface="함초롬돋움" charset="0"/>
+            </a:endParaRPr>
+          </a:p>
+          <a:p>
+            <a:pPr marL="0" indent="0" algn="l" fontAlgn="auto" defTabSz="914400" eaLnBrk="0">
+              <a:lnSpc>
+                <a:spcPct val="100000"/>
+              </a:lnSpc>
+              <a:spcBef>
+                <a:spcPts val="0"/>
+              </a:spcBef>
+              <a:spcAft>
+                <a:spcPts val="0"/>
+              </a:spcAft>
+              <a:buFontTx/>
+              <a:buNone/>
+            </a:pPr>
+            <a:r>
+              <a:rPr lang="en-US" altLang="ko-KR" sz="1800" dirty="0" smtClean="0">
+                <a:latin typeface="함초롬돋움" charset="0"/>
+                <a:ea typeface="함초롬돋움" charset="0"/>
+              </a:rPr>
+              <a:t>일반적으로 서로 다른 타입으로 구현된 서버 리소스들(CPU, GPU, Memory, </a:t>
+            </a:r>
+            <a:r>
+              <a:rPr lang="en-US" altLang="ko-KR" sz="1800" dirty="0" smtClean="0">
+                <a:latin typeface="함초롬돋움" charset="0"/>
+                <a:ea typeface="함초롬돋움" charset="0"/>
+              </a:rPr>
+              <a:t>Storage)을 계산하고, 딥러닝 작업을 수행한 Device의 자원 내에서 효율적으로 작</a:t>
+            </a:r>
+            <a:r>
+              <a:rPr lang="en-US" altLang="ko-KR" sz="1800" dirty="0" smtClean="0">
+                <a:latin typeface="함초롬돋움" charset="0"/>
+                <a:ea typeface="함초롬돋움" charset="0"/>
+              </a:rPr>
+              <a:t>업이 배치될 수 있도록 해야하며, 다음과 같은 수식을 제안하고 있다.</a:t>
+            </a:r>
+            <a:endParaRPr lang="ko-KR" altLang="en-US" sz="1800" dirty="0" smtClean="0">
+              <a:latin typeface="함초롬돋움" charset="0"/>
+              <a:ea typeface="함초롬돋움" charset="0"/>
+            </a:endParaRPr>
+          </a:p>
+          <a:p>
+            <a:pPr marL="0" indent="0" algn="l" fontAlgn="auto" defTabSz="914400" eaLnBrk="0">
+              <a:lnSpc>
+                <a:spcPct val="100000"/>
+              </a:lnSpc>
+              <a:spcBef>
+                <a:spcPts val="0"/>
+              </a:spcBef>
+              <a:spcAft>
+                <a:spcPts val="0"/>
+              </a:spcAft>
+              <a:buFontTx/>
+              <a:buNone/>
+            </a:pPr>
+            <a:endParaRPr lang="ko-KR" altLang="en-US" sz="1800" dirty="0" smtClean="0">
+              <a:latin typeface="함초롬돋움" charset="0"/>
+              <a:ea typeface="함초롬돋움" charset="0"/>
+            </a:endParaRPr>
+          </a:p>
+          <a:p>
+            <a:pPr marL="0" indent="0" algn="l" fontAlgn="auto" defTabSz="914400" eaLnBrk="0">
+              <a:lnSpc>
+                <a:spcPct val="100000"/>
+              </a:lnSpc>
+              <a:spcBef>
+                <a:spcPts val="0"/>
+              </a:spcBef>
+              <a:spcAft>
+                <a:spcPts val="0"/>
+              </a:spcAft>
+              <a:buFontTx/>
+              <a:buNone/>
+            </a:pPr>
+            <a:endParaRPr lang="ko-KR" altLang="en-US" sz="1800" dirty="0" smtClean="0">
+              <a:latin typeface="함초롬돋움" charset="0"/>
+              <a:ea typeface="함초롬돋움" charset="0"/>
+            </a:endParaRPr>
+          </a:p>
+        </p:txBody>
+      </p:sp>
+      <p:sp>
+        <p:nvSpPr>
+          <p:cNvPr id="5" name="Text Box 1"/>
+          <p:cNvSpPr txBox="1">
+            <a:spLocks noChangeArrowheads="1" noGrp="1"/>
+          </p:cNvSpPr>
+          <p:nvPr/>
+        </p:nvSpPr>
+        <p:spPr>
+          <a:xfrm rot="0">
+            <a:off x="1953895" y="4984750"/>
+            <a:ext cx="4860290" cy="321945"/>
+          </a:xfrm>
+          <a:prstGeom prst="rect"/>
+          <a:ln w="0">
+            <a:noFill/>
+            <a:prstDash/>
+          </a:ln>
+        </p:spPr>
+        <p:txBody>
+          <a:bodyPr wrap="square" lIns="0" tIns="0" rIns="0" bIns="0" vert="horz" anchor="t"/>
+          <a:lstStyle/>
+          <a:p>
+            <a:pPr marL="0" indent="0" algn="l" fontAlgn="auto" defTabSz="508000">
+              <a:lnSpc>
+                <a:spcPct val="100000"/>
+              </a:lnSpc>
+              <a:spcBef>
+                <a:spcPts val="0"/>
+              </a:spcBef>
+              <a:spcAft>
+                <a:spcPts val="0"/>
+              </a:spcAft>
+              <a:buFontTx/>
+              <a:buNone/>
+            </a:pPr>
+            <a:r>
+              <a:rPr lang="en-US" altLang="ko-KR" sz="2100" dirty="0" smtClean="0" b="1">
+                <a:solidFill>
+                  <a:schemeClr val="tx1"/>
+                </a:solidFill>
+                <a:latin typeface="NanumGothic" charset="0"/>
+                <a:ea typeface="NanumGothic" charset="0"/>
+              </a:rPr>
+              <a:t>Sigma(wj·Oj+pj·Nj) ≤ C</a:t>
+            </a:r>
+            <a:endParaRPr lang="ko-KR" altLang="en-US" sz="2100" dirty="0" smtClean="0" b="1">
+              <a:solidFill>
+                <a:schemeClr val="tx1"/>
+              </a:solidFill>
+              <a:latin typeface="NanumGothic" charset="0"/>
+              <a:ea typeface="NanumGothic" charset="0"/>
+            </a:endParaRPr>
+          </a:p>
+        </p:txBody>
+      </p:sp>
+    </p:spTree>
+  </p:cSld>
+  <p:clrMapOvr>
+    <a:masterClrMapping/>
+  </p:clrMapOvr>
+  <mc:AlternateContent xmlns:mc="http://schemas.openxmlformats.org/markup-compatibility/2006">
+    <mc:Choice xmlns:p14="http://schemas.microsoft.com/office/powerpoint/2010/main" Requires="p14">
+      <p:transition spd="slow" p14:dur="500"/>
+    </mc:Choice>
+    <mc:Fallback>
+      <p:transition spd="slow"/>
+    </mc:Fallback>
+  </mc:AlternateContent>
+  <p:timing>
+    <p:tnLst>
+      <p:par>
+        <p:cTn id="1" dur="indefinite" restart="never" nodeType="tmRoot"/>
+      </p:par>
+    </p:tnLst>
+  </p:timing>
+</p:sld>
+</file>
+
+<file path=ppt/slides/slide29.xml><?xml version="1.0" encoding="utf-8"?>
 <p:sld xmlns:r="http://schemas.openxmlformats.org/officeDocument/2006/relationships" xmlns:c="http://schemas.openxmlformats.org/drawingml/2006/chart" xmlns:a="http://schemas.openxmlformats.org/drawingml/2006/main" xmlns:dgm="http://schemas.openxmlformats.org/drawingml/2006/diagram" xmlns:dsp="http://schemas.microsoft.com/office/drawing/2008/diagram" xmlns:p="http://schemas.openxmlformats.org/presentationml/2006/main">
   <p:cSld>
     <p:spTree>
@@ -7531,52 +7970,95 @@
         </p:nvSpPr>
         <p:spPr>
           <a:xfrm>
-            <a:off x="1043554" y="2974657"/>
-            <a:ext cx="6696838" cy="909638"/>
+            <a:off x="1043305" y="2974340"/>
+            <a:ext cx="6696710" cy="918210"/>
           </a:xfrm>
           <a:prstGeom prst="rect">
             <a:avLst/>
           </a:prstGeom>
         </p:spPr>
         <p:txBody>
-          <a:bodyPr wrap="square">
+          <a:bodyPr wrap="square" lIns="91440" tIns="45720" rIns="91440" bIns="45720" vert="horz" anchor="t">
             <a:spAutoFit/>
           </a:bodyPr>
-          <a:p>
-            <a:pPr marL="257040" indent="-257040">
-              <a:buFont typeface="Arial"/>
+          <a:lstStyle/>
+          <a:p>
+            <a:pPr marL="257175" indent="-257175" algn="l" fontAlgn="auto" defTabSz="914400" eaLnBrk="0">
+              <a:lnSpc>
+                <a:spcPct val="100000"/>
+              </a:lnSpc>
+              <a:spcBef>
+                <a:spcPts val="0"/>
+              </a:spcBef>
+              <a:spcAft>
+                <a:spcPts val="0"/>
+              </a:spcAft>
+              <a:buFontTx/>
               <a:buNone/>
-              <a:defRPr lang="ko-KR" altLang="en-US"/>
-            </a:pPr>
-            <a:r>
-              <a:rPr lang="en-US" altLang="ko-KR"/>
+            </a:pPr>
+            <a:r>
+              <a:rPr lang="en-US" altLang="ko-KR" sz="1800" dirty="0" smtClean="0">
+                <a:latin typeface="함초롬돋움" charset="0"/>
+                <a:ea typeface="함초롬돋움" charset="0"/>
+              </a:rPr>
               <a:t>CNN model</a:t>
             </a:r>
-            <a:endParaRPr lang="en-US" altLang="ko-KR"/>
-          </a:p>
-          <a:p>
-            <a:pPr marL="257040" indent="-257040">
-              <a:buFont typeface="Arial"/>
+            <a:endParaRPr lang="ko-KR" altLang="en-US" sz="1800" dirty="0" smtClean="0">
+              <a:latin typeface="함초롬돋움" charset="0"/>
+              <a:ea typeface="함초롬돋움" charset="0"/>
+            </a:endParaRPr>
+          </a:p>
+          <a:p>
+            <a:pPr marL="257175" indent="-257175" algn="l" fontAlgn="auto" defTabSz="914400" eaLnBrk="0">
+              <a:lnSpc>
+                <a:spcPct val="100000"/>
+              </a:lnSpc>
+              <a:spcBef>
+                <a:spcPts val="0"/>
+              </a:spcBef>
+              <a:spcAft>
+                <a:spcPts val="0"/>
+              </a:spcAft>
+              <a:buFontTx/>
               <a:buNone/>
-              <a:defRPr lang="ko-KR" altLang="en-US"/>
-            </a:pPr>
-            <a:r>
-              <a:rPr lang="en-US" altLang="ko-KR"/>
+            </a:pPr>
+            <a:r>
+              <a:rPr lang="en-US" altLang="ko-KR" sz="1800" dirty="0" smtClean="0">
+                <a:latin typeface="함초롬돋움" charset="0"/>
+                <a:ea typeface="함초롬돋움" charset="0"/>
+              </a:rPr>
               <a:t>	- activate function of convolution layer</a:t>
             </a:r>
-            <a:endParaRPr lang="en-US" altLang="ko-KR"/>
-          </a:p>
-          <a:p>
-            <a:pPr marL="257040" indent="-257040">
-              <a:buFont typeface="Arial"/>
+            <a:endParaRPr lang="ko-KR" altLang="en-US" sz="1800" dirty="0" smtClean="0">
+              <a:latin typeface="함초롬돋움" charset="0"/>
+              <a:ea typeface="함초롬돋움" charset="0"/>
+            </a:endParaRPr>
+          </a:p>
+          <a:p>
+            <a:pPr marL="257175" indent="-257175" algn="l" fontAlgn="auto" defTabSz="914400" eaLnBrk="0">
+              <a:lnSpc>
+                <a:spcPct val="100000"/>
+              </a:lnSpc>
+              <a:spcBef>
+                <a:spcPts val="0"/>
+              </a:spcBef>
+              <a:spcAft>
+                <a:spcPts val="0"/>
+              </a:spcAft>
+              <a:buFontTx/>
               <a:buNone/>
-              <a:defRPr lang="ko-KR" altLang="en-US"/>
-            </a:pPr>
-            <a:r>
-              <a:rPr lang="en-US" altLang="ko-KR"/>
+            </a:pPr>
+            <a:r>
+              <a:rPr lang="en-US" altLang="ko-KR" sz="1800" dirty="0" smtClean="0">
+                <a:latin typeface="함초롬돋움" charset="0"/>
+                <a:ea typeface="함초롬돋움" charset="0"/>
+              </a:rPr>
               <a:t>	- pooling layer</a:t>
             </a:r>
-            <a:endParaRPr lang="en-US" altLang="ko-KR"/>
+            <a:endParaRPr lang="ko-KR" altLang="en-US" sz="1800" dirty="0" smtClean="0">
+              <a:latin typeface="함초롬돋움" charset="0"/>
+              <a:ea typeface="함초롬돋움" charset="0"/>
+            </a:endParaRPr>
           </a:p>
         </p:txBody>
       </p:sp>
@@ -7587,12 +8069,19 @@
   </p:clrMapOvr>
   <mc:AlternateContent xmlns:mc="http://schemas.openxmlformats.org/markup-compatibility/2006">
     <mc:Choice xmlns:p14="http://schemas.microsoft.com/office/powerpoint/2010/main" Requires="p14">
-      <p:transition xmlns:mc="http://schemas.openxmlformats.org/markup-compatibility/2006" xmlns:p14="http://schemas.microsoft.com/office/powerpoint/2010/main" mc:Ignorable="p14" p14:dur="500"/>
+      <p:transition spd="slow" p14:dur="500"/>
     </mc:Choice>
     <mc:Fallback>
-      <p:transition/>
+      <p:transition spd="slow"/>
     </mc:Fallback>
   </mc:AlternateContent>
+  <p:timing>
+    <p:tnLst>
+      <p:par>
+        <p:cTn id="1" dur="indefinite" restart="never" nodeType="tmRoot"/>
+      </p:par>
+    </p:tnLst>
+  </p:timing>
 </p:sld>
 </file>
 

--- a/CNN-RNN-efficientDeeplearningSeminar/Compare CNN and RNN  and then efficient scheduling.pptx
+++ b/CNN-RNN-efficientDeeplearningSeminar/Compare CNN and RNN  and then efficient scheduling.pptx
@@ -2,41 +2,43 @@
 <file path=ppt/presentation.xml><?xml version="1.0" encoding="utf-8"?>
 <p:presentation xmlns:r="http://schemas.openxmlformats.org/officeDocument/2006/relationships" xmlns:c="http://schemas.openxmlformats.org/drawingml/2006/chart" xmlns:a="http://schemas.openxmlformats.org/drawingml/2006/main" xmlns:dgm="http://schemas.openxmlformats.org/drawingml/2006/diagram" xmlns:dsp="http://schemas.microsoft.com/office/drawing/2008/diagram" xmlns:p="http://schemas.openxmlformats.org/presentationml/2006/main" saveSubsetFonts="1">
   <p:sldMasterIdLst>
-    <p:sldMasterId id="2147483758" r:id="rId14"/>
+    <p:sldMasterId id="2147483723" r:id="rId1"/>
   </p:sldMasterIdLst>
   <p:notesMasterIdLst>
-    <p:notesMasterId r:id="rId16"/>
+    <p:notesMasterId r:id="rId2"/>
   </p:notesMasterIdLst>
   <p:sldIdLst>
-    <p:sldId id="256" r:id="rId18"/>
-    <p:sldId id="257" r:id="rId19"/>
-    <p:sldId id="258" r:id="rId20"/>
-    <p:sldId id="259" r:id="rId21"/>
-    <p:sldId id="260" r:id="rId22"/>
-    <p:sldId id="261" r:id="rId23"/>
-    <p:sldId id="262" r:id="rId24"/>
-    <p:sldId id="263" r:id="rId25"/>
-    <p:sldId id="264" r:id="rId26"/>
-    <p:sldId id="265" r:id="rId27"/>
-    <p:sldId id="266" r:id="rId28"/>
-    <p:sldId id="267" r:id="rId29"/>
-    <p:sldId id="268" r:id="rId30"/>
-    <p:sldId id="269" r:id="rId31"/>
-    <p:sldId id="270" r:id="rId32"/>
-    <p:sldId id="271" r:id="rId33"/>
-    <p:sldId id="272" r:id="rId34"/>
-    <p:sldId id="273" r:id="rId35"/>
-    <p:sldId id="274" r:id="rId36"/>
-    <p:sldId id="275" r:id="rId37"/>
-    <p:sldId id="276" r:id="rId38"/>
-    <p:sldId id="277" r:id="rId39"/>
-    <p:sldId id="278" r:id="rId40"/>
-    <p:sldId id="279" r:id="rId41"/>
-    <p:sldId id="280" r:id="rId42"/>
-    <p:sldId id="281" r:id="rId43"/>
-    <p:sldId id="282" r:id="rId44"/>
-    <p:sldId id="283" r:id="rId45"/>
-    <p:sldId id="284" r:id="rId46"/>
+    <p:sldId id="256" r:id="rId3"/>
+    <p:sldId id="257" r:id="rId4"/>
+    <p:sldId id="258" r:id="rId5"/>
+    <p:sldId id="259" r:id="rId6"/>
+    <p:sldId id="260" r:id="rId7"/>
+    <p:sldId id="261" r:id="rId8"/>
+    <p:sldId id="262" r:id="rId9"/>
+    <p:sldId id="263" r:id="rId10"/>
+    <p:sldId id="264" r:id="rId11"/>
+    <p:sldId id="265" r:id="rId12"/>
+    <p:sldId id="266" r:id="rId13"/>
+    <p:sldId id="267" r:id="rId14"/>
+    <p:sldId id="268" r:id="rId15"/>
+    <p:sldId id="269" r:id="rId16"/>
+    <p:sldId id="270" r:id="rId17"/>
+    <p:sldId id="271" r:id="rId18"/>
+    <p:sldId id="272" r:id="rId19"/>
+    <p:sldId id="273" r:id="rId20"/>
+    <p:sldId id="274" r:id="rId21"/>
+    <p:sldId id="275" r:id="rId22"/>
+    <p:sldId id="276" r:id="rId23"/>
+    <p:sldId id="277" r:id="rId24"/>
+    <p:sldId id="278" r:id="rId25"/>
+    <p:sldId id="279" r:id="rId26"/>
+    <p:sldId id="280" r:id="rId27"/>
+    <p:sldId id="281" r:id="rId28"/>
+    <p:sldId id="282" r:id="rId29"/>
+    <p:sldId id="283" r:id="rId30"/>
+    <p:sldId id="284" r:id="rId31"/>
+    <p:sldId id="285" r:id="rId32"/>
+    <p:sldId id="286" r:id="rId33"/>
   </p:sldIdLst>
   <p:sldSz cx="9144000" cy="6858000"/>
   <p:notesSz cx="6858000" cy="9144000"/>
@@ -135,22 +137,6 @@
       </a:defRPr>
     </a:lvl9pPr>
   </p:defaultTextStyle>
-  <p:extLst>
-    <p:ext uri="{EFAFB233-063F-42B5-8137-9DF3F51BA10A}">
-      <p15:sldGuideLst xmlns:p15="http://schemas.microsoft.com/office/powerpoint/2012/main">
-        <p15:guide id="0" orient="horz" pos="2153" userDrawn="1">
-          <p15:clr>
-            <a:srgbClr val="A4A3A4"/>
-          </p15:clr>
-        </p15:guide>
-        <p15:guide id="1" pos="2877" userDrawn="1">
-          <p15:clr>
-            <a:srgbClr val="A4A3A4"/>
-          </p15:clr>
-        </p15:guide>
-      </p15:sldGuideLst>
-    </p:ext>
-  </p:extLst>
 </p:presentation>
 </file>
 
@@ -249,7 +235,7 @@
               <a:pPr lvl="0">
                 <a:defRPr lang="ko-KR" altLang="en-US"/>
               </a:pPr>
-              <a:t>2018-06-29</a:t>
+              <a:t>2018-07-03</a:t>
             </a:fld>
             <a:endParaRPr lang="ko-KR" altLang="en-US"/>
           </a:p>
@@ -3957,7 +3943,17 @@
             </a:pPr>
             <a:r>
               <a:rPr lang="en-US" altLang="ko-KR"/>
-              <a:t>and then efficient scheduling </a:t>
+              <a:t>and then efficient </a:t>
+            </a:r>
+            <a:endParaRPr lang="en-US" altLang="ko-KR"/>
+          </a:p>
+          <a:p>
+            <a:pPr>
+              <a:defRPr lang="ko-KR" altLang="en-US"/>
+            </a:pPr>
+            <a:r>
+              <a:rPr lang="en-US" altLang="ko-KR"/>
+              <a:t>resource scheduling </a:t>
             </a:r>
             <a:endParaRPr lang="en-US" altLang="ko-KR"/>
           </a:p>
@@ -3998,65 +3994,133 @@
       </p:grpSpPr>
       <p:sp>
         <p:nvSpPr>
-          <p:cNvPr id="4" name=""/>
-          <p:cNvSpPr txBox="1"/>
-          <p:nvPr/>
+          <p:cNvPr id="2" name="제목 1"/>
+          <p:cNvSpPr>
+            <a:spLocks noGrp="1"/>
+          </p:cNvSpPr>
+          <p:nvPr>
+            <p:ph type="title" idx="0"/>
+          </p:nvPr>
+        </p:nvSpPr>
+        <p:spPr/>
+        <p:txBody>
+          <a:bodyPr/>
+          <a:lstStyle/>
+          <a:p>
+            <a:pPr algn="l">
+              <a:defRPr lang="ko-KR" altLang="en-US"/>
+            </a:pPr>
+            <a:r>
+              <a:rPr lang="en-US" altLang="ko-KR"/>
+              <a:t>Max pooling</a:t>
+            </a:r>
+            <a:endParaRPr lang="en-US" altLang="ko-KR"/>
+          </a:p>
+        </p:txBody>
+      </p:sp>
+      <p:sp>
+        <p:nvSpPr>
+          <p:cNvPr id="3" name="내용 개체 틀 2"/>
+          <p:cNvSpPr>
+            <a:spLocks noGrp="1"/>
+          </p:cNvSpPr>
+          <p:nvPr>
+            <p:ph idx="1"/>
+          </p:nvPr>
         </p:nvSpPr>
         <p:spPr>
           <a:xfrm>
-            <a:off x="1043554" y="2974657"/>
-            <a:ext cx="6696838" cy="909638"/>
+            <a:off x="457200" y="1600200"/>
+            <a:ext cx="8229600" cy="1252728"/>
+          </a:xfrm>
+        </p:spPr>
+        <p:txBody>
+          <a:bodyPr/>
+          <a:lstStyle/>
+          <a:p>
+            <a:pPr>
+              <a:defRPr lang="ko-KR" altLang="en-US"/>
+            </a:pPr>
+            <a:r>
+              <a:rPr lang="en-US" altLang="ko-KR" sz="2000"/>
+              <a:t>Pooling </a:t>
+            </a:r>
+            <a:r>
+              <a:rPr lang="ko-KR" altLang="en-US" sz="2000"/>
+              <a:t>과정은 입력의 크기를 축소하는 과정</a:t>
+            </a:r>
+            <a:endParaRPr lang="ko-KR" altLang="en-US" sz="2000"/>
+          </a:p>
+          <a:p>
+            <a:pPr>
+              <a:defRPr lang="ko-KR" altLang="en-US"/>
+            </a:pPr>
+            <a:r>
+              <a:rPr lang="ko-KR" altLang="en-US" sz="2000"/>
+              <a:t>흔히 사용되는 </a:t>
+            </a:r>
+            <a:r>
+              <a:rPr lang="en-US" altLang="ko-KR" sz="2000"/>
+              <a:t>Pooling</a:t>
+            </a:r>
+            <a:r>
+              <a:rPr lang="ko-KR" altLang="en-US" sz="2000"/>
+              <a:t>으로 </a:t>
+            </a:r>
+            <a:r>
+              <a:rPr lang="en-US" altLang="ko-KR" sz="2000"/>
+              <a:t>2x2 </a:t>
+            </a:r>
+            <a:r>
+              <a:rPr lang="ko-KR" altLang="en-US" sz="2000"/>
+              <a:t>필터를 적용하며, 2배 축소됨</a:t>
+            </a:r>
+            <a:endParaRPr lang="ko-KR" altLang="en-US" sz="2000"/>
+          </a:p>
+          <a:p>
+            <a:pPr>
+              <a:defRPr lang="ko-KR" altLang="en-US"/>
+            </a:pPr>
+            <a:r>
+              <a:rPr lang="ko-KR" altLang="en-US" sz="2000"/>
+              <a:t>일반적으로 필터 영역 내 가장 큰 값(</a:t>
+            </a:r>
+            <a:r>
+              <a:rPr lang="en-US" altLang="ko-KR" sz="2000"/>
+              <a:t>Max)</a:t>
+            </a:r>
+            <a:r>
+              <a:rPr lang="ko-KR" altLang="en-US" sz="2000"/>
+              <a:t>으로 가져옴</a:t>
+            </a:r>
+            <a:endParaRPr lang="ko-KR" altLang="en-US" sz="2000"/>
+          </a:p>
+        </p:txBody>
+      </p:sp>
+      <p:pic>
+        <p:nvPicPr>
+          <p:cNvPr id="4" name=""/>
+          <p:cNvPicPr>
+            <a:picLocks noChangeAspect="1"/>
+          </p:cNvPicPr>
+          <p:nvPr/>
+        </p:nvPicPr>
+        <p:blipFill rotWithShape="1">
+          <a:blip r:embed="rId2"/>
+          <a:stretch>
+            <a:fillRect/>
+          </a:stretch>
+        </p:blipFill>
+        <p:spPr>
+          <a:xfrm>
+            <a:off x="509587" y="3429000"/>
+            <a:ext cx="8124825" cy="2305050"/>
           </a:xfrm>
           <a:prstGeom prst="rect">
             <a:avLst/>
           </a:prstGeom>
         </p:spPr>
-        <p:txBody>
-          <a:bodyPr wrap="square">
-            <a:spAutoFit/>
-          </a:bodyPr>
-          <a:p>
-            <a:pPr marL="257040" indent="-257040">
-              <a:buFont typeface="Arial"/>
-              <a:buNone/>
-              <a:defRPr lang="ko-KR" altLang="en-US"/>
-            </a:pPr>
-            <a:r>
-              <a:rPr lang="en-US" altLang="ko-KR"/>
-              <a:t>RNN model</a:t>
-            </a:r>
-            <a:endParaRPr lang="en-US" altLang="ko-KR"/>
-          </a:p>
-          <a:p>
-            <a:pPr marL="257040" indent="-257040">
-              <a:buFont typeface="Arial"/>
-              <a:buNone/>
-              <a:defRPr lang="ko-KR" altLang="en-US"/>
-            </a:pPr>
-            <a:r>
-              <a:rPr lang="ko-KR" altLang="en-US"/>
-              <a:t>	- </a:t>
-            </a:r>
-            <a:r>
-              <a:rPr lang="en-US" altLang="ko-KR"/>
-              <a:t>RNN</a:t>
-            </a:r>
-            <a:endParaRPr lang="en-US" altLang="ko-KR"/>
-          </a:p>
-          <a:p>
-            <a:pPr marL="257040" indent="-257040">
-              <a:buFont typeface="Arial"/>
-              <a:buNone/>
-              <a:defRPr lang="ko-KR" altLang="en-US"/>
-            </a:pPr>
-            <a:r>
-              <a:rPr lang="en-US" altLang="ko-KR"/>
-              <a:t>	- LSTM</a:t>
-            </a:r>
-            <a:endParaRPr lang="en-US" altLang="ko-KR"/>
-          </a:p>
-        </p:txBody>
-      </p:sp>
+      </p:pic>
     </p:spTree>
   </p:cSld>
   <p:clrMapOvr>
@@ -4092,6 +4156,100 @@
       </p:grpSpPr>
       <p:sp>
         <p:nvSpPr>
+          <p:cNvPr id="4" name=""/>
+          <p:cNvSpPr txBox="1"/>
+          <p:nvPr/>
+        </p:nvSpPr>
+        <p:spPr>
+          <a:xfrm>
+            <a:off x="1043554" y="2974657"/>
+            <a:ext cx="6696838" cy="909638"/>
+          </a:xfrm>
+          <a:prstGeom prst="rect">
+            <a:avLst/>
+          </a:prstGeom>
+        </p:spPr>
+        <p:txBody>
+          <a:bodyPr wrap="square">
+            <a:spAutoFit/>
+          </a:bodyPr>
+          <a:p>
+            <a:pPr marL="257040" indent="-257040">
+              <a:buFont typeface="Arial"/>
+              <a:buNone/>
+              <a:defRPr lang="ko-KR" altLang="en-US"/>
+            </a:pPr>
+            <a:r>
+              <a:rPr lang="en-US" altLang="ko-KR"/>
+              <a:t>RNN model</a:t>
+            </a:r>
+            <a:endParaRPr lang="en-US" altLang="ko-KR"/>
+          </a:p>
+          <a:p>
+            <a:pPr marL="257040" indent="-257040">
+              <a:buFont typeface="Arial"/>
+              <a:buNone/>
+              <a:defRPr lang="ko-KR" altLang="en-US"/>
+            </a:pPr>
+            <a:r>
+              <a:rPr lang="ko-KR" altLang="en-US"/>
+              <a:t>	- </a:t>
+            </a:r>
+            <a:r>
+              <a:rPr lang="en-US" altLang="ko-KR"/>
+              <a:t>RNN</a:t>
+            </a:r>
+            <a:endParaRPr lang="en-US" altLang="ko-KR"/>
+          </a:p>
+          <a:p>
+            <a:pPr marL="257040" indent="-257040">
+              <a:buFont typeface="Arial"/>
+              <a:buNone/>
+              <a:defRPr lang="ko-KR" altLang="en-US"/>
+            </a:pPr>
+            <a:r>
+              <a:rPr lang="en-US" altLang="ko-KR"/>
+              <a:t>	- LSTM</a:t>
+            </a:r>
+            <a:endParaRPr lang="en-US" altLang="ko-KR"/>
+          </a:p>
+        </p:txBody>
+      </p:sp>
+    </p:spTree>
+  </p:cSld>
+  <p:clrMapOvr>
+    <a:masterClrMapping/>
+  </p:clrMapOvr>
+  <mc:AlternateContent xmlns:mc="http://schemas.openxmlformats.org/markup-compatibility/2006">
+    <mc:Choice xmlns:p14="http://schemas.microsoft.com/office/powerpoint/2010/main" Requires="p14">
+      <p:transition xmlns:mc="http://schemas.openxmlformats.org/markup-compatibility/2006" xmlns:p14="http://schemas.microsoft.com/office/powerpoint/2010/main" mc:Ignorable="p14" p14:dur="500"/>
+    </mc:Choice>
+    <mc:Fallback>
+      <p:transition/>
+    </mc:Fallback>
+  </mc:AlternateContent>
+</p:sld>
+</file>
+
+<file path=ppt/slides/slide12.xml><?xml version="1.0" encoding="utf-8"?>
+<p:sld xmlns:r="http://schemas.openxmlformats.org/officeDocument/2006/relationships" xmlns:c="http://schemas.openxmlformats.org/drawingml/2006/chart" xmlns:a="http://schemas.openxmlformats.org/drawingml/2006/main" xmlns:dgm="http://schemas.openxmlformats.org/drawingml/2006/diagram" xmlns:dsp="http://schemas.microsoft.com/office/drawing/2008/diagram" xmlns:p="http://schemas.openxmlformats.org/presentationml/2006/main">
+  <p:cSld>
+    <p:spTree>
+      <p:nvGrpSpPr>
+        <p:cNvPr id="1" name=""/>
+        <p:cNvGrpSpPr/>
+        <p:nvPr/>
+      </p:nvGrpSpPr>
+      <p:grpSpPr>
+        <a:xfrm>
+          <a:off x="0" y="0"/>
+          <a:ext cx="0" cy="0"/>
+          <a:chOff x="0" y="0"/>
+          <a:chExt cx="0" cy="0"/>
+        </a:xfrm>
+      </p:grpSpPr>
+      <p:sp>
+        <p:nvSpPr>
           <p:cNvPr id="2" name="제목 1"/>
           <p:cNvSpPr>
             <a:spLocks noGrp="1"/>
@@ -4379,7 +4537,7 @@
 </p:sld>
 </file>
 
-<file path=ppt/slides/slide12.xml><?xml version="1.0" encoding="utf-8"?>
+<file path=ppt/slides/slide13.xml><?xml version="1.0" encoding="utf-8"?>
 <p:sld xmlns:r="http://schemas.openxmlformats.org/officeDocument/2006/relationships" xmlns:c="http://schemas.openxmlformats.org/drawingml/2006/chart" xmlns:a="http://schemas.openxmlformats.org/drawingml/2006/main" xmlns:dgm="http://schemas.openxmlformats.org/drawingml/2006/diagram" xmlns:dsp="http://schemas.microsoft.com/office/drawing/2008/diagram" xmlns:p="http://schemas.openxmlformats.org/presentationml/2006/main">
   <p:cSld>
     <p:spTree>
@@ -4575,72 +4733,6 @@
 </p:sld>
 </file>
 
-<file path=ppt/slides/slide13.xml><?xml version="1.0" encoding="utf-8"?>
-<p:sld xmlns:r="http://schemas.openxmlformats.org/officeDocument/2006/relationships" xmlns:c="http://schemas.openxmlformats.org/drawingml/2006/chart" xmlns:a="http://schemas.openxmlformats.org/drawingml/2006/main" xmlns:dgm="http://schemas.openxmlformats.org/drawingml/2006/diagram" xmlns:dsp="http://schemas.microsoft.com/office/drawing/2008/diagram" xmlns:p="http://schemas.openxmlformats.org/presentationml/2006/main">
-  <p:cSld>
-    <p:spTree>
-      <p:nvGrpSpPr>
-        <p:cNvPr id="1" name=""/>
-        <p:cNvGrpSpPr/>
-        <p:nvPr/>
-      </p:nvGrpSpPr>
-      <p:grpSpPr>
-        <a:xfrm>
-          <a:off x="0" y="0"/>
-          <a:ext cx="0" cy="0"/>
-          <a:chOff x="0" y="0"/>
-          <a:chExt cx="0" cy="0"/>
-        </a:xfrm>
-      </p:grpSpPr>
-      <p:sp>
-        <p:nvSpPr>
-          <p:cNvPr id="4" name=""/>
-          <p:cNvSpPr txBox="1"/>
-          <p:nvPr/>
-        </p:nvSpPr>
-        <p:spPr>
-          <a:xfrm>
-            <a:off x="1907667" y="3429000"/>
-            <a:ext cx="5616702" cy="360045"/>
-          </a:xfrm>
-          <a:prstGeom prst="rect">
-            <a:avLst/>
-          </a:prstGeom>
-        </p:spPr>
-        <p:txBody>
-          <a:bodyPr wrap="square">
-            <a:spAutoFit/>
-          </a:bodyPr>
-          <a:p>
-            <a:pPr marL="257040" indent="-257040">
-              <a:buFont typeface="Arial"/>
-              <a:buNone/>
-              <a:defRPr lang="ko-KR" altLang="en-US"/>
-            </a:pPr>
-            <a:r>
-              <a:rPr lang="en-US" altLang="ko-KR"/>
-              <a:t>Compare CNN and RNN</a:t>
-            </a:r>
-            <a:endParaRPr lang="en-US" altLang="ko-KR"/>
-          </a:p>
-        </p:txBody>
-      </p:sp>
-    </p:spTree>
-  </p:cSld>
-  <p:clrMapOvr>
-    <a:masterClrMapping/>
-  </p:clrMapOvr>
-  <mc:AlternateContent xmlns:mc="http://schemas.openxmlformats.org/markup-compatibility/2006">
-    <mc:Choice xmlns:p14="http://schemas.microsoft.com/office/powerpoint/2010/main" Requires="p14">
-      <p:transition xmlns:mc="http://schemas.openxmlformats.org/markup-compatibility/2006" xmlns:p14="http://schemas.microsoft.com/office/powerpoint/2010/main" mc:Ignorable="p14" p14:dur="500"/>
-    </mc:Choice>
-    <mc:Fallback>
-      <p:transition/>
-    </mc:Fallback>
-  </mc:AlternateContent>
-</p:sld>
-</file>
-
 <file path=ppt/slides/slide14.xml><?xml version="1.0" encoding="utf-8"?>
 <p:sld xmlns:r="http://schemas.openxmlformats.org/officeDocument/2006/relationships" xmlns:c="http://schemas.openxmlformats.org/drawingml/2006/chart" xmlns:a="http://schemas.openxmlformats.org/drawingml/2006/main" xmlns:dgm="http://schemas.openxmlformats.org/drawingml/2006/diagram" xmlns:dsp="http://schemas.microsoft.com/office/drawing/2008/diagram" xmlns:p="http://schemas.openxmlformats.org/presentationml/2006/main">
   <p:cSld>
@@ -4660,165 +4752,118 @@
       </p:grpSpPr>
       <p:sp>
         <p:nvSpPr>
-          <p:cNvPr id="2" name="제목 1"/>
-          <p:cNvSpPr>
-            <a:spLocks noGrp="1"/>
-          </p:cNvSpPr>
-          <p:nvPr>
-            <p:ph type="title" idx="0"/>
-          </p:nvPr>
-        </p:nvSpPr>
-        <p:spPr/>
-        <p:txBody>
-          <a:bodyPr/>
-          <a:lstStyle/>
-          <a:p>
-            <a:pPr algn="l">
-              <a:defRPr lang="ko-KR" altLang="en-US"/>
-            </a:pPr>
-            <a:r>
-              <a:rPr lang="en-US" altLang="ko-KR"/>
-              <a:t>CNN</a:t>
-            </a:r>
+          <p:cNvPr id="4" name=""/>
+          <p:cNvSpPr txBox="1"/>
+          <p:nvPr/>
+        </p:nvSpPr>
+        <p:spPr>
+          <a:xfrm>
+            <a:off x="1763649" y="2563177"/>
+            <a:ext cx="5616702" cy="2006918"/>
+          </a:xfrm>
+          <a:prstGeom prst="rect">
+            <a:avLst/>
+          </a:prstGeom>
+        </p:spPr>
+        <p:txBody>
+          <a:bodyPr wrap="square">
+            <a:spAutoFit/>
+          </a:bodyPr>
+          <a:p>
+            <a:pPr marL="257040" indent="-257040">
+              <a:buFont typeface="Arial"/>
+              <a:buNone/>
+              <a:defRPr lang="ko-KR" altLang="en-US"/>
+            </a:pPr>
+            <a:r>
+              <a:rPr lang="en-US" altLang="ko-KR"/>
+              <a:t>Distributed Deep Learning</a:t>
+            </a:r>
+            <a:endParaRPr lang="en-US" altLang="ko-KR"/>
+          </a:p>
+          <a:p>
+            <a:pPr marL="257040" indent="-257040">
+              <a:buFont typeface="Arial"/>
+              <a:buNone/>
+              <a:defRPr lang="ko-KR" altLang="en-US"/>
+            </a:pPr>
             <a:r>
               <a:rPr lang="ko-KR" altLang="en-US"/>
-              <a:t>과 </a:t>
-            </a:r>
-            <a:r>
-              <a:rPr lang="en-US" altLang="ko-KR"/>
-              <a:t>RNN</a:t>
-            </a:r>
-            <a:endParaRPr lang="ko-KR" altLang="en-US"/>
-          </a:p>
-        </p:txBody>
-      </p:sp>
-      <p:sp>
-        <p:nvSpPr>
-          <p:cNvPr id="3" name="내용 개체 틀 2"/>
-          <p:cNvSpPr>
-            <a:spLocks noGrp="1"/>
-          </p:cNvSpPr>
-          <p:nvPr>
-            <p:ph idx="1"/>
-          </p:nvPr>
-        </p:nvSpPr>
-        <p:spPr/>
-        <p:txBody>
-          <a:bodyPr/>
-          <a:lstStyle/>
-          <a:p>
-            <a:pPr>
+              <a:t>	- </a:t>
+            </a:r>
+            <a:r>
+              <a:rPr lang="en-US" altLang="ko-KR"/>
+              <a:t>Term</a:t>
+            </a:r>
+            <a:endParaRPr lang="en-US" altLang="ko-KR"/>
+          </a:p>
+          <a:p>
+            <a:pPr marL="257040" indent="-257040">
+              <a:buFont typeface="Arial"/>
               <a:buNone/>
               <a:defRPr lang="ko-KR" altLang="en-US"/>
             </a:pPr>
             <a:r>
-              <a:rPr lang="ko-KR" altLang="en-US" sz="1500"/>
-              <a:t>1. 최근 </a:t>
-            </a:r>
-            <a:r>
-              <a:rPr lang="en-US" altLang="ko-KR" sz="1500"/>
-              <a:t>CNN</a:t>
-            </a:r>
-            <a:r>
-              <a:rPr lang="ko-KR" altLang="en-US" sz="1500"/>
-              <a:t>과 </a:t>
-            </a:r>
-            <a:r>
-              <a:rPr lang="en-US" altLang="ko-KR" sz="1500"/>
-              <a:t>RNN</a:t>
-            </a:r>
-            <a:r>
-              <a:rPr lang="ko-KR" altLang="en-US" sz="1500"/>
-              <a:t>의 비교를 통해 각 분야별로 최적의 모델을 사용하는 추세</a:t>
-            </a:r>
-            <a:endParaRPr lang="ko-KR" altLang="en-US" sz="1500"/>
-          </a:p>
-          <a:p>
-            <a:pPr>
+              <a:rPr lang="en-US" altLang="ko-KR"/>
+              <a:t>	- Parallelism</a:t>
+            </a:r>
+            <a:endParaRPr lang="en-US" altLang="ko-KR"/>
+          </a:p>
+          <a:p>
+            <a:pPr marL="257040" indent="-257040">
+              <a:buFont typeface="Arial"/>
               <a:buNone/>
               <a:defRPr lang="ko-KR" altLang="en-US"/>
             </a:pPr>
             <a:r>
-              <a:rPr lang="ko-KR" altLang="en-US" sz="1500"/>
-              <a:t>2. </a:t>
-            </a:r>
-            <a:r>
-              <a:rPr lang="en-US" altLang="ko-KR" sz="1500"/>
-              <a:t>CNN</a:t>
-            </a:r>
-            <a:r>
-              <a:rPr lang="ko-KR" altLang="en-US" sz="1500"/>
-              <a:t>은 시각적 특성만을 추측하고, 분류하는 것에 최적 </a:t>
-            </a:r>
-            <a:endParaRPr lang="ko-KR" altLang="en-US" sz="1500"/>
-          </a:p>
-          <a:p>
-            <a:pPr>
+              <a:rPr lang="en-US" altLang="ko-KR"/>
+              <a:t>	- Distributed Tensorflow</a:t>
+            </a:r>
+            <a:endParaRPr lang="en-US" altLang="ko-KR"/>
+          </a:p>
+          <a:p>
+            <a:pPr marL="257040" indent="-257040">
+              <a:buFont typeface="Arial"/>
               <a:buNone/>
               <a:defRPr lang="ko-KR" altLang="en-US"/>
             </a:pPr>
             <a:r>
-              <a:rPr lang="ko-KR" altLang="en-US" sz="1500"/>
-              <a:t>	</a:t>
-            </a:r>
-            <a:r>
-              <a:rPr lang="en-US" altLang="ko-KR" sz="1500"/>
-              <a:t>ex) CCTV</a:t>
-            </a:r>
-            <a:r>
-              <a:rPr lang="ko-KR" altLang="en-US" sz="1500"/>
-              <a:t>를 통한 차량 번호 분석, 이미지 또는 영상 인식 등</a:t>
-            </a:r>
-            <a:endParaRPr lang="ko-KR" altLang="en-US" sz="1500"/>
-          </a:p>
-          <a:p>
-            <a:pPr>
+              <a:rPr lang="ko-KR" altLang="en-US"/>
+              <a:t>	-</a:t>
+            </a:r>
+            <a:r>
+              <a:rPr lang="en-US" altLang="ko-KR"/>
+              <a:t> Synchronous and asynchronous</a:t>
+            </a:r>
+            <a:endParaRPr lang="en-US" altLang="ko-KR"/>
+          </a:p>
+          <a:p>
+            <a:pPr marL="257040" indent="-257040">
+              <a:buFont typeface="Arial"/>
               <a:buNone/>
               <a:defRPr lang="ko-KR" altLang="en-US"/>
             </a:pPr>
             <a:r>
-              <a:rPr lang="ko-KR" altLang="en-US" sz="1500"/>
-              <a:t>3. </a:t>
-            </a:r>
-            <a:r>
-              <a:rPr lang="en-US" altLang="ko-KR" sz="1500"/>
-              <a:t>RNN</a:t>
-            </a:r>
-            <a:r>
-              <a:rPr lang="ko-KR" altLang="en-US" sz="1500"/>
-              <a:t>은 시계열 정보를 토대로 미래를 예측하는 것에 최적</a:t>
-            </a:r>
-            <a:endParaRPr lang="ko-KR" altLang="en-US" sz="1500"/>
-          </a:p>
-          <a:p>
-            <a:pPr>
+              <a:rPr lang="ko-KR" altLang="en-US"/>
+              <a:t>	- </a:t>
+            </a:r>
+            <a:r>
+              <a:rPr lang="en-US" altLang="ko-KR"/>
+              <a:t>Parameter server</a:t>
+            </a:r>
+            <a:endParaRPr lang="en-US" altLang="ko-KR"/>
+          </a:p>
+          <a:p>
+            <a:pPr marL="257040" indent="-257040">
+              <a:buFont typeface="Arial"/>
               <a:buNone/>
               <a:defRPr lang="ko-KR" altLang="en-US"/>
             </a:pPr>
             <a:r>
-              <a:rPr lang="ko-KR" altLang="en-US" sz="1500"/>
-              <a:t>	</a:t>
-            </a:r>
-            <a:r>
-              <a:rPr lang="en-US" altLang="ko-KR" sz="1500"/>
-              <a:t>ex) </a:t>
-            </a:r>
-            <a:r>
-              <a:rPr lang="ko-KR" altLang="en-US" sz="1500"/>
-              <a:t>주식 예측, 질의 응답, 검색어 추천 등</a:t>
-            </a:r>
-            <a:endParaRPr lang="ko-KR" altLang="en-US" sz="1500"/>
-          </a:p>
-          <a:p>
-            <a:pPr>
-              <a:buNone/>
-              <a:defRPr lang="ko-KR" altLang="en-US"/>
-            </a:pPr>
-            <a:r>
-              <a:rPr lang="ko-KR" altLang="en-US" sz="1500"/>
-              <a:t>4. </a:t>
-            </a:r>
-            <a:endParaRPr lang="ko-KR" altLang="en-US" sz="1500"/>
+              <a:rPr lang="ko-KR" altLang="en-US"/>
+              <a:t>	- 학습 단계별 소모되는 시간</a:t>
+            </a:r>
+            <a:endParaRPr lang="ko-KR" altLang="en-US"/>
           </a:p>
         </p:txBody>
       </p:sp>
@@ -4857,118 +4902,127 @@
       </p:grpSpPr>
       <p:sp>
         <p:nvSpPr>
-          <p:cNvPr id="4" name=""/>
-          <p:cNvSpPr txBox="1"/>
-          <p:nvPr/>
-        </p:nvSpPr>
-        <p:spPr>
-          <a:xfrm>
-            <a:off x="1763649" y="2563177"/>
-            <a:ext cx="5616702" cy="2006918"/>
-          </a:xfrm>
-          <a:prstGeom prst="rect">
-            <a:avLst/>
-          </a:prstGeom>
-        </p:spPr>
-        <p:txBody>
-          <a:bodyPr wrap="square">
-            <a:spAutoFit/>
-          </a:bodyPr>
-          <a:p>
-            <a:pPr marL="257040" indent="-257040">
-              <a:buFont typeface="Arial"/>
-              <a:buNone/>
-              <a:defRPr lang="ko-KR" altLang="en-US"/>
-            </a:pPr>
-            <a:r>
-              <a:rPr lang="en-US" altLang="ko-KR"/>
-              <a:t>Distributed Deep Learning</a:t>
+          <p:cNvPr id="2" name="제목 1"/>
+          <p:cNvSpPr>
+            <a:spLocks noGrp="1"/>
+          </p:cNvSpPr>
+          <p:nvPr>
+            <p:ph type="title" idx="0"/>
+          </p:nvPr>
+        </p:nvSpPr>
+        <p:spPr/>
+        <p:txBody>
+          <a:bodyPr/>
+          <a:lstStyle/>
+          <a:p>
+            <a:pPr algn="l">
+              <a:defRPr lang="ko-KR" altLang="en-US"/>
+            </a:pPr>
+            <a:r>
+              <a:rPr lang="en-US" altLang="ko-KR"/>
+              <a:t>Distributed Neural Network</a:t>
             </a:r>
             <a:endParaRPr lang="en-US" altLang="ko-KR"/>
           </a:p>
-          <a:p>
-            <a:pPr marL="257040" indent="-257040">
-              <a:buFont typeface="Arial"/>
-              <a:buNone/>
-              <a:defRPr lang="ko-KR" altLang="en-US"/>
-            </a:pPr>
-            <a:r>
-              <a:rPr lang="ko-KR" altLang="en-US"/>
-              <a:t>	- </a:t>
-            </a:r>
-            <a:r>
-              <a:rPr lang="en-US" altLang="ko-KR"/>
-              <a:t>Term</a:t>
-            </a:r>
-            <a:endParaRPr lang="en-US" altLang="ko-KR"/>
-          </a:p>
-          <a:p>
-            <a:pPr marL="257040" indent="-257040">
-              <a:buFont typeface="Arial"/>
-              <a:buNone/>
-              <a:defRPr lang="ko-KR" altLang="en-US"/>
-            </a:pPr>
-            <a:r>
-              <a:rPr lang="en-US" altLang="ko-KR"/>
-              <a:t>	- Parallelism</a:t>
-            </a:r>
-            <a:endParaRPr lang="en-US" altLang="ko-KR"/>
-          </a:p>
-          <a:p>
-            <a:pPr marL="257040" indent="-257040">
-              <a:buFont typeface="Arial"/>
-              <a:buNone/>
-              <a:defRPr lang="ko-KR" altLang="en-US"/>
-            </a:pPr>
-            <a:r>
-              <a:rPr lang="en-US" altLang="ko-KR"/>
-              <a:t>	- Distributed Tensorflow</a:t>
-            </a:r>
-            <a:endParaRPr lang="en-US" altLang="ko-KR"/>
-          </a:p>
-          <a:p>
-            <a:pPr marL="257040" indent="-257040">
-              <a:buFont typeface="Arial"/>
-              <a:buNone/>
-              <a:defRPr lang="ko-KR" altLang="en-US"/>
-            </a:pPr>
-            <a:r>
-              <a:rPr lang="ko-KR" altLang="en-US"/>
-              <a:t>	-</a:t>
-            </a:r>
-            <a:r>
-              <a:rPr lang="en-US" altLang="ko-KR"/>
-              <a:t> Synchronous and asynchronous</a:t>
-            </a:r>
-            <a:endParaRPr lang="en-US" altLang="ko-KR"/>
-          </a:p>
-          <a:p>
-            <a:pPr marL="257040" indent="-257040">
-              <a:buFont typeface="Arial"/>
-              <a:buNone/>
-              <a:defRPr lang="ko-KR" altLang="en-US"/>
-            </a:pPr>
-            <a:r>
-              <a:rPr lang="ko-KR" altLang="en-US"/>
-              <a:t>	- </a:t>
-            </a:r>
-            <a:r>
-              <a:rPr lang="en-US" altLang="ko-KR"/>
-              <a:t>Parameter server</a:t>
-            </a:r>
-            <a:endParaRPr lang="en-US" altLang="ko-KR"/>
-          </a:p>
-          <a:p>
-            <a:pPr marL="257040" indent="-257040">
-              <a:buFont typeface="Arial"/>
-              <a:buNone/>
-              <a:defRPr lang="ko-KR" altLang="en-US"/>
-            </a:pPr>
-            <a:r>
-              <a:rPr lang="ko-KR" altLang="en-US"/>
-              <a:t>	- 학습 단계별 소모되는 시간</a:t>
-            </a:r>
-            <a:endParaRPr lang="ko-KR" altLang="en-US"/>
+        </p:txBody>
+      </p:sp>
+      <p:sp>
+        <p:nvSpPr>
+          <p:cNvPr id="3" name="내용 개체 틀 2"/>
+          <p:cNvSpPr>
+            <a:spLocks noGrp="1"/>
+          </p:cNvSpPr>
+          <p:nvPr>
+            <p:ph idx="1"/>
+          </p:nvPr>
+        </p:nvSpPr>
+        <p:spPr/>
+        <p:txBody>
+          <a:bodyPr/>
+          <a:lstStyle/>
+          <a:p>
+            <a:pPr>
+              <a:defRPr lang="ko-KR" altLang="en-US"/>
+            </a:pPr>
+            <a:r>
+              <a:rPr lang="en-US" altLang="ko-KR" sz="2600"/>
+              <a:t>Model parallelism : </a:t>
+            </a:r>
+            <a:r>
+              <a:rPr lang="ko-KR" altLang="en-US" sz="2600"/>
+              <a:t>뉴럴네트워크 모델을 사용함에 있어, 일부 분야에서는 모델의 크기가 매우 크고, </a:t>
+            </a:r>
+            <a:r>
+              <a:rPr lang="en-US" altLang="ko-KR" sz="2600"/>
+              <a:t>GPU</a:t>
+            </a:r>
+            <a:r>
+              <a:rPr lang="ko-KR" altLang="en-US" sz="2600"/>
+              <a:t> 메모리로는 이를 모두 적재할 수 없다.</a:t>
+            </a:r>
+            <a:r>
+              <a:rPr lang="en-US" altLang="ko-KR" sz="2600"/>
+              <a:t> </a:t>
+            </a:r>
+            <a:r>
+              <a:rPr lang="ko-KR" altLang="en-US" sz="2600"/>
+              <a:t>따라서 </a:t>
+            </a:r>
+            <a:r>
+              <a:rPr lang="ko-KR" altLang="en-US" sz="2600">
+                <a:solidFill>
+                  <a:srgbClr val="008000"/>
+                </a:solidFill>
+              </a:rPr>
+              <a:t>하나의 모델을 다수의 장치에 나누어 저장한다.</a:t>
+            </a:r>
+            <a:endParaRPr lang="ko-KR" altLang="en-US" sz="2600"/>
+          </a:p>
+          <a:p>
+            <a:pPr>
+              <a:defRPr lang="ko-KR" altLang="en-US"/>
+            </a:pPr>
+            <a:endParaRPr lang="ko-KR" altLang="en-US" sz="2600"/>
+          </a:p>
+          <a:p>
+            <a:pPr>
+              <a:defRPr lang="ko-KR" altLang="en-US"/>
+            </a:pPr>
+            <a:endParaRPr lang="ko-KR" altLang="en-US" sz="2600"/>
+          </a:p>
+          <a:p>
+            <a:pPr>
+              <a:defRPr lang="ko-KR" altLang="en-US"/>
+            </a:pPr>
+            <a:r>
+              <a:rPr lang="en-US" altLang="ko-KR" sz="2600"/>
+              <a:t>Data parallelism : </a:t>
+            </a:r>
+            <a:r>
+              <a:rPr lang="ko-KR" altLang="en-US" sz="2600"/>
+              <a:t>적당한 크기를 가지는 딥러닝 모델을 각 </a:t>
+            </a:r>
+            <a:r>
+              <a:rPr lang="en-US" altLang="ko-KR" sz="2600"/>
+              <a:t>GPU</a:t>
+            </a:r>
+            <a:r>
+              <a:rPr lang="ko-KR" altLang="en-US" sz="2600"/>
+              <a:t>마다 저장하고, </a:t>
+            </a:r>
+            <a:r>
+              <a:rPr lang="ko-KR" altLang="en-US" sz="2600">
+                <a:solidFill>
+                  <a:srgbClr val="008000"/>
+                </a:solidFill>
+              </a:rPr>
+              <a:t>대량의 학습 데이터를 서로 다르게 분산하여 저장한다.</a:t>
+            </a:r>
+            <a:endParaRPr lang="ko-KR" altLang="en-US" sz="2600">
+              <a:solidFill>
+                <a:srgbClr val="008000"/>
+              </a:solidFill>
+            </a:endParaRPr>
           </a:p>
         </p:txBody>
       </p:sp>
@@ -4989,274 +5043,6 @@
 </file>
 
 <file path=ppt/slides/slide16.xml><?xml version="1.0" encoding="utf-8"?>
-<p:sld xmlns:r="http://schemas.openxmlformats.org/officeDocument/2006/relationships" xmlns:c="http://schemas.openxmlformats.org/drawingml/2006/chart" xmlns:a="http://schemas.openxmlformats.org/drawingml/2006/main" xmlns:dgm="http://schemas.openxmlformats.org/drawingml/2006/diagram" xmlns:dsp="http://schemas.microsoft.com/office/drawing/2008/diagram" xmlns:p="http://schemas.openxmlformats.org/presentationml/2006/main">
-  <p:cSld>
-    <p:spTree>
-      <p:nvGrpSpPr>
-        <p:cNvPr id="1" name=""/>
-        <p:cNvGrpSpPr/>
-        <p:nvPr/>
-      </p:nvGrpSpPr>
-      <p:grpSpPr>
-        <a:xfrm>
-          <a:off x="0" y="0"/>
-          <a:ext cx="0" cy="0"/>
-          <a:chOff x="0" y="0"/>
-          <a:chExt cx="0" cy="0"/>
-        </a:xfrm>
-      </p:grpSpPr>
-      <p:sp>
-        <p:nvSpPr>
-          <p:cNvPr id="2" name="제목 1"/>
-          <p:cNvSpPr>
-            <a:spLocks noGrp="1"/>
-          </p:cNvSpPr>
-          <p:nvPr>
-            <p:ph type="title" idx="0"/>
-          </p:nvPr>
-        </p:nvSpPr>
-        <p:spPr/>
-        <p:txBody>
-          <a:bodyPr/>
-          <a:lstStyle/>
-          <a:p>
-            <a:pPr algn="l">
-              <a:defRPr lang="ko-KR" altLang="en-US"/>
-            </a:pPr>
-            <a:r>
-              <a:rPr lang="en-US" altLang="ko-KR"/>
-              <a:t>Term</a:t>
-            </a:r>
-            <a:endParaRPr lang="en-US" altLang="ko-KR"/>
-          </a:p>
-        </p:txBody>
-      </p:sp>
-      <p:sp>
-        <p:nvSpPr>
-          <p:cNvPr id="3" name="내용 개체 틀 2"/>
-          <p:cNvSpPr>
-            <a:spLocks noGrp="1"/>
-          </p:cNvSpPr>
-          <p:nvPr>
-            <p:ph idx="1"/>
-          </p:nvPr>
-        </p:nvSpPr>
-        <p:spPr/>
-        <p:txBody>
-          <a:bodyPr/>
-          <a:lstStyle/>
-          <a:p>
-            <a:pPr>
-              <a:defRPr lang="ko-KR" altLang="en-US"/>
-            </a:pPr>
-            <a:r>
-              <a:rPr lang="en-US" altLang="ko-KR" sz="1700"/>
-              <a:t>Mini-batch size:</a:t>
-            </a:r>
-            <a:r>
-              <a:rPr lang="ko-KR" altLang="en-US" sz="1700"/>
-              <a:t> 전체 데이터셋 중 각 학습 작업에 사용되는 데이터 크기</a:t>
-            </a:r>
-            <a:endParaRPr lang="ko-KR" altLang="en-US" sz="1700"/>
-          </a:p>
-          <a:p>
-            <a:pPr>
-              <a:defRPr lang="ko-KR" altLang="en-US"/>
-            </a:pPr>
-            <a:r>
-              <a:rPr lang="en-US" altLang="ko-KR" sz="1700"/>
-              <a:t>Epoch : </a:t>
-            </a:r>
-            <a:r>
-              <a:rPr lang="ko-KR" altLang="en-US" sz="1700"/>
-              <a:t>딥러닝 모델을 따라 학습이 1회 완료</a:t>
-            </a:r>
-            <a:endParaRPr lang="ko-KR" altLang="en-US" sz="1700"/>
-          </a:p>
-          <a:p>
-            <a:pPr>
-              <a:defRPr lang="ko-KR" altLang="en-US"/>
-            </a:pPr>
-            <a:endParaRPr lang="ko-KR" altLang="en-US" sz="1700"/>
-          </a:p>
-        </p:txBody>
-      </p:sp>
-    </p:spTree>
-  </p:cSld>
-  <p:clrMapOvr>
-    <a:masterClrMapping/>
-  </p:clrMapOvr>
-  <mc:AlternateContent xmlns:mc="http://schemas.openxmlformats.org/markup-compatibility/2006">
-    <mc:Choice xmlns:p14="http://schemas.microsoft.com/office/powerpoint/2010/main" Requires="p14">
-      <p:transition xmlns:mc="http://schemas.openxmlformats.org/markup-compatibility/2006" xmlns:p14="http://schemas.microsoft.com/office/powerpoint/2010/main" mc:Ignorable="p14" p14:dur="500"/>
-    </mc:Choice>
-    <mc:Fallback>
-      <p:transition/>
-    </mc:Fallback>
-  </mc:AlternateContent>
-</p:sld>
-</file>
-
-<file path=ppt/slides/slide17.xml><?xml version="1.0" encoding="utf-8"?>
-<p:sld xmlns:r="http://schemas.openxmlformats.org/officeDocument/2006/relationships" xmlns:c="http://schemas.openxmlformats.org/drawingml/2006/chart" xmlns:a="http://schemas.openxmlformats.org/drawingml/2006/main" xmlns:dgm="http://schemas.openxmlformats.org/drawingml/2006/diagram" xmlns:dsp="http://schemas.microsoft.com/office/drawing/2008/diagram" xmlns:p="http://schemas.openxmlformats.org/presentationml/2006/main">
-  <p:cSld>
-    <p:spTree>
-      <p:nvGrpSpPr>
-        <p:cNvPr id="1" name=""/>
-        <p:cNvGrpSpPr/>
-        <p:nvPr/>
-      </p:nvGrpSpPr>
-      <p:grpSpPr>
-        <a:xfrm>
-          <a:off x="0" y="0"/>
-          <a:ext cx="0" cy="0"/>
-          <a:chOff x="0" y="0"/>
-          <a:chExt cx="0" cy="0"/>
-        </a:xfrm>
-      </p:grpSpPr>
-      <p:sp>
-        <p:nvSpPr>
-          <p:cNvPr id="2" name="제목 1"/>
-          <p:cNvSpPr>
-            <a:spLocks noGrp="1"/>
-          </p:cNvSpPr>
-          <p:nvPr>
-            <p:ph type="title" idx="0"/>
-          </p:nvPr>
-        </p:nvSpPr>
-        <p:spPr/>
-        <p:txBody>
-          <a:bodyPr/>
-          <a:lstStyle/>
-          <a:p>
-            <a:pPr algn="l">
-              <a:defRPr lang="ko-KR" altLang="en-US"/>
-            </a:pPr>
-            <a:r>
-              <a:rPr lang="en-US" altLang="ko-KR"/>
-              <a:t>Distributed Neural Network</a:t>
-            </a:r>
-            <a:endParaRPr lang="en-US" altLang="ko-KR"/>
-          </a:p>
-        </p:txBody>
-      </p:sp>
-      <p:sp>
-        <p:nvSpPr>
-          <p:cNvPr id="3" name="내용 개체 틀 2"/>
-          <p:cNvSpPr>
-            <a:spLocks noGrp="1"/>
-          </p:cNvSpPr>
-          <p:nvPr>
-            <p:ph idx="1"/>
-          </p:nvPr>
-        </p:nvSpPr>
-        <p:spPr/>
-        <p:txBody>
-          <a:bodyPr/>
-          <a:lstStyle/>
-          <a:p>
-            <a:pPr>
-              <a:defRPr lang="ko-KR" altLang="en-US"/>
-            </a:pPr>
-            <a:r>
-              <a:rPr lang="en-US" altLang="ko-KR" sz="2600"/>
-              <a:t>Model parallelism : </a:t>
-            </a:r>
-            <a:r>
-              <a:rPr lang="ko-KR" altLang="en-US" sz="2600"/>
-              <a:t>뉴럴네트워크 모델을 사용함에 있어, 일부 분야에서는 모델의 크기가 매우 크고, </a:t>
-            </a:r>
-            <a:r>
-              <a:rPr lang="en-US" altLang="ko-KR" sz="2600"/>
-              <a:t>GPU</a:t>
-            </a:r>
-            <a:r>
-              <a:rPr lang="ko-KR" altLang="en-US" sz="2600"/>
-              <a:t> 메모리로는 이를 모두 적재할 수 없다.</a:t>
-            </a:r>
-            <a:r>
-              <a:rPr lang="en-US" altLang="ko-KR" sz="2600"/>
-              <a:t> </a:t>
-            </a:r>
-            <a:r>
-              <a:rPr lang="ko-KR" altLang="en-US" sz="2600"/>
-              <a:t>따라서 </a:t>
-            </a:r>
-            <a:r>
-              <a:rPr lang="ko-KR" altLang="en-US" sz="2600">
-                <a:solidFill>
-                  <a:srgbClr val="008000"/>
-                </a:solidFill>
-              </a:rPr>
-              <a:t>하나의 모델을 다수의 장치에 나누어 저장한다.</a:t>
-            </a:r>
-            <a:endParaRPr lang="ko-KR" altLang="en-US" sz="2600"/>
-          </a:p>
-          <a:p>
-            <a:pPr>
-              <a:defRPr lang="ko-KR" altLang="en-US"/>
-            </a:pPr>
-            <a:endParaRPr lang="ko-KR" altLang="en-US" sz="2600"/>
-          </a:p>
-          <a:p>
-            <a:pPr>
-              <a:defRPr lang="ko-KR" altLang="en-US"/>
-            </a:pPr>
-            <a:endParaRPr lang="ko-KR" altLang="en-US" sz="2600"/>
-          </a:p>
-          <a:p>
-            <a:pPr>
-              <a:defRPr lang="ko-KR" altLang="en-US"/>
-            </a:pPr>
-            <a:r>
-              <a:rPr lang="en-US" altLang="ko-KR" sz="2600"/>
-              <a:t>Data parallelism : </a:t>
-            </a:r>
-            <a:r>
-              <a:rPr lang="ko-KR" altLang="en-US" sz="2600"/>
-              <a:t>적당한 크기를 가지는 딥러닝 모델을 각 </a:t>
-            </a:r>
-            <a:r>
-              <a:rPr lang="en-US" altLang="ko-KR" sz="2600"/>
-              <a:t>GPU</a:t>
-            </a:r>
-            <a:r>
-              <a:rPr lang="ko-KR" altLang="en-US" sz="2600"/>
-              <a:t>마다 저장하고, </a:t>
-            </a:r>
-            <a:r>
-              <a:rPr lang="ko-KR" altLang="en-US" sz="2600">
-                <a:solidFill>
-                  <a:srgbClr val="008000"/>
-                </a:solidFill>
-              </a:rPr>
-              <a:t>대량의 학습 데이터를 서로 다르게 분산하여 저장한다.</a:t>
-            </a:r>
-            <a:endParaRPr lang="ko-KR" altLang="en-US" sz="2600">
-              <a:solidFill>
-                <a:srgbClr val="008000"/>
-              </a:solidFill>
-            </a:endParaRPr>
-          </a:p>
-        </p:txBody>
-      </p:sp>
-    </p:spTree>
-  </p:cSld>
-  <p:clrMapOvr>
-    <a:masterClrMapping/>
-  </p:clrMapOvr>
-  <mc:AlternateContent xmlns:mc="http://schemas.openxmlformats.org/markup-compatibility/2006">
-    <mc:Choice xmlns:p14="http://schemas.microsoft.com/office/powerpoint/2010/main" Requires="p14">
-      <p:transition xmlns:mc="http://schemas.openxmlformats.org/markup-compatibility/2006" xmlns:p14="http://schemas.microsoft.com/office/powerpoint/2010/main" mc:Ignorable="p14" p14:dur="500"/>
-    </mc:Choice>
-    <mc:Fallback>
-      <p:transition/>
-    </mc:Fallback>
-  </mc:AlternateContent>
-</p:sld>
-</file>
-
-<file path=ppt/slides/slide18.xml><?xml version="1.0" encoding="utf-8"?>
 <p:sld xmlns:r="http://schemas.openxmlformats.org/officeDocument/2006/relationships" xmlns:c="http://schemas.openxmlformats.org/drawingml/2006/chart" xmlns:a="http://schemas.openxmlformats.org/drawingml/2006/main" xmlns:dgm="http://schemas.openxmlformats.org/drawingml/2006/diagram" xmlns:dsp="http://schemas.microsoft.com/office/drawing/2008/diagram" xmlns:p="http://schemas.openxmlformats.org/presentationml/2006/main">
   <p:cSld>
     <p:spTree>
@@ -5392,7 +5178,7 @@
 </p:sld>
 </file>
 
-<file path=ppt/slides/slide19.xml><?xml version="1.0" encoding="utf-8"?>
+<file path=ppt/slides/slide17.xml><?xml version="1.0" encoding="utf-8"?>
 <p:sld xmlns:r="http://schemas.openxmlformats.org/officeDocument/2006/relationships" xmlns:c="http://schemas.openxmlformats.org/drawingml/2006/chart" xmlns:a="http://schemas.openxmlformats.org/drawingml/2006/main" xmlns:dgm="http://schemas.openxmlformats.org/drawingml/2006/diagram" xmlns:dsp="http://schemas.microsoft.com/office/drawing/2008/diagram" xmlns:p="http://schemas.openxmlformats.org/presentationml/2006/main">
   <p:cSld>
     <p:spTree>
@@ -5561,7 +5347,7 @@
 </p:sld>
 </file>
 
-<file path=ppt/slides/slide2.xml><?xml version="1.0" encoding="utf-8"?>
+<file path=ppt/slides/slide18.xml><?xml version="1.0" encoding="utf-8"?>
 <p:sld xmlns:r="http://schemas.openxmlformats.org/officeDocument/2006/relationships" xmlns:c="http://schemas.openxmlformats.org/drawingml/2006/chart" xmlns:a="http://schemas.openxmlformats.org/drawingml/2006/main" xmlns:dgm="http://schemas.openxmlformats.org/drawingml/2006/diagram" xmlns:dsp="http://schemas.microsoft.com/office/drawing/2008/diagram" xmlns:p="http://schemas.openxmlformats.org/presentationml/2006/main">
   <p:cSld>
     <p:spTree>
@@ -5580,128 +5366,6 @@
       </p:grpSpPr>
       <p:sp>
         <p:nvSpPr>
-          <p:cNvPr id="4" name=""/>
-          <p:cNvSpPr txBox="1"/>
-          <p:nvPr/>
-        </p:nvSpPr>
-        <p:spPr>
-          <a:xfrm>
-            <a:off x="1043551" y="2974657"/>
-            <a:ext cx="6696837" cy="1462088"/>
-          </a:xfrm>
-          <a:prstGeom prst="rect">
-            <a:avLst/>
-          </a:prstGeom>
-        </p:spPr>
-        <p:txBody>
-          <a:bodyPr wrap="square">
-            <a:spAutoFit/>
-          </a:bodyPr>
-          <a:p>
-            <a:pPr marL="257040" indent="-257040">
-              <a:buFont typeface="Arial"/>
-              <a:buChar char="•"/>
-              <a:defRPr lang="ko-KR" altLang="en-US"/>
-            </a:pPr>
-            <a:r>
-              <a:rPr lang="en-US" altLang="ko-KR"/>
-              <a:t>CNN</a:t>
-            </a:r>
-            <a:r>
-              <a:rPr lang="ko-KR" altLang="en-US"/>
-              <a:t> </a:t>
-            </a:r>
-            <a:r>
-              <a:rPr lang="en-US" altLang="ko-KR"/>
-              <a:t>model</a:t>
-            </a:r>
-            <a:endParaRPr lang="en-US" altLang="ko-KR"/>
-          </a:p>
-          <a:p>
-            <a:pPr marL="257040" indent="-257040">
-              <a:buFont typeface="Arial"/>
-              <a:buChar char="•"/>
-              <a:defRPr lang="ko-KR" altLang="en-US"/>
-            </a:pPr>
-            <a:r>
-              <a:rPr lang="en-US" altLang="ko-KR"/>
-              <a:t>RNN model</a:t>
-            </a:r>
-            <a:endParaRPr lang="en-US" altLang="ko-KR"/>
-          </a:p>
-          <a:p>
-            <a:pPr marL="257040" indent="-257040">
-              <a:buFont typeface="Arial"/>
-              <a:buChar char="•"/>
-              <a:defRPr lang="ko-KR" altLang="en-US"/>
-            </a:pPr>
-            <a:r>
-              <a:rPr lang="en-US" altLang="ko-KR"/>
-              <a:t>Compare CNN and RNN</a:t>
-            </a:r>
-            <a:endParaRPr lang="en-US" altLang="ko-KR"/>
-          </a:p>
-          <a:p>
-            <a:pPr marL="257040" indent="-257040">
-              <a:buFont typeface="Arial"/>
-              <a:buChar char="•"/>
-              <a:defRPr lang="ko-KR" altLang="en-US"/>
-            </a:pPr>
-            <a:r>
-              <a:rPr lang="en-US" altLang="ko-KR"/>
-              <a:t>Distributed Deep Learning</a:t>
-            </a:r>
-            <a:endParaRPr lang="en-US" altLang="ko-KR"/>
-          </a:p>
-          <a:p>
-            <a:pPr marL="257040" indent="-257040">
-              <a:buFont typeface="Arial"/>
-              <a:buChar char="•"/>
-              <a:defRPr lang="ko-KR" altLang="en-US"/>
-            </a:pPr>
-            <a:r>
-              <a:rPr lang="en-US" altLang="ko-KR"/>
-              <a:t>Traning Speed Up demo</a:t>
-            </a:r>
-            <a:endParaRPr lang="en-US" altLang="ko-KR"/>
-          </a:p>
-        </p:txBody>
-      </p:sp>
-    </p:spTree>
-  </p:cSld>
-  <p:clrMapOvr>
-    <a:masterClrMapping/>
-  </p:clrMapOvr>
-  <mc:AlternateContent xmlns:mc="http://schemas.openxmlformats.org/markup-compatibility/2006">
-    <mc:Choice xmlns:p14="http://schemas.microsoft.com/office/powerpoint/2010/main" Requires="p14">
-      <p:transition xmlns:mc="http://schemas.openxmlformats.org/markup-compatibility/2006" xmlns:p14="http://schemas.microsoft.com/office/powerpoint/2010/main" mc:Ignorable="p14" p14:dur="500"/>
-    </mc:Choice>
-    <mc:Fallback>
-      <p:transition/>
-    </mc:Fallback>
-  </mc:AlternateContent>
-</p:sld>
-</file>
-
-<file path=ppt/slides/slide20.xml><?xml version="1.0" encoding="utf-8"?>
-<p:sld xmlns:r="http://schemas.openxmlformats.org/officeDocument/2006/relationships" xmlns:c="http://schemas.openxmlformats.org/drawingml/2006/chart" xmlns:a="http://schemas.openxmlformats.org/drawingml/2006/main" xmlns:dgm="http://schemas.openxmlformats.org/drawingml/2006/diagram" xmlns:dsp="http://schemas.microsoft.com/office/drawing/2008/diagram" xmlns:p="http://schemas.openxmlformats.org/presentationml/2006/main">
-  <p:cSld>
-    <p:spTree>
-      <p:nvGrpSpPr>
-        <p:cNvPr id="1" name=""/>
-        <p:cNvGrpSpPr/>
-        <p:nvPr/>
-      </p:nvGrpSpPr>
-      <p:grpSpPr>
-        <a:xfrm>
-          <a:off x="0" y="0"/>
-          <a:ext cx="0" cy="0"/>
-          <a:chOff x="0" y="0"/>
-          <a:chExt cx="0" cy="0"/>
-        </a:xfrm>
-      </p:grpSpPr>
-      <p:sp>
-        <p:nvSpPr>
           <p:cNvPr id="2" name="제목 1"/>
           <p:cNvSpPr>
             <a:spLocks noGrp="1"/>
@@ -5753,7 +5417,7 @@
             </a:pPr>
             <a:r>
               <a:rPr lang="en-US" altLang="ko-KR" sz="2200"/>
-              <a:t>Devices = Worker</a:t>
+              <a:t>Device = Workers</a:t>
             </a:r>
             <a:endParaRPr lang="en-US" altLang="ko-KR" sz="2200"/>
           </a:p>
@@ -5862,7 +5526,7 @@
 </p:sld>
 </file>
 
-<file path=ppt/slides/slide21.xml><?xml version="1.0" encoding="utf-8"?>
+<file path=ppt/slides/slide19.xml><?xml version="1.0" encoding="utf-8"?>
 <p:sld xmlns:r="http://schemas.openxmlformats.org/officeDocument/2006/relationships" xmlns:c="http://schemas.openxmlformats.org/drawingml/2006/chart" xmlns:a="http://schemas.openxmlformats.org/drawingml/2006/main" xmlns:dgm="http://schemas.openxmlformats.org/drawingml/2006/diagram" xmlns:dsp="http://schemas.microsoft.com/office/drawing/2008/diagram" xmlns:p="http://schemas.openxmlformats.org/presentationml/2006/main">
   <p:cSld>
     <p:spTree>
@@ -6052,15 +5716,7 @@
             </a:pPr>
             <a:r>
               <a:rPr lang="ko-KR" altLang="en-US" sz="2400"/>
-              <a:t>각 학습 단계에서 가장 많은 시간을 소모한 </a:t>
-            </a:r>
-            <a:r>
-              <a:rPr lang="en-US" altLang="ko-KR" sz="2400"/>
-              <a:t>Worker</a:t>
-            </a:r>
-            <a:r>
-              <a:rPr lang="ko-KR" altLang="en-US" sz="2400"/>
-              <a:t>의 소모 시간</a:t>
+              <a:t>분산 처리 딥러닝 학습 소요 시간</a:t>
             </a:r>
             <a:br>
               <a:rPr lang="en-US" altLang="ko-KR" sz="2400"/>
@@ -6147,8 +5803,8 @@
         </p:nvSpPr>
         <p:spPr>
           <a:xfrm>
-            <a:off x="457200" y="1600200"/>
-            <a:ext cx="8229600" cy="4104513"/>
+            <a:off x="457200" y="1700784"/>
+            <a:ext cx="8229600" cy="3672459"/>
           </a:xfrm>
           <a:prstGeom prst="rect">
             <a:avLst/>
@@ -6348,6 +6004,542 @@
 </p:sld>
 </file>
 
+<file path=ppt/slides/slide2.xml><?xml version="1.0" encoding="utf-8"?>
+<p:sld xmlns:r="http://schemas.openxmlformats.org/officeDocument/2006/relationships" xmlns:c="http://schemas.openxmlformats.org/drawingml/2006/chart" xmlns:a="http://schemas.openxmlformats.org/drawingml/2006/main" xmlns:dgm="http://schemas.openxmlformats.org/drawingml/2006/diagram" xmlns:dsp="http://schemas.microsoft.com/office/drawing/2008/diagram" xmlns:p="http://schemas.openxmlformats.org/presentationml/2006/main">
+  <p:cSld>
+    <p:spTree>
+      <p:nvGrpSpPr>
+        <p:cNvPr id="1" name=""/>
+        <p:cNvGrpSpPr/>
+        <p:nvPr/>
+      </p:nvGrpSpPr>
+      <p:grpSpPr>
+        <a:xfrm>
+          <a:off x="0" y="0"/>
+          <a:ext cx="0" cy="0"/>
+          <a:chOff x="0" y="0"/>
+          <a:chExt cx="0" cy="0"/>
+        </a:xfrm>
+      </p:grpSpPr>
+      <p:sp>
+        <p:nvSpPr>
+          <p:cNvPr id="4" name=""/>
+          <p:cNvSpPr txBox="1"/>
+          <p:nvPr/>
+        </p:nvSpPr>
+        <p:spPr>
+          <a:xfrm>
+            <a:off x="1043551" y="2974657"/>
+            <a:ext cx="6696837" cy="1462088"/>
+          </a:xfrm>
+          <a:prstGeom prst="rect">
+            <a:avLst/>
+          </a:prstGeom>
+        </p:spPr>
+        <p:txBody>
+          <a:bodyPr wrap="square">
+            <a:spAutoFit/>
+          </a:bodyPr>
+          <a:p>
+            <a:pPr marL="257040" indent="-257040">
+              <a:buFont typeface="Arial"/>
+              <a:buChar char="•"/>
+              <a:defRPr lang="ko-KR" altLang="en-US"/>
+            </a:pPr>
+            <a:r>
+              <a:rPr lang="en-US" altLang="ko-KR"/>
+              <a:t>CNN</a:t>
+            </a:r>
+            <a:r>
+              <a:rPr lang="ko-KR" altLang="en-US"/>
+              <a:t> </a:t>
+            </a:r>
+            <a:r>
+              <a:rPr lang="en-US" altLang="ko-KR"/>
+              <a:t>model</a:t>
+            </a:r>
+            <a:endParaRPr lang="en-US" altLang="ko-KR"/>
+          </a:p>
+          <a:p>
+            <a:pPr marL="257040" indent="-257040">
+              <a:buFont typeface="Arial"/>
+              <a:buChar char="•"/>
+              <a:defRPr lang="ko-KR" altLang="en-US"/>
+            </a:pPr>
+            <a:r>
+              <a:rPr lang="en-US" altLang="ko-KR"/>
+              <a:t>RNN model</a:t>
+            </a:r>
+            <a:endParaRPr lang="en-US" altLang="ko-KR"/>
+          </a:p>
+          <a:p>
+            <a:pPr marL="257040" indent="-257040">
+              <a:buFont typeface="Arial"/>
+              <a:buChar char="•"/>
+              <a:defRPr lang="ko-KR" altLang="en-US"/>
+            </a:pPr>
+            <a:r>
+              <a:rPr lang="en-US" altLang="ko-KR"/>
+              <a:t>Compare CNN and RNN</a:t>
+            </a:r>
+            <a:endParaRPr lang="en-US" altLang="ko-KR"/>
+          </a:p>
+          <a:p>
+            <a:pPr marL="257040" indent="-257040">
+              <a:buFont typeface="Arial"/>
+              <a:buChar char="•"/>
+              <a:defRPr lang="ko-KR" altLang="en-US"/>
+            </a:pPr>
+            <a:r>
+              <a:rPr lang="en-US" altLang="ko-KR"/>
+              <a:t>Distributed Deep Learning</a:t>
+            </a:r>
+            <a:endParaRPr lang="en-US" altLang="ko-KR"/>
+          </a:p>
+          <a:p>
+            <a:pPr marL="257040" indent="-257040">
+              <a:buFont typeface="Arial"/>
+              <a:buChar char="•"/>
+              <a:defRPr lang="ko-KR" altLang="en-US"/>
+            </a:pPr>
+            <a:r>
+              <a:rPr lang="en-US" altLang="ko-KR"/>
+              <a:t>Traning Speed Up demo</a:t>
+            </a:r>
+            <a:endParaRPr lang="en-US" altLang="ko-KR"/>
+          </a:p>
+        </p:txBody>
+      </p:sp>
+    </p:spTree>
+  </p:cSld>
+  <p:clrMapOvr>
+    <a:masterClrMapping/>
+  </p:clrMapOvr>
+  <mc:AlternateContent xmlns:mc="http://schemas.openxmlformats.org/markup-compatibility/2006">
+    <mc:Choice xmlns:p14="http://schemas.microsoft.com/office/powerpoint/2010/main" Requires="p14">
+      <p:transition xmlns:mc="http://schemas.openxmlformats.org/markup-compatibility/2006" xmlns:p14="http://schemas.microsoft.com/office/powerpoint/2010/main" mc:Ignorable="p14" p14:dur="500"/>
+    </mc:Choice>
+    <mc:Fallback>
+      <p:transition/>
+    </mc:Fallback>
+  </mc:AlternateContent>
+</p:sld>
+</file>
+
+<file path=ppt/slides/slide20.xml><?xml version="1.0" encoding="utf-8"?>
+<p:sld xmlns:r="http://schemas.openxmlformats.org/officeDocument/2006/relationships" xmlns:c="http://schemas.openxmlformats.org/drawingml/2006/chart" xmlns:a="http://schemas.openxmlformats.org/drawingml/2006/main" xmlns:dgm="http://schemas.openxmlformats.org/drawingml/2006/diagram" xmlns:dsp="http://schemas.microsoft.com/office/drawing/2008/diagram" xmlns:p="http://schemas.openxmlformats.org/presentationml/2006/main">
+  <p:cSld>
+    <p:spTree>
+      <p:nvGrpSpPr>
+        <p:cNvPr id="1" name=""/>
+        <p:cNvGrpSpPr/>
+        <p:nvPr/>
+      </p:nvGrpSpPr>
+      <p:grpSpPr>
+        <a:xfrm>
+          <a:off x="0" y="0"/>
+          <a:ext cx="0" cy="0"/>
+          <a:chOff x="0" y="0"/>
+          <a:chExt cx="0" cy="0"/>
+        </a:xfrm>
+      </p:grpSpPr>
+      <p:sp>
+        <p:nvSpPr>
+          <p:cNvPr id="4" name=""/>
+          <p:cNvSpPr txBox="1"/>
+          <p:nvPr/>
+        </p:nvSpPr>
+        <p:spPr>
+          <a:xfrm>
+            <a:off x="1043305" y="2562860"/>
+            <a:ext cx="6336665" cy="2283460"/>
+          </a:xfrm>
+          <a:prstGeom prst="rect">
+            <a:avLst/>
+          </a:prstGeom>
+        </p:spPr>
+        <p:txBody>
+          <a:bodyPr vert="horz" wrap="square" lIns="91440" tIns="45720" rIns="91440" bIns="45720" anchor="t">
+            <a:spAutoFit/>
+          </a:bodyPr>
+          <a:lstStyle/>
+          <a:p>
+            <a:pPr marL="257175" indent="-257175" algn="l" defTabSz="871876" eaLnBrk="0">
+              <a:lnSpc>
+                <a:spcPct val="100000"/>
+              </a:lnSpc>
+              <a:spcBef>
+                <a:spcPts val="0"/>
+              </a:spcBef>
+              <a:spcAft>
+                <a:spcPts val="0"/>
+              </a:spcAft>
+              <a:buNone/>
+              <a:defRPr lang="ko-KR" altLang="en-US"/>
+            </a:pPr>
+            <a:r>
+              <a:rPr lang="en-US" altLang="ko-KR" sz="1800">
+                <a:latin typeface="함초롬돋움"/>
+                <a:ea typeface="함초롬돋움"/>
+              </a:rPr>
+              <a:t>Training Speed Up demo</a:t>
+            </a:r>
+            <a:endParaRPr lang="en-US" altLang="ko-KR" sz="1800">
+              <a:latin typeface="함초롬돋움"/>
+              <a:ea typeface="함초롬돋움"/>
+            </a:endParaRPr>
+          </a:p>
+          <a:p>
+            <a:pPr marL="257175" indent="-257175" algn="l" defTabSz="871876" eaLnBrk="0">
+              <a:lnSpc>
+                <a:spcPct val="100000"/>
+              </a:lnSpc>
+              <a:spcBef>
+                <a:spcPts val="0"/>
+              </a:spcBef>
+              <a:spcAft>
+                <a:spcPts val="0"/>
+              </a:spcAft>
+              <a:buNone/>
+              <a:defRPr lang="ko-KR" altLang="en-US"/>
+            </a:pPr>
+            <a:r>
+              <a:rPr lang="en-US" altLang="ko-KR" sz="1800">
+                <a:latin typeface="함초롬돋움"/>
+                <a:ea typeface="함초롬돋움"/>
+              </a:rPr>
+              <a:t>	- Introduction paper</a:t>
+            </a:r>
+            <a:endParaRPr lang="en-US" altLang="ko-KR" sz="1800">
+              <a:latin typeface="함초롬돋움"/>
+              <a:ea typeface="함초롬돋움"/>
+            </a:endParaRPr>
+          </a:p>
+          <a:p>
+            <a:pPr marL="257175" indent="-257175" algn="l" defTabSz="871876" eaLnBrk="0">
+              <a:lnSpc>
+                <a:spcPct val="100000"/>
+              </a:lnSpc>
+              <a:spcBef>
+                <a:spcPts val="0"/>
+              </a:spcBef>
+              <a:spcAft>
+                <a:spcPts val="0"/>
+              </a:spcAft>
+              <a:buNone/>
+              <a:defRPr lang="ko-KR" altLang="en-US"/>
+            </a:pPr>
+            <a:r>
+              <a:rPr lang="ko-KR" altLang="en-US" sz="1800">
+                <a:latin typeface="함초롬돋움"/>
+                <a:ea typeface="함초롬돋움"/>
+              </a:rPr>
+              <a:t>	- </a:t>
+            </a:r>
+            <a:r>
+              <a:rPr lang="en-US" altLang="ko-KR" sz="1800">
+                <a:latin typeface="함초롬돋움"/>
+                <a:ea typeface="함초롬돋움"/>
+              </a:rPr>
+              <a:t>DRF</a:t>
+            </a:r>
+            <a:endParaRPr lang="en-US" altLang="ko-KR" sz="1800">
+              <a:latin typeface="함초롬돋움"/>
+              <a:ea typeface="함초롬돋움"/>
+            </a:endParaRPr>
+          </a:p>
+          <a:p>
+            <a:pPr marL="257175" indent="-257175" algn="l" defTabSz="871876" eaLnBrk="0">
+              <a:lnSpc>
+                <a:spcPct val="100000"/>
+              </a:lnSpc>
+              <a:spcBef>
+                <a:spcPts val="0"/>
+              </a:spcBef>
+              <a:spcAft>
+                <a:spcPts val="0"/>
+              </a:spcAft>
+              <a:buNone/>
+              <a:defRPr lang="ko-KR" altLang="en-US"/>
+            </a:pPr>
+            <a:r>
+              <a:rPr lang="en-US" altLang="ko-KR" sz="1800">
+                <a:latin typeface="함초롬돋움"/>
+                <a:ea typeface="함초롬돋움"/>
+              </a:rPr>
+              <a:t>	- Tetris</a:t>
+            </a:r>
+            <a:endParaRPr lang="en-US" altLang="ko-KR" sz="1800">
+              <a:latin typeface="함초롬돋움"/>
+              <a:ea typeface="함초롬돋움"/>
+            </a:endParaRPr>
+          </a:p>
+          <a:p>
+            <a:pPr marL="257175" indent="-257175" algn="l" defTabSz="871876" eaLnBrk="0">
+              <a:lnSpc>
+                <a:spcPct val="100000"/>
+              </a:lnSpc>
+              <a:spcBef>
+                <a:spcPts val="0"/>
+              </a:spcBef>
+              <a:spcAft>
+                <a:spcPts val="0"/>
+              </a:spcAft>
+              <a:buNone/>
+              <a:defRPr lang="ko-KR" altLang="en-US"/>
+            </a:pPr>
+            <a:r>
+              <a:rPr lang="ko-KR" altLang="en-US" sz="1800">
+                <a:latin typeface="함초롬돋움"/>
+                <a:ea typeface="함초롬돋움"/>
+              </a:rPr>
+              <a:t>	- </a:t>
+            </a:r>
+            <a:r>
+              <a:rPr lang="en-US" altLang="ko-KR" sz="1800">
+                <a:latin typeface="함초롬돋움"/>
+                <a:ea typeface="함초롬돋움"/>
+              </a:rPr>
+              <a:t>Optimus</a:t>
+            </a:r>
+            <a:endParaRPr lang="en-US" altLang="ko-KR" sz="1800">
+              <a:latin typeface="함초롬돋움"/>
+              <a:ea typeface="함초롬돋움"/>
+            </a:endParaRPr>
+          </a:p>
+          <a:p>
+            <a:pPr marL="257175" indent="-257175" algn="l" defTabSz="871876" eaLnBrk="0">
+              <a:lnSpc>
+                <a:spcPct val="100000"/>
+              </a:lnSpc>
+              <a:spcBef>
+                <a:spcPts val="0"/>
+              </a:spcBef>
+              <a:spcAft>
+                <a:spcPts val="0"/>
+              </a:spcAft>
+              <a:buNone/>
+              <a:defRPr lang="ko-KR" altLang="en-US"/>
+            </a:pPr>
+            <a:r>
+              <a:rPr lang="en-US" altLang="ko-KR" sz="1800">
+                <a:latin typeface="함초롬돋움"/>
+                <a:ea typeface="함초롬돋움"/>
+              </a:rPr>
+              <a:t>	- Scheduling demo</a:t>
+            </a:r>
+            <a:endParaRPr lang="en-US" altLang="ko-KR" sz="1800">
+              <a:latin typeface="함초롬돋움"/>
+              <a:ea typeface="함초롬돋움"/>
+            </a:endParaRPr>
+          </a:p>
+          <a:p>
+            <a:pPr marL="257175" indent="-257175" algn="l" defTabSz="844630" eaLnBrk="0">
+              <a:lnSpc>
+                <a:spcPct val="100000"/>
+              </a:lnSpc>
+              <a:spcBef>
+                <a:spcPts val="0"/>
+              </a:spcBef>
+              <a:spcAft>
+                <a:spcPts val="0"/>
+              </a:spcAft>
+              <a:buNone/>
+              <a:defRPr lang="ko-KR" altLang="en-US"/>
+            </a:pPr>
+            <a:r>
+              <a:rPr lang="ko-KR" altLang="en-US" sz="1800">
+                <a:latin typeface="함초롬돋움"/>
+                <a:ea typeface="함초롬돋움"/>
+              </a:rPr>
+              <a:t>	</a:t>
+            </a:r>
+            <a:r>
+              <a:rPr lang="en-US" altLang="ko-KR">
+                <a:latin typeface="함초롬돋움"/>
+                <a:ea typeface="함초롬돋움"/>
+              </a:rPr>
+              <a:t>- Allocation resources dynamically</a:t>
+            </a:r>
+            <a:endParaRPr lang="ko-KR" altLang="en-US" sz="1800">
+              <a:latin typeface="함초롬돋움"/>
+              <a:ea typeface="함초롬돋움"/>
+            </a:endParaRPr>
+          </a:p>
+          <a:p>
+            <a:pPr marL="257175" indent="-257175" algn="l" defTabSz="871876" eaLnBrk="0">
+              <a:lnSpc>
+                <a:spcPct val="100000"/>
+              </a:lnSpc>
+              <a:spcBef>
+                <a:spcPts val="0"/>
+              </a:spcBef>
+              <a:spcAft>
+                <a:spcPts val="0"/>
+              </a:spcAft>
+              <a:buNone/>
+              <a:defRPr lang="ko-KR" altLang="en-US"/>
+            </a:pPr>
+            <a:r>
+              <a:rPr lang="en-US" altLang="ko-KR" sz="1800" strike="sngStrike">
+                <a:latin typeface="함초롬돋움"/>
+                <a:ea typeface="함초롬돋움"/>
+              </a:rPr>
+              <a:t>	- Efficient resouce scheduling for Kubernets Cluster</a:t>
+            </a:r>
+            <a:endParaRPr lang="en-US" altLang="ko-KR" sz="1800" strike="sngStrike">
+              <a:latin typeface="함초롬돋움"/>
+              <a:ea typeface="함초롬돋움"/>
+            </a:endParaRPr>
+          </a:p>
+        </p:txBody>
+      </p:sp>
+    </p:spTree>
+  </p:cSld>
+  <p:clrMapOvr>
+    <a:masterClrMapping/>
+  </p:clrMapOvr>
+  <mc:AlternateContent xmlns:mc="http://schemas.openxmlformats.org/markup-compatibility/2006">
+    <mc:Choice xmlns:p14="http://schemas.microsoft.com/office/powerpoint/2010/main" Requires="p14">
+      <p:transition xmlns:mc="http://schemas.openxmlformats.org/markup-compatibility/2006" xmlns:p14="http://schemas.microsoft.com/office/powerpoint/2010/main" mc:Ignorable="p14" p14:dur="500"/>
+    </mc:Choice>
+    <mc:Fallback>
+      <p:transition/>
+    </mc:Fallback>
+  </mc:AlternateContent>
+  <p:timing>
+    <p:tnLst>
+      <p:par>
+        <p:cTn id="1" dur="indefinite" restart="never" nodeType="tmRoot"/>
+      </p:par>
+    </p:tnLst>
+  </p:timing>
+</p:sld>
+</file>
+
+<file path=ppt/slides/slide21.xml><?xml version="1.0" encoding="utf-8"?>
+<p:sld xmlns:r="http://schemas.openxmlformats.org/officeDocument/2006/relationships" xmlns:c="http://schemas.openxmlformats.org/drawingml/2006/chart" xmlns:a="http://schemas.openxmlformats.org/drawingml/2006/main" xmlns:dgm="http://schemas.openxmlformats.org/drawingml/2006/diagram" xmlns:dsp="http://schemas.microsoft.com/office/drawing/2008/diagram" xmlns:p="http://schemas.openxmlformats.org/presentationml/2006/main">
+  <p:cSld>
+    <p:spTree>
+      <p:nvGrpSpPr>
+        <p:cNvPr id="1" name=""/>
+        <p:cNvGrpSpPr/>
+        <p:nvPr/>
+      </p:nvGrpSpPr>
+      <p:grpSpPr>
+        <a:xfrm>
+          <a:off x="0" y="0"/>
+          <a:ext cx="0" cy="0"/>
+          <a:chOff x="0" y="0"/>
+          <a:chExt cx="0" cy="0"/>
+        </a:xfrm>
+      </p:grpSpPr>
+      <p:sp>
+        <p:nvSpPr>
+          <p:cNvPr id="2" name="제목 1"/>
+          <p:cNvSpPr>
+            <a:spLocks noGrp="1"/>
+          </p:cNvSpPr>
+          <p:nvPr>
+            <p:ph type="title" idx="0"/>
+          </p:nvPr>
+        </p:nvSpPr>
+        <p:spPr/>
+        <p:txBody>
+          <a:bodyPr/>
+          <a:lstStyle/>
+          <a:p>
+            <a:pPr algn="l">
+              <a:defRPr lang="ko-KR" altLang="en-US"/>
+            </a:pPr>
+            <a:r>
+              <a:rPr lang="en-US" altLang="ko-KR"/>
+              <a:t>Introduction Paper</a:t>
+            </a:r>
+            <a:endParaRPr lang="en-US" altLang="ko-KR"/>
+          </a:p>
+        </p:txBody>
+      </p:sp>
+      <p:sp>
+        <p:nvSpPr>
+          <p:cNvPr id="3" name="내용 개체 틀 2"/>
+          <p:cNvSpPr>
+            <a:spLocks noGrp="1"/>
+          </p:cNvSpPr>
+          <p:nvPr>
+            <p:ph idx="1"/>
+          </p:nvPr>
+        </p:nvSpPr>
+        <p:spPr/>
+        <p:txBody>
+          <a:bodyPr/>
+          <a:lstStyle/>
+          <a:p>
+            <a:pPr>
+              <a:defRPr lang="ko-KR" altLang="en-US"/>
+            </a:pPr>
+            <a:r>
+              <a:rPr lang="ko-KR" altLang="en-US"/>
+              <a:t>효과적인 자원 관리를 통한 학습 속도 및 안정성 개선</a:t>
+            </a:r>
+            <a:endParaRPr lang="ko-KR" altLang="en-US"/>
+          </a:p>
+          <a:p>
+            <a:pPr>
+              <a:defRPr lang="ko-KR" altLang="en-US"/>
+            </a:pPr>
+            <a:endParaRPr lang="ko-KR" altLang="en-US"/>
+          </a:p>
+          <a:p>
+            <a:pPr>
+              <a:defRPr lang="ko-KR" altLang="en-US"/>
+            </a:pPr>
+            <a:r>
+              <a:rPr lang="ko-KR" altLang="en-US"/>
+              <a:t>Optimus:An EfficientDynamic Resource Scheduler for Deep Learning Clusters </a:t>
+            </a:r>
+            <a:endParaRPr lang="ko-KR" altLang="en-US"/>
+          </a:p>
+          <a:p>
+            <a:pPr>
+              <a:defRPr lang="ko-KR" altLang="en-US"/>
+            </a:pPr>
+            <a:endParaRPr lang="ko-KR" altLang="en-US"/>
+          </a:p>
+          <a:p>
+            <a:pPr>
+              <a:defRPr lang="ko-KR" altLang="en-US"/>
+            </a:pPr>
+            <a:r>
+              <a:rPr lang="ko-KR" altLang="en-US"/>
+              <a:t>홍콩 대학, 컴퓨터 사이언스 대학원</a:t>
+            </a:r>
+            <a:endParaRPr lang="ko-KR" altLang="en-US"/>
+          </a:p>
+          <a:p>
+            <a:pPr>
+              <a:defRPr lang="ko-KR" altLang="en-US"/>
+            </a:pPr>
+            <a:endParaRPr lang="ko-KR" altLang="en-US"/>
+          </a:p>
+        </p:txBody>
+      </p:sp>
+    </p:spTree>
+  </p:cSld>
+  <p:clrMapOvr>
+    <a:masterClrMapping/>
+  </p:clrMapOvr>
+  <mc:AlternateContent xmlns:mc="http://schemas.openxmlformats.org/markup-compatibility/2006">
+    <mc:Choice xmlns:p14="http://schemas.microsoft.com/office/powerpoint/2010/main" Requires="p14">
+      <p:transition xmlns:mc="http://schemas.openxmlformats.org/markup-compatibility/2006" xmlns:p14="http://schemas.microsoft.com/office/powerpoint/2010/main" mc:Ignorable="p14" p14:dur="500"/>
+    </mc:Choice>
+    <mc:Fallback>
+      <p:transition/>
+    </mc:Fallback>
+  </mc:AlternateContent>
+</p:sld>
+</file>
+
 <file path=ppt/slides/slide22.xml><?xml version="1.0" encoding="utf-8"?>
 <p:sld xmlns:r="http://schemas.openxmlformats.org/officeDocument/2006/relationships" xmlns:c="http://schemas.openxmlformats.org/drawingml/2006/chart" xmlns:a="http://schemas.openxmlformats.org/drawingml/2006/main" xmlns:dgm="http://schemas.openxmlformats.org/drawingml/2006/diagram" xmlns:dsp="http://schemas.microsoft.com/office/drawing/2008/diagram" xmlns:p="http://schemas.openxmlformats.org/presentationml/2006/main">
   <p:cSld>
@@ -6367,153 +6559,89 @@
       </p:grpSpPr>
       <p:sp>
         <p:nvSpPr>
-          <p:cNvPr id="4" name=""/>
-          <p:cNvSpPr txBox="1"/>
-          <p:nvPr/>
-        </p:nvSpPr>
-        <p:spPr>
-          <a:xfrm>
-            <a:off x="1043305" y="2562860"/>
-            <a:ext cx="6336665" cy="1469390"/>
-          </a:xfrm>
-          <a:prstGeom prst="rect">
-            <a:avLst/>
-          </a:prstGeom>
-        </p:spPr>
-        <p:txBody>
-          <a:bodyPr wrap="square" lIns="91440" tIns="45720" rIns="91440" bIns="45720" vert="horz" anchor="t">
-            <a:spAutoFit/>
-          </a:bodyPr>
-          <a:lstStyle/>
-          <a:p>
-            <a:pPr marL="257175" indent="-257175" algn="l" fontAlgn="auto" defTabSz="914400" eaLnBrk="0">
-              <a:lnSpc>
-                <a:spcPct val="100000"/>
-              </a:lnSpc>
-              <a:spcBef>
-                <a:spcPts val="0"/>
-              </a:spcBef>
-              <a:spcAft>
-                <a:spcPts val="0"/>
-              </a:spcAft>
-              <a:buFontTx/>
-              <a:buNone/>
-            </a:pPr>
-            <a:r>
-              <a:rPr lang="en-US" altLang="ko-KR" sz="1800" dirty="0" smtClean="0">
-                <a:latin typeface="함초롬돋움" charset="0"/>
-                <a:ea typeface="함초롬돋움" charset="0"/>
-              </a:rPr>
-              <a:t>Training Speed Up demo</a:t>
-            </a:r>
-            <a:endParaRPr lang="ko-KR" altLang="en-US" sz="1800" dirty="0" smtClean="0">
-              <a:latin typeface="함초롬돋움" charset="0"/>
-              <a:ea typeface="함초롬돋움" charset="0"/>
-            </a:endParaRPr>
-          </a:p>
-          <a:p>
-            <a:pPr marL="257175" indent="-257175" algn="l" fontAlgn="auto" defTabSz="914400" eaLnBrk="0">
-              <a:lnSpc>
-                <a:spcPct val="100000"/>
-              </a:lnSpc>
-              <a:spcBef>
-                <a:spcPts val="0"/>
-              </a:spcBef>
-              <a:spcAft>
-                <a:spcPts val="0"/>
-              </a:spcAft>
-              <a:buFontTx/>
-              <a:buNone/>
-            </a:pPr>
-            <a:r>
-              <a:rPr lang="en-US" altLang="ko-KR" sz="1800" dirty="0" smtClean="0">
-                <a:latin typeface="함초롬돋움" charset="0"/>
-                <a:ea typeface="함초롬돋움" charset="0"/>
-              </a:rPr>
-              <a:t>	- Introduction paper</a:t>
-            </a:r>
-            <a:endParaRPr lang="ko-KR" altLang="en-US" sz="1800" dirty="0" smtClean="0">
-              <a:latin typeface="함초롬돋움" charset="0"/>
-              <a:ea typeface="함초롬돋움" charset="0"/>
-            </a:endParaRPr>
-          </a:p>
-          <a:p>
-            <a:pPr marL="257175" indent="-257175" algn="l" fontAlgn="auto" defTabSz="914400" eaLnBrk="0">
-              <a:lnSpc>
-                <a:spcPct val="100000"/>
-              </a:lnSpc>
-              <a:spcBef>
-                <a:spcPts val="0"/>
-              </a:spcBef>
-              <a:spcAft>
-                <a:spcPts val="0"/>
-              </a:spcAft>
-              <a:buFontTx/>
-              <a:buNone/>
-            </a:pPr>
-            <a:r>
-              <a:rPr lang="en-US" altLang="ko-KR" sz="1800" dirty="0" smtClean="0">
-                <a:latin typeface="함초롬돋움" charset="0"/>
-                <a:ea typeface="함초롬돋움" charset="0"/>
-              </a:rPr>
-              <a:t>	- System demo</a:t>
-            </a:r>
-            <a:endParaRPr lang="ko-KR" altLang="en-US" sz="1800" dirty="0" smtClean="0">
-              <a:latin typeface="함초롬돋움" charset="0"/>
-              <a:ea typeface="함초롬돋움" charset="0"/>
-            </a:endParaRPr>
-          </a:p>
-          <a:p>
-            <a:pPr marL="257175" indent="-257175" algn="l" fontAlgn="auto" defTabSz="914400" eaLnBrk="0">
-              <a:lnSpc>
-                <a:spcPct val="100000"/>
-              </a:lnSpc>
-              <a:spcBef>
-                <a:spcPts val="0"/>
-              </a:spcBef>
-              <a:spcAft>
-                <a:spcPts val="0"/>
-              </a:spcAft>
-              <a:buFontTx/>
-              <a:buNone/>
-            </a:pPr>
-            <a:r>
-              <a:rPr lang="en-US" altLang="ko-KR" sz="1800" dirty="0" smtClean="0">
-                <a:latin typeface="함초롬돋움" charset="0"/>
-                <a:ea typeface="함초롬돋움" charset="0"/>
-              </a:rPr>
-              <a:t>	- Efficient resouce scheduling for Kubernets Cluster</a:t>
-            </a:r>
-            <a:endParaRPr lang="ko-KR" altLang="en-US" sz="1800" dirty="0" smtClean="0">
-              <a:latin typeface="함초롬돋움" charset="0"/>
-              <a:ea typeface="함초롬돋움" charset="0"/>
-            </a:endParaRPr>
-          </a:p>
-          <a:p>
-            <a:pPr marL="257175" indent="-257175" algn="l" fontAlgn="auto" defTabSz="914400" eaLnBrk="0">
-              <a:lnSpc>
-                <a:spcPct val="100000"/>
-              </a:lnSpc>
-              <a:spcBef>
-                <a:spcPts val="0"/>
-              </a:spcBef>
-              <a:spcAft>
-                <a:spcPts val="0"/>
-              </a:spcAft>
-              <a:buFontTx/>
-              <a:buNone/>
-            </a:pPr>
-            <a:r>
-              <a:rPr lang="en-US" altLang="ko-KR" sz="1800" dirty="0" smtClean="0">
-                <a:latin typeface="함초롬돋움" charset="0"/>
-                <a:ea typeface="함초롬돋움" charset="0"/>
-              </a:rPr>
-              <a:t>	- Allocation resources dynamically</a:t>
-            </a:r>
-            <a:endParaRPr lang="ko-KR" altLang="en-US" sz="1800" dirty="0" smtClean="0">
-              <a:latin typeface="함초롬돋움" charset="0"/>
-              <a:ea typeface="함초롬돋움" charset="0"/>
-            </a:endParaRPr>
+          <p:cNvPr id="2" name="제목 1"/>
+          <p:cNvSpPr>
+            <a:spLocks noGrp="1"/>
+          </p:cNvSpPr>
+          <p:nvPr>
+            <p:ph type="title" idx="0"/>
+          </p:nvPr>
+        </p:nvSpPr>
+        <p:spPr/>
+        <p:txBody>
+          <a:bodyPr/>
+          <a:lstStyle/>
+          <a:p>
+            <a:pPr algn="l">
+              <a:defRPr lang="ko-KR" altLang="en-US"/>
+            </a:pPr>
+            <a:r>
+              <a:rPr lang="en-US" altLang="ko-KR"/>
+              <a:t>DRF</a:t>
+            </a:r>
+            <a:endParaRPr lang="en-US" altLang="ko-KR"/>
+          </a:p>
+        </p:txBody>
+      </p:sp>
+      <p:sp>
+        <p:nvSpPr>
+          <p:cNvPr id="3" name="내용 개체 틀 2"/>
+          <p:cNvSpPr>
+            <a:spLocks noGrp="1"/>
+          </p:cNvSpPr>
+          <p:nvPr>
+            <p:ph idx="1"/>
+          </p:nvPr>
+        </p:nvSpPr>
+        <p:spPr/>
+        <p:txBody>
+          <a:bodyPr/>
+          <a:lstStyle/>
+          <a:p>
+            <a:pPr>
+              <a:defRPr lang="ko-KR" altLang="en-US"/>
+            </a:pPr>
+            <a:r>
+              <a:rPr lang="en-US" altLang="ko-KR"/>
+              <a:t>Dominant Resource Fairness</a:t>
+            </a:r>
+            <a:endParaRPr lang="en-US" altLang="ko-KR"/>
+          </a:p>
+          <a:p>
+            <a:pPr>
+              <a:defRPr lang="ko-KR" altLang="en-US"/>
+            </a:pPr>
+            <a:r>
+              <a:rPr lang="ko-KR" altLang="en-US"/>
+              <a:t>미리 각 </a:t>
+            </a:r>
+            <a:r>
+              <a:rPr lang="en-US" altLang="ko-KR"/>
+              <a:t>task</a:t>
+            </a:r>
+            <a:r>
+              <a:rPr lang="ko-KR" altLang="en-US"/>
+              <a:t>마다 필요한 자원을 추정하고 할당</a:t>
+            </a:r>
+            <a:endParaRPr lang="ko-KR" altLang="en-US"/>
+          </a:p>
+          <a:p>
+            <a:pPr>
+              <a:defRPr lang="ko-KR" altLang="en-US"/>
+            </a:pPr>
+            <a:endParaRPr lang="en-US" altLang="ko-KR"/>
+          </a:p>
+          <a:p>
+            <a:pPr>
+              <a:defRPr lang="ko-KR" altLang="en-US"/>
+            </a:pPr>
+            <a:endParaRPr lang="en-US" altLang="ko-KR"/>
+          </a:p>
+          <a:p>
+            <a:pPr>
+              <a:defRPr lang="ko-KR" altLang="en-US"/>
+            </a:pPr>
+            <a:endParaRPr lang="ko-KR" altLang="en-US"/>
           </a:p>
         </p:txBody>
       </p:sp>
@@ -6524,19 +6652,12 @@
   </p:clrMapOvr>
   <mc:AlternateContent xmlns:mc="http://schemas.openxmlformats.org/markup-compatibility/2006">
     <mc:Choice xmlns:p14="http://schemas.microsoft.com/office/powerpoint/2010/main" Requires="p14">
-      <p:transition spd="slow" p14:dur="500"/>
+      <p:transition xmlns:mc="http://schemas.openxmlformats.org/markup-compatibility/2006" xmlns:p14="http://schemas.microsoft.com/office/powerpoint/2010/main" mc:Ignorable="p14" p14:dur="500"/>
     </mc:Choice>
     <mc:Fallback>
-      <p:transition spd="slow"/>
+      <p:transition/>
     </mc:Fallback>
   </mc:AlternateContent>
-  <p:timing>
-    <p:tnLst>
-      <p:par>
-        <p:cTn id="1" dur="indefinite" restart="never" nodeType="tmRoot"/>
-      </p:par>
-    </p:tnLst>
-  </p:timing>
 </p:sld>
 </file>
 
@@ -6577,76 +6698,36 @@
             </a:pPr>
             <a:r>
               <a:rPr lang="en-US" altLang="ko-KR"/>
-              <a:t>Introduction Paper</a:t>
+              <a:t>DRF</a:t>
             </a:r>
             <a:endParaRPr lang="en-US" altLang="ko-KR"/>
           </a:p>
         </p:txBody>
       </p:sp>
-      <p:sp>
-        <p:nvSpPr>
-          <p:cNvPr id="3" name="내용 개체 틀 2"/>
-          <p:cNvSpPr>
-            <a:spLocks noGrp="1"/>
-          </p:cNvSpPr>
-          <p:nvPr>
-            <p:ph idx="1"/>
-          </p:nvPr>
-        </p:nvSpPr>
-        <p:spPr/>
-        <p:txBody>
-          <a:bodyPr/>
-          <a:lstStyle/>
-          <a:p>
-            <a:pPr>
-              <a:defRPr lang="ko-KR" altLang="en-US"/>
-            </a:pPr>
-            <a:r>
-              <a:rPr lang="ko-KR" altLang="en-US"/>
-              <a:t>학습 속도를 향상시키기 위한 논문</a:t>
-            </a:r>
-            <a:endParaRPr lang="ko-KR" altLang="en-US"/>
-          </a:p>
-          <a:p>
-            <a:pPr>
-              <a:defRPr lang="ko-KR" altLang="en-US"/>
-            </a:pPr>
-            <a:endParaRPr lang="ko-KR" altLang="en-US"/>
-          </a:p>
-          <a:p>
-            <a:pPr>
-              <a:defRPr lang="ko-KR" altLang="en-US"/>
-            </a:pPr>
-            <a:r>
-              <a:rPr lang="ko-KR" altLang="en-US"/>
-              <a:t>Optimus:An EfficientDynamic Resource Scheduler for Deep Learning Clusters </a:t>
-            </a:r>
-            <a:endParaRPr lang="ko-KR" altLang="en-US"/>
-          </a:p>
-          <a:p>
-            <a:pPr>
-              <a:defRPr lang="ko-KR" altLang="en-US"/>
-            </a:pPr>
-            <a:endParaRPr lang="ko-KR" altLang="en-US"/>
-          </a:p>
-          <a:p>
-            <a:pPr>
-              <a:defRPr lang="ko-KR" altLang="en-US"/>
-            </a:pPr>
-            <a:r>
-              <a:rPr lang="ko-KR" altLang="en-US"/>
-              <a:t>홍콩 대학, 컴퓨터 사이언스 대학원</a:t>
-            </a:r>
-            <a:endParaRPr lang="ko-KR" altLang="en-US"/>
-          </a:p>
-          <a:p>
-            <a:pPr>
-              <a:defRPr lang="ko-KR" altLang="en-US"/>
-            </a:pPr>
-            <a:endParaRPr lang="ko-KR" altLang="en-US"/>
-          </a:p>
-        </p:txBody>
-      </p:sp>
+      <p:pic>
+        <p:nvPicPr>
+          <p:cNvPr id="6" name=""/>
+          <p:cNvPicPr>
+            <a:picLocks noChangeAspect="1"/>
+          </p:cNvPicPr>
+          <p:nvPr/>
+        </p:nvPicPr>
+        <p:blipFill rotWithShape="1">
+          <a:blip r:embed="rId2"/>
+          <a:stretch>
+            <a:fillRect/>
+          </a:stretch>
+        </p:blipFill>
+        <p:spPr>
+          <a:xfrm>
+            <a:off x="1331595" y="1621806"/>
+            <a:ext cx="6480810" cy="4471526"/>
+          </a:xfrm>
+          <a:prstGeom prst="rect">
+            <a:avLst/>
+          </a:prstGeom>
+        </p:spPr>
+      </p:pic>
     </p:spTree>
   </p:cSld>
   <p:clrMapOvr>
@@ -6700,7 +6781,7 @@
             </a:pPr>
             <a:r>
               <a:rPr lang="en-US" altLang="ko-KR"/>
-              <a:t>System demo</a:t>
+              <a:t>Tetris</a:t>
             </a:r>
             <a:endParaRPr lang="en-US" altLang="ko-KR"/>
           </a:p>
@@ -6722,37 +6803,27 @@
           <a:lstStyle/>
           <a:p>
             <a:pPr>
-              <a:buNone/>
-              <a:defRPr lang="ko-KR" altLang="en-US"/>
-            </a:pPr>
-            <a:endParaRPr lang="en-US" altLang="ko-KR"/>
+              <a:defRPr lang="ko-KR" altLang="en-US"/>
+            </a:pPr>
+            <a:r>
+              <a:rPr lang="ko-KR" altLang="en-US"/>
+              <a:t>초기 진행된 일부 작업들의 자원 할당량을 조사하여, 작업에 할당할 동일한 자원량을 추측</a:t>
+            </a:r>
+            <a:endParaRPr lang="ko-KR" altLang="en-US"/>
           </a:p>
           <a:p>
             <a:pPr>
               <a:defRPr lang="ko-KR" altLang="en-US"/>
             </a:pPr>
-            <a:r>
-              <a:rPr lang="en-US" altLang="ko-KR"/>
-              <a:t>Straggler Handling</a:t>
-            </a:r>
-            <a:br>
-              <a:rPr lang="en-US" altLang="ko-KR"/>
-            </a:br>
-            <a:r>
-              <a:rPr lang="en-US" altLang="ko-KR"/>
-              <a:t>- </a:t>
-            </a:r>
+            <a:endParaRPr lang="ko-KR" altLang="en-US"/>
+          </a:p>
+          <a:p>
+            <a:pPr>
+              <a:defRPr lang="ko-KR" altLang="en-US"/>
+            </a:pPr>
             <a:r>
               <a:rPr lang="ko-KR" altLang="en-US"/>
-              <a:t>느려지거나 또는 느린 </a:t>
-            </a:r>
-            <a:r>
-              <a:rPr lang="en-US" altLang="ko-KR"/>
-              <a:t>Worker</a:t>
-            </a:r>
-            <a:r>
-              <a:rPr lang="ko-KR" altLang="en-US"/>
-              <a:t>의 관리</a:t>
+              <a:t>그러나 매 작업마다 할당할 동일한 자원량이 고정되어 있다. </a:t>
             </a:r>
             <a:endParaRPr lang="ko-KR" altLang="en-US"/>
           </a:p>
@@ -6760,37 +6831,6 @@
             <a:pPr>
               <a:defRPr lang="ko-KR" altLang="en-US"/>
             </a:pPr>
-            <a:endParaRPr lang="ko-KR" altLang="en-US"/>
-          </a:p>
-          <a:p>
-            <a:pPr>
-              <a:defRPr lang="ko-KR" altLang="en-US"/>
-            </a:pPr>
-            <a:endParaRPr lang="ko-KR" altLang="en-US"/>
-          </a:p>
-          <a:p>
-            <a:pPr>
-              <a:defRPr lang="ko-KR" altLang="en-US"/>
-            </a:pPr>
-            <a:r>
-              <a:rPr lang="en-US" altLang="ko-KR"/>
-              <a:t>Load Balancing</a:t>
-            </a:r>
-            <a:br>
-              <a:rPr lang="ko-KR" altLang="en-US"/>
-            </a:br>
-            <a:r>
-              <a:rPr lang="ko-KR" altLang="en-US"/>
-              <a:t>- </a:t>
-            </a:r>
-            <a:r>
-              <a:rPr lang="en-US" altLang="ko-KR"/>
-              <a:t>Parameter Server</a:t>
-            </a:r>
-            <a:r>
-              <a:rPr lang="ko-KR" altLang="en-US"/>
-              <a:t>를 이용한 로드밸런싱</a:t>
-            </a:r>
             <a:endParaRPr lang="ko-KR" altLang="en-US"/>
           </a:p>
         </p:txBody>
@@ -6848,7 +6888,7 @@
             </a:pPr>
             <a:r>
               <a:rPr lang="en-US" altLang="ko-KR"/>
-              <a:t>Straggler Handling</a:t>
+              <a:t>Optimus</a:t>
             </a:r>
             <a:endParaRPr lang="en-US" altLang="ko-KR"/>
           </a:p>
@@ -6856,160 +6896,25 @@
       </p:sp>
       <p:sp>
         <p:nvSpPr>
-          <p:cNvPr id="4" name=""/>
-          <p:cNvSpPr txBox="1"/>
-          <p:nvPr/>
-        </p:nvSpPr>
-        <p:spPr>
-          <a:xfrm>
-            <a:off x="457198" y="1417638"/>
-            <a:ext cx="8003288" cy="2552382"/>
-          </a:xfrm>
-          <a:prstGeom prst="rect">
-            <a:avLst/>
-          </a:prstGeom>
-        </p:spPr>
-        <p:txBody>
-          <a:bodyPr wrap="square">
-            <a:spAutoFit/>
-          </a:bodyPr>
+          <p:cNvPr id="3" name="내용 개체 틀 2"/>
+          <p:cNvSpPr>
+            <a:spLocks noGrp="1"/>
+          </p:cNvSpPr>
+          <p:nvPr>
+            <p:ph idx="1"/>
+          </p:nvPr>
+        </p:nvSpPr>
+        <p:spPr/>
+        <p:txBody>
+          <a:bodyPr/>
+          <a:lstStyle/>
           <a:p>
             <a:pPr>
               <a:defRPr lang="ko-KR" altLang="en-US"/>
             </a:pPr>
             <a:r>
-              <a:rPr lang="ko-KR" altLang="en-US"/>
-              <a:t>1) 문제</a:t>
-            </a:r>
-            <a:endParaRPr lang="ko-KR" altLang="en-US"/>
-          </a:p>
-          <a:p>
-            <a:pPr>
-              <a:defRPr lang="ko-KR" altLang="en-US"/>
-            </a:pPr>
-            <a:r>
-              <a:rPr lang="en-US" altLang="ko-KR"/>
-              <a:t>Worker</a:t>
-            </a:r>
-            <a:r>
-              <a:rPr lang="ko-KR" altLang="en-US"/>
-              <a:t>의 성능이 뒤처질 경우 동기나 비동기 처리에서 학습 속도의 중대한 영향을 입힘.</a:t>
-            </a:r>
-            <a:endParaRPr lang="ko-KR" altLang="en-US"/>
-          </a:p>
-          <a:p>
-            <a:pPr>
-              <a:defRPr lang="ko-KR" altLang="en-US"/>
-            </a:pPr>
-            <a:r>
-              <a:rPr lang="ko-KR" altLang="en-US"/>
-              <a:t>따라서 각</a:t>
-            </a:r>
-            <a:r>
-              <a:rPr lang="en-US" altLang="ko-KR"/>
-              <a:t> Worker</a:t>
-            </a:r>
-            <a:r>
-              <a:rPr lang="ko-KR" altLang="en-US"/>
-              <a:t>가 작업 완료 후, </a:t>
-            </a:r>
-            <a:r>
-              <a:rPr lang="en-US" altLang="ko-KR"/>
-              <a:t>Gradient</a:t>
-            </a:r>
-            <a:r>
-              <a:rPr lang="ko-KR" altLang="en-US"/>
-              <a:t>를 </a:t>
-            </a:r>
-            <a:r>
-              <a:rPr lang="en-US" altLang="ko-KR"/>
-              <a:t>Parameter Server</a:t>
-            </a:r>
-            <a:r>
-              <a:rPr lang="ko-KR" altLang="en-US"/>
-              <a:t>로 </a:t>
-            </a:r>
-            <a:r>
-              <a:rPr lang="en-US" altLang="ko-KR"/>
-              <a:t>Update</a:t>
-            </a:r>
-            <a:r>
-              <a:rPr lang="ko-KR" altLang="en-US"/>
-              <a:t>를 시작할 때, 서로 다른 </a:t>
-            </a:r>
-            <a:r>
-              <a:rPr lang="en-US" altLang="ko-KR"/>
-              <a:t>Worker</a:t>
-            </a:r>
-            <a:r>
-              <a:rPr lang="ko-KR" altLang="en-US"/>
-              <a:t>들과</a:t>
-            </a:r>
-            <a:r>
-              <a:rPr lang="en-US" altLang="ko-KR"/>
-              <a:t> </a:t>
-            </a:r>
-            <a:r>
-              <a:rPr lang="ko-KR" altLang="en-US"/>
-              <a:t>비교하여 </a:t>
-            </a:r>
-            <a:r>
-              <a:rPr lang="en-US" altLang="ko-KR"/>
-              <a:t>Update </a:t>
-            </a:r>
-            <a:r>
-              <a:rPr lang="ko-KR" altLang="en-US"/>
-              <a:t>시작 시점의 </a:t>
-            </a:r>
-            <a:r>
-              <a:rPr lang="en-US" altLang="ko-KR"/>
-              <a:t>Gap</a:t>
-            </a:r>
-            <a:r>
-              <a:rPr lang="ko-KR" altLang="en-US"/>
-              <a:t>을 구해야함.</a:t>
-            </a:r>
-            <a:endParaRPr lang="ko-KR" altLang="en-US"/>
-          </a:p>
-          <a:p>
-            <a:pPr>
-              <a:defRPr lang="ko-KR" altLang="en-US"/>
-            </a:pPr>
-            <a:endParaRPr lang="ko-KR" altLang="en-US"/>
-          </a:p>
-          <a:p>
-            <a:pPr>
-              <a:defRPr lang="ko-KR" altLang="en-US"/>
-            </a:pPr>
-            <a:r>
-              <a:rPr lang="ko-KR" altLang="en-US"/>
-              <a:t>2) 해결 방안 제시</a:t>
-            </a:r>
-            <a:endParaRPr lang="ko-KR" altLang="en-US"/>
-          </a:p>
-          <a:p>
-            <a:pPr>
-              <a:defRPr lang="ko-KR" altLang="en-US"/>
-            </a:pPr>
-            <a:r>
-              <a:rPr lang="ko-KR" altLang="en-US"/>
-              <a:t>느려진 워커를 발견할 경우 새로운 </a:t>
-            </a:r>
-            <a:r>
-              <a:rPr lang="en-US" altLang="ko-KR"/>
-              <a:t>Worker</a:t>
-            </a:r>
-            <a:r>
-              <a:rPr lang="ko-KR" altLang="en-US"/>
-              <a:t>(</a:t>
-            </a:r>
-            <a:r>
-              <a:rPr lang="en-US" altLang="ko-KR"/>
-              <a:t>Device)</a:t>
-            </a:r>
-            <a:r>
-              <a:rPr lang="ko-KR" altLang="en-US"/>
-              <a:t>를 추가</a:t>
+              <a:rPr lang="en-US" altLang="ko-KR"/>
+              <a:t/>
             </a:r>
             <a:endParaRPr lang="ko-KR" altLang="en-US"/>
           </a:p>
@@ -7050,200 +6955,283 @@
       </p:grpSpPr>
       <p:sp>
         <p:nvSpPr>
-          <p:cNvPr id="2" name="제목 1"/>
-          <p:cNvSpPr>
-            <a:spLocks noGrp="1"/>
+          <p:cNvPr id="2" name="Title Placeholder 2"/>
+          <p:cNvSpPr>
+            <a:spLocks noGrp="1" noChangeArrowheads="1"/>
           </p:cNvSpPr>
           <p:nvPr>
             <p:ph type="title" idx="0"/>
           </p:nvPr>
-        </p:nvSpPr>
-        <p:spPr/>
-        <p:txBody>
-          <a:bodyPr/>
-          <a:lstStyle/>
-          <a:p>
-            <a:pPr algn="l">
-              <a:defRPr lang="ko-KR" altLang="en-US"/>
-            </a:pPr>
-            <a:r>
-              <a:rPr lang="en-US" altLang="ko-KR"/>
-              <a:t>Load Balancing</a:t>
-            </a:r>
-            <a:endParaRPr lang="en-US" altLang="ko-KR"/>
-          </a:p>
-        </p:txBody>
-      </p:sp>
-      <p:sp>
-        <p:nvSpPr>
-          <p:cNvPr id="4" name=""/>
-          <p:cNvSpPr txBox="1"/>
-          <p:nvPr/>
         </p:nvSpPr>
         <p:spPr>
           <a:xfrm>
-            <a:off x="457198" y="1417637"/>
-            <a:ext cx="8507351" cy="3104833"/>
+            <a:off x="452120" y="269875"/>
+            <a:ext cx="8230235" cy="1143635"/>
           </a:xfrm>
           <a:prstGeom prst="rect">
             <a:avLst/>
           </a:prstGeom>
         </p:spPr>
         <p:txBody>
-          <a:bodyPr wrap="square">
+          <a:bodyPr vert="horz" wrap="square" lIns="91440" tIns="45720" rIns="91440" bIns="45720" anchor="ctr">
+            <a:normAutofit fontScale="90000"/>
+          </a:bodyPr>
+          <a:lstStyle/>
+          <a:p>
+            <a:pPr marL="257175" indent="-257175" algn="l" defTabSz="900000">
+              <a:lnSpc>
+                <a:spcPct val="100000"/>
+              </a:lnSpc>
+              <a:spcBef>
+                <a:spcPts val="0"/>
+              </a:spcBef>
+              <a:spcAft>
+                <a:spcPts val="0"/>
+              </a:spcAft>
+              <a:buNone/>
+              <a:defRPr lang="ko-KR" altLang="en-US"/>
+            </a:pPr>
+            <a:r>
+              <a:rPr lang="en-US" altLang="ko-KR" sz="4400">
+                <a:latin typeface="함초롬돋움"/>
+                <a:ea typeface="함초롬돋움"/>
+              </a:rPr>
+              <a:t>Allocation resources dynamically</a:t>
+            </a:r>
+            <a:endParaRPr lang="ko-KR" altLang="en-US" sz="4400">
+              <a:latin typeface="함초롬돋움"/>
+              <a:ea typeface="함초롬돋움"/>
+            </a:endParaRPr>
+          </a:p>
+        </p:txBody>
+      </p:sp>
+      <p:sp>
+        <p:nvSpPr>
+          <p:cNvPr id="4" name="Text Box 4"/>
+          <p:cNvSpPr txBox="1">
+            <a:spLocks noGrp="1" noChangeArrowheads="1"/>
+          </p:cNvSpPr>
+          <p:nvPr/>
+        </p:nvSpPr>
+        <p:spPr>
+          <a:xfrm>
+            <a:off x="457200" y="1978025"/>
+            <a:ext cx="8507730" cy="3154045"/>
+          </a:xfrm>
+          <a:prstGeom prst="rect">
+            <a:avLst/>
+          </a:prstGeom>
+        </p:spPr>
+        <p:txBody>
+          <a:bodyPr vert="horz" wrap="square" lIns="91440" tIns="45720" rIns="91440" bIns="45720" anchor="t">
             <a:spAutoFit/>
           </a:bodyPr>
-          <a:p>
-            <a:pPr>
-              <a:defRPr lang="ko-KR" altLang="en-US"/>
-            </a:pPr>
-            <a:r>
-              <a:rPr lang="en-US" altLang="ko-KR"/>
-              <a:t>1)</a:t>
-            </a:r>
-            <a:r>
-              <a:rPr lang="ko-KR" altLang="en-US"/>
-              <a:t>문제</a:t>
-            </a:r>
-            <a:endParaRPr lang="ko-KR" altLang="en-US"/>
-          </a:p>
-          <a:p>
-            <a:pPr>
-              <a:defRPr lang="ko-KR" altLang="en-US"/>
-            </a:pPr>
-            <a:r>
-              <a:rPr lang="en-US" altLang="ko-KR"/>
-              <a:t>MXNet</a:t>
-            </a:r>
-            <a:r>
-              <a:rPr lang="ko-KR" altLang="en-US"/>
-              <a:t>과 같은 분산 처리 딥러닝 프레임워크. 예를 들어, </a:t>
-            </a:r>
-            <a:r>
-              <a:rPr lang="en-US" altLang="ko-KR"/>
-              <a:t>TensorFlow</a:t>
-            </a:r>
-            <a:r>
-              <a:rPr lang="ko-KR" altLang="en-US"/>
-              <a:t> 같은 프레임워크는 서로 다른 모델의 대해 임계값이 서로 다를 수 있으며, 이는 딥러닝 작업 처리 속도에 매우 큰 영향을 가짐</a:t>
-            </a:r>
-            <a:endParaRPr lang="ko-KR" altLang="en-US"/>
-          </a:p>
-          <a:p>
-            <a:pPr>
-              <a:defRPr lang="ko-KR" altLang="en-US"/>
-            </a:pPr>
-            <a:endParaRPr lang="ko-KR" altLang="en-US"/>
-          </a:p>
-          <a:p>
-            <a:pPr>
-              <a:defRPr lang="ko-KR" altLang="en-US"/>
-            </a:pPr>
-            <a:r>
-              <a:rPr lang="ko-KR" altLang="en-US"/>
-              <a:t>2)해결 방안 제안</a:t>
-            </a:r>
-            <a:endParaRPr lang="ko-KR" altLang="en-US"/>
-          </a:p>
-          <a:p>
-            <a:pPr>
-              <a:defRPr lang="ko-KR" altLang="en-US"/>
-            </a:pPr>
-            <a:r>
-              <a:rPr lang="en-US" altLang="ko-KR"/>
-              <a:t>  - Parameter Server</a:t>
-            </a:r>
-            <a:r>
-              <a:rPr lang="ko-KR" altLang="en-US"/>
-              <a:t>로 입력되는 각 </a:t>
-            </a:r>
-            <a:r>
-              <a:rPr lang="en-US" altLang="ko-KR"/>
-              <a:t>Parameter</a:t>
-            </a:r>
-            <a:r>
-              <a:rPr lang="ko-KR" altLang="en-US"/>
-              <a:t>들의 평균(</a:t>
-            </a:r>
-            <a:r>
-              <a:rPr lang="en-US" altLang="ko-KR"/>
-              <a:t>avg)</a:t>
-            </a:r>
-            <a:r>
-              <a:rPr lang="ko-KR" altLang="en-US"/>
-              <a:t>을 구한 후, 입력 </a:t>
-            </a:r>
-            <a:r>
-              <a:rPr lang="en-US" altLang="ko-KR"/>
-              <a:t>Parameter size</a:t>
-            </a:r>
-            <a:r>
-              <a:rPr lang="ko-KR" altLang="en-US"/>
-              <a:t>가 평균 이하일 경우 ( </a:t>
-            </a:r>
-            <a:r>
-              <a:rPr lang="en-US" altLang="ko-KR"/>
-              <a:t>avg - parameter size</a:t>
-            </a:r>
-            <a:r>
-              <a:rPr lang="ko-KR" altLang="en-US"/>
-              <a:t> )의 서버를 할당</a:t>
-            </a:r>
-            <a:endParaRPr lang="ko-KR" altLang="en-US"/>
-          </a:p>
-          <a:p>
-            <a:pPr>
-              <a:defRPr lang="ko-KR" altLang="en-US"/>
-            </a:pPr>
-            <a:r>
-              <a:rPr lang="en-US" altLang="ko-KR"/>
-              <a:t>  - Parameter</a:t>
-            </a:r>
-            <a:r>
-              <a:rPr lang="ko-KR" altLang="en-US"/>
-              <a:t>들의 크기가 평균 이상일 경우 </a:t>
-            </a:r>
-            <a:r>
-              <a:rPr lang="en-US" altLang="ko-KR"/>
-              <a:t>Parameter </a:t>
-            </a:r>
-            <a:r>
-              <a:rPr lang="ko-KR" altLang="en-US"/>
-              <a:t>서버는 가장 적은 </a:t>
-            </a:r>
-            <a:r>
-              <a:rPr lang="en-US" altLang="ko-KR"/>
-              <a:t>Parameter</a:t>
-            </a:r>
-            <a:r>
-              <a:rPr lang="ko-KR" altLang="en-US"/>
-              <a:t>의</a:t>
-            </a:r>
-            <a:r>
-              <a:rPr lang="en-US" altLang="ko-KR"/>
-              <a:t> </a:t>
-            </a:r>
-            <a:r>
-              <a:rPr lang="ko-KR" altLang="en-US"/>
-              <a:t>크기를 가지며, </a:t>
-            </a:r>
-            <a:r>
-              <a:rPr lang="en-US" altLang="ko-KR"/>
-              <a:t>Parameter</a:t>
-            </a:r>
-            <a:r>
-              <a:rPr lang="ko-KR" altLang="en-US"/>
-              <a:t>들은 평균 크기로 분할되어 </a:t>
-            </a:r>
-            <a:r>
-              <a:rPr lang="en-US" altLang="ko-KR"/>
-              <a:t>parameter </a:t>
-            </a:r>
-            <a:r>
-              <a:rPr lang="ko-KR" altLang="en-US"/>
-              <a:t>서버에 할당</a:t>
-            </a:r>
-            <a:endParaRPr lang="ko-KR" altLang="en-US"/>
+          <a:lstStyle/>
+          <a:p>
+            <a:pPr marL="0" indent="0" algn="l" defTabSz="900000" eaLnBrk="0">
+              <a:lnSpc>
+                <a:spcPct val="100000"/>
+              </a:lnSpc>
+              <a:spcBef>
+                <a:spcPts val="0"/>
+              </a:spcBef>
+              <a:spcAft>
+                <a:spcPts val="0"/>
+              </a:spcAft>
+              <a:buNone/>
+              <a:defRPr lang="ko-KR" altLang="en-US"/>
+            </a:pPr>
+            <a:r>
+              <a:rPr lang="en-US" altLang="ko-KR" sz="1800">
+                <a:latin typeface="함초롬돋움"/>
+                <a:ea typeface="함초롬돋움"/>
+              </a:rPr>
+              <a:t>1) 기존 동기/비동기 수식으로부터 작업을 대기 중인 파라메터들을 포함한 전체 작업 시간은 </a:t>
+            </a:r>
+            <a:r>
+              <a:rPr lang="en-US" altLang="ko-KR" sz="2100" b="1">
+                <a:latin typeface="함초롬돋움"/>
+                <a:ea typeface="함초롬돋움"/>
+              </a:rPr>
+              <a:t>Q/f(p,w)</a:t>
+            </a:r>
+            <a:r>
+              <a:rPr lang="en-US" altLang="ko-KR" sz="1800">
+                <a:latin typeface="함초롬돋움"/>
+                <a:ea typeface="함초롬돋움"/>
+              </a:rPr>
+              <a:t> 가 된다. 따라서, 작업 시간이 느릴 수록, 전체 epoch/step의 완료 시간에 영향을 줄 수 밖에 없다.</a:t>
+            </a:r>
+            <a:endParaRPr lang="en-US" altLang="ko-KR" sz="1800">
+              <a:latin typeface="함초롬돋움"/>
+              <a:ea typeface="함초롬돋움"/>
+            </a:endParaRPr>
+          </a:p>
+          <a:p>
+            <a:pPr marL="0" indent="0" algn="l" defTabSz="900000" eaLnBrk="0">
+              <a:lnSpc>
+                <a:spcPct val="100000"/>
+              </a:lnSpc>
+              <a:spcBef>
+                <a:spcPts val="0"/>
+              </a:spcBef>
+              <a:spcAft>
+                <a:spcPts val="0"/>
+              </a:spcAft>
+              <a:buNone/>
+              <a:defRPr lang="ko-KR" altLang="en-US"/>
+            </a:pPr>
+            <a:endParaRPr lang="ko-KR" altLang="en-US" sz="1800">
+              <a:latin typeface="함초롬돋움"/>
+              <a:ea typeface="함초롬돋움"/>
+            </a:endParaRPr>
+          </a:p>
+          <a:p>
+            <a:pPr marL="0" indent="0" algn="l" defTabSz="900000" eaLnBrk="0">
+              <a:lnSpc>
+                <a:spcPct val="100000"/>
+              </a:lnSpc>
+              <a:spcBef>
+                <a:spcPts val="0"/>
+              </a:spcBef>
+              <a:spcAft>
+                <a:spcPts val="0"/>
+              </a:spcAft>
+              <a:buNone/>
+              <a:defRPr lang="ko-KR" altLang="en-US"/>
+            </a:pPr>
+            <a:r>
+              <a:rPr lang="en-US" altLang="ko-KR" sz="1800">
+                <a:latin typeface="함초롬돋움"/>
+                <a:ea typeface="함초롬돋움"/>
+              </a:rPr>
+              <a:t>2) 효과적으로 분산 처리 딥러닝 프레임워크를 사용하려면, 당연히 자원을 효율적으로 사용할 수 있도록 분배해야한다.</a:t>
+            </a:r>
+            <a:endParaRPr lang="en-US" altLang="ko-KR" sz="1800">
+              <a:latin typeface="함초롬돋움"/>
+              <a:ea typeface="함초롬돋움"/>
+            </a:endParaRPr>
+          </a:p>
+          <a:p>
+            <a:pPr marL="0" indent="0" algn="l" defTabSz="900000" eaLnBrk="0">
+              <a:lnSpc>
+                <a:spcPct val="100000"/>
+              </a:lnSpc>
+              <a:spcBef>
+                <a:spcPts val="0"/>
+              </a:spcBef>
+              <a:spcAft>
+                <a:spcPts val="0"/>
+              </a:spcAft>
+              <a:buNone/>
+              <a:defRPr lang="ko-KR" altLang="en-US"/>
+            </a:pPr>
+            <a:r>
+              <a:rPr lang="en-US" altLang="ko-KR" sz="1800">
+                <a:latin typeface="함초롬돋움"/>
+                <a:ea typeface="함초롬돋움"/>
+              </a:rPr>
+              <a:t>일반적으로 서로 다른 타입으로 구현된 서버 리소스들(CPU, GPU, Memory, Storage)을 계산하고, 딥러닝 작업을 수행한 Device의 자원 내에서 효율적으로 작업이 배치될 수 있도록 해야하며, 다음과 같은 수식을 제안하고 있다.</a:t>
+            </a:r>
+            <a:endParaRPr lang="en-US" altLang="ko-KR" sz="1800">
+              <a:latin typeface="함초롬돋움"/>
+              <a:ea typeface="함초롬돋움"/>
+            </a:endParaRPr>
+          </a:p>
+          <a:p>
+            <a:pPr marL="0" indent="0" algn="l" defTabSz="900000" eaLnBrk="0">
+              <a:lnSpc>
+                <a:spcPct val="100000"/>
+              </a:lnSpc>
+              <a:spcBef>
+                <a:spcPts val="0"/>
+              </a:spcBef>
+              <a:spcAft>
+                <a:spcPts val="0"/>
+              </a:spcAft>
+              <a:buNone/>
+              <a:defRPr lang="ko-KR" altLang="en-US"/>
+            </a:pPr>
+            <a:endParaRPr lang="ko-KR" altLang="en-US" sz="1800">
+              <a:latin typeface="함초롬돋움"/>
+              <a:ea typeface="함초롬돋움"/>
+            </a:endParaRPr>
+          </a:p>
+          <a:p>
+            <a:pPr marL="0" indent="0" algn="l" defTabSz="900000" eaLnBrk="0">
+              <a:lnSpc>
+                <a:spcPct val="100000"/>
+              </a:lnSpc>
+              <a:spcBef>
+                <a:spcPts val="0"/>
+              </a:spcBef>
+              <a:spcAft>
+                <a:spcPts val="0"/>
+              </a:spcAft>
+              <a:buNone/>
+              <a:defRPr lang="ko-KR" altLang="en-US"/>
+            </a:pPr>
+            <a:endParaRPr lang="ko-KR" altLang="en-US" sz="1800">
+              <a:latin typeface="함초롬돋움"/>
+              <a:ea typeface="함초롬돋움"/>
+            </a:endParaRPr>
+          </a:p>
+        </p:txBody>
+      </p:sp>
+      <p:sp>
+        <p:nvSpPr>
+          <p:cNvPr id="5" name="Text Box 1"/>
+          <p:cNvSpPr txBox="1">
+            <a:spLocks noGrp="1" noChangeArrowheads="1"/>
+          </p:cNvSpPr>
+          <p:nvPr/>
+        </p:nvSpPr>
+        <p:spPr>
+          <a:xfrm>
+            <a:off x="1953895" y="4984750"/>
+            <a:ext cx="4860290" cy="321945"/>
+          </a:xfrm>
+          <a:prstGeom prst="rect">
+            <a:avLst/>
+          </a:prstGeom>
+          <a:ln w="0">
+            <a:noFill/>
+          </a:ln>
+        </p:spPr>
+        <p:txBody>
+          <a:bodyPr vert="horz" wrap="square" lIns="0" tIns="0" rIns="0" bIns="0" anchor="t"/>
+          <a:lstStyle/>
+          <a:p>
+            <a:pPr marL="0" indent="0" algn="l" defTabSz="500000">
+              <a:lnSpc>
+                <a:spcPct val="100000"/>
+              </a:lnSpc>
+              <a:spcBef>
+                <a:spcPts val="0"/>
+              </a:spcBef>
+              <a:spcAft>
+                <a:spcPts val="0"/>
+              </a:spcAft>
+              <a:buNone/>
+              <a:defRPr lang="ko-KR" altLang="en-US"/>
+            </a:pPr>
+            <a:r>
+              <a:rPr lang="en-US" altLang="ko-KR" sz="2100" b="1">
+                <a:solidFill>
+                  <a:schemeClr val="tx1"/>
+                </a:solidFill>
+                <a:latin typeface="NanumGothic"/>
+                <a:ea typeface="NanumGothic"/>
+              </a:rPr>
+              <a:t>Sigma(wj·Oj+pj·Nj) ≤ C</a:t>
+            </a:r>
+            <a:endParaRPr lang="ko-KR" altLang="en-US" sz="2100" b="1">
+              <a:solidFill>
+                <a:schemeClr val="tx1"/>
+              </a:solidFill>
+              <a:latin typeface="NanumGothic"/>
+              <a:ea typeface="NanumGothic"/>
+            </a:endParaRPr>
           </a:p>
         </p:txBody>
       </p:sp>
@@ -7260,6 +7248,13 @@
       <p:transition/>
     </mc:Fallback>
   </mc:AlternateContent>
+  <p:timing>
+    <p:tnLst>
+      <p:par>
+        <p:cTn id="1" dur="indefinite" restart="never" nodeType="tmRoot"/>
+      </p:par>
+    </p:tnLst>
+  </p:timing>
 </p:sld>
 </file>
 
@@ -7292,78 +7287,96 @@
         </p:nvSpPr>
         <p:spPr/>
         <p:txBody>
-          <a:bodyPr>
-            <a:normAutofit fontScale="90000"/>
-          </a:bodyPr>
-          <a:lstStyle/>
-          <a:p>
-            <a:pPr marL="257040" indent="-257040" algn="l">
-              <a:buFont typeface="Arial"/>
+          <a:bodyPr/>
+          <a:lstStyle/>
+          <a:p>
+            <a:pPr algn="l">
+              <a:defRPr lang="ko-KR" altLang="en-US"/>
+            </a:pPr>
+            <a:r>
+              <a:rPr lang="en-US" altLang="ko-KR"/>
+              <a:t>Scheduling Demo</a:t>
+            </a:r>
+            <a:endParaRPr lang="en-US" altLang="ko-KR"/>
+          </a:p>
+        </p:txBody>
+      </p:sp>
+      <p:sp>
+        <p:nvSpPr>
+          <p:cNvPr id="3" name="내용 개체 틀 2"/>
+          <p:cNvSpPr>
+            <a:spLocks noGrp="1"/>
+          </p:cNvSpPr>
+          <p:nvPr>
+            <p:ph idx="1"/>
+          </p:nvPr>
+        </p:nvSpPr>
+        <p:spPr/>
+        <p:txBody>
+          <a:bodyPr/>
+          <a:lstStyle/>
+          <a:p>
+            <a:pPr>
               <a:buNone/>
               <a:defRPr lang="ko-KR" altLang="en-US"/>
             </a:pPr>
-            <a:r>
-              <a:rPr lang="en-US" altLang="ko-KR"/>
-              <a:t>Efficient resouce scheduling </a:t>
-            </a:r>
             <a:endParaRPr lang="en-US" altLang="ko-KR"/>
           </a:p>
           <a:p>
-            <a:pPr marL="257040" indent="-257040" algn="l">
-              <a:buFont typeface="Arial"/>
-              <a:buNone/>
-              <a:defRPr lang="ko-KR" altLang="en-US"/>
-            </a:pPr>
-            <a:r>
-              <a:rPr lang="en-US" altLang="ko-KR"/>
-              <a:t>for Kubernets Cluster</a:t>
-            </a:r>
-            <a:endParaRPr lang="en-US" altLang="ko-KR"/>
-          </a:p>
-        </p:txBody>
-      </p:sp>
-      <p:sp>
-        <p:nvSpPr>
-          <p:cNvPr id="4" name=""/>
-          <p:cNvSpPr txBox="1"/>
-          <p:nvPr/>
-        </p:nvSpPr>
-        <p:spPr>
-          <a:xfrm>
-            <a:off x="457197" y="1988820"/>
-            <a:ext cx="8507351" cy="1733550"/>
-          </a:xfrm>
-          <a:prstGeom prst="rect">
-            <a:avLst/>
-          </a:prstGeom>
-        </p:spPr>
-        <p:txBody>
-          <a:bodyPr wrap="square">
-            <a:spAutoFit/>
-          </a:bodyPr>
-          <a:p>
             <a:pPr>
               <a:defRPr lang="ko-KR" altLang="en-US"/>
             </a:pPr>
             <a:r>
+              <a:rPr lang="en-US" altLang="ko-KR"/>
+              <a:t>Straggler Handling</a:t>
+            </a:r>
+            <a:br>
+              <a:rPr lang="en-US" altLang="ko-KR"/>
+            </a:br>
+            <a:r>
+              <a:rPr lang="en-US" altLang="ko-KR"/>
+              <a:t>- </a:t>
+            </a:r>
+            <a:r>
               <a:rPr lang="ko-KR" altLang="en-US"/>
-              <a:t>1) </a:t>
-            </a:r>
-            <a:r>
-              <a:rPr lang="en-US" altLang="ko-KR"/>
-              <a:t>Tensorflow</a:t>
+              <a:t>느려지거나 또는 느린 </a:t>
+            </a:r>
+            <a:r>
+              <a:rPr lang="en-US" altLang="ko-KR"/>
+              <a:t>Worker</a:t>
             </a:r>
             <a:r>
               <a:rPr lang="ko-KR" altLang="en-US"/>
-              <a:t>와 같은 분산 처리 딥러닝 프레임 워크는 일반적으로 </a:t>
-            </a:r>
-            <a:r>
-              <a:rPr lang="en-US" altLang="ko-KR"/>
-              <a:t>Docker</a:t>
-            </a:r>
-            <a:r>
+              <a:t>의 관리</a:t>
+            </a:r>
+            <a:endParaRPr lang="ko-KR" altLang="en-US"/>
+          </a:p>
+          <a:p>
+            <a:pPr>
+              <a:defRPr lang="ko-KR" altLang="en-US"/>
+            </a:pPr>
+            <a:endParaRPr lang="ko-KR" altLang="en-US"/>
+          </a:p>
+          <a:p>
+            <a:pPr>
+              <a:defRPr lang="ko-KR" altLang="en-US"/>
+            </a:pPr>
+            <a:endParaRPr lang="ko-KR" altLang="en-US"/>
+          </a:p>
+          <a:p>
+            <a:pPr>
+              <a:defRPr lang="ko-KR" altLang="en-US"/>
+            </a:pPr>
+            <a:r>
+              <a:rPr lang="en-US" altLang="ko-KR"/>
+              <a:t>Load Balancing</a:t>
+            </a:r>
+            <a:br>
               <a:rPr lang="ko-KR" altLang="en-US"/>
-              <a:t>를 활용하여 </a:t>
+            </a:br>
+            <a:r>
+              <a:rPr lang="ko-KR" altLang="en-US"/>
+              <a:t>- </a:t>
             </a:r>
             <a:r>
               <a:rPr lang="en-US" altLang="ko-KR"/>
@@ -7371,85 +7384,7 @@
             </a:r>
             <a:r>
               <a:rPr lang="ko-KR" altLang="en-US"/>
-              <a:t>를 구현</a:t>
-            </a:r>
-            <a:endParaRPr lang="ko-KR" altLang="en-US"/>
-          </a:p>
-          <a:p>
-            <a:pPr>
-              <a:defRPr lang="ko-KR" altLang="en-US"/>
-            </a:pPr>
-            <a:endParaRPr lang="ko-KR" altLang="en-US"/>
-          </a:p>
-          <a:p>
-            <a:pPr>
-              <a:defRPr lang="ko-KR" altLang="en-US"/>
-            </a:pPr>
-            <a:r>
-              <a:rPr lang="ko-KR" altLang="en-US"/>
-              <a:t>2) </a:t>
-            </a:r>
-            <a:r>
-              <a:rPr lang="en-US" altLang="ko-KR"/>
-              <a:t>Kubernets</a:t>
-            </a:r>
-            <a:r>
-              <a:rPr lang="ko-KR" altLang="en-US"/>
-              <a:t>는 </a:t>
-            </a:r>
-            <a:r>
-              <a:rPr lang="en-US" altLang="ko-KR"/>
-              <a:t>Docker</a:t>
-            </a:r>
-            <a:r>
-              <a:rPr lang="ko-KR" altLang="en-US"/>
-              <a:t>를 효과적으로 </a:t>
-            </a:r>
-            <a:r>
-              <a:rPr lang="en-US" altLang="ko-KR"/>
-              <a:t>Scheduling </a:t>
-            </a:r>
-            <a:r>
-              <a:rPr lang="ko-KR" altLang="en-US"/>
-              <a:t>할 수 있는 관리 도구로,</a:t>
-            </a:r>
-            <a:endParaRPr lang="ko-KR" altLang="en-US"/>
-          </a:p>
-          <a:p>
-            <a:pPr>
-              <a:defRPr lang="ko-KR" altLang="en-US"/>
-            </a:pPr>
-            <a:r>
-              <a:rPr lang="en-US" altLang="ko-KR"/>
-              <a:t>master node</a:t>
-            </a:r>
-            <a:r>
-              <a:rPr lang="ko-KR" altLang="en-US"/>
-              <a:t>와 </a:t>
-            </a:r>
-            <a:r>
-              <a:rPr lang="en-US" altLang="ko-KR"/>
-              <a:t>slave node</a:t>
-            </a:r>
-            <a:r>
-              <a:rPr lang="ko-KR" altLang="en-US"/>
-              <a:t>로 구성되어지며, </a:t>
-            </a:r>
-            <a:r>
-              <a:rPr lang="en-US" altLang="ko-KR"/>
-              <a:t>load-balance </a:t>
-            </a:r>
-            <a:r>
-              <a:rPr lang="ko-KR" altLang="en-US"/>
-              <a:t>및 </a:t>
-            </a:r>
-            <a:r>
-              <a:rPr lang="en-US" altLang="ko-KR"/>
-              <a:t>fault-tolerance</a:t>
-            </a:r>
-            <a:r>
-              <a:rPr lang="ko-KR" altLang="en-US"/>
-              <a:t> 기능으로 효과적인 작업 분배 및 관리가 용이</a:t>
+              <a:t>를 이용한 로드밸런싱</a:t>
             </a:r>
             <a:endParaRPr lang="ko-KR" altLang="en-US"/>
           </a:p>
@@ -7472,7 +7407,7 @@
 </file>
 
 <file path=ppt/slides/slide28.xml><?xml version="1.0" encoding="utf-8"?>
-<p:sld xmlns:a="http://schemas.openxmlformats.org/drawingml/2006/main" xmlns:r="http://schemas.openxmlformats.org/officeDocument/2006/relationships" xmlns:p="http://schemas.openxmlformats.org/presentationml/2006/main">
+<p:sld xmlns:r="http://schemas.openxmlformats.org/officeDocument/2006/relationships" xmlns:c="http://schemas.openxmlformats.org/drawingml/2006/chart" xmlns:a="http://schemas.openxmlformats.org/drawingml/2006/main" xmlns:dgm="http://schemas.openxmlformats.org/drawingml/2006/diagram" xmlns:dsp="http://schemas.microsoft.com/office/drawing/2008/diagram" xmlns:p="http://schemas.openxmlformats.org/presentationml/2006/main">
   <p:cSld>
     <p:spTree>
       <p:nvGrpSpPr>
@@ -7490,313 +7425,180 @@
       </p:grpSpPr>
       <p:sp>
         <p:nvSpPr>
-          <p:cNvPr id="2" name="Title Placeholder 2"/>
-          <p:cNvSpPr>
-            <a:spLocks noChangeArrowheads="1" noGrp="1"/>
-          </p:cNvSpPr>
-          <p:nvPr>
-            <p:ph type="title"/>
-          </p:nvPr>
+          <p:cNvPr id="2" name="제목 1"/>
+          <p:cNvSpPr>
+            <a:spLocks noGrp="1"/>
+          </p:cNvSpPr>
+          <p:nvPr>
+            <p:ph type="title" idx="0"/>
+          </p:nvPr>
+        </p:nvSpPr>
+        <p:spPr/>
+        <p:txBody>
+          <a:bodyPr/>
+          <a:lstStyle/>
+          <a:p>
+            <a:pPr algn="l">
+              <a:defRPr lang="ko-KR" altLang="en-US"/>
+            </a:pPr>
+            <a:r>
+              <a:rPr lang="en-US" altLang="ko-KR"/>
+              <a:t>Straggler Handling</a:t>
+            </a:r>
+            <a:endParaRPr lang="en-US" altLang="ko-KR"/>
+          </a:p>
+        </p:txBody>
+      </p:sp>
+      <p:sp>
+        <p:nvSpPr>
+          <p:cNvPr id="4" name=""/>
+          <p:cNvSpPr txBox="1"/>
+          <p:nvPr/>
         </p:nvSpPr>
         <p:spPr>
-          <a:xfrm rot="0">
-            <a:off x="452120" y="269875"/>
-            <a:ext cx="8230235" cy="1143635"/>
+          <a:xfrm>
+            <a:off x="457198" y="1417638"/>
+            <a:ext cx="8003288" cy="2552382"/>
           </a:xfrm>
-          <a:prstGeom prst="rect"/>
+          <a:prstGeom prst="rect">
+            <a:avLst/>
+          </a:prstGeom>
         </p:spPr>
         <p:txBody>
-          <a:bodyPr wrap="square" lIns="91440" tIns="45720" rIns="91440" bIns="45720" vert="horz" anchor="ctr">
-            <a:normAutofit fontScale="90000" lnSpcReduction="0"/>
-          </a:bodyPr>
-          <a:lstStyle/>
-          <a:p>
-            <a:pPr marL="257175" indent="-257175" algn="l" fontAlgn="auto" defTabSz="914400">
-              <a:lnSpc>
-                <a:spcPct val="100000"/>
-              </a:lnSpc>
-              <a:spcBef>
-                <a:spcPts val="0"/>
-              </a:spcBef>
-              <a:spcAft>
-                <a:spcPts val="0"/>
-              </a:spcAft>
-              <a:buFontTx/>
-              <a:buNone/>
-            </a:pPr>
-            <a:r>
-              <a:rPr lang="en-US" altLang="ko-KR" sz="4400" dirty="0" smtClean="0">
-                <a:latin typeface="함초롬돋움" charset="0"/>
-                <a:ea typeface="함초롬돋움" charset="0"/>
-              </a:rPr>
-              <a:t>Allocation resources dynamically</a:t>
-            </a:r>
-            <a:endParaRPr lang="ko-KR" altLang="en-US" sz="4400" dirty="0" smtClean="0">
-              <a:latin typeface="함초롬돋움" charset="0"/>
-              <a:ea typeface="함초롬돋움" charset="0"/>
-            </a:endParaRPr>
-          </a:p>
-        </p:txBody>
-      </p:sp>
-      <p:sp>
-        <p:nvSpPr>
-          <p:cNvPr id="4" name="Text Box 4"/>
-          <p:cNvSpPr txBox="1">
-            <a:spLocks noChangeArrowheads="1" noGrp="1"/>
-          </p:cNvSpPr>
-          <p:nvPr/>
-        </p:nvSpPr>
-        <p:spPr>
-          <a:xfrm rot="0">
-            <a:off x="457200" y="1978025"/>
-            <a:ext cx="8507730" cy="3169285"/>
-          </a:xfrm>
-          <a:prstGeom prst="rect"/>
-        </p:spPr>
-        <p:txBody>
-          <a:bodyPr wrap="square" lIns="91440" tIns="45720" rIns="91440" bIns="45720" vert="horz" anchor="t">
+          <a:bodyPr wrap="square">
             <a:spAutoFit/>
           </a:bodyPr>
-          <a:lstStyle/>
-          <a:p>
-            <a:pPr marL="0" indent="0" algn="l" fontAlgn="auto" defTabSz="914400" eaLnBrk="0">
-              <a:lnSpc>
-                <a:spcPct val="100000"/>
-              </a:lnSpc>
-              <a:spcBef>
-                <a:spcPts val="0"/>
-              </a:spcBef>
-              <a:spcAft>
-                <a:spcPts val="0"/>
-              </a:spcAft>
-              <a:buFontTx/>
-              <a:buNone/>
-            </a:pPr>
-            <a:r>
-              <a:rPr lang="en-US" altLang="ko-KR" sz="1800" dirty="0" smtClean="0">
-                <a:latin typeface="함초롬돋움" charset="0"/>
-                <a:ea typeface="함초롬돋움" charset="0"/>
-              </a:rPr>
-              <a:t>1) 기존 동기/비동기 수식으로부터 작업을 대기 중인 파라메터들을 포함한 전체 작</a:t>
-            </a:r>
-            <a:r>
-              <a:rPr lang="en-US" altLang="ko-KR" sz="1800" dirty="0" smtClean="0">
-                <a:latin typeface="함초롬돋움" charset="0"/>
-                <a:ea typeface="함초롬돋움" charset="0"/>
-              </a:rPr>
-              <a:t>업 시간은 </a:t>
-            </a:r>
-            <a:r>
-              <a:rPr lang="en-US" altLang="ko-KR" sz="2100" dirty="0" smtClean="0" b="1">
-                <a:latin typeface="함초롬돋움" charset="0"/>
-                <a:ea typeface="함초롬돋움" charset="0"/>
-              </a:rPr>
-              <a:t>Q/f(p,w)</a:t>
-            </a:r>
-            <a:r>
-              <a:rPr lang="en-US" altLang="ko-KR" sz="1800" dirty="0" smtClean="0">
-                <a:latin typeface="함초롬돋움" charset="0"/>
-                <a:ea typeface="함초롬돋움" charset="0"/>
-              </a:rPr>
-              <a:t> 가 된다. 따라서, 작업 시간이 느릴 수록, 전체 epoch/step의 </a:t>
-            </a:r>
-            <a:r>
-              <a:rPr lang="en-US" altLang="ko-KR" sz="1800" dirty="0" smtClean="0">
-                <a:latin typeface="함초롬돋움" charset="0"/>
-                <a:ea typeface="함초롬돋움" charset="0"/>
-              </a:rPr>
-              <a:t>완료 시간에 영향을 줄 수 밖에 없다.</a:t>
-            </a:r>
-            <a:endParaRPr lang="ko-KR" altLang="en-US" sz="1800" dirty="0" smtClean="0">
-              <a:latin typeface="함초롬돋움" charset="0"/>
-              <a:ea typeface="함초롬돋움" charset="0"/>
-            </a:endParaRPr>
-          </a:p>
-          <a:p>
-            <a:pPr marL="0" indent="0" algn="l" fontAlgn="auto" defTabSz="914400" eaLnBrk="0">
-              <a:lnSpc>
-                <a:spcPct val="100000"/>
-              </a:lnSpc>
-              <a:spcBef>
-                <a:spcPts val="0"/>
-              </a:spcBef>
-              <a:spcAft>
-                <a:spcPts val="0"/>
-              </a:spcAft>
-              <a:buFontTx/>
-              <a:buNone/>
-            </a:pPr>
-            <a:endParaRPr lang="ko-KR" altLang="en-US" sz="1800" dirty="0" smtClean="0">
-              <a:latin typeface="함초롬돋움" charset="0"/>
-              <a:ea typeface="함초롬돋움" charset="0"/>
-            </a:endParaRPr>
-          </a:p>
-          <a:p>
-            <a:pPr marL="0" indent="0" algn="l" fontAlgn="auto" defTabSz="914400" eaLnBrk="0">
-              <a:lnSpc>
-                <a:spcPct val="100000"/>
-              </a:lnSpc>
-              <a:spcBef>
-                <a:spcPts val="0"/>
-              </a:spcBef>
-              <a:spcAft>
-                <a:spcPts val="0"/>
-              </a:spcAft>
-              <a:buFontTx/>
-              <a:buNone/>
-            </a:pPr>
-            <a:r>
-              <a:rPr lang="en-US" altLang="ko-KR" sz="1800" dirty="0" smtClean="0">
-                <a:latin typeface="함초롬돋움" charset="0"/>
-                <a:ea typeface="함초롬돋움" charset="0"/>
-              </a:rPr>
-              <a:t>2) 효과적으로 분산 처리 딥러닝 프레임워크를 사용하려면, 당연히 자원을 효율적</a:t>
-            </a:r>
-            <a:r>
-              <a:rPr lang="en-US" altLang="ko-KR" sz="1800" dirty="0" smtClean="0">
-                <a:latin typeface="함초롬돋움" charset="0"/>
-                <a:ea typeface="함초롬돋움" charset="0"/>
-              </a:rPr>
-              <a:t>으로 사용할 수 있도록 분배해야한다.</a:t>
-            </a:r>
-            <a:endParaRPr lang="ko-KR" altLang="en-US" sz="1800" dirty="0" smtClean="0">
-              <a:latin typeface="함초롬돋움" charset="0"/>
-              <a:ea typeface="함초롬돋움" charset="0"/>
-            </a:endParaRPr>
-          </a:p>
-          <a:p>
-            <a:pPr marL="0" indent="0" algn="l" fontAlgn="auto" defTabSz="914400" eaLnBrk="0">
-              <a:lnSpc>
-                <a:spcPct val="100000"/>
-              </a:lnSpc>
-              <a:spcBef>
-                <a:spcPts val="0"/>
-              </a:spcBef>
-              <a:spcAft>
-                <a:spcPts val="0"/>
-              </a:spcAft>
-              <a:buFontTx/>
-              <a:buNone/>
-            </a:pPr>
-            <a:r>
-              <a:rPr lang="en-US" altLang="ko-KR" sz="1800" dirty="0" smtClean="0">
-                <a:latin typeface="함초롬돋움" charset="0"/>
-                <a:ea typeface="함초롬돋움" charset="0"/>
-              </a:rPr>
-              <a:t>일반적으로 서로 다른 타입으로 구현된 서버 리소스들(CPU, GPU, Memory, </a:t>
-            </a:r>
-            <a:r>
-              <a:rPr lang="en-US" altLang="ko-KR" sz="1800" dirty="0" smtClean="0">
-                <a:latin typeface="함초롬돋움" charset="0"/>
-                <a:ea typeface="함초롬돋움" charset="0"/>
-              </a:rPr>
-              <a:t>Storage)을 계산하고, 딥러닝 작업을 수행한 Device의 자원 내에서 효율적으로 작</a:t>
-            </a:r>
-            <a:r>
-              <a:rPr lang="en-US" altLang="ko-KR" sz="1800" dirty="0" smtClean="0">
-                <a:latin typeface="함초롬돋움" charset="0"/>
-                <a:ea typeface="함초롬돋움" charset="0"/>
-              </a:rPr>
-              <a:t>업이 배치될 수 있도록 해야하며, 다음과 같은 수식을 제안하고 있다.</a:t>
-            </a:r>
-            <a:endParaRPr lang="ko-KR" altLang="en-US" sz="1800" dirty="0" smtClean="0">
-              <a:latin typeface="함초롬돋움" charset="0"/>
-              <a:ea typeface="함초롬돋움" charset="0"/>
-            </a:endParaRPr>
-          </a:p>
-          <a:p>
-            <a:pPr marL="0" indent="0" algn="l" fontAlgn="auto" defTabSz="914400" eaLnBrk="0">
-              <a:lnSpc>
-                <a:spcPct val="100000"/>
-              </a:lnSpc>
-              <a:spcBef>
-                <a:spcPts val="0"/>
-              </a:spcBef>
-              <a:spcAft>
-                <a:spcPts val="0"/>
-              </a:spcAft>
-              <a:buFontTx/>
-              <a:buNone/>
-            </a:pPr>
-            <a:endParaRPr lang="ko-KR" altLang="en-US" sz="1800" dirty="0" smtClean="0">
-              <a:latin typeface="함초롬돋움" charset="0"/>
-              <a:ea typeface="함초롬돋움" charset="0"/>
-            </a:endParaRPr>
-          </a:p>
-          <a:p>
-            <a:pPr marL="0" indent="0" algn="l" fontAlgn="auto" defTabSz="914400" eaLnBrk="0">
-              <a:lnSpc>
-                <a:spcPct val="100000"/>
-              </a:lnSpc>
-              <a:spcBef>
-                <a:spcPts val="0"/>
-              </a:spcBef>
-              <a:spcAft>
-                <a:spcPts val="0"/>
-              </a:spcAft>
-              <a:buFontTx/>
-              <a:buNone/>
-            </a:pPr>
-            <a:endParaRPr lang="ko-KR" altLang="en-US" sz="1800" dirty="0" smtClean="0">
-              <a:latin typeface="함초롬돋움" charset="0"/>
-              <a:ea typeface="함초롬돋움" charset="0"/>
-            </a:endParaRPr>
-          </a:p>
-        </p:txBody>
-      </p:sp>
-      <p:sp>
-        <p:nvSpPr>
-          <p:cNvPr id="5" name="Text Box 1"/>
-          <p:cNvSpPr txBox="1">
-            <a:spLocks noChangeArrowheads="1" noGrp="1"/>
-          </p:cNvSpPr>
-          <p:nvPr/>
-        </p:nvSpPr>
-        <p:spPr>
-          <a:xfrm rot="0">
-            <a:off x="1953895" y="4984750"/>
-            <a:ext cx="4860290" cy="321945"/>
-          </a:xfrm>
-          <a:prstGeom prst="rect"/>
-          <a:ln w="0">
-            <a:noFill/>
-            <a:prstDash/>
-          </a:ln>
-        </p:spPr>
-        <p:txBody>
-          <a:bodyPr wrap="square" lIns="0" tIns="0" rIns="0" bIns="0" vert="horz" anchor="t"/>
-          <a:lstStyle/>
-          <a:p>
-            <a:pPr marL="0" indent="0" algn="l" fontAlgn="auto" defTabSz="508000">
-              <a:lnSpc>
-                <a:spcPct val="100000"/>
-              </a:lnSpc>
-              <a:spcBef>
-                <a:spcPts val="0"/>
-              </a:spcBef>
-              <a:spcAft>
-                <a:spcPts val="0"/>
-              </a:spcAft>
-              <a:buFontTx/>
-              <a:buNone/>
-            </a:pPr>
-            <a:r>
-              <a:rPr lang="en-US" altLang="ko-KR" sz="2100" dirty="0" smtClean="0" b="1">
-                <a:solidFill>
-                  <a:schemeClr val="tx1"/>
-                </a:solidFill>
-                <a:latin typeface="NanumGothic" charset="0"/>
-                <a:ea typeface="NanumGothic" charset="0"/>
-              </a:rPr>
-              <a:t>Sigma(wj·Oj+pj·Nj) ≤ C</a:t>
-            </a:r>
-            <a:endParaRPr lang="ko-KR" altLang="en-US" sz="2100" dirty="0" smtClean="0" b="1">
-              <a:solidFill>
-                <a:schemeClr val="tx1"/>
-              </a:solidFill>
-              <a:latin typeface="NanumGothic" charset="0"/>
-              <a:ea typeface="NanumGothic" charset="0"/>
-            </a:endParaRPr>
+          <a:p>
+            <a:pPr>
+              <a:defRPr lang="ko-KR" altLang="en-US"/>
+            </a:pPr>
+            <a:r>
+              <a:rPr lang="ko-KR" altLang="en-US"/>
+              <a:t>1) 문제</a:t>
+            </a:r>
+            <a:endParaRPr lang="ko-KR" altLang="en-US"/>
+          </a:p>
+          <a:p>
+            <a:pPr>
+              <a:defRPr lang="ko-KR" altLang="en-US"/>
+            </a:pPr>
+            <a:r>
+              <a:rPr lang="en-US" altLang="ko-KR"/>
+              <a:t>Worker</a:t>
+            </a:r>
+            <a:r>
+              <a:rPr lang="ko-KR" altLang="en-US"/>
+              <a:t>의 성능이 뒤처질 경우 동기나 비동기 처리에서 학습 속도의 중대한 영향을 입힘.</a:t>
+            </a:r>
+            <a:endParaRPr lang="ko-KR" altLang="en-US"/>
+          </a:p>
+          <a:p>
+            <a:pPr>
+              <a:defRPr lang="ko-KR" altLang="en-US"/>
+            </a:pPr>
+            <a:r>
+              <a:rPr lang="ko-KR" altLang="en-US"/>
+              <a:t>따라서 각</a:t>
+            </a:r>
+            <a:r>
+              <a:rPr lang="en-US" altLang="ko-KR"/>
+              <a:t> Worker</a:t>
+            </a:r>
+            <a:r>
+              <a:rPr lang="ko-KR" altLang="en-US"/>
+              <a:t>가 작업 완료 후, </a:t>
+            </a:r>
+            <a:r>
+              <a:rPr lang="en-US" altLang="ko-KR"/>
+              <a:t>Gradient</a:t>
+            </a:r>
+            <a:r>
+              <a:rPr lang="ko-KR" altLang="en-US"/>
+              <a:t>를 </a:t>
+            </a:r>
+            <a:r>
+              <a:rPr lang="en-US" altLang="ko-KR"/>
+              <a:t>Parameter Server</a:t>
+            </a:r>
+            <a:r>
+              <a:rPr lang="ko-KR" altLang="en-US"/>
+              <a:t>로 </a:t>
+            </a:r>
+            <a:r>
+              <a:rPr lang="en-US" altLang="ko-KR"/>
+              <a:t>Update</a:t>
+            </a:r>
+            <a:r>
+              <a:rPr lang="ko-KR" altLang="en-US"/>
+              <a:t>를 시작할 때, 서로 다른 </a:t>
+            </a:r>
+            <a:r>
+              <a:rPr lang="en-US" altLang="ko-KR"/>
+              <a:t>Worker</a:t>
+            </a:r>
+            <a:r>
+              <a:rPr lang="ko-KR" altLang="en-US"/>
+              <a:t>들과</a:t>
+            </a:r>
+            <a:r>
+              <a:rPr lang="en-US" altLang="ko-KR"/>
+              <a:t> </a:t>
+            </a:r>
+            <a:r>
+              <a:rPr lang="ko-KR" altLang="en-US"/>
+              <a:t>비교하여 </a:t>
+            </a:r>
+            <a:r>
+              <a:rPr lang="en-US" altLang="ko-KR"/>
+              <a:t>Update </a:t>
+            </a:r>
+            <a:r>
+              <a:rPr lang="ko-KR" altLang="en-US"/>
+              <a:t>시작 시점의 </a:t>
+            </a:r>
+            <a:r>
+              <a:rPr lang="en-US" altLang="ko-KR"/>
+              <a:t>Gap</a:t>
+            </a:r>
+            <a:r>
+              <a:rPr lang="ko-KR" altLang="en-US"/>
+              <a:t>을 구해야함.</a:t>
+            </a:r>
+            <a:endParaRPr lang="ko-KR" altLang="en-US"/>
+          </a:p>
+          <a:p>
+            <a:pPr>
+              <a:defRPr lang="ko-KR" altLang="en-US"/>
+            </a:pPr>
+            <a:endParaRPr lang="ko-KR" altLang="en-US"/>
+          </a:p>
+          <a:p>
+            <a:pPr>
+              <a:defRPr lang="ko-KR" altLang="en-US"/>
+            </a:pPr>
+            <a:r>
+              <a:rPr lang="ko-KR" altLang="en-US"/>
+              <a:t>2) 해결 방안 제시</a:t>
+            </a:r>
+            <a:endParaRPr lang="ko-KR" altLang="en-US"/>
+          </a:p>
+          <a:p>
+            <a:pPr>
+              <a:defRPr lang="ko-KR" altLang="en-US"/>
+            </a:pPr>
+            <a:r>
+              <a:rPr lang="ko-KR" altLang="en-US"/>
+              <a:t>느려진 워커를 발견할 경우 새로운 </a:t>
+            </a:r>
+            <a:r>
+              <a:rPr lang="en-US" altLang="ko-KR"/>
+              <a:t>Worker</a:t>
+            </a:r>
+            <a:r>
+              <a:rPr lang="ko-KR" altLang="en-US"/>
+              <a:t>를 추가</a:t>
+            </a:r>
+            <a:endParaRPr lang="ko-KR" altLang="en-US"/>
           </a:p>
         </p:txBody>
       </p:sp>
@@ -7807,19 +7609,12 @@
   </p:clrMapOvr>
   <mc:AlternateContent xmlns:mc="http://schemas.openxmlformats.org/markup-compatibility/2006">
     <mc:Choice xmlns:p14="http://schemas.microsoft.com/office/powerpoint/2010/main" Requires="p14">
-      <p:transition spd="slow" p14:dur="500"/>
+      <p:transition xmlns:mc="http://schemas.openxmlformats.org/markup-compatibility/2006" xmlns:p14="http://schemas.microsoft.com/office/powerpoint/2010/main" mc:Ignorable="p14" p14:dur="500"/>
     </mc:Choice>
     <mc:Fallback>
-      <p:transition spd="slow"/>
+      <p:transition/>
     </mc:Fallback>
   </mc:AlternateContent>
-  <p:timing>
-    <p:tnLst>
-      <p:par>
-        <p:cTn id="1" dur="indefinite" restart="never" nodeType="tmRoot"/>
-      </p:par>
-    </p:tnLst>
-  </p:timing>
 </p:sld>
 </file>
 
@@ -7855,16 +7650,14 @@
           <a:bodyPr/>
           <a:lstStyle/>
           <a:p>
-            <a:pPr marL="257040" indent="-257040">
-              <a:buFont typeface="Arial"/>
-              <a:buNone/>
-              <a:defRPr lang="ko-KR" altLang="en-US"/>
-            </a:pPr>
-            <a:r>
-              <a:rPr lang="ko-KR" altLang="en-US"/>
-              <a:t>참 고 논 문</a:t>
-            </a:r>
-            <a:endParaRPr lang="ko-KR" altLang="en-US"/>
+            <a:pPr algn="l">
+              <a:defRPr lang="ko-KR" altLang="en-US"/>
+            </a:pPr>
+            <a:r>
+              <a:rPr lang="en-US" altLang="ko-KR"/>
+              <a:t>Load Balancing</a:t>
+            </a:r>
+            <a:endParaRPr lang="en-US" altLang="ko-KR"/>
           </a:p>
         </p:txBody>
       </p:sp>
@@ -7876,8 +7669,8 @@
         </p:nvSpPr>
         <p:spPr>
           <a:xfrm>
-            <a:off x="457197" y="1988820"/>
-            <a:ext cx="8507351" cy="942975"/>
+            <a:off x="457198" y="1417637"/>
+            <a:ext cx="8507351" cy="3104833"/>
           </a:xfrm>
           <a:prstGeom prst="rect">
             <a:avLst/>
@@ -7892,40 +7685,152 @@
               <a:defRPr lang="ko-KR" altLang="en-US"/>
             </a:pPr>
             <a:r>
-              <a:rPr lang="ko-KR" altLang="en-US" sz="1400"/>
-              <a:t>1. 이은주 (2017). CNN과 RNN의 기초 및 응용 연구. 방송과 미디어. 22(1).87-95.</a:t>
-            </a:r>
-            <a:endParaRPr lang="ko-KR" altLang="en-US" sz="1400"/>
+              <a:rPr lang="en-US" altLang="ko-KR"/>
+              <a:t>1)</a:t>
+            </a:r>
+            <a:r>
+              <a:rPr lang="ko-KR" altLang="en-US"/>
+              <a:t>문제</a:t>
+            </a:r>
+            <a:endParaRPr lang="ko-KR" altLang="en-US"/>
           </a:p>
           <a:p>
             <a:pPr>
               <a:defRPr lang="ko-KR" altLang="en-US"/>
             </a:pPr>
             <a:r>
-              <a:rPr lang="ko-KR" altLang="en-US" sz="1400"/>
-              <a:t>2. Optimus: an efficient dynamic resource scheduler for deep learning clusters</a:t>
-            </a:r>
-            <a:endParaRPr lang="ko-KR" altLang="en-US" sz="1400"/>
+              <a:rPr lang="en-US" altLang="ko-KR"/>
+              <a:t>MXNet</a:t>
+            </a:r>
+            <a:r>
+              <a:rPr lang="ko-KR" altLang="en-US"/>
+              <a:t>과 같은 분산 처리 딥러닝 프레임워크. 예를 들어, </a:t>
+            </a:r>
+            <a:r>
+              <a:rPr lang="en-US" altLang="ko-KR"/>
+              <a:t>TensorFlow</a:t>
+            </a:r>
+            <a:r>
+              <a:rPr lang="ko-KR" altLang="en-US"/>
+              <a:t> 같은 프레임워크는 서로 다른 모델의 대해 임계값이 서로 다를 수 있으며, 이는 딥러닝 작업 처리 속도에 매우 큰 영향을 가짐</a:t>
+            </a:r>
+            <a:endParaRPr lang="ko-KR" altLang="en-US"/>
           </a:p>
           <a:p>
             <a:pPr>
               <a:defRPr lang="ko-KR" altLang="en-US"/>
             </a:pPr>
-            <a:r>
-              <a:rPr lang="ko-KR" altLang="en-US" sz="1400"/>
-              <a:t>3. Rectified Linear Units Improve Restricted Boltzmann Machines</a:t>
-            </a:r>
-            <a:endParaRPr lang="ko-KR" altLang="en-US" sz="1400"/>
+            <a:endParaRPr lang="ko-KR" altLang="en-US"/>
           </a:p>
           <a:p>
             <a:pPr>
               <a:defRPr lang="ko-KR" altLang="en-US"/>
             </a:pPr>
             <a:r>
-              <a:rPr lang="ko-KR" altLang="en-US" sz="1400"/>
-              <a:t>4. https://www.oreilly.com/ideas/distributed-tensorflow</a:t>
-            </a:r>
-            <a:endParaRPr lang="ko-KR" altLang="en-US" sz="1400"/>
+              <a:rPr lang="ko-KR" altLang="en-US"/>
+              <a:t>2)해결 방안 제안</a:t>
+            </a:r>
+            <a:endParaRPr lang="ko-KR" altLang="en-US"/>
+          </a:p>
+          <a:p>
+            <a:pPr>
+              <a:defRPr lang="ko-KR" altLang="en-US"/>
+            </a:pPr>
+            <a:r>
+              <a:rPr lang="en-US" altLang="ko-KR"/>
+              <a:t>  - Parameter Server</a:t>
+            </a:r>
+            <a:r>
+              <a:rPr lang="ko-KR" altLang="en-US"/>
+              <a:t>로 입력되는 각 </a:t>
+            </a:r>
+            <a:r>
+              <a:rPr lang="en-US" altLang="ko-KR"/>
+              <a:t>Parameter</a:t>
+            </a:r>
+            <a:r>
+              <a:rPr lang="ko-KR" altLang="en-US"/>
+              <a:t>들의 평균(</a:t>
+            </a:r>
+            <a:r>
+              <a:rPr lang="en-US" altLang="ko-KR"/>
+              <a:t>avg)</a:t>
+            </a:r>
+            <a:r>
+              <a:rPr lang="ko-KR" altLang="en-US"/>
+              <a:t>을 구한 후, 입력 </a:t>
+            </a:r>
+            <a:r>
+              <a:rPr lang="en-US" altLang="ko-KR"/>
+              <a:t>Parameter size</a:t>
+            </a:r>
+            <a:r>
+              <a:rPr lang="ko-KR" altLang="en-US"/>
+              <a:t>가 평균 이하일 경우 ( </a:t>
+            </a:r>
+            <a:r>
+              <a:rPr lang="en-US" altLang="ko-KR"/>
+              <a:t>avg - parameter size</a:t>
+            </a:r>
+            <a:r>
+              <a:rPr lang="ko-KR" altLang="en-US"/>
+              <a:t> )의 서버를 할당</a:t>
+            </a:r>
+            <a:endParaRPr lang="ko-KR" altLang="en-US"/>
+          </a:p>
+          <a:p>
+            <a:pPr>
+              <a:defRPr lang="ko-KR" altLang="en-US"/>
+            </a:pPr>
+            <a:r>
+              <a:rPr lang="en-US" altLang="ko-KR"/>
+              <a:t>  - Parameter</a:t>
+            </a:r>
+            <a:r>
+              <a:rPr lang="ko-KR" altLang="en-US"/>
+              <a:t>들의 크기가 평균 이상일 경우 </a:t>
+            </a:r>
+            <a:r>
+              <a:rPr lang="en-US" altLang="ko-KR"/>
+              <a:t>Parameter </a:t>
+            </a:r>
+            <a:r>
+              <a:rPr lang="ko-KR" altLang="en-US"/>
+              <a:t>서버는 가장 적은 </a:t>
+            </a:r>
+            <a:r>
+              <a:rPr lang="en-US" altLang="ko-KR"/>
+              <a:t>Parameter</a:t>
+            </a:r>
+            <a:r>
+              <a:rPr lang="ko-KR" altLang="en-US"/>
+              <a:t>의</a:t>
+            </a:r>
+            <a:r>
+              <a:rPr lang="en-US" altLang="ko-KR"/>
+              <a:t> </a:t>
+            </a:r>
+            <a:r>
+              <a:rPr lang="ko-KR" altLang="en-US"/>
+              <a:t>크기를 가지며, </a:t>
+            </a:r>
+            <a:r>
+              <a:rPr lang="en-US" altLang="ko-KR"/>
+              <a:t>Parameter</a:t>
+            </a:r>
+            <a:r>
+              <a:rPr lang="ko-KR" altLang="en-US"/>
+              <a:t>들은 평균 크기로 분할되어 </a:t>
+            </a:r>
+            <a:r>
+              <a:rPr lang="en-US" altLang="ko-KR"/>
+              <a:t>parameter </a:t>
+            </a:r>
+            <a:r>
+              <a:rPr lang="ko-KR" altLang="en-US"/>
+              <a:t>서버에 할당</a:t>
+            </a:r>
+            <a:endParaRPr lang="ko-KR" altLang="en-US"/>
           </a:p>
         </p:txBody>
       </p:sp>
@@ -7971,19 +7876,19 @@
         <p:spPr>
           <a:xfrm>
             <a:off x="1043305" y="2974340"/>
-            <a:ext cx="6696710" cy="918210"/>
+            <a:ext cx="6696710" cy="1186180"/>
           </a:xfrm>
           <a:prstGeom prst="rect">
             <a:avLst/>
           </a:prstGeom>
         </p:spPr>
         <p:txBody>
-          <a:bodyPr wrap="square" lIns="91440" tIns="45720" rIns="91440" bIns="45720" vert="horz" anchor="t">
+          <a:bodyPr vert="horz" wrap="square" lIns="91440" tIns="45720" rIns="91440" bIns="45720" anchor="t">
             <a:spAutoFit/>
           </a:bodyPr>
           <a:lstStyle/>
           <a:p>
-            <a:pPr marL="257175" indent="-257175" algn="l" fontAlgn="auto" defTabSz="914400" eaLnBrk="0">
+            <a:pPr marL="257175" indent="-257175" algn="l" defTabSz="900000" eaLnBrk="0">
               <a:lnSpc>
                 <a:spcPct val="100000"/>
               </a:lnSpc>
@@ -7993,23 +7898,23 @@
               <a:spcAft>
                 <a:spcPts val="0"/>
               </a:spcAft>
-              <a:buFontTx/>
               <a:buNone/>
-            </a:pPr>
-            <a:r>
-              <a:rPr lang="en-US" altLang="ko-KR" sz="1800" dirty="0" smtClean="0">
-                <a:latin typeface="함초롬돋움" charset="0"/>
-                <a:ea typeface="함초롬돋움" charset="0"/>
+              <a:defRPr lang="ko-KR" altLang="en-US"/>
+            </a:pPr>
+            <a:r>
+              <a:rPr lang="en-US" altLang="ko-KR" sz="1800">
+                <a:latin typeface="함초롬돋움"/>
+                <a:ea typeface="함초롬돋움"/>
               </a:rPr>
               <a:t>CNN model</a:t>
             </a:r>
-            <a:endParaRPr lang="ko-KR" altLang="en-US" sz="1800" dirty="0" smtClean="0">
-              <a:latin typeface="함초롬돋움" charset="0"/>
-              <a:ea typeface="함초롬돋움" charset="0"/>
+            <a:endParaRPr lang="en-US" altLang="ko-KR" sz="1800">
+              <a:latin typeface="함초롬돋움"/>
+              <a:ea typeface="함초롬돋움"/>
             </a:endParaRPr>
           </a:p>
           <a:p>
-            <a:pPr marL="257175" indent="-257175" algn="l" fontAlgn="auto" defTabSz="914400" eaLnBrk="0">
+            <a:pPr marL="257175" indent="-257175" algn="l" defTabSz="900000" eaLnBrk="0">
               <a:lnSpc>
                 <a:spcPct val="100000"/>
               </a:lnSpc>
@@ -8019,23 +7924,45 @@
               <a:spcAft>
                 <a:spcPts val="0"/>
               </a:spcAft>
-              <a:buFontTx/>
               <a:buNone/>
-            </a:pPr>
-            <a:r>
-              <a:rPr lang="en-US" altLang="ko-KR" sz="1800" dirty="0" smtClean="0">
-                <a:latin typeface="함초롬돋움" charset="0"/>
-                <a:ea typeface="함초롬돋움" charset="0"/>
+              <a:defRPr lang="ko-KR" altLang="en-US"/>
+            </a:pPr>
+            <a:r>
+              <a:rPr lang="en-US" altLang="ko-KR" sz="1800">
+                <a:latin typeface="함초롬돋움"/>
+                <a:ea typeface="함초롬돋움"/>
               </a:rPr>
-              <a:t>	- activate function of convolution layer</a:t>
-            </a:r>
-            <a:endParaRPr lang="ko-KR" altLang="en-US" sz="1800" dirty="0" smtClean="0">
-              <a:latin typeface="함초롬돋움" charset="0"/>
-              <a:ea typeface="함초롬돋움" charset="0"/>
+              <a:t>	- Term</a:t>
+            </a:r>
+            <a:endParaRPr lang="en-US" altLang="ko-KR" sz="1800">
+              <a:latin typeface="함초롬돋움"/>
+              <a:ea typeface="함초롬돋움"/>
             </a:endParaRPr>
           </a:p>
           <a:p>
-            <a:pPr marL="257175" indent="-257175" algn="l" fontAlgn="auto" defTabSz="914400" eaLnBrk="0">
+            <a:pPr marL="257040" indent="-257040">
+              <a:buFont typeface="Arial"/>
+              <a:buNone/>
+              <a:defRPr lang="ko-KR" altLang="en-US"/>
+            </a:pPr>
+            <a:r>
+              <a:rPr lang="en-US" altLang="ko-KR" sz="1800">
+                <a:latin typeface="함초롬돋움"/>
+                <a:ea typeface="함초롬돋움"/>
+              </a:rPr>
+              <a:t>	- </a:t>
+            </a:r>
+            <a:r>
+              <a:rPr lang="en-US" altLang="ko-KR"/>
+              <a:t>Convolution layer and activate function</a:t>
+            </a:r>
+            <a:endParaRPr lang="en-US" altLang="ko-KR" sz="1800">
+              <a:latin typeface="함초롬돋움"/>
+              <a:ea typeface="함초롬돋움"/>
+            </a:endParaRPr>
+          </a:p>
+          <a:p>
+            <a:pPr marL="257175" indent="-257175" algn="l" defTabSz="900000" eaLnBrk="0">
               <a:lnSpc>
                 <a:spcPct val="100000"/>
               </a:lnSpc>
@@ -8045,19 +7972,19 @@
               <a:spcAft>
                 <a:spcPts val="0"/>
               </a:spcAft>
-              <a:buFontTx/>
               <a:buNone/>
-            </a:pPr>
-            <a:r>
-              <a:rPr lang="en-US" altLang="ko-KR" sz="1800" dirty="0" smtClean="0">
-                <a:latin typeface="함초롬돋움" charset="0"/>
-                <a:ea typeface="함초롬돋움" charset="0"/>
+              <a:defRPr lang="ko-KR" altLang="en-US"/>
+            </a:pPr>
+            <a:r>
+              <a:rPr lang="en-US" altLang="ko-KR" sz="1800">
+                <a:latin typeface="함초롬돋움"/>
+                <a:ea typeface="함초롬돋움"/>
               </a:rPr>
-              <a:t>	- pooling layer</a:t>
-            </a:r>
-            <a:endParaRPr lang="ko-KR" altLang="en-US" sz="1800" dirty="0" smtClean="0">
-              <a:latin typeface="함초롬돋움" charset="0"/>
-              <a:ea typeface="함초롬돋움" charset="0"/>
+              <a:t>	- Pooling layer</a:t>
+            </a:r>
+            <a:endParaRPr lang="en-US" altLang="ko-KR" sz="1800">
+              <a:latin typeface="함초롬돋움"/>
+              <a:ea typeface="함초롬돋움"/>
             </a:endParaRPr>
           </a:p>
         </p:txBody>
@@ -8069,10 +7996,10 @@
   </p:clrMapOvr>
   <mc:AlternateContent xmlns:mc="http://schemas.openxmlformats.org/markup-compatibility/2006">
     <mc:Choice xmlns:p14="http://schemas.microsoft.com/office/powerpoint/2010/main" Requires="p14">
-      <p:transition spd="slow" p14:dur="500"/>
+      <p:transition xmlns:mc="http://schemas.openxmlformats.org/markup-compatibility/2006" xmlns:p14="http://schemas.microsoft.com/office/powerpoint/2010/main" mc:Ignorable="p14" p14:dur="500"/>
     </mc:Choice>
     <mc:Fallback>
-      <p:transition spd="slow"/>
+      <p:transition/>
     </mc:Fallback>
   </mc:AlternateContent>
   <p:timing>
@@ -8082,6 +8009,336 @@
       </p:par>
     </p:tnLst>
   </p:timing>
+</p:sld>
+</file>
+
+<file path=ppt/slides/slide30.xml><?xml version="1.0" encoding="utf-8"?>
+<p:sld xmlns:r="http://schemas.openxmlformats.org/officeDocument/2006/relationships" xmlns:c="http://schemas.openxmlformats.org/drawingml/2006/chart" xmlns:a="http://schemas.openxmlformats.org/drawingml/2006/main" xmlns:dgm="http://schemas.openxmlformats.org/drawingml/2006/diagram" xmlns:dsp="http://schemas.microsoft.com/office/drawing/2008/diagram" xmlns:p="http://schemas.openxmlformats.org/presentationml/2006/main">
+  <p:cSld>
+    <p:spTree>
+      <p:nvGrpSpPr>
+        <p:cNvPr id="1" name=""/>
+        <p:cNvGrpSpPr/>
+        <p:nvPr/>
+      </p:nvGrpSpPr>
+      <p:grpSpPr>
+        <a:xfrm>
+          <a:off x="0" y="0"/>
+          <a:ext cx="0" cy="0"/>
+          <a:chOff x="0" y="0"/>
+          <a:chExt cx="0" cy="0"/>
+        </a:xfrm>
+      </p:grpSpPr>
+      <p:sp>
+        <p:nvSpPr>
+          <p:cNvPr id="2" name="제목 1"/>
+          <p:cNvSpPr>
+            <a:spLocks noGrp="1"/>
+          </p:cNvSpPr>
+          <p:nvPr>
+            <p:ph type="title" idx="0"/>
+          </p:nvPr>
+        </p:nvSpPr>
+        <p:spPr/>
+        <p:txBody>
+          <a:bodyPr>
+            <a:normAutofit fontScale="90000"/>
+          </a:bodyPr>
+          <a:lstStyle/>
+          <a:p>
+            <a:pPr marL="257040" indent="-257040" algn="l">
+              <a:buFont typeface="Arial"/>
+              <a:buNone/>
+              <a:defRPr lang="ko-KR" altLang="en-US"/>
+            </a:pPr>
+            <a:r>
+              <a:rPr lang="en-US" altLang="ko-KR"/>
+              <a:t>Efficient resouce scheduling </a:t>
+            </a:r>
+            <a:endParaRPr lang="en-US" altLang="ko-KR"/>
+          </a:p>
+          <a:p>
+            <a:pPr marL="257040" indent="-257040" algn="l">
+              <a:buFont typeface="Arial"/>
+              <a:buNone/>
+              <a:defRPr lang="ko-KR" altLang="en-US"/>
+            </a:pPr>
+            <a:r>
+              <a:rPr lang="en-US" altLang="ko-KR"/>
+              <a:t>for Kubernets Cluster</a:t>
+            </a:r>
+            <a:endParaRPr lang="en-US" altLang="ko-KR"/>
+          </a:p>
+        </p:txBody>
+      </p:sp>
+      <p:sp>
+        <p:nvSpPr>
+          <p:cNvPr id="4" name=""/>
+          <p:cNvSpPr txBox="1"/>
+          <p:nvPr/>
+        </p:nvSpPr>
+        <p:spPr>
+          <a:xfrm>
+            <a:off x="457197" y="1988820"/>
+            <a:ext cx="8507351" cy="1733550"/>
+          </a:xfrm>
+          <a:prstGeom prst="rect">
+            <a:avLst/>
+          </a:prstGeom>
+        </p:spPr>
+        <p:txBody>
+          <a:bodyPr wrap="square">
+            <a:spAutoFit/>
+          </a:bodyPr>
+          <a:p>
+            <a:pPr>
+              <a:defRPr lang="ko-KR" altLang="en-US"/>
+            </a:pPr>
+            <a:r>
+              <a:rPr lang="ko-KR" altLang="en-US"/>
+              <a:t>1) </a:t>
+            </a:r>
+            <a:r>
+              <a:rPr lang="en-US" altLang="ko-KR"/>
+              <a:t>Tensorflow</a:t>
+            </a:r>
+            <a:r>
+              <a:rPr lang="ko-KR" altLang="en-US"/>
+              <a:t>와 같은 분산 처리 딥러닝 프레임 워크는 일반적으로 </a:t>
+            </a:r>
+            <a:r>
+              <a:rPr lang="en-US" altLang="ko-KR"/>
+              <a:t>Docker</a:t>
+            </a:r>
+            <a:r>
+              <a:rPr lang="ko-KR" altLang="en-US"/>
+              <a:t>를 활용하여 </a:t>
+            </a:r>
+            <a:r>
+              <a:rPr lang="en-US" altLang="ko-KR"/>
+              <a:t>Parameter Server</a:t>
+            </a:r>
+            <a:r>
+              <a:rPr lang="ko-KR" altLang="en-US"/>
+              <a:t>를 구현</a:t>
+            </a:r>
+            <a:endParaRPr lang="ko-KR" altLang="en-US"/>
+          </a:p>
+          <a:p>
+            <a:pPr>
+              <a:defRPr lang="ko-KR" altLang="en-US"/>
+            </a:pPr>
+            <a:endParaRPr lang="ko-KR" altLang="en-US"/>
+          </a:p>
+          <a:p>
+            <a:pPr>
+              <a:defRPr lang="ko-KR" altLang="en-US"/>
+            </a:pPr>
+            <a:r>
+              <a:rPr lang="ko-KR" altLang="en-US"/>
+              <a:t>2) </a:t>
+            </a:r>
+            <a:r>
+              <a:rPr lang="en-US" altLang="ko-KR"/>
+              <a:t>Kubernets</a:t>
+            </a:r>
+            <a:r>
+              <a:rPr lang="ko-KR" altLang="en-US"/>
+              <a:t>는 </a:t>
+            </a:r>
+            <a:r>
+              <a:rPr lang="en-US" altLang="ko-KR"/>
+              <a:t>Docker</a:t>
+            </a:r>
+            <a:r>
+              <a:rPr lang="ko-KR" altLang="en-US"/>
+              <a:t>를 효과적으로 </a:t>
+            </a:r>
+            <a:r>
+              <a:rPr lang="en-US" altLang="ko-KR"/>
+              <a:t>Scheduling </a:t>
+            </a:r>
+            <a:r>
+              <a:rPr lang="ko-KR" altLang="en-US"/>
+              <a:t>할 수 있는 관리 도구로,</a:t>
+            </a:r>
+            <a:endParaRPr lang="ko-KR" altLang="en-US"/>
+          </a:p>
+          <a:p>
+            <a:pPr>
+              <a:defRPr lang="ko-KR" altLang="en-US"/>
+            </a:pPr>
+            <a:r>
+              <a:rPr lang="en-US" altLang="ko-KR"/>
+              <a:t>master node</a:t>
+            </a:r>
+            <a:r>
+              <a:rPr lang="ko-KR" altLang="en-US"/>
+              <a:t>와 </a:t>
+            </a:r>
+            <a:r>
+              <a:rPr lang="en-US" altLang="ko-KR"/>
+              <a:t>slave node</a:t>
+            </a:r>
+            <a:r>
+              <a:rPr lang="ko-KR" altLang="en-US"/>
+              <a:t>로 구성되어지며, </a:t>
+            </a:r>
+            <a:r>
+              <a:rPr lang="en-US" altLang="ko-KR"/>
+              <a:t>load-balance </a:t>
+            </a:r>
+            <a:r>
+              <a:rPr lang="ko-KR" altLang="en-US"/>
+              <a:t>및 </a:t>
+            </a:r>
+            <a:r>
+              <a:rPr lang="en-US" altLang="ko-KR"/>
+              <a:t>fault-tolerance</a:t>
+            </a:r>
+            <a:r>
+              <a:rPr lang="ko-KR" altLang="en-US"/>
+              <a:t> 기능으로 효과적인 작업 분배 및 관리가 용이</a:t>
+            </a:r>
+            <a:endParaRPr lang="ko-KR" altLang="en-US"/>
+          </a:p>
+        </p:txBody>
+      </p:sp>
+    </p:spTree>
+  </p:cSld>
+  <p:clrMapOvr>
+    <a:masterClrMapping/>
+  </p:clrMapOvr>
+  <mc:AlternateContent xmlns:mc="http://schemas.openxmlformats.org/markup-compatibility/2006">
+    <mc:Choice xmlns:p14="http://schemas.microsoft.com/office/powerpoint/2010/main" Requires="p14">
+      <p:transition xmlns:mc="http://schemas.openxmlformats.org/markup-compatibility/2006" xmlns:p14="http://schemas.microsoft.com/office/powerpoint/2010/main" mc:Ignorable="p14" p14:dur="500"/>
+    </mc:Choice>
+    <mc:Fallback>
+      <p:transition/>
+    </mc:Fallback>
+  </mc:AlternateContent>
+</p:sld>
+</file>
+
+<file path=ppt/slides/slide31.xml><?xml version="1.0" encoding="utf-8"?>
+<p:sld xmlns:r="http://schemas.openxmlformats.org/officeDocument/2006/relationships" xmlns:c="http://schemas.openxmlformats.org/drawingml/2006/chart" xmlns:a="http://schemas.openxmlformats.org/drawingml/2006/main" xmlns:dgm="http://schemas.openxmlformats.org/drawingml/2006/diagram" xmlns:dsp="http://schemas.microsoft.com/office/drawing/2008/diagram" xmlns:p="http://schemas.openxmlformats.org/presentationml/2006/main">
+  <p:cSld>
+    <p:spTree>
+      <p:nvGrpSpPr>
+        <p:cNvPr id="1" name=""/>
+        <p:cNvGrpSpPr/>
+        <p:nvPr/>
+      </p:nvGrpSpPr>
+      <p:grpSpPr>
+        <a:xfrm>
+          <a:off x="0" y="0"/>
+          <a:ext cx="0" cy="0"/>
+          <a:chOff x="0" y="0"/>
+          <a:chExt cx="0" cy="0"/>
+        </a:xfrm>
+      </p:grpSpPr>
+      <p:sp>
+        <p:nvSpPr>
+          <p:cNvPr id="2" name="제목 1"/>
+          <p:cNvSpPr>
+            <a:spLocks noGrp="1"/>
+          </p:cNvSpPr>
+          <p:nvPr>
+            <p:ph type="title" idx="0"/>
+          </p:nvPr>
+        </p:nvSpPr>
+        <p:spPr/>
+        <p:txBody>
+          <a:bodyPr/>
+          <a:lstStyle/>
+          <a:p>
+            <a:pPr marL="257040" indent="-257040">
+              <a:buFont typeface="Arial"/>
+              <a:buNone/>
+              <a:defRPr lang="ko-KR" altLang="en-US"/>
+            </a:pPr>
+            <a:r>
+              <a:rPr lang="ko-KR" altLang="en-US"/>
+              <a:t>참 고 논 문</a:t>
+            </a:r>
+            <a:endParaRPr lang="ko-KR" altLang="en-US"/>
+          </a:p>
+        </p:txBody>
+      </p:sp>
+      <p:sp>
+        <p:nvSpPr>
+          <p:cNvPr id="4" name=""/>
+          <p:cNvSpPr txBox="1"/>
+          <p:nvPr/>
+        </p:nvSpPr>
+        <p:spPr>
+          <a:xfrm>
+            <a:off x="457197" y="1988820"/>
+            <a:ext cx="8507351" cy="942975"/>
+          </a:xfrm>
+          <a:prstGeom prst="rect">
+            <a:avLst/>
+          </a:prstGeom>
+        </p:spPr>
+        <p:txBody>
+          <a:bodyPr wrap="square">
+            <a:spAutoFit/>
+          </a:bodyPr>
+          <a:p>
+            <a:pPr>
+              <a:defRPr lang="ko-KR" altLang="en-US"/>
+            </a:pPr>
+            <a:r>
+              <a:rPr lang="ko-KR" altLang="en-US" sz="1400"/>
+              <a:t>1. 이은주 (2017). CNN과 RNN의 기초 및 응용 연구. 방송과 미디어. 22(1).87-95.</a:t>
+            </a:r>
+            <a:endParaRPr lang="ko-KR" altLang="en-US" sz="1400"/>
+          </a:p>
+          <a:p>
+            <a:pPr>
+              <a:defRPr lang="ko-KR" altLang="en-US"/>
+            </a:pPr>
+            <a:r>
+              <a:rPr lang="ko-KR" altLang="en-US" sz="1400"/>
+              <a:t>2. Optimus: an efficient dynamic resource scheduler for deep learning clusters</a:t>
+            </a:r>
+            <a:endParaRPr lang="ko-KR" altLang="en-US" sz="1400"/>
+          </a:p>
+          <a:p>
+            <a:pPr>
+              <a:defRPr lang="ko-KR" altLang="en-US"/>
+            </a:pPr>
+            <a:r>
+              <a:rPr lang="ko-KR" altLang="en-US" sz="1400"/>
+              <a:t>3. Rectified Linear Units Improve Restricted Boltzmann Machines</a:t>
+            </a:r>
+            <a:endParaRPr lang="ko-KR" altLang="en-US" sz="1400"/>
+          </a:p>
+          <a:p>
+            <a:pPr>
+              <a:defRPr lang="ko-KR" altLang="en-US"/>
+            </a:pPr>
+            <a:r>
+              <a:rPr lang="ko-KR" altLang="en-US" sz="1400"/>
+              <a:t>4. https://www.oreilly.com/ideas/distributed-tensorflow</a:t>
+            </a:r>
+            <a:endParaRPr lang="ko-KR" altLang="en-US" sz="1400"/>
+          </a:p>
+        </p:txBody>
+      </p:sp>
+    </p:spTree>
+  </p:cSld>
+  <p:clrMapOvr>
+    <a:masterClrMapping/>
+  </p:clrMapOvr>
+  <mc:AlternateContent xmlns:mc="http://schemas.openxmlformats.org/markup-compatibility/2006">
+    <mc:Choice xmlns:p14="http://schemas.microsoft.com/office/powerpoint/2010/main" Requires="p14">
+      <p:transition xmlns:mc="http://schemas.openxmlformats.org/markup-compatibility/2006" xmlns:p14="http://schemas.microsoft.com/office/powerpoint/2010/main" mc:Ignorable="p14" p14:dur="500"/>
+    </mc:Choice>
+    <mc:Fallback>
+      <p:transition/>
+    </mc:Fallback>
+  </mc:AlternateContent>
 </p:sld>
 </file>
 
@@ -8122,9 +8379,9 @@
             </a:pPr>
             <a:r>
               <a:rPr lang="en-US" altLang="ko-KR"/>
-              <a:t>CNN</a:t>
-            </a:r>
-            <a:endParaRPr lang="ko-KR" altLang="en-US"/>
+              <a:t>Term</a:t>
+            </a:r>
+            <a:endParaRPr lang="en-US" altLang="ko-KR"/>
           </a:p>
         </p:txBody>
       </p:sp>
@@ -8138,12 +8395,7 @@
             <p:ph idx="1"/>
           </p:nvPr>
         </p:nvSpPr>
-        <p:spPr>
-          <a:xfrm>
-            <a:off x="457199" y="1417638"/>
-            <a:ext cx="8229600" cy="1396746"/>
-          </a:xfrm>
-        </p:spPr>
+        <p:spPr/>
         <p:txBody>
           <a:bodyPr/>
           <a:lstStyle/>
@@ -8152,123 +8404,34 @@
               <a:defRPr lang="ko-KR" altLang="en-US"/>
             </a:pPr>
             <a:r>
-              <a:rPr lang="en-US" altLang="ko-KR" sz="2400"/>
-              <a:t>Convolution Neural Network</a:t>
-            </a:r>
-            <a:endParaRPr lang="en-US" altLang="ko-KR" sz="2400"/>
+              <a:rPr lang="en-US" altLang="ko-KR" sz="1700"/>
+              <a:t>Mini-batch size:</a:t>
+            </a:r>
+            <a:r>
+              <a:rPr lang="ko-KR" altLang="en-US" sz="1700"/>
+              <a:t> 전체 데이터셋 중 각 학습 작업에 사용되는 데이터 크기</a:t>
+            </a:r>
+            <a:endParaRPr lang="ko-KR" altLang="en-US" sz="1700"/>
           </a:p>
           <a:p>
             <a:pPr>
               <a:defRPr lang="ko-KR" altLang="en-US"/>
             </a:pPr>
             <a:r>
-              <a:rPr lang="en-US" altLang="ko-KR" sz="2400"/>
-              <a:t>3</a:t>
-            </a:r>
-            <a:r>
-              <a:rPr lang="ko-KR" altLang="en-US" sz="2400"/>
-              <a:t>가지 계층구조 (</a:t>
-            </a:r>
-            <a:r>
-              <a:rPr lang="en-US" altLang="ko-KR" sz="2400"/>
-              <a:t>Convolution, Pooling, fully-connect)</a:t>
-            </a:r>
-            <a:endParaRPr lang="en-US" altLang="ko-KR" sz="2400"/>
+              <a:rPr lang="en-US" altLang="ko-KR" sz="1700"/>
+              <a:t>Epoch : </a:t>
+            </a:r>
+            <a:r>
+              <a:rPr lang="ko-KR" altLang="en-US" sz="1700"/>
+              <a:t>딥러닝 모델을 따라 학습이 1회 완료</a:t>
+            </a:r>
+            <a:endParaRPr lang="ko-KR" altLang="en-US" sz="1700"/>
           </a:p>
           <a:p>
             <a:pPr>
               <a:defRPr lang="ko-KR" altLang="en-US"/>
             </a:pPr>
-            <a:r>
-              <a:rPr lang="ko-KR" altLang="en-US" sz="2400"/>
-              <a:t>2차원 이상의 시각 데이터로부터 정보를 추출</a:t>
-            </a:r>
-            <a:endParaRPr lang="ko-KR" altLang="en-US" sz="2400"/>
-          </a:p>
-          <a:p>
-            <a:pPr>
-              <a:defRPr lang="ko-KR" altLang="en-US"/>
-            </a:pPr>
-            <a:endParaRPr lang="en-US" altLang="ko-KR" sz="2400"/>
-          </a:p>
-        </p:txBody>
-      </p:sp>
-      <p:pic>
-        <p:nvPicPr>
-          <p:cNvPr id="5" name=""/>
-          <p:cNvPicPr>
-            <a:picLocks noChangeAspect="1"/>
-          </p:cNvPicPr>
-          <p:nvPr/>
-        </p:nvPicPr>
-        <p:blipFill rotWithShape="1">
-          <a:blip r:embed="rId3"/>
-          <a:stretch>
-            <a:fillRect/>
-          </a:stretch>
-        </p:blipFill>
-        <p:spPr>
-          <a:xfrm>
-            <a:off x="1877758" y="2814384"/>
-            <a:ext cx="5388483" cy="2157277"/>
-          </a:xfrm>
-          <a:prstGeom prst="rect">
-            <a:avLst/>
-          </a:prstGeom>
-          <a:ln>
-            <a:solidFill>
-              <a:schemeClr val="tx1"/>
-            </a:solidFill>
-            <a:prstDash val="solid"/>
-          </a:ln>
-        </p:spPr>
-      </p:pic>
-      <p:sp>
-        <p:nvSpPr>
-          <p:cNvPr id="6" name=""/>
-          <p:cNvSpPr txBox="1"/>
-          <p:nvPr/>
-        </p:nvSpPr>
-        <p:spPr>
-          <a:xfrm>
-            <a:off x="746521" y="5157216"/>
-            <a:ext cx="7650958" cy="641604"/>
-          </a:xfrm>
-          <a:prstGeom prst="rect">
-            <a:avLst/>
-          </a:prstGeom>
-        </p:spPr>
-        <p:txBody>
-          <a:bodyPr wrap="square">
-            <a:spAutoFit/>
-          </a:bodyPr>
-          <a:p>
-            <a:pPr>
-              <a:defRPr lang="ko-KR" altLang="en-US"/>
-            </a:pPr>
-            <a:r>
-              <a:rPr lang="en-US" altLang="ko-KR"/>
-              <a:t>general output size of Conv layer = (inputVol - filter + 2 * padding) + 1</a:t>
-            </a:r>
-            <a:endParaRPr lang="en-US" altLang="ko-KR"/>
-          </a:p>
-          <a:p>
-            <a:pPr>
-              <a:defRPr lang="ko-KR" altLang="en-US"/>
-            </a:pPr>
-            <a:r>
-              <a:rPr lang="en-US" altLang="ko-KR"/>
-              <a:t>general output size of Pool layer = inputVol / 2</a:t>
-            </a:r>
-            <a:r>
-              <a:rPr lang="ko-KR" altLang="en-US"/>
-              <a:t> ==</a:t>
-            </a:r>
-            <a:r>
-              <a:rPr lang="en-US" altLang="ko-KR"/>
-              <a:t> max pooling</a:t>
-            </a:r>
-            <a:endParaRPr lang="en-US" altLang="ko-KR"/>
+            <a:endParaRPr lang="ko-KR" altLang="en-US" sz="1700"/>
           </a:p>
         </p:txBody>
       </p:sp>
@@ -8307,14 +8470,135 @@
       </p:grpSpPr>
       <p:sp>
         <p:nvSpPr>
-          <p:cNvPr id="4" name=""/>
+          <p:cNvPr id="2" name="제목 1"/>
+          <p:cNvSpPr>
+            <a:spLocks noGrp="1"/>
+          </p:cNvSpPr>
+          <p:nvPr>
+            <p:ph type="title" idx="0"/>
+          </p:nvPr>
+        </p:nvSpPr>
+        <p:spPr/>
+        <p:txBody>
+          <a:bodyPr/>
+          <a:lstStyle/>
+          <a:p>
+            <a:pPr algn="l">
+              <a:defRPr lang="ko-KR" altLang="en-US"/>
+            </a:pPr>
+            <a:r>
+              <a:rPr lang="en-US" altLang="ko-KR"/>
+              <a:t>CNN</a:t>
+            </a:r>
+            <a:endParaRPr lang="ko-KR" altLang="en-US"/>
+          </a:p>
+        </p:txBody>
+      </p:sp>
+      <p:sp>
+        <p:nvSpPr>
+          <p:cNvPr id="3" name="내용 개체 틀 2"/>
+          <p:cNvSpPr>
+            <a:spLocks noGrp="1"/>
+          </p:cNvSpPr>
+          <p:nvPr>
+            <p:ph idx="1"/>
+          </p:nvPr>
+        </p:nvSpPr>
+        <p:spPr>
+          <a:xfrm>
+            <a:off x="457199" y="1417638"/>
+            <a:ext cx="8229600" cy="1396746"/>
+          </a:xfrm>
+        </p:spPr>
+        <p:txBody>
+          <a:bodyPr/>
+          <a:lstStyle/>
+          <a:p>
+            <a:pPr>
+              <a:defRPr lang="ko-KR" altLang="en-US"/>
+            </a:pPr>
+            <a:r>
+              <a:rPr lang="en-US" altLang="ko-KR" sz="2400"/>
+              <a:t>Convolution Neural Network</a:t>
+            </a:r>
+            <a:endParaRPr lang="en-US" altLang="ko-KR" sz="2400"/>
+          </a:p>
+          <a:p>
+            <a:pPr>
+              <a:defRPr lang="ko-KR" altLang="en-US"/>
+            </a:pPr>
+            <a:r>
+              <a:rPr lang="en-US" altLang="ko-KR" sz="2400"/>
+              <a:t>3</a:t>
+            </a:r>
+            <a:r>
+              <a:rPr lang="ko-KR" altLang="en-US" sz="2400"/>
+              <a:t>가지 계층구조 (</a:t>
+            </a:r>
+            <a:r>
+              <a:rPr lang="en-US" altLang="ko-KR" sz="2400"/>
+              <a:t>Convolution, Pooling, fully-connect)</a:t>
+            </a:r>
+            <a:endParaRPr lang="en-US" altLang="ko-KR" sz="2400"/>
+          </a:p>
+          <a:p>
+            <a:pPr>
+              <a:defRPr lang="ko-KR" altLang="en-US"/>
+            </a:pPr>
+            <a:r>
+              <a:rPr lang="ko-KR" altLang="en-US" sz="2400"/>
+              <a:t>2차원 이상의 시각 데이터로부터 정보를 추출</a:t>
+            </a:r>
+            <a:endParaRPr lang="ko-KR" altLang="en-US" sz="2400"/>
+          </a:p>
+          <a:p>
+            <a:pPr>
+              <a:defRPr lang="ko-KR" altLang="en-US"/>
+            </a:pPr>
+            <a:endParaRPr lang="en-US" altLang="ko-KR" sz="2400"/>
+          </a:p>
+        </p:txBody>
+      </p:sp>
+      <p:pic>
+        <p:nvPicPr>
+          <p:cNvPr id="5" name=""/>
+          <p:cNvPicPr>
+            <a:picLocks noChangeAspect="1"/>
+          </p:cNvPicPr>
+          <p:nvPr/>
+        </p:nvPicPr>
+        <p:blipFill rotWithShape="1">
+          <a:blip r:embed="rId3"/>
+          <a:stretch>
+            <a:fillRect/>
+          </a:stretch>
+        </p:blipFill>
+        <p:spPr>
+          <a:xfrm>
+            <a:off x="1877758" y="2814384"/>
+            <a:ext cx="5388483" cy="2157277"/>
+          </a:xfrm>
+          <a:prstGeom prst="rect">
+            <a:avLst/>
+          </a:prstGeom>
+          <a:ln>
+            <a:solidFill>
+              <a:schemeClr val="tx1"/>
+            </a:solidFill>
+            <a:prstDash val="solid"/>
+          </a:ln>
+        </p:spPr>
+      </p:pic>
+      <p:sp>
+        <p:nvSpPr>
+          <p:cNvPr id="6" name=""/>
           <p:cNvSpPr txBox="1"/>
           <p:nvPr/>
         </p:nvSpPr>
         <p:spPr>
           <a:xfrm>
-            <a:off x="1043555" y="2974657"/>
-            <a:ext cx="6696838" cy="366713"/>
+            <a:off x="746521" y="5157216"/>
+            <a:ext cx="7650958" cy="641604"/>
           </a:xfrm>
           <a:prstGeom prst="rect">
             <a:avLst/>
@@ -8325,14 +8609,30 @@
             <a:spAutoFit/>
           </a:bodyPr>
           <a:p>
-            <a:pPr marL="257040" indent="-257040">
-              <a:buFont typeface="Arial"/>
-              <a:buNone/>
-              <a:defRPr lang="ko-KR" altLang="en-US"/>
-            </a:pPr>
-            <a:r>
-              <a:rPr lang="en-US" altLang="ko-KR"/>
-              <a:t>Convolution layer and activate function</a:t>
+            <a:pPr>
+              <a:defRPr lang="ko-KR" altLang="en-US"/>
+            </a:pPr>
+            <a:r>
+              <a:rPr lang="en-US" altLang="ko-KR"/>
+              <a:t>general output size of Conv layer = (inputVol - filter + 2 * padding) + 1</a:t>
+            </a:r>
+            <a:endParaRPr lang="en-US" altLang="ko-KR"/>
+          </a:p>
+          <a:p>
+            <a:pPr>
+              <a:defRPr lang="ko-KR" altLang="en-US"/>
+            </a:pPr>
+            <a:r>
+              <a:rPr lang="en-US" altLang="ko-KR"/>
+              <a:t>general output size of Pool layer = inputVol / 2</a:t>
+            </a:r>
+            <a:r>
+              <a:rPr lang="ko-KR" altLang="en-US"/>
+              <a:t> ==</a:t>
+            </a:r>
+            <a:r>
+              <a:rPr lang="en-US" altLang="ko-KR"/>
+              <a:t> max pooling</a:t>
             </a:r>
             <a:endParaRPr lang="en-US" altLang="ko-KR"/>
           </a:p>
@@ -8355,6 +8655,72 @@
 </file>
 
 <file path=ppt/slides/slide6.xml><?xml version="1.0" encoding="utf-8"?>
+<p:sld xmlns:r="http://schemas.openxmlformats.org/officeDocument/2006/relationships" xmlns:c="http://schemas.openxmlformats.org/drawingml/2006/chart" xmlns:a="http://schemas.openxmlformats.org/drawingml/2006/main" xmlns:dgm="http://schemas.openxmlformats.org/drawingml/2006/diagram" xmlns:dsp="http://schemas.microsoft.com/office/drawing/2008/diagram" xmlns:p="http://schemas.openxmlformats.org/presentationml/2006/main">
+  <p:cSld>
+    <p:spTree>
+      <p:nvGrpSpPr>
+        <p:cNvPr id="1" name=""/>
+        <p:cNvGrpSpPr/>
+        <p:nvPr/>
+      </p:nvGrpSpPr>
+      <p:grpSpPr>
+        <a:xfrm>
+          <a:off x="0" y="0"/>
+          <a:ext cx="0" cy="0"/>
+          <a:chOff x="0" y="0"/>
+          <a:chExt cx="0" cy="0"/>
+        </a:xfrm>
+      </p:grpSpPr>
+      <p:sp>
+        <p:nvSpPr>
+          <p:cNvPr id="4" name=""/>
+          <p:cNvSpPr txBox="1"/>
+          <p:nvPr/>
+        </p:nvSpPr>
+        <p:spPr>
+          <a:xfrm>
+            <a:off x="1043555" y="2974657"/>
+            <a:ext cx="6696838" cy="366713"/>
+          </a:xfrm>
+          <a:prstGeom prst="rect">
+            <a:avLst/>
+          </a:prstGeom>
+        </p:spPr>
+        <p:txBody>
+          <a:bodyPr wrap="square">
+            <a:spAutoFit/>
+          </a:bodyPr>
+          <a:p>
+            <a:pPr marL="257040" indent="-257040">
+              <a:buFont typeface="Arial"/>
+              <a:buNone/>
+              <a:defRPr lang="ko-KR" altLang="en-US"/>
+            </a:pPr>
+            <a:r>
+              <a:rPr lang="en-US" altLang="ko-KR"/>
+              <a:t>Convolution layer and activate function</a:t>
+            </a:r>
+            <a:endParaRPr lang="en-US" altLang="ko-KR"/>
+          </a:p>
+        </p:txBody>
+      </p:sp>
+    </p:spTree>
+  </p:cSld>
+  <p:clrMapOvr>
+    <a:masterClrMapping/>
+  </p:clrMapOvr>
+  <mc:AlternateContent xmlns:mc="http://schemas.openxmlformats.org/markup-compatibility/2006">
+    <mc:Choice xmlns:p14="http://schemas.microsoft.com/office/powerpoint/2010/main" Requires="p14">
+      <p:transition xmlns:mc="http://schemas.openxmlformats.org/markup-compatibility/2006" xmlns:p14="http://schemas.microsoft.com/office/powerpoint/2010/main" mc:Ignorable="p14" p14:dur="500"/>
+    </mc:Choice>
+    <mc:Fallback>
+      <p:transition/>
+    </mc:Fallback>
+  </mc:AlternateContent>
+</p:sld>
+</file>
+
+<file path=ppt/slides/slide7.xml><?xml version="1.0" encoding="utf-8"?>
 <p:sld xmlns:r="http://schemas.openxmlformats.org/officeDocument/2006/relationships" xmlns:c="http://schemas.openxmlformats.org/drawingml/2006/chart" xmlns:a="http://schemas.openxmlformats.org/drawingml/2006/main" xmlns:dgm="http://schemas.openxmlformats.org/drawingml/2006/diagram" xmlns:dsp="http://schemas.microsoft.com/office/drawing/2008/diagram" xmlns:p="http://schemas.openxmlformats.org/presentationml/2006/main">
   <p:cSld>
     <p:spTree>
@@ -8742,7 +9108,7 @@
 </p:sld>
 </file>
 
-<file path=ppt/slides/slide7.xml><?xml version="1.0" encoding="utf-8"?>
+<file path=ppt/slides/slide8.xml><?xml version="1.0" encoding="utf-8"?>
 <p:sld xmlns:r="http://schemas.openxmlformats.org/officeDocument/2006/relationships" xmlns:c="http://schemas.openxmlformats.org/drawingml/2006/chart" xmlns:a="http://schemas.openxmlformats.org/drawingml/2006/main" xmlns:dgm="http://schemas.openxmlformats.org/drawingml/2006/diagram" xmlns:dsp="http://schemas.microsoft.com/office/drawing/2008/diagram" xmlns:p="http://schemas.openxmlformats.org/presentationml/2006/main">
   <p:cSld>
     <p:spTree>
@@ -8926,72 +9292,6 @@
             <a:r>
               <a:rPr lang="en-US" altLang="ko-KR"/>
               <a:t>f(x) = max(0, x)</a:t>
-            </a:r>
-            <a:endParaRPr lang="en-US" altLang="ko-KR"/>
-          </a:p>
-        </p:txBody>
-      </p:sp>
-    </p:spTree>
-  </p:cSld>
-  <p:clrMapOvr>
-    <a:masterClrMapping/>
-  </p:clrMapOvr>
-  <mc:AlternateContent xmlns:mc="http://schemas.openxmlformats.org/markup-compatibility/2006">
-    <mc:Choice xmlns:p14="http://schemas.microsoft.com/office/powerpoint/2010/main" Requires="p14">
-      <p:transition xmlns:mc="http://schemas.openxmlformats.org/markup-compatibility/2006" xmlns:p14="http://schemas.microsoft.com/office/powerpoint/2010/main" mc:Ignorable="p14" p14:dur="500"/>
-    </mc:Choice>
-    <mc:Fallback>
-      <p:transition/>
-    </mc:Fallback>
-  </mc:AlternateContent>
-</p:sld>
-</file>
-
-<file path=ppt/slides/slide8.xml><?xml version="1.0" encoding="utf-8"?>
-<p:sld xmlns:r="http://schemas.openxmlformats.org/officeDocument/2006/relationships" xmlns:c="http://schemas.openxmlformats.org/drawingml/2006/chart" xmlns:a="http://schemas.openxmlformats.org/drawingml/2006/main" xmlns:dgm="http://schemas.openxmlformats.org/drawingml/2006/diagram" xmlns:dsp="http://schemas.microsoft.com/office/drawing/2008/diagram" xmlns:p="http://schemas.openxmlformats.org/presentationml/2006/main">
-  <p:cSld>
-    <p:spTree>
-      <p:nvGrpSpPr>
-        <p:cNvPr id="1" name=""/>
-        <p:cNvGrpSpPr/>
-        <p:nvPr/>
-      </p:nvGrpSpPr>
-      <p:grpSpPr>
-        <a:xfrm>
-          <a:off x="0" y="0"/>
-          <a:ext cx="0" cy="0"/>
-          <a:chOff x="0" y="0"/>
-          <a:chExt cx="0" cy="0"/>
-        </a:xfrm>
-      </p:grpSpPr>
-      <p:sp>
-        <p:nvSpPr>
-          <p:cNvPr id="4" name=""/>
-          <p:cNvSpPr txBox="1"/>
-          <p:nvPr/>
-        </p:nvSpPr>
-        <p:spPr>
-          <a:xfrm>
-            <a:off x="1043555" y="2974657"/>
-            <a:ext cx="6696838" cy="366713"/>
-          </a:xfrm>
-          <a:prstGeom prst="rect">
-            <a:avLst/>
-          </a:prstGeom>
-        </p:spPr>
-        <p:txBody>
-          <a:bodyPr wrap="square">
-            <a:spAutoFit/>
-          </a:bodyPr>
-          <a:p>
-            <a:pPr marL="257040" indent="-257040">
-              <a:buFont typeface="Arial"/>
-              <a:buNone/>
-              <a:defRPr lang="ko-KR" altLang="en-US"/>
-            </a:pPr>
-            <a:r>
-              <a:rPr lang="en-US" altLang="ko-KR"/>
-              <a:t>pooling layer</a:t>
             </a:r>
             <a:endParaRPr lang="en-US" altLang="ko-KR"/>
           </a:p>
@@ -9032,133 +9332,37 @@
       </p:grpSpPr>
       <p:sp>
         <p:nvSpPr>
-          <p:cNvPr id="2" name="제목 1"/>
-          <p:cNvSpPr>
-            <a:spLocks noGrp="1"/>
-          </p:cNvSpPr>
-          <p:nvPr>
-            <p:ph type="title" idx="0"/>
-          </p:nvPr>
-        </p:nvSpPr>
-        <p:spPr/>
-        <p:txBody>
-          <a:bodyPr/>
-          <a:lstStyle/>
-          <a:p>
-            <a:pPr algn="l">
-              <a:defRPr lang="ko-KR" altLang="en-US"/>
-            </a:pPr>
-            <a:r>
-              <a:rPr lang="en-US" altLang="ko-KR"/>
-              <a:t>Max pooling</a:t>
-            </a:r>
-            <a:endParaRPr lang="en-US" altLang="ko-KR"/>
-          </a:p>
-        </p:txBody>
-      </p:sp>
-      <p:sp>
-        <p:nvSpPr>
-          <p:cNvPr id="3" name="내용 개체 틀 2"/>
-          <p:cNvSpPr>
-            <a:spLocks noGrp="1"/>
-          </p:cNvSpPr>
-          <p:nvPr>
-            <p:ph idx="1"/>
-          </p:nvPr>
+          <p:cNvPr id="4" name=""/>
+          <p:cNvSpPr txBox="1"/>
+          <p:nvPr/>
         </p:nvSpPr>
         <p:spPr>
           <a:xfrm>
-            <a:off x="457200" y="1600200"/>
-            <a:ext cx="8229600" cy="1252728"/>
-          </a:xfrm>
-        </p:spPr>
-        <p:txBody>
-          <a:bodyPr/>
-          <a:lstStyle/>
-          <a:p>
-            <a:pPr>
-              <a:defRPr lang="ko-KR" altLang="en-US"/>
-            </a:pPr>
-            <a:r>
-              <a:rPr lang="en-US" altLang="ko-KR" sz="2000"/>
-              <a:t>Pooling </a:t>
-            </a:r>
-            <a:r>
-              <a:rPr lang="ko-KR" altLang="en-US" sz="2000"/>
-              <a:t>과정은 입력의 크기를 축소하는 과정</a:t>
-            </a:r>
-            <a:endParaRPr lang="ko-KR" altLang="en-US" sz="2000"/>
-          </a:p>
-          <a:p>
-            <a:pPr>
-              <a:defRPr lang="ko-KR" altLang="en-US"/>
-            </a:pPr>
-            <a:r>
-              <a:rPr lang="ko-KR" altLang="en-US" sz="2000"/>
-              <a:t>흔히 사용되는 </a:t>
-            </a:r>
-            <a:r>
-              <a:rPr lang="en-US" altLang="ko-KR" sz="2000"/>
-              <a:t>Pooling</a:t>
-            </a:r>
-            <a:r>
-              <a:rPr lang="ko-KR" altLang="en-US" sz="2000"/>
-              <a:t>으로 </a:t>
-            </a:r>
-            <a:r>
-              <a:rPr lang="en-US" altLang="ko-KR" sz="2000"/>
-              <a:t>2x2 </a:t>
-            </a:r>
-            <a:r>
-              <a:rPr lang="ko-KR" altLang="en-US" sz="2000"/>
-              <a:t>필터를 적용하며, 2배 축소됨</a:t>
-            </a:r>
-            <a:endParaRPr lang="ko-KR" altLang="en-US" sz="2000"/>
-          </a:p>
-          <a:p>
-            <a:pPr>
-              <a:defRPr lang="ko-KR" altLang="en-US"/>
-            </a:pPr>
-            <a:r>
-              <a:rPr lang="ko-KR" altLang="en-US" sz="2000"/>
-              <a:t>일반적으로 필터 영역 내 가장 큰 값(</a:t>
-            </a:r>
-            <a:r>
-              <a:rPr lang="en-US" altLang="ko-KR" sz="2000"/>
-              <a:t>Max)</a:t>
-            </a:r>
-            <a:r>
-              <a:rPr lang="ko-KR" altLang="en-US" sz="2000"/>
-              <a:t>으로 가져옴</a:t>
-            </a:r>
-            <a:endParaRPr lang="ko-KR" altLang="en-US" sz="2000"/>
-          </a:p>
-        </p:txBody>
-      </p:sp>
-      <p:pic>
-        <p:nvPicPr>
-          <p:cNvPr id="4" name=""/>
-          <p:cNvPicPr>
-            <a:picLocks noChangeAspect="1"/>
-          </p:cNvPicPr>
-          <p:nvPr/>
-        </p:nvPicPr>
-        <p:blipFill rotWithShape="1">
-          <a:blip r:embed="rId2"/>
-          <a:stretch>
-            <a:fillRect/>
-          </a:stretch>
-        </p:blipFill>
-        <p:spPr>
-          <a:xfrm>
-            <a:off x="509587" y="3429000"/>
-            <a:ext cx="8124825" cy="2305050"/>
+            <a:off x="1043555" y="2974657"/>
+            <a:ext cx="6696838" cy="366713"/>
           </a:xfrm>
           <a:prstGeom prst="rect">
             <a:avLst/>
           </a:prstGeom>
         </p:spPr>
-      </p:pic>
+        <p:txBody>
+          <a:bodyPr wrap="square">
+            <a:spAutoFit/>
+          </a:bodyPr>
+          <a:p>
+            <a:pPr marL="257040" indent="-257040">
+              <a:buFont typeface="Arial"/>
+              <a:buNone/>
+              <a:defRPr lang="ko-KR" altLang="en-US"/>
+            </a:pPr>
+            <a:r>
+              <a:rPr lang="en-US" altLang="ko-KR"/>
+              <a:t>pooling layer</a:t>
+            </a:r>
+            <a:endParaRPr lang="en-US" altLang="ko-KR"/>
+          </a:p>
+        </p:txBody>
+      </p:sp>
     </p:spTree>
   </p:cSld>
   <p:clrMapOvr>

--- a/CNN-RNN-efficientDeeplearningSeminar/Compare CNN and RNN  and then efficient scheduling.pptx
+++ b/CNN-RNN-efficientDeeplearningSeminar/Compare CNN and RNN  and then efficient scheduling.pptx
@@ -2,7 +2,7 @@
 <file path=ppt/presentation.xml><?xml version="1.0" encoding="utf-8"?>
 <p:presentation xmlns:r="http://schemas.openxmlformats.org/officeDocument/2006/relationships" xmlns:c="http://schemas.openxmlformats.org/drawingml/2006/chart" xmlns:a="http://schemas.openxmlformats.org/drawingml/2006/main" xmlns:dgm="http://schemas.openxmlformats.org/drawingml/2006/diagram" xmlns:dsp="http://schemas.microsoft.com/office/drawing/2008/diagram" xmlns:p="http://schemas.openxmlformats.org/presentationml/2006/main" saveSubsetFonts="1">
   <p:sldMasterIdLst>
-    <p:sldMasterId id="2147483723" r:id="rId1"/>
+    <p:sldMasterId id="2147483761" r:id="rId1"/>
   </p:sldMasterIdLst>
   <p:notesMasterIdLst>
     <p:notesMasterId r:id="rId2"/>
@@ -39,6 +39,7 @@
     <p:sldId id="284" r:id="rId31"/>
     <p:sldId id="285" r:id="rId32"/>
     <p:sldId id="286" r:id="rId33"/>
+    <p:sldId id="287" r:id="rId34"/>
   </p:sldIdLst>
   <p:sldSz cx="9144000" cy="6858000"/>
   <p:notesSz cx="6858000" cy="9144000"/>
@@ -235,7 +236,7 @@
               <a:pPr lvl="0">
                 <a:defRPr lang="ko-KR" altLang="en-US"/>
               </a:pPr>
-              <a:t>2018-07-03</a:t>
+              <a:t>2018-07-04</a:t>
             </a:fld>
             <a:endParaRPr lang="ko-KR" altLang="en-US"/>
           </a:p>
@@ -619,7 +620,7 @@
               <a:pPr lvl="0">
                 <a:defRPr lang="ko-KR" altLang="en-US"/>
               </a:pPr>
-              <a:t>4</a:t>
+              <a:t>5</a:t>
             </a:fld>
             <a:endParaRPr lang="en-US" altLang="en-US"/>
           </a:p>
@@ -718,7 +719,7 @@
               <a:pPr lvl="0">
                 <a:defRPr lang="ko-KR" altLang="en-US"/>
               </a:pPr>
-              <a:t>6</a:t>
+              <a:t>7</a:t>
             </a:fld>
             <a:endParaRPr lang="en-US" altLang="en-US"/>
           </a:p>
@@ -817,7 +818,7 @@
               <a:pPr lvl="0">
                 <a:defRPr lang="ko-KR" altLang="en-US"/>
               </a:pPr>
-              <a:t>7</a:t>
+              <a:t>8</a:t>
             </a:fld>
             <a:endParaRPr lang="en-US" altLang="en-US"/>
           </a:p>
@@ -6151,8 +6152,8 @@
         </p:nvSpPr>
         <p:spPr>
           <a:xfrm>
-            <a:off x="1043305" y="2562860"/>
-            <a:ext cx="6336665" cy="2283460"/>
+            <a:off x="2195703" y="2562860"/>
+            <a:ext cx="6336665" cy="2007235"/>
           </a:xfrm>
           <a:prstGeom prst="rect">
             <a:avLst/>
@@ -6164,7 +6165,7 @@
           </a:bodyPr>
           <a:lstStyle/>
           <a:p>
-            <a:pPr marL="257175" indent="-257175" algn="l" defTabSz="871876" eaLnBrk="0">
+            <a:pPr marL="257175" indent="-257175" algn="l" defTabSz="858145" eaLnBrk="0">
               <a:lnSpc>
                 <a:spcPct val="100000"/>
               </a:lnSpc>
@@ -6178,19 +6179,19 @@
               <a:defRPr lang="ko-KR" altLang="en-US"/>
             </a:pPr>
             <a:r>
-              <a:rPr lang="en-US" altLang="ko-KR" sz="1800">
+              <a:rPr lang="ko-KR" altLang="en-US" sz="1800">
                 <a:latin typeface="함초롬돋움"/>
                 <a:ea typeface="함초롬돋움"/>
               </a:rPr>
-              <a:t>Training Speed Up demo</a:t>
-            </a:r>
-            <a:endParaRPr lang="en-US" altLang="ko-KR" sz="1800">
+              <a:t>효율적이고 안정적인 자원 스케줄링</a:t>
+            </a:r>
+            <a:endParaRPr lang="ko-KR" altLang="en-US" sz="1800">
               <a:latin typeface="함초롬돋움"/>
               <a:ea typeface="함초롬돋움"/>
             </a:endParaRPr>
           </a:p>
           <a:p>
-            <a:pPr marL="257175" indent="-257175" algn="l" defTabSz="871876" eaLnBrk="0">
+            <a:pPr marL="257175" indent="-257175" algn="l" defTabSz="858145" eaLnBrk="0">
               <a:lnSpc>
                 <a:spcPct val="100000"/>
               </a:lnSpc>
@@ -6216,7 +6217,7 @@
             </a:endParaRPr>
           </a:p>
           <a:p>
-            <a:pPr marL="257175" indent="-257175" algn="l" defTabSz="871876" eaLnBrk="0">
+            <a:pPr marL="257175" indent="-257175" algn="l" defTabSz="858145" eaLnBrk="0">
               <a:lnSpc>
                 <a:spcPct val="100000"/>
               </a:lnSpc>
@@ -6249,7 +6250,7 @@
             </a:endParaRPr>
           </a:p>
           <a:p>
-            <a:pPr marL="257175" indent="-257175" algn="l" defTabSz="871876" eaLnBrk="0">
+            <a:pPr marL="257175" indent="-257175" algn="l" defTabSz="858145" eaLnBrk="0">
               <a:lnSpc>
                 <a:spcPct val="100000"/>
               </a:lnSpc>
@@ -6275,7 +6276,7 @@
             </a:endParaRPr>
           </a:p>
           <a:p>
-            <a:pPr marL="257175" indent="-257175" algn="l" defTabSz="871876" eaLnBrk="0">
+            <a:pPr marL="257175" indent="-257175" algn="l" defTabSz="858145" eaLnBrk="0">
               <a:lnSpc>
                 <a:spcPct val="100000"/>
               </a:lnSpc>
@@ -6289,18 +6290,11 @@
               <a:defRPr lang="ko-KR" altLang="en-US"/>
             </a:pPr>
             <a:r>
-              <a:rPr lang="ko-KR" altLang="en-US" sz="1800">
-                <a:latin typeface="함초롬돋움"/>
-                <a:ea typeface="함초롬돋움"/>
-              </a:rPr>
-              <a:t>	- </a:t>
-            </a:r>
-            <a:r>
               <a:rPr lang="en-US" altLang="ko-KR" sz="1800">
                 <a:latin typeface="함초롬돋움"/>
                 <a:ea typeface="함초롬돋움"/>
               </a:rPr>
-              <a:t>Optimus</a:t>
+              <a:t>	- DRF &amp; Tetris demerit</a:t>
             </a:r>
             <a:endParaRPr lang="en-US" altLang="ko-KR" sz="1800">
               <a:latin typeface="함초롬돋움"/>
@@ -6308,7 +6302,7 @@
             </a:endParaRPr>
           </a:p>
           <a:p>
-            <a:pPr marL="257175" indent="-257175" algn="l" defTabSz="871876" eaLnBrk="0">
+            <a:pPr marL="257175" indent="-257175" algn="l" defTabSz="858145" eaLnBrk="0">
               <a:lnSpc>
                 <a:spcPct val="100000"/>
               </a:lnSpc>
@@ -6322,11 +6316,18 @@
               <a:defRPr lang="ko-KR" altLang="en-US"/>
             </a:pPr>
             <a:r>
+              <a:rPr lang="ko-KR" altLang="en-US" sz="1800">
+                <a:latin typeface="함초롬돋움"/>
+                <a:ea typeface="함초롬돋움"/>
+              </a:rPr>
+              <a:t>	- </a:t>
+            </a:r>
+            <a:r>
               <a:rPr lang="en-US" altLang="ko-KR" sz="1800">
                 <a:latin typeface="함초롬돋움"/>
                 <a:ea typeface="함초롬돋움"/>
               </a:rPr>
-              <a:t>	- Scheduling demo</a:t>
+              <a:t>Optimus demo</a:t>
             </a:r>
             <a:endParaRPr lang="en-US" altLang="ko-KR" sz="1800">
               <a:latin typeface="함초롬돋움"/>
@@ -6334,7 +6335,7 @@
             </a:endParaRPr>
           </a:p>
           <a:p>
-            <a:pPr marL="257175" indent="-257175" algn="l" defTabSz="844630" eaLnBrk="0">
+            <a:pPr marL="257175" indent="-257175" algn="l" defTabSz="831328" eaLnBrk="0">
               <a:lnSpc>
                 <a:spcPct val="100000"/>
               </a:lnSpc>
@@ -6359,35 +6360,9 @@
                 <a:latin typeface="함초롬돋움"/>
                 <a:ea typeface="함초롬돋움"/>
               </a:rPr>
-              <a:t>- Allocation resources dynamically</a:t>
-            </a:r>
-            <a:endParaRPr lang="ko-KR" altLang="en-US" sz="1800">
-              <a:latin typeface="함초롬돋움"/>
-              <a:ea typeface="함초롬돋움"/>
-            </a:endParaRPr>
-          </a:p>
-          <a:p>
-            <a:pPr marL="257175" indent="-257175" algn="l" defTabSz="871876" eaLnBrk="0">
-              <a:lnSpc>
-                <a:spcPct val="100000"/>
-              </a:lnSpc>
-              <a:spcBef>
-                <a:spcPts val="0"/>
-              </a:spcBef>
-              <a:spcAft>
-                <a:spcPts val="0"/>
-              </a:spcAft>
-              <a:buNone/>
-              <a:defRPr lang="ko-KR" altLang="en-US"/>
-            </a:pPr>
-            <a:r>
-              <a:rPr lang="en-US" altLang="ko-KR" sz="1800" strike="sngStrike">
-                <a:latin typeface="함초롬돋움"/>
-                <a:ea typeface="함초롬돋움"/>
-              </a:rPr>
-              <a:t>	- Efficient resouce scheduling for Kubernets Cluster</a:t>
-            </a:r>
-            <a:endParaRPr lang="en-US" altLang="ko-KR" sz="1800" strike="sngStrike">
+              <a:t>- System implementation demo</a:t>
+            </a:r>
+            <a:endParaRPr lang="en-US" altLang="ko-KR">
               <a:latin typeface="함초롬돋움"/>
               <a:ea typeface="함초롬돋움"/>
             </a:endParaRPr>
@@ -6480,6 +6455,22 @@
             </a:pPr>
             <a:r>
               <a:rPr lang="ko-KR" altLang="en-US"/>
+              <a:t>Optimus:An EfficientDynamic Resource Scheduler for Deep Learning Clusters </a:t>
+            </a:r>
+            <a:endParaRPr lang="ko-KR" altLang="en-US"/>
+          </a:p>
+          <a:p>
+            <a:pPr>
+              <a:defRPr lang="ko-KR" altLang="en-US"/>
+            </a:pPr>
+            <a:endParaRPr lang="ko-KR" altLang="en-US"/>
+          </a:p>
+          <a:p>
+            <a:pPr>
+              <a:defRPr lang="ko-KR" altLang="en-US"/>
+            </a:pPr>
+            <a:r>
+              <a:rPr lang="ko-KR" altLang="en-US"/>
               <a:t>효과적인 자원 관리를 통한 학습 속도 및 안정성 개선</a:t>
             </a:r>
             <a:endParaRPr lang="ko-KR" altLang="en-US"/>
@@ -6496,23 +6487,7 @@
             </a:pPr>
             <a:r>
               <a:rPr lang="ko-KR" altLang="en-US"/>
-              <a:t>Optimus:An EfficientDynamic Resource Scheduler for Deep Learning Clusters </a:t>
-            </a:r>
-            <a:endParaRPr lang="ko-KR" altLang="en-US"/>
-          </a:p>
-          <a:p>
-            <a:pPr>
-              <a:defRPr lang="ko-KR" altLang="en-US"/>
-            </a:pPr>
-            <a:endParaRPr lang="ko-KR" altLang="en-US"/>
-          </a:p>
-          <a:p>
-            <a:pPr>
-              <a:defRPr lang="ko-KR" altLang="en-US"/>
-            </a:pPr>
-            <a:r>
-              <a:rPr lang="ko-KR" altLang="en-US"/>
-              <a:t>홍콩 대학, 컴퓨터 사이언스 대학원</a:t>
+              <a:t>홍콩 대학, 컴퓨터 사이언스 학과</a:t>
             </a:r>
             <a:endParaRPr lang="ko-KR" altLang="en-US"/>
           </a:p>
@@ -6888,7 +6863,7 @@
             </a:pPr>
             <a:r>
               <a:rPr lang="en-US" altLang="ko-KR"/>
-              <a:t>Optimus</a:t>
+              <a:t>DRF &amp; Tetris demerit</a:t>
             </a:r>
             <a:endParaRPr lang="en-US" altLang="ko-KR"/>
           </a:p>
@@ -6914,9 +6889,55 @@
             </a:pPr>
             <a:r>
               <a:rPr lang="en-US" altLang="ko-KR"/>
-              <a:t/>
-            </a:r>
-            <a:endParaRPr lang="ko-KR" altLang="en-US"/>
+              <a:t>Resource allocation of existing scheduler is inefficiently.</a:t>
+            </a:r>
+            <a:endParaRPr lang="en-US" altLang="ko-KR"/>
+          </a:p>
+          <a:p>
+            <a:pPr>
+              <a:defRPr lang="ko-KR" altLang="en-US"/>
+            </a:pPr>
+            <a:endParaRPr lang="en-US" altLang="ko-KR"/>
+          </a:p>
+          <a:p>
+            <a:pPr>
+              <a:defRPr lang="ko-KR" altLang="en-US"/>
+            </a:pPr>
+            <a:r>
+              <a:rPr lang="en-US" altLang="ko-KR"/>
+              <a:t>Waste resource </a:t>
+            </a:r>
+            <a:br>
+              <a:rPr lang="en-US" altLang="ko-KR"/>
+            </a:br>
+            <a:r>
+              <a:rPr lang="en-US" altLang="ko-KR" sz="1800"/>
+              <a:t>- Increasement of a job completion time</a:t>
+            </a:r>
+            <a:endParaRPr lang="en-US" altLang="ko-KR"/>
+          </a:p>
+          <a:p>
+            <a:pPr>
+              <a:defRPr lang="ko-KR" altLang="en-US"/>
+            </a:pPr>
+            <a:endParaRPr lang="en-US" altLang="ko-KR"/>
+          </a:p>
+          <a:p>
+            <a:pPr>
+              <a:defRPr lang="ko-KR" altLang="en-US"/>
+            </a:pPr>
+            <a:r>
+              <a:rPr lang="en-US" altLang="ko-KR"/>
+              <a:t>Lack resource</a:t>
+            </a:r>
+            <a:br>
+              <a:rPr lang="en-US" altLang="ko-KR"/>
+            </a:br>
+            <a:r>
+              <a:rPr lang="en-US" altLang="ko-KR" sz="1800"/>
+              <a:t>- Fault job</a:t>
+            </a:r>
+            <a:endParaRPr lang="en-US" altLang="ko-KR" sz="1800"/>
           </a:p>
         </p:txBody>
       </p:sp>
@@ -6974,11 +6995,11 @@
         </p:spPr>
         <p:txBody>
           <a:bodyPr vert="horz" wrap="square" lIns="91440" tIns="45720" rIns="91440" bIns="45720" anchor="ctr">
-            <a:normAutofit fontScale="90000"/>
+            <a:normAutofit/>
           </a:bodyPr>
           <a:lstStyle/>
           <a:p>
-            <a:pPr marL="257175" indent="-257175" algn="l" defTabSz="900000">
+            <a:pPr marL="257175" indent="-257175" algn="l" defTabSz="885826">
               <a:lnSpc>
                 <a:spcPct val="100000"/>
               </a:lnSpc>
@@ -6996,9 +7017,9 @@
                 <a:latin typeface="함초롬돋움"/>
                 <a:ea typeface="함초롬돋움"/>
               </a:rPr>
-              <a:t>Allocation resources dynamically</a:t>
-            </a:r>
-            <a:endParaRPr lang="ko-KR" altLang="en-US" sz="4400">
+              <a:t>Optimus demo</a:t>
+            </a:r>
+            <a:endParaRPr lang="en-US" altLang="ko-KR" sz="4400">
               <a:latin typeface="함초롬돋움"/>
               <a:ea typeface="함초롬돋움"/>
             </a:endParaRPr>
@@ -7015,8 +7036,8 @@
         </p:nvSpPr>
         <p:spPr>
           <a:xfrm>
-            <a:off x="457200" y="1978025"/>
-            <a:ext cx="8507730" cy="3154045"/>
+            <a:off x="457200" y="1270947"/>
+            <a:ext cx="8507730" cy="5261298"/>
           </a:xfrm>
           <a:prstGeom prst="rect">
             <a:avLst/>
@@ -7028,7 +7049,7 @@
           </a:bodyPr>
           <a:lstStyle/>
           <a:p>
-            <a:pPr marL="0" indent="0" algn="l" defTabSz="900000" eaLnBrk="0">
+            <a:pPr marL="0" indent="0" algn="l" defTabSz="885826" eaLnBrk="0">
               <a:lnSpc>
                 <a:spcPct val="100000"/>
               </a:lnSpc>
@@ -7042,33 +7063,33 @@
               <a:defRPr lang="ko-KR" altLang="en-US"/>
             </a:pPr>
             <a:r>
-              <a:rPr lang="en-US" altLang="ko-KR" sz="1800">
+              <a:rPr lang="en-US" altLang="ko-KR" sz="1600">
                 <a:latin typeface="함초롬돋움"/>
                 <a:ea typeface="함초롬돋움"/>
               </a:rPr>
               <a:t>1) 기존 동기/비동기 수식으로부터 작업을 대기 중인 파라메터들을 포함한 전체 작업 시간은 </a:t>
             </a:r>
             <a:r>
-              <a:rPr lang="en-US" altLang="ko-KR" sz="2100" b="1">
+              <a:rPr lang="en-US" altLang="ko-KR" sz="1900" b="1">
                 <a:latin typeface="함초롬돋움"/>
                 <a:ea typeface="함초롬돋움"/>
               </a:rPr>
               <a:t>Q/f(p,w)</a:t>
             </a:r>
             <a:r>
-              <a:rPr lang="en-US" altLang="ko-KR" sz="1800">
+              <a:rPr lang="en-US" altLang="ko-KR" sz="1600">
                 <a:latin typeface="함초롬돋움"/>
                 <a:ea typeface="함초롬돋움"/>
               </a:rPr>
               <a:t> 가 된다. 따라서, 작업 시간이 느릴 수록, 전체 epoch/step의 완료 시간에 영향을 줄 수 밖에 없다.</a:t>
             </a:r>
-            <a:endParaRPr lang="en-US" altLang="ko-KR" sz="1800">
+            <a:endParaRPr lang="en-US" altLang="ko-KR" sz="1600">
               <a:latin typeface="함초롬돋움"/>
               <a:ea typeface="함초롬돋움"/>
             </a:endParaRPr>
           </a:p>
           <a:p>
-            <a:pPr marL="0" indent="0" algn="l" defTabSz="900000" eaLnBrk="0">
+            <a:pPr marL="0" indent="0" algn="l" defTabSz="885826" eaLnBrk="0">
               <a:lnSpc>
                 <a:spcPct val="100000"/>
               </a:lnSpc>
@@ -7081,13 +7102,13 @@
               <a:buNone/>
               <a:defRPr lang="ko-KR" altLang="en-US"/>
             </a:pPr>
-            <a:endParaRPr lang="ko-KR" altLang="en-US" sz="1800">
+            <a:endParaRPr lang="en-US" altLang="ko-KR" sz="1600">
               <a:latin typeface="함초롬돋움"/>
               <a:ea typeface="함초롬돋움"/>
             </a:endParaRPr>
           </a:p>
           <a:p>
-            <a:pPr marL="0" indent="0" algn="l" defTabSz="900000" eaLnBrk="0">
+            <a:pPr marL="0" indent="0" algn="l" defTabSz="885826" eaLnBrk="0">
               <a:lnSpc>
                 <a:spcPct val="100000"/>
               </a:lnSpc>
@@ -7101,19 +7122,82 @@
               <a:defRPr lang="ko-KR" altLang="en-US"/>
             </a:pPr>
             <a:r>
-              <a:rPr lang="en-US" altLang="ko-KR" sz="1800">
+              <a:rPr lang="en-US" altLang="ko-KR" sz="1600">
                 <a:latin typeface="함초롬돋움"/>
                 <a:ea typeface="함초롬돋움"/>
               </a:rPr>
-              <a:t>2) 효과적으로 분산 처리 딥러닝 프레임워크를 사용하려면, 당연히 자원을 효율적으로 사용할 수 있도록 분배해야한다.</a:t>
-            </a:r>
-            <a:endParaRPr lang="en-US" altLang="ko-KR" sz="1800">
+              <a:t>2)</a:t>
+            </a:r>
+            <a:r>
+              <a:rPr lang="ko-KR" altLang="en-US" sz="1600">
+                <a:latin typeface="함초롬돋움"/>
+                <a:ea typeface="함초롬돋움"/>
+              </a:rPr>
+              <a:t> </a:t>
+            </a:r>
+            <a:r>
+              <a:rPr lang="en-US" altLang="ko-KR" sz="1600">
+                <a:latin typeface="함초롬돋움"/>
+                <a:ea typeface="함초롬돋움"/>
+              </a:rPr>
+              <a:t>Optimus</a:t>
+            </a:r>
+            <a:r>
+              <a:rPr lang="ko-KR" altLang="en-US" sz="1600">
+                <a:latin typeface="함초롬돋움"/>
+                <a:ea typeface="함초롬돋움"/>
+              </a:rPr>
+              <a:t>에서는 평균 작업 완료 시간을 최소화하기 위하여,</a:t>
+            </a:r>
+            <a:r>
+              <a:rPr lang="en-US" altLang="ko-KR" sz="1600">
+                <a:latin typeface="함초롬돋움"/>
+                <a:ea typeface="함초롬돋움"/>
+              </a:rPr>
+              <a:t> Worker</a:t>
+            </a:r>
+            <a:r>
+              <a:rPr lang="ko-KR" altLang="en-US" sz="1600">
+                <a:latin typeface="함초롬돋움"/>
+                <a:ea typeface="함초롬돋움"/>
+              </a:rPr>
+              <a:t>와 </a:t>
+            </a:r>
+            <a:r>
+              <a:rPr lang="en-US" altLang="ko-KR" sz="1600">
+                <a:latin typeface="함초롬돋움"/>
+                <a:ea typeface="함초롬돋움"/>
+              </a:rPr>
+              <a:t>Parameter Server, </a:t>
+            </a:r>
+            <a:r>
+              <a:rPr lang="ko-KR" altLang="en-US" sz="1600">
+                <a:latin typeface="함초롬돋움"/>
+                <a:ea typeface="함초롬돋움"/>
+              </a:rPr>
+              <a:t>그리고 </a:t>
+            </a:r>
+            <a:r>
+              <a:rPr lang="en-US" altLang="ko-KR" sz="1600">
+                <a:latin typeface="함초롬돋움"/>
+                <a:ea typeface="함초롬돋움"/>
+              </a:rPr>
+              <a:t>Resource</a:t>
+            </a:r>
+            <a:r>
+              <a:rPr lang="ko-KR" altLang="en-US" sz="1600">
+                <a:latin typeface="함초롬돋움"/>
+                <a:ea typeface="함초롬돋움"/>
+              </a:rPr>
+              <a:t> 간 필요 자원 할당을 매번 업데이트한다.</a:t>
+            </a:r>
+            <a:endParaRPr lang="ko-KR" altLang="en-US" sz="1600">
               <a:latin typeface="함초롬돋움"/>
               <a:ea typeface="함초롬돋움"/>
             </a:endParaRPr>
           </a:p>
           <a:p>
-            <a:pPr marL="0" indent="0" algn="l" defTabSz="900000" eaLnBrk="0">
+            <a:pPr marL="0" indent="0" algn="l" defTabSz="885826" eaLnBrk="0">
               <a:lnSpc>
                 <a:spcPct val="100000"/>
               </a:lnSpc>
@@ -7126,20 +7210,13 @@
               <a:buNone/>
               <a:defRPr lang="ko-KR" altLang="en-US"/>
             </a:pPr>
-            <a:r>
-              <a:rPr lang="en-US" altLang="ko-KR" sz="1800">
-                <a:latin typeface="함초롬돋움"/>
-                <a:ea typeface="함초롬돋움"/>
-              </a:rPr>
-              <a:t>일반적으로 서로 다른 타입으로 구현된 서버 리소스들(CPU, GPU, Memory, Storage)을 계산하고, 딥러닝 작업을 수행한 Device의 자원 내에서 효율적으로 작업이 배치될 수 있도록 해야하며, 다음과 같은 수식을 제안하고 있다.</a:t>
-            </a:r>
-            <a:endParaRPr lang="en-US" altLang="ko-KR" sz="1800">
+            <a:endParaRPr lang="ko-KR" altLang="en-US" sz="1600">
               <a:latin typeface="함초롬돋움"/>
               <a:ea typeface="함초롬돋움"/>
             </a:endParaRPr>
           </a:p>
           <a:p>
-            <a:pPr marL="0" indent="0" algn="l" defTabSz="900000" eaLnBrk="0">
+            <a:pPr marL="0" indent="0" algn="l" defTabSz="885826" eaLnBrk="0">
               <a:lnSpc>
                 <a:spcPct val="100000"/>
               </a:lnSpc>
@@ -7152,13 +7229,41 @@
               <a:buNone/>
               <a:defRPr lang="ko-KR" altLang="en-US"/>
             </a:pPr>
-            <a:endParaRPr lang="ko-KR" altLang="en-US" sz="1800">
+            <a:r>
+              <a:rPr lang="en-US" altLang="ko-KR" sz="1600">
+                <a:latin typeface="함초롬돋움"/>
+                <a:ea typeface="함초롬돋움"/>
+              </a:rPr>
+              <a:t>3) Optimus</a:t>
+            </a:r>
+            <a:r>
+              <a:rPr lang="ko-KR" altLang="en-US" sz="1600">
+                <a:latin typeface="함초롬돋움"/>
+                <a:ea typeface="함초롬돋움"/>
+              </a:rPr>
+              <a:t>에서 작업 완료 시간을 최적화하기 위해서는 각 </a:t>
+            </a:r>
+            <a:r>
+              <a:rPr lang="en-US" altLang="ko-KR" sz="1600">
+                <a:latin typeface="함초롬돋움"/>
+                <a:ea typeface="함초롬돋움"/>
+              </a:rPr>
+              <a:t>Dynamic resource </a:t>
+            </a:r>
+            <a:r>
+              <a:rPr lang="ko-KR" altLang="en-US" sz="1600">
+                <a:latin typeface="함초롬돋움"/>
+                <a:ea typeface="함초롬돋움"/>
+              </a:rPr>
+              <a:t>할당은 아래와 같은 수식을 따라야한다.</a:t>
+            </a:r>
+            <a:endParaRPr lang="ko-KR" altLang="en-US" sz="1600">
               <a:latin typeface="함초롬돋움"/>
               <a:ea typeface="함초롬돋움"/>
             </a:endParaRPr>
           </a:p>
           <a:p>
-            <a:pPr marL="0" indent="0" algn="l" defTabSz="900000" eaLnBrk="0">
+            <a:pPr marL="0" indent="0" algn="l" defTabSz="885826" eaLnBrk="0">
               <a:lnSpc>
                 <a:spcPct val="100000"/>
               </a:lnSpc>
@@ -7171,38 +7276,13 @@
               <a:buNone/>
               <a:defRPr lang="ko-KR" altLang="en-US"/>
             </a:pPr>
-            <a:endParaRPr lang="ko-KR" altLang="en-US" sz="1800">
+            <a:endParaRPr lang="ko-KR" altLang="en-US" sz="1600">
               <a:latin typeface="함초롬돋움"/>
               <a:ea typeface="함초롬돋움"/>
             </a:endParaRPr>
           </a:p>
-        </p:txBody>
-      </p:sp>
-      <p:sp>
-        <p:nvSpPr>
-          <p:cNvPr id="5" name="Text Box 1"/>
-          <p:cNvSpPr txBox="1">
-            <a:spLocks noGrp="1" noChangeArrowheads="1"/>
-          </p:cNvSpPr>
-          <p:nvPr/>
-        </p:nvSpPr>
-        <p:spPr>
-          <a:xfrm>
-            <a:off x="1953895" y="4984750"/>
-            <a:ext cx="4860290" cy="321945"/>
-          </a:xfrm>
-          <a:prstGeom prst="rect">
-            <a:avLst/>
-          </a:prstGeom>
-          <a:ln w="0">
-            <a:noFill/>
-          </a:ln>
-        </p:spPr>
-        <p:txBody>
-          <a:bodyPr vert="horz" wrap="square" lIns="0" tIns="0" rIns="0" bIns="0" anchor="t"/>
-          <a:lstStyle/>
-          <a:p>
-            <a:pPr marL="0" indent="0" algn="l" defTabSz="500000">
+          <a:p>
+            <a:pPr marL="0" indent="0" algn="l" defTabSz="885826" eaLnBrk="0">
               <a:lnSpc>
                 <a:spcPct val="100000"/>
               </a:lnSpc>
@@ -7215,26 +7295,378 @@
               <a:buNone/>
               <a:defRPr lang="ko-KR" altLang="en-US"/>
             </a:pPr>
-            <a:r>
-              <a:rPr lang="en-US" altLang="ko-KR" sz="2100" b="1">
+            <a:endParaRPr lang="ko-KR" altLang="en-US" sz="1600">
+              <a:latin typeface="함초롬돋움"/>
+              <a:ea typeface="함초롬돋움"/>
+            </a:endParaRPr>
+          </a:p>
+          <a:p>
+            <a:pPr marL="0" indent="0" algn="l" defTabSz="885826" eaLnBrk="0">
+              <a:lnSpc>
+                <a:spcPct val="100000"/>
+              </a:lnSpc>
+              <a:spcBef>
+                <a:spcPts val="0"/>
+              </a:spcBef>
+              <a:spcAft>
+                <a:spcPts val="0"/>
+              </a:spcAft>
+              <a:buNone/>
+              <a:defRPr lang="ko-KR" altLang="en-US"/>
+            </a:pPr>
+            <a:endParaRPr lang="ko-KR" altLang="en-US" sz="1600">
+              <a:latin typeface="함초롬돋움"/>
+              <a:ea typeface="함초롬돋움"/>
+            </a:endParaRPr>
+          </a:p>
+          <a:p>
+            <a:pPr marL="0" indent="0" algn="l" defTabSz="885826" eaLnBrk="0">
+              <a:lnSpc>
+                <a:spcPct val="100000"/>
+              </a:lnSpc>
+              <a:spcBef>
+                <a:spcPts val="0"/>
+              </a:spcBef>
+              <a:spcAft>
+                <a:spcPts val="0"/>
+              </a:spcAft>
+              <a:buNone/>
+              <a:defRPr lang="ko-KR" altLang="en-US"/>
+            </a:pPr>
+            <a:endParaRPr lang="ko-KR" altLang="en-US" sz="1600">
+              <a:latin typeface="함초롬돋움"/>
+              <a:ea typeface="함초롬돋움"/>
+            </a:endParaRPr>
+          </a:p>
+          <a:p>
+            <a:pPr marL="0" indent="0" algn="l" defTabSz="885826" eaLnBrk="0">
+              <a:lnSpc>
+                <a:spcPct val="100000"/>
+              </a:lnSpc>
+              <a:spcBef>
+                <a:spcPts val="0"/>
+              </a:spcBef>
+              <a:spcAft>
+                <a:spcPts val="0"/>
+              </a:spcAft>
+              <a:buNone/>
+              <a:defRPr lang="ko-KR" altLang="en-US"/>
+            </a:pPr>
+            <a:endParaRPr lang="ko-KR" altLang="en-US" sz="1600">
+              <a:latin typeface="함초롬돋움"/>
+              <a:ea typeface="함초롬돋움"/>
+            </a:endParaRPr>
+          </a:p>
+          <a:p>
+            <a:pPr marL="0" indent="0" algn="l" defTabSz="885826" eaLnBrk="0">
+              <a:lnSpc>
+                <a:spcPct val="100000"/>
+              </a:lnSpc>
+              <a:spcBef>
+                <a:spcPts val="0"/>
+              </a:spcBef>
+              <a:spcAft>
+                <a:spcPts val="0"/>
+              </a:spcAft>
+              <a:buNone/>
+              <a:defRPr lang="ko-KR" altLang="en-US"/>
+            </a:pPr>
+            <a:r>
+              <a:rPr lang="ko-KR" altLang="en-US" sz="1600">
+                <a:latin typeface="함초롬돋움"/>
+                <a:ea typeface="함초롬돋움"/>
+              </a:rPr>
+              <a:t>4) 그러나 최적화하기 위한 기법에서 </a:t>
+            </a:r>
+            <a:r>
+              <a:rPr lang="en-US" altLang="ko-KR" sz="1600">
+                <a:latin typeface="함초롬돋움"/>
+                <a:ea typeface="함초롬돋움"/>
+              </a:rPr>
+              <a:t>Q/f(p,w)</a:t>
+            </a:r>
+            <a:r>
+              <a:rPr lang="ko-KR" altLang="en-US" sz="1600">
+                <a:latin typeface="함초롬돋움"/>
+                <a:ea typeface="함초롬돋움"/>
+              </a:rPr>
+              <a:t>는 </a:t>
+            </a:r>
+            <a:r>
+              <a:rPr lang="en-US" altLang="ko-KR" sz="1600">
+                <a:latin typeface="함초롬돋움"/>
+                <a:ea typeface="함초롬돋움"/>
+              </a:rPr>
+              <a:t>Worker</a:t>
+            </a:r>
+            <a:r>
+              <a:rPr lang="ko-KR" altLang="en-US" sz="1600">
+                <a:latin typeface="함초롬돋움"/>
+                <a:ea typeface="함초롬돋움"/>
+              </a:rPr>
+              <a:t>와 </a:t>
+            </a:r>
+            <a:r>
+              <a:rPr lang="en-US" altLang="ko-KR" sz="1600">
+                <a:latin typeface="함초롬돋움"/>
+                <a:ea typeface="함초롬돋움"/>
+              </a:rPr>
+              <a:t>Parameter </a:t>
+            </a:r>
+            <a:r>
+              <a:rPr lang="ko-KR" altLang="en-US" sz="1600">
+                <a:latin typeface="함초롬돋움"/>
+                <a:ea typeface="함초롬돋움"/>
+              </a:rPr>
+              <a:t>관계가 서로 선형적이지 않기 때문에 매 시점에서 </a:t>
+            </a:r>
+            <a:r>
+              <a:rPr lang="en-US" altLang="ko-KR" sz="1600">
+                <a:latin typeface="함초롬돋움"/>
+                <a:ea typeface="함초롬돋움"/>
+              </a:rPr>
+              <a:t>marginal gain</a:t>
+            </a:r>
+            <a:r>
+              <a:rPr lang="ko-KR" altLang="en-US" sz="1600">
+                <a:latin typeface="함초롬돋움"/>
+                <a:ea typeface="함초롬돋움"/>
+              </a:rPr>
+              <a:t>으로 만족하는 값을 찾아야한다.</a:t>
+            </a:r>
+            <a:endParaRPr lang="ko-KR" altLang="en-US" sz="1600">
+              <a:latin typeface="함초롬돋움"/>
+              <a:ea typeface="함초롬돋움"/>
+            </a:endParaRPr>
+          </a:p>
+          <a:p>
+            <a:pPr marL="0" indent="0" algn="l" defTabSz="885826" eaLnBrk="0">
+              <a:lnSpc>
+                <a:spcPct val="100000"/>
+              </a:lnSpc>
+              <a:spcBef>
+                <a:spcPts val="0"/>
+              </a:spcBef>
+              <a:spcAft>
+                <a:spcPts val="0"/>
+              </a:spcAft>
+              <a:buNone/>
+              <a:defRPr lang="ko-KR" altLang="en-US"/>
+            </a:pPr>
+            <a:endParaRPr lang="ko-KR" altLang="en-US" sz="1600">
+              <a:latin typeface="함초롬돋움"/>
+              <a:ea typeface="함초롬돋움"/>
+            </a:endParaRPr>
+          </a:p>
+          <a:p>
+            <a:pPr marL="0" indent="0" algn="l" defTabSz="885826" eaLnBrk="0">
+              <a:lnSpc>
+                <a:spcPct val="100000"/>
+              </a:lnSpc>
+              <a:spcBef>
+                <a:spcPts val="0"/>
+              </a:spcBef>
+              <a:spcAft>
+                <a:spcPts val="0"/>
+              </a:spcAft>
+              <a:buNone/>
+              <a:defRPr lang="ko-KR" altLang="en-US"/>
+            </a:pPr>
+            <a:endParaRPr lang="ko-KR" altLang="en-US" sz="1600">
+              <a:latin typeface="함초롬돋움"/>
+              <a:ea typeface="함초롬돋움"/>
+            </a:endParaRPr>
+          </a:p>
+          <a:p>
+            <a:pPr marL="0" indent="0" algn="l" defTabSz="885826" eaLnBrk="0">
+              <a:lnSpc>
+                <a:spcPct val="100000"/>
+              </a:lnSpc>
+              <a:spcBef>
+                <a:spcPts val="0"/>
+              </a:spcBef>
+              <a:spcAft>
+                <a:spcPts val="0"/>
+              </a:spcAft>
+              <a:buNone/>
+              <a:defRPr lang="ko-KR" altLang="en-US"/>
+            </a:pPr>
+            <a:endParaRPr lang="ko-KR" altLang="en-US" sz="1600">
+              <a:latin typeface="함초롬돋움"/>
+              <a:ea typeface="함초롬돋움"/>
+            </a:endParaRPr>
+          </a:p>
+          <a:p>
+            <a:pPr>
+              <a:defRPr lang="ko-KR" altLang="en-US"/>
+            </a:pPr>
+            <a:r>
+              <a:rPr lang="ko-KR" altLang="en-US" sz="1600">
+                <a:latin typeface="함초롬돋움"/>
+                <a:ea typeface="함초롬돋움"/>
+              </a:rPr>
+              <a:t>5</a:t>
+            </a:r>
+            <a:r>
+              <a:rPr lang="ko-KR" altLang="en-US" sz="1600"/>
+              <a:t>) 하나의 </a:t>
+            </a:r>
+            <a:r>
+              <a:rPr lang="en-US" altLang="ko-KR" sz="1600"/>
+              <a:t>Worker</a:t>
+            </a:r>
+            <a:r>
+              <a:rPr lang="ko-KR" altLang="en-US" sz="1600"/>
+              <a:t>나 </a:t>
+            </a:r>
+            <a:r>
+              <a:rPr lang="en-US" altLang="ko-KR" sz="1600"/>
+              <a:t>Parameter Server</a:t>
+            </a:r>
+            <a:r>
+              <a:rPr lang="ko-KR" altLang="en-US" sz="1600"/>
+              <a:t>가 추가될 때, 작업 완료 시간은 </a:t>
+            </a:r>
+            <a:endParaRPr lang="ko-KR" altLang="en-US" sz="1600"/>
+          </a:p>
+          <a:p>
+            <a:pPr>
+              <a:defRPr lang="ko-KR" altLang="en-US"/>
+            </a:pPr>
+            <a:r>
+              <a:rPr lang="ko-KR" altLang="en-US" sz="1600"/>
+              <a:t>    </a:t>
+            </a:r>
+            <a:r>
+              <a:rPr lang="en-US" altLang="ko-KR" sz="1600"/>
+              <a:t>Q/f(p,w)</a:t>
+            </a:r>
+            <a:r>
+              <a:rPr lang="en-US" altLang="ko-KR" sz="1600" baseline="-24000">
                 <a:solidFill>
                   <a:schemeClr val="tx1"/>
                 </a:solidFill>
-                <a:latin typeface="NanumGothic"/>
-                <a:ea typeface="NanumGothic"/>
               </a:rPr>
-              <a:t>Sigma(wj·Oj+pj·Nj) ≤ C</a:t>
-            </a:r>
-            <a:endParaRPr lang="ko-KR" altLang="en-US" sz="2100" b="1">
-              <a:solidFill>
-                <a:schemeClr val="tx1"/>
-              </a:solidFill>
-              <a:latin typeface="NanumGothic"/>
-              <a:ea typeface="NanumGothic"/>
-            </a:endParaRPr>
-          </a:p>
-        </p:txBody>
-      </p:sp>
+              <a:t>i</a:t>
+            </a:r>
+            <a:r>
+              <a:rPr lang="en-US" altLang="ko-KR" sz="1600"/>
+              <a:t> - Q/f(p,w)</a:t>
+            </a:r>
+            <a:r>
+              <a:rPr lang="en-US" altLang="ko-KR" sz="1600" baseline="-24000">
+                <a:solidFill>
+                  <a:schemeClr val="tx1"/>
+                </a:solidFill>
+              </a:rPr>
+              <a:t>i+1</a:t>
+            </a:r>
+            <a:r>
+              <a:rPr lang="en-US" altLang="ko-KR" sz="1600"/>
+              <a:t> </a:t>
+            </a:r>
+            <a:r>
+              <a:rPr lang="ko-KR" altLang="en-US" sz="1600"/>
+              <a:t>만큼 감소함을 얻을 수 있다.</a:t>
+            </a:r>
+            <a:endParaRPr lang="ko-KR" altLang="en-US" sz="1600"/>
+          </a:p>
+        </p:txBody>
+      </p:sp>
+      <p:pic>
+        <p:nvPicPr>
+          <p:cNvPr id="13" name=""/>
+          <p:cNvPicPr>
+            <a:picLocks noChangeAspect="1"/>
+          </p:cNvPicPr>
+          <p:nvPr/>
+        </p:nvPicPr>
+        <p:blipFill rotWithShape="1">
+          <a:blip r:embed="rId2"/>
+          <a:stretch>
+            <a:fillRect/>
+          </a:stretch>
+        </p:blipFill>
+        <p:spPr>
+          <a:xfrm>
+            <a:off x="1403604" y="3627642"/>
+            <a:ext cx="2088261" cy="989990"/>
+          </a:xfrm>
+          <a:prstGeom prst="rect">
+            <a:avLst/>
+          </a:prstGeom>
+        </p:spPr>
+      </p:pic>
+      <p:grpSp>
+        <p:nvGrpSpPr>
+          <p:cNvPr id="16" name=""/>
+          <p:cNvGrpSpPr/>
+          <p:nvPr/>
+        </p:nvGrpSpPr>
+        <p:grpSpPr>
+          <a:xfrm rot="0">
+            <a:off x="1403602" y="5384480"/>
+            <a:ext cx="5423917" cy="409580"/>
+            <a:chOff x="3199254" y="4707777"/>
+            <a:chExt cx="5423917" cy="409580"/>
+          </a:xfrm>
+        </p:grpSpPr>
+        <p:pic>
+          <p:nvPicPr>
+            <p:cNvPr id="9" name=""/>
+            <p:cNvPicPr>
+              <a:picLocks noChangeAspect="1"/>
+            </p:cNvPicPr>
+            <p:nvPr/>
+          </p:nvPicPr>
+          <p:blipFill rotWithShape="1">
+            <a:blip r:embed="rId3"/>
+            <a:stretch>
+              <a:fillRect/>
+            </a:stretch>
+          </p:blipFill>
+          <p:spPr>
+            <a:xfrm>
+              <a:off x="4207382" y="4707777"/>
+              <a:ext cx="4415790" cy="409580"/>
+            </a:xfrm>
+            <a:prstGeom prst="rect">
+              <a:avLst/>
+            </a:prstGeom>
+          </p:spPr>
+        </p:pic>
+        <p:sp>
+          <p:nvSpPr>
+            <p:cNvPr id="14" name=""/>
+            <p:cNvSpPr txBox="1"/>
+            <p:nvPr/>
+          </p:nvSpPr>
+          <p:spPr>
+            <a:xfrm>
+              <a:off x="3199254" y="4768930"/>
+              <a:ext cx="1008126" cy="291271"/>
+            </a:xfrm>
+            <a:prstGeom prst="rect">
+              <a:avLst/>
+            </a:prstGeom>
+          </p:spPr>
+          <p:txBody>
+            <a:bodyPr wrap="square">
+              <a:spAutoFit/>
+            </a:bodyPr>
+            <a:p>
+              <a:pPr>
+                <a:defRPr lang="ko-KR" altLang="en-US"/>
+              </a:pPr>
+              <a:r>
+                <a:rPr lang="en-US" altLang="ko-KR" sz="1300"/>
+                <a:t>Q/f(p,w) =</a:t>
+              </a:r>
+              <a:endParaRPr lang="en-US" altLang="ko-KR" sz="1300"/>
+            </a:p>
+          </p:txBody>
+        </p:sp>
+      </p:grpSp>
     </p:spTree>
   </p:cSld>
   <p:clrMapOvr>
@@ -7248,13 +7680,6 @@
       <p:transition/>
     </mc:Fallback>
   </mc:AlternateContent>
-  <p:timing>
-    <p:tnLst>
-      <p:par>
-        <p:cTn id="1" dur="indefinite" restart="never" nodeType="tmRoot"/>
-      </p:par>
-    </p:tnLst>
-  </p:timing>
 </p:sld>
 </file>
 
@@ -7295,7 +7720,7 @@
             </a:pPr>
             <a:r>
               <a:rPr lang="en-US" altLang="ko-KR"/>
-              <a:t>Scheduling Demo</a:t>
+              <a:t>System implementation demo</a:t>
             </a:r>
             <a:endParaRPr lang="en-US" altLang="ko-KR"/>
           </a:p>
@@ -7317,10 +7742,47 @@
           <a:lstStyle/>
           <a:p>
             <a:pPr>
-              <a:buNone/>
-              <a:defRPr lang="ko-KR" altLang="en-US"/>
-            </a:pPr>
-            <a:endParaRPr lang="en-US" altLang="ko-KR"/>
+              <a:defRPr lang="ko-KR" altLang="en-US"/>
+            </a:pPr>
+            <a:r>
+              <a:rPr lang="en-US" altLang="ko-KR"/>
+              <a:t>Data Serving</a:t>
+            </a:r>
+            <a:br>
+              <a:rPr lang="en-US" altLang="ko-KR"/>
+            </a:br>
+            <a:r>
+              <a:rPr lang="en-US" altLang="ko-KR" sz="1800"/>
+              <a:t>- HDFS</a:t>
+            </a:r>
+            <a:r>
+              <a:rPr lang="ko-KR" altLang="en-US" sz="1800"/>
+              <a:t>를 활용</a:t>
+            </a:r>
+            <a:br>
+              <a:rPr lang="ko-KR" altLang="en-US" sz="1800"/>
+            </a:br>
+            <a:r>
+              <a:rPr lang="ko-KR" altLang="en-US" sz="1800"/>
+              <a:t>- </a:t>
+            </a:r>
+            <a:r>
+              <a:rPr lang="en-US" altLang="ko-KR" sz="1800"/>
+              <a:t>RR </a:t>
+            </a:r>
+            <a:r>
+              <a:rPr lang="ko-KR" altLang="en-US" sz="1800"/>
+              <a:t>방식으로 각 </a:t>
+            </a:r>
+            <a:r>
+              <a:rPr lang="en-US" altLang="ko-KR" sz="1800"/>
+              <a:t>Worker</a:t>
+            </a:r>
+            <a:r>
+              <a:rPr lang="ko-KR" altLang="en-US" sz="1800"/>
+              <a:t>마다 거의 유사한 공간을 할당</a:t>
+            </a:r>
+            <a:endParaRPr lang="ko-KR" altLang="en-US"/>
           </a:p>
           <a:p>
             <a:pPr>
@@ -7334,33 +7796,21 @@
               <a:rPr lang="en-US" altLang="ko-KR"/>
             </a:br>
             <a:r>
-              <a:rPr lang="en-US" altLang="ko-KR"/>
+              <a:rPr lang="en-US" altLang="ko-KR" sz="1800"/>
               <a:t>- </a:t>
             </a:r>
             <a:r>
-              <a:rPr lang="ko-KR" altLang="en-US"/>
+              <a:rPr lang="ko-KR" altLang="en-US" sz="1800"/>
               <a:t>느려지거나 또는 느린 </a:t>
             </a:r>
             <a:r>
-              <a:rPr lang="en-US" altLang="ko-KR"/>
+              <a:rPr lang="en-US" altLang="ko-KR" sz="1800"/>
               <a:t>Worker</a:t>
             </a:r>
             <a:r>
-              <a:rPr lang="ko-KR" altLang="en-US"/>
+              <a:rPr lang="ko-KR" altLang="en-US" sz="1800"/>
               <a:t>의 관리</a:t>
             </a:r>
-            <a:endParaRPr lang="ko-KR" altLang="en-US"/>
-          </a:p>
-          <a:p>
-            <a:pPr>
-              <a:defRPr lang="ko-KR" altLang="en-US"/>
-            </a:pPr>
-            <a:endParaRPr lang="ko-KR" altLang="en-US"/>
-          </a:p>
-          <a:p>
-            <a:pPr>
-              <a:defRPr lang="ko-KR" altLang="en-US"/>
-            </a:pPr>
             <a:endParaRPr lang="ko-KR" altLang="en-US"/>
           </a:p>
           <a:p>
@@ -7375,18 +7825,35 @@
               <a:rPr lang="ko-KR" altLang="en-US"/>
             </a:br>
             <a:r>
-              <a:rPr lang="ko-KR" altLang="en-US"/>
+              <a:rPr lang="ko-KR" altLang="en-US" sz="1800"/>
               <a:t>- </a:t>
             </a:r>
             <a:r>
-              <a:rPr lang="en-US" altLang="ko-KR"/>
+              <a:rPr lang="en-US" altLang="ko-KR" sz="1800"/>
               <a:t>Parameter Server</a:t>
             </a:r>
             <a:r>
-              <a:rPr lang="ko-KR" altLang="en-US"/>
+              <a:rPr lang="ko-KR" altLang="en-US" sz="1800"/>
               <a:t>를 이용한 로드밸런싱</a:t>
             </a:r>
-            <a:endParaRPr lang="ko-KR" altLang="en-US"/>
+            <a:endParaRPr lang="ko-KR" altLang="en-US" sz="1800"/>
+          </a:p>
+          <a:p>
+            <a:pPr>
+              <a:defRPr lang="ko-KR" altLang="en-US"/>
+            </a:pPr>
+            <a:r>
+              <a:rPr lang="en-US" altLang="ko-KR"/>
+              <a:t>Scheduler on Kubernetes</a:t>
+            </a:r>
+            <a:br>
+              <a:rPr lang="en-US" altLang="ko-KR"/>
+            </a:br>
+            <a:r>
+              <a:rPr lang="en-US" altLang="ko-KR" sz="1800"/>
+              <a:t>- fault-tolerance</a:t>
+            </a:r>
+            <a:endParaRPr lang="en-US" altLang="ko-KR" sz="1800"/>
           </a:p>
         </p:txBody>
       </p:sp>
@@ -7443,7 +7910,7 @@
             </a:pPr>
             <a:r>
               <a:rPr lang="en-US" altLang="ko-KR"/>
-              <a:t>Straggler Handling</a:t>
+              <a:t>Data Serving</a:t>
             </a:r>
             <a:endParaRPr lang="en-US" altLang="ko-KR"/>
           </a:p>
@@ -7458,7 +7925,7 @@
         <p:spPr>
           <a:xfrm>
             <a:off x="457198" y="1417638"/>
-            <a:ext cx="8003288" cy="2552382"/>
+            <a:ext cx="8003288" cy="637857"/>
           </a:xfrm>
           <a:prstGeom prst="rect">
             <a:avLst/>
@@ -7474,129 +7941,39 @@
             </a:pPr>
             <a:r>
               <a:rPr lang="ko-KR" altLang="en-US"/>
-              <a:t>1) 문제</a:t>
-            </a:r>
-            <a:endParaRPr lang="ko-KR" altLang="en-US"/>
-          </a:p>
-          <a:p>
-            <a:pPr>
-              <a:defRPr lang="ko-KR" altLang="en-US"/>
-            </a:pPr>
+              <a:t>1) </a:t>
+            </a:r>
+            <a:r>
+              <a:rPr lang="en-US" altLang="ko-KR"/>
+              <a:t>RR </a:t>
+            </a:r>
+            <a:r>
+              <a:rPr lang="ko-KR" altLang="en-US"/>
+              <a:t>방식의 </a:t>
+            </a:r>
+            <a:r>
+              <a:rPr lang="en-US" altLang="ko-KR"/>
+              <a:t>HDFS</a:t>
+            </a:r>
+            <a:r>
+              <a:rPr lang="ko-KR" altLang="en-US"/>
+              <a:t>로 저장하여, </a:t>
+            </a:r>
             <a:r>
               <a:rPr lang="en-US" altLang="ko-KR"/>
               <a:t>Worker</a:t>
             </a:r>
             <a:r>
               <a:rPr lang="ko-KR" altLang="en-US"/>
-              <a:t>의 성능이 뒤처질 경우 동기나 비동기 처리에서 학습 속도의 중대한 영향을 입힘.</a:t>
-            </a:r>
-            <a:endParaRPr lang="ko-KR" altLang="en-US"/>
-          </a:p>
-          <a:p>
-            <a:pPr>
-              <a:defRPr lang="ko-KR" altLang="en-US"/>
-            </a:pPr>
+              <a:t>의 작업이 변경될 때마다 저장 공간을 새로 할당한다. 기본적으로 128</a:t>
+            </a:r>
+            <a:r>
+              <a:rPr lang="en-US" altLang="ko-KR"/>
+              <a:t>MB</a:t>
+            </a:r>
             <a:r>
               <a:rPr lang="ko-KR" altLang="en-US"/>
-              <a:t>따라서 각</a:t>
-            </a:r>
-            <a:r>
-              <a:rPr lang="en-US" altLang="ko-KR"/>
-              <a:t> Worker</a:t>
-            </a:r>
-            <a:r>
-              <a:rPr lang="ko-KR" altLang="en-US"/>
-              <a:t>가 작업 완료 후, </a:t>
-            </a:r>
-            <a:r>
-              <a:rPr lang="en-US" altLang="ko-KR"/>
-              <a:t>Gradient</a:t>
-            </a:r>
-            <a:r>
-              <a:rPr lang="ko-KR" altLang="en-US"/>
-              <a:t>를 </a:t>
-            </a:r>
-            <a:r>
-              <a:rPr lang="en-US" altLang="ko-KR"/>
-              <a:t>Parameter Server</a:t>
-            </a:r>
-            <a:r>
-              <a:rPr lang="ko-KR" altLang="en-US"/>
-              <a:t>로 </a:t>
-            </a:r>
-            <a:r>
-              <a:rPr lang="en-US" altLang="ko-KR"/>
-              <a:t>Update</a:t>
-            </a:r>
-            <a:r>
-              <a:rPr lang="ko-KR" altLang="en-US"/>
-              <a:t>를 시작할 때, 서로 다른 </a:t>
-            </a:r>
-            <a:r>
-              <a:rPr lang="en-US" altLang="ko-KR"/>
-              <a:t>Worker</a:t>
-            </a:r>
-            <a:r>
-              <a:rPr lang="ko-KR" altLang="en-US"/>
-              <a:t>들과</a:t>
-            </a:r>
-            <a:r>
-              <a:rPr lang="en-US" altLang="ko-KR"/>
-              <a:t> </a:t>
-            </a:r>
-            <a:r>
-              <a:rPr lang="ko-KR" altLang="en-US"/>
-              <a:t>비교하여 </a:t>
-            </a:r>
-            <a:r>
-              <a:rPr lang="en-US" altLang="ko-KR"/>
-              <a:t>Update </a:t>
-            </a:r>
-            <a:r>
-              <a:rPr lang="ko-KR" altLang="en-US"/>
-              <a:t>시작 시점의 </a:t>
-            </a:r>
-            <a:r>
-              <a:rPr lang="en-US" altLang="ko-KR"/>
-              <a:t>Gap</a:t>
-            </a:r>
-            <a:r>
-              <a:rPr lang="ko-KR" altLang="en-US"/>
-              <a:t>을 구해야함.</a:t>
-            </a:r>
-            <a:endParaRPr lang="ko-KR" altLang="en-US"/>
-          </a:p>
-          <a:p>
-            <a:pPr>
-              <a:defRPr lang="ko-KR" altLang="en-US"/>
-            </a:pPr>
-            <a:endParaRPr lang="ko-KR" altLang="en-US"/>
-          </a:p>
-          <a:p>
-            <a:pPr>
-              <a:defRPr lang="ko-KR" altLang="en-US"/>
-            </a:pPr>
-            <a:r>
-              <a:rPr lang="ko-KR" altLang="en-US"/>
-              <a:t>2) 해결 방안 제시</a:t>
-            </a:r>
-            <a:endParaRPr lang="ko-KR" altLang="en-US"/>
-          </a:p>
-          <a:p>
-            <a:pPr>
-              <a:defRPr lang="ko-KR" altLang="en-US"/>
-            </a:pPr>
-            <a:r>
-              <a:rPr lang="ko-KR" altLang="en-US"/>
-              <a:t>느려진 워커를 발견할 경우 새로운 </a:t>
-            </a:r>
-            <a:r>
-              <a:rPr lang="en-US" altLang="ko-KR"/>
-              <a:t>Worker</a:t>
-            </a:r>
-            <a:r>
-              <a:rPr lang="ko-KR" altLang="en-US"/>
-              <a:t>를 추가</a:t>
+              <a:t>에 크기를 가지고 있다.</a:t>
             </a:r>
             <a:endParaRPr lang="ko-KR" altLang="en-US"/>
           </a:p>
@@ -7655,7 +8032,7 @@
             </a:pPr>
             <a:r>
               <a:rPr lang="en-US" altLang="ko-KR"/>
-              <a:t>Load Balancing</a:t>
+              <a:t>Straggler Handling</a:t>
             </a:r>
             <a:endParaRPr lang="en-US" altLang="ko-KR"/>
           </a:p>
@@ -7669,8 +8046,8 @@
         </p:nvSpPr>
         <p:spPr>
           <a:xfrm>
-            <a:off x="457198" y="1417637"/>
-            <a:ext cx="8507351" cy="3104833"/>
+            <a:off x="457198" y="1417638"/>
+            <a:ext cx="8003288" cy="2552382"/>
           </a:xfrm>
           <a:prstGeom prst="rect">
             <a:avLst/>
@@ -7685,150 +8062,130 @@
               <a:defRPr lang="ko-KR" altLang="en-US"/>
             </a:pPr>
             <a:r>
-              <a:rPr lang="en-US" altLang="ko-KR"/>
-              <a:t>1)</a:t>
-            </a:r>
-            <a:r>
               <a:rPr lang="ko-KR" altLang="en-US"/>
-              <a:t>문제</a:t>
-            </a:r>
-            <a:endParaRPr lang="ko-KR" altLang="en-US"/>
-          </a:p>
-          <a:p>
-            <a:pPr>
-              <a:defRPr lang="ko-KR" altLang="en-US"/>
-            </a:pPr>
-            <a:r>
-              <a:rPr lang="en-US" altLang="ko-KR"/>
-              <a:t>MXNet</a:t>
+              <a:t>1) 문제</a:t>
+            </a:r>
+            <a:endParaRPr lang="ko-KR" altLang="en-US"/>
+          </a:p>
+          <a:p>
+            <a:pPr>
+              <a:defRPr lang="ko-KR" altLang="en-US"/>
+            </a:pPr>
+            <a:r>
+              <a:rPr lang="en-US" altLang="ko-KR"/>
+              <a:t>Worker</a:t>
             </a:r>
             <a:r>
               <a:rPr lang="ko-KR" altLang="en-US"/>
-              <a:t>과 같은 분산 처리 딥러닝 프레임워크. 예를 들어, </a:t>
-            </a:r>
-            <a:r>
-              <a:rPr lang="en-US" altLang="ko-KR"/>
-              <a:t>TensorFlow</a:t>
-            </a:r>
+              <a:t>의 성능이 뒤처질 경우 동기나 비동기 처리에서 학습 속도의 중대한 영향을 입힌다.</a:t>
+            </a:r>
+            <a:endParaRPr lang="ko-KR" altLang="en-US"/>
+          </a:p>
+          <a:p>
+            <a:pPr>
+              <a:defRPr lang="ko-KR" altLang="en-US"/>
+            </a:pPr>
             <a:r>
               <a:rPr lang="ko-KR" altLang="en-US"/>
-              <a:t> 같은 프레임워크는 서로 다른 모델의 대해 임계값이 서로 다를 수 있으며, 이는 딥러닝 작업 처리 속도에 매우 큰 영향을 가짐</a:t>
-            </a:r>
-            <a:endParaRPr lang="ko-KR" altLang="en-US"/>
-          </a:p>
-          <a:p>
-            <a:pPr>
-              <a:defRPr lang="ko-KR" altLang="en-US"/>
-            </a:pPr>
-            <a:endParaRPr lang="ko-KR" altLang="en-US"/>
-          </a:p>
-          <a:p>
-            <a:pPr>
-              <a:defRPr lang="ko-KR" altLang="en-US"/>
-            </a:pPr>
+              <a:t>따라서 각</a:t>
+            </a:r>
+            <a:r>
+              <a:rPr lang="en-US" altLang="ko-KR"/>
+              <a:t> Worker</a:t>
+            </a:r>
             <a:r>
               <a:rPr lang="ko-KR" altLang="en-US"/>
-              <a:t>2)해결 방안 제안</a:t>
-            </a:r>
-            <a:endParaRPr lang="ko-KR" altLang="en-US"/>
-          </a:p>
-          <a:p>
-            <a:pPr>
-              <a:defRPr lang="ko-KR" altLang="en-US"/>
-            </a:pPr>
-            <a:r>
-              <a:rPr lang="en-US" altLang="ko-KR"/>
-              <a:t>  - Parameter Server</a:t>
+              <a:t>가 작업 완료 후, </a:t>
+            </a:r>
+            <a:r>
+              <a:rPr lang="en-US" altLang="ko-KR"/>
+              <a:t>Gradient</a:t>
             </a:r>
             <a:r>
               <a:rPr lang="ko-KR" altLang="en-US"/>
-              <a:t>로 입력되는 각 </a:t>
-            </a:r>
-            <a:r>
-              <a:rPr lang="en-US" altLang="ko-KR"/>
-              <a:t>Parameter</a:t>
+              <a:t>를 </a:t>
+            </a:r>
+            <a:r>
+              <a:rPr lang="en-US" altLang="ko-KR"/>
+              <a:t>Parameter Server</a:t>
             </a:r>
             <a:r>
               <a:rPr lang="ko-KR" altLang="en-US"/>
-              <a:t>들의 평균(</a:t>
-            </a:r>
-            <a:r>
-              <a:rPr lang="en-US" altLang="ko-KR"/>
-              <a:t>avg)</a:t>
+              <a:t>로 </a:t>
+            </a:r>
+            <a:r>
+              <a:rPr lang="en-US" altLang="ko-KR"/>
+              <a:t>Update</a:t>
             </a:r>
             <a:r>
               <a:rPr lang="ko-KR" altLang="en-US"/>
-              <a:t>을 구한 후, 입력 </a:t>
-            </a:r>
-            <a:r>
-              <a:rPr lang="en-US" altLang="ko-KR"/>
-              <a:t>Parameter size</a:t>
+              <a:t>를 시작할 때, 서로 다른 </a:t>
+            </a:r>
+            <a:r>
+              <a:rPr lang="en-US" altLang="ko-KR"/>
+              <a:t>Worker</a:t>
             </a:r>
             <a:r>
               <a:rPr lang="ko-KR" altLang="en-US"/>
-              <a:t>가 평균 이하일 경우 ( </a:t>
-            </a:r>
-            <a:r>
-              <a:rPr lang="en-US" altLang="ko-KR"/>
-              <a:t>avg - parameter size</a:t>
+              <a:t>들과</a:t>
+            </a:r>
+            <a:r>
+              <a:rPr lang="en-US" altLang="ko-KR"/>
+              <a:t> </a:t>
             </a:r>
             <a:r>
               <a:rPr lang="ko-KR" altLang="en-US"/>
-              <a:t> )의 서버를 할당</a:t>
-            </a:r>
-            <a:endParaRPr lang="ko-KR" altLang="en-US"/>
-          </a:p>
-          <a:p>
-            <a:pPr>
-              <a:defRPr lang="ko-KR" altLang="en-US"/>
-            </a:pPr>
-            <a:r>
-              <a:rPr lang="en-US" altLang="ko-KR"/>
-              <a:t>  - Parameter</a:t>
+              <a:t>비교하여 </a:t>
+            </a:r>
+            <a:r>
+              <a:rPr lang="en-US" altLang="ko-KR"/>
+              <a:t>Update </a:t>
             </a:r>
             <a:r>
               <a:rPr lang="ko-KR" altLang="en-US"/>
-              <a:t>들의 크기가 평균 이상일 경우 </a:t>
-            </a:r>
-            <a:r>
-              <a:rPr lang="en-US" altLang="ko-KR"/>
-              <a:t>Parameter </a:t>
+              <a:t>시작 시점의 </a:t>
+            </a:r>
+            <a:r>
+              <a:rPr lang="en-US" altLang="ko-KR"/>
+              <a:t>Gap</a:t>
             </a:r>
             <a:r>
               <a:rPr lang="ko-KR" altLang="en-US"/>
-              <a:t>서버는 가장 적은 </a:t>
-            </a:r>
-            <a:r>
-              <a:rPr lang="en-US" altLang="ko-KR"/>
-              <a:t>Parameter</a:t>
-            </a:r>
+              <a:t>을 구해야한다.</a:t>
+            </a:r>
+            <a:endParaRPr lang="ko-KR" altLang="en-US"/>
+          </a:p>
+          <a:p>
+            <a:pPr>
+              <a:defRPr lang="ko-KR" altLang="en-US"/>
+            </a:pPr>
+            <a:endParaRPr lang="ko-KR" altLang="en-US"/>
+          </a:p>
+          <a:p>
+            <a:pPr>
+              <a:defRPr lang="ko-KR" altLang="en-US"/>
+            </a:pPr>
             <a:r>
               <a:rPr lang="ko-KR" altLang="en-US"/>
-              <a:t>의</a:t>
-            </a:r>
-            <a:r>
-              <a:rPr lang="en-US" altLang="ko-KR"/>
-              <a:t> </a:t>
-            </a:r>
+              <a:t>2) 해결 방안 제시</a:t>
+            </a:r>
+            <a:endParaRPr lang="ko-KR" altLang="en-US"/>
+          </a:p>
+          <a:p>
+            <a:pPr>
+              <a:defRPr lang="ko-KR" altLang="en-US"/>
+            </a:pPr>
             <a:r>
               <a:rPr lang="ko-KR" altLang="en-US"/>
-              <a:t>크기를 가지며, </a:t>
-            </a:r>
-            <a:r>
-              <a:rPr lang="en-US" altLang="ko-KR"/>
-              <a:t>Parameter</a:t>
+              <a:t>느려진 워커를 발견할 경우 새로운 </a:t>
+            </a:r>
+            <a:r>
+              <a:rPr lang="en-US" altLang="ko-KR"/>
+              <a:t>Worker</a:t>
             </a:r>
             <a:r>
               <a:rPr lang="ko-KR" altLang="en-US"/>
-              <a:t>들은 평균 크기로 분할되어 </a:t>
-            </a:r>
-            <a:r>
-              <a:rPr lang="en-US" altLang="ko-KR"/>
-              <a:t>parameter </a:t>
-            </a:r>
-            <a:r>
-              <a:rPr lang="ko-KR" altLang="en-US"/>
-              <a:t>서버에 할당</a:t>
+              <a:t>를 추가한다.</a:t>
             </a:r>
             <a:endParaRPr lang="ko-KR" altLang="en-US"/>
           </a:p>
@@ -8041,31 +8398,15 @@
         </p:nvSpPr>
         <p:spPr/>
         <p:txBody>
-          <a:bodyPr>
-            <a:normAutofit fontScale="90000"/>
-          </a:bodyPr>
+          <a:bodyPr/>
           <a:lstStyle/>
           <a:p>
-            <a:pPr marL="257040" indent="-257040" algn="l">
-              <a:buFont typeface="Arial"/>
-              <a:buNone/>
-              <a:defRPr lang="ko-KR" altLang="en-US"/>
-            </a:pPr>
-            <a:r>
-              <a:rPr lang="en-US" altLang="ko-KR"/>
-              <a:t>Efficient resouce scheduling </a:t>
-            </a:r>
-            <a:endParaRPr lang="en-US" altLang="ko-KR"/>
-          </a:p>
-          <a:p>
-            <a:pPr marL="257040" indent="-257040" algn="l">
-              <a:buFont typeface="Arial"/>
-              <a:buNone/>
-              <a:defRPr lang="ko-KR" altLang="en-US"/>
-            </a:pPr>
-            <a:r>
-              <a:rPr lang="en-US" altLang="ko-KR"/>
-              <a:t>for Kubernets Cluster</a:t>
+            <a:pPr algn="l">
+              <a:defRPr lang="ko-KR" altLang="en-US"/>
+            </a:pPr>
+            <a:r>
+              <a:rPr lang="en-US" altLang="ko-KR"/>
+              <a:t>Load Balancing</a:t>
             </a:r>
             <a:endParaRPr lang="en-US" altLang="ko-KR"/>
           </a:p>
@@ -8079,8 +8420,8 @@
         </p:nvSpPr>
         <p:spPr>
           <a:xfrm>
-            <a:off x="457197" y="1988820"/>
-            <a:ext cx="8507351" cy="1733550"/>
+            <a:off x="457198" y="1417637"/>
+            <a:ext cx="8507351" cy="3104833"/>
           </a:xfrm>
           <a:prstGeom prst="rect">
             <a:avLst/>
@@ -8095,110 +8436,188 @@
               <a:defRPr lang="ko-KR" altLang="en-US"/>
             </a:pPr>
             <a:r>
+              <a:rPr lang="en-US" altLang="ko-KR"/>
+              <a:t>1)</a:t>
+            </a:r>
+            <a:r>
               <a:rPr lang="ko-KR" altLang="en-US"/>
-              <a:t>1) </a:t>
-            </a:r>
-            <a:r>
-              <a:rPr lang="en-US" altLang="ko-KR"/>
-              <a:t>Tensorflow</a:t>
-            </a:r>
+              <a:t>문제</a:t>
+            </a:r>
+            <a:endParaRPr lang="ko-KR" altLang="en-US"/>
+          </a:p>
+          <a:p>
+            <a:pPr>
+              <a:defRPr lang="ko-KR" altLang="en-US"/>
+            </a:pPr>
             <a:r>
               <a:rPr lang="ko-KR" altLang="en-US"/>
-              <a:t>와 같은 분산 처리 딥러닝 프레임 워크는 일반적으로 </a:t>
-            </a:r>
-            <a:r>
-              <a:rPr lang="en-US" altLang="ko-KR"/>
-              <a:t>Docker</a:t>
+              <a:t>분산 처리 딥러닝 프레임워크. 예를 들어, </a:t>
+            </a:r>
+            <a:r>
+              <a:rPr lang="en-US" altLang="ko-KR"/>
+              <a:t>TensorFlow</a:t>
             </a:r>
             <a:r>
               <a:rPr lang="ko-KR" altLang="en-US"/>
-              <a:t>를 활용하여 </a:t>
-            </a:r>
-            <a:r>
-              <a:rPr lang="en-US" altLang="ko-KR"/>
-              <a:t>Parameter Server</a:t>
-            </a:r>
+              <a:t> 같은 프레임워크에서는 </a:t>
+            </a:r>
+            <a:endParaRPr lang="ko-KR" altLang="en-US"/>
+          </a:p>
+          <a:p>
+            <a:pPr>
+              <a:defRPr lang="ko-KR" altLang="en-US"/>
+            </a:pPr>
             <a:r>
               <a:rPr lang="ko-KR" altLang="en-US"/>
-              <a:t>를 구현</a:t>
-            </a:r>
-            <a:endParaRPr lang="ko-KR" altLang="en-US"/>
-          </a:p>
-          <a:p>
-            <a:pPr>
-              <a:defRPr lang="ko-KR" altLang="en-US"/>
-            </a:pPr>
-            <a:endParaRPr lang="ko-KR" altLang="en-US"/>
-          </a:p>
-          <a:p>
-            <a:pPr>
-              <a:defRPr lang="ko-KR" altLang="en-US"/>
-            </a:pPr>
+              <a:t>각 </a:t>
+            </a:r>
+            <a:r>
+              <a:rPr lang="en-US" altLang="ko-KR"/>
+              <a:t>Parameter</a:t>
+            </a:r>
             <a:r>
               <a:rPr lang="ko-KR" altLang="en-US"/>
-              <a:t>2) </a:t>
-            </a:r>
-            <a:r>
-              <a:rPr lang="en-US" altLang="ko-KR"/>
-              <a:t>Kubernets</a:t>
+              <a:t>를 분산한다. 그러나 분산되는 </a:t>
+            </a:r>
+            <a:r>
+              <a:rPr lang="en-US" altLang="ko-KR"/>
+              <a:t>Parameter</a:t>
             </a:r>
             <a:r>
               <a:rPr lang="ko-KR" altLang="en-US"/>
-              <a:t>는 </a:t>
-            </a:r>
-            <a:r>
-              <a:rPr lang="en-US" altLang="ko-KR"/>
-              <a:t>Docker</a:t>
+              <a:t>의 크기는 랜덤하며, 심지어 하나의 </a:t>
+            </a:r>
+            <a:r>
+              <a:rPr lang="en-US" altLang="ko-KR"/>
+              <a:t>Parameter</a:t>
             </a:r>
             <a:r>
               <a:rPr lang="ko-KR" altLang="en-US"/>
-              <a:t>를 효과적으로 </a:t>
-            </a:r>
-            <a:r>
-              <a:rPr lang="en-US" altLang="ko-KR"/>
-              <a:t>Scheduling </a:t>
+              <a:t>가 가능한 모든 </a:t>
+            </a:r>
+            <a:r>
+              <a:rPr lang="en-US" altLang="ko-KR"/>
+              <a:t>parameter server</a:t>
             </a:r>
             <a:r>
               <a:rPr lang="ko-KR" altLang="en-US"/>
-              <a:t>할 수 있는 관리 도구로,</a:t>
-            </a:r>
-            <a:endParaRPr lang="ko-KR" altLang="en-US"/>
-          </a:p>
-          <a:p>
-            <a:pPr>
-              <a:defRPr lang="ko-KR" altLang="en-US"/>
-            </a:pPr>
-            <a:r>
-              <a:rPr lang="en-US" altLang="ko-KR"/>
-              <a:t>master node</a:t>
-            </a:r>
+              <a:t>로 할당될 수 있다.</a:t>
+            </a:r>
+            <a:endParaRPr lang="ko-KR" altLang="en-US"/>
+          </a:p>
+          <a:p>
+            <a:pPr>
+              <a:defRPr lang="ko-KR" altLang="en-US"/>
+            </a:pPr>
             <a:r>
               <a:rPr lang="ko-KR" altLang="en-US"/>
-              <a:t>와 </a:t>
-            </a:r>
-            <a:r>
-              <a:rPr lang="en-US" altLang="ko-KR"/>
-              <a:t>slave node</a:t>
-            </a:r>
+              <a:t>이것은 현재 분산 처리 딥러닝 학습 속도를 낮추는 하나의 큰 요인이 된다.</a:t>
+            </a:r>
+            <a:endParaRPr lang="ko-KR" altLang="en-US"/>
+          </a:p>
+          <a:p>
+            <a:pPr>
+              <a:defRPr lang="ko-KR" altLang="en-US"/>
+            </a:pPr>
+            <a:endParaRPr lang="ko-KR" altLang="en-US"/>
+          </a:p>
+          <a:p>
+            <a:pPr>
+              <a:defRPr lang="ko-KR" altLang="en-US"/>
+            </a:pPr>
             <a:r>
               <a:rPr lang="ko-KR" altLang="en-US"/>
-              <a:t>로 구성되어지며, </a:t>
-            </a:r>
-            <a:r>
-              <a:rPr lang="en-US" altLang="ko-KR"/>
-              <a:t>load-balance </a:t>
-            </a:r>
+              <a:t>2)해결 방안 제안</a:t>
+            </a:r>
+            <a:endParaRPr lang="ko-KR" altLang="en-US"/>
+          </a:p>
+          <a:p>
+            <a:pPr>
+              <a:defRPr lang="ko-KR" altLang="en-US"/>
+            </a:pPr>
+            <a:r>
+              <a:rPr lang="en-US" altLang="ko-KR"/>
+              <a:t>  - Overall parameter size / default parameter servers = average</a:t>
+            </a:r>
+            <a:endParaRPr lang="en-US" altLang="ko-KR"/>
+          </a:p>
+          <a:p>
+            <a:pPr>
+              <a:defRPr lang="ko-KR" altLang="en-US"/>
+            </a:pPr>
             <a:r>
               <a:rPr lang="ko-KR" altLang="en-US"/>
-              <a:t>및 </a:t>
-            </a:r>
-            <a:r>
-              <a:rPr lang="en-US" altLang="ko-KR"/>
-              <a:t>fault-tolerance</a:t>
+              <a:t>  - 기본적인 </a:t>
+            </a:r>
+            <a:r>
+              <a:rPr lang="en-US" altLang="ko-KR"/>
+              <a:t>parameter server</a:t>
             </a:r>
             <a:r>
               <a:rPr lang="ko-KR" altLang="en-US"/>
-              <a:t> 기능으로 효과적인 작업 분배 및 관리가 용이</a:t>
+              <a:t>에 할당가능 크기는 </a:t>
+            </a:r>
+            <a:r>
+              <a:rPr lang="en-US" altLang="ko-KR"/>
+              <a:t>average</a:t>
+            </a:r>
+            <a:endParaRPr lang="en-US" altLang="ko-KR"/>
+          </a:p>
+          <a:p>
+            <a:pPr>
+              <a:defRPr lang="ko-KR" altLang="en-US"/>
+            </a:pPr>
+            <a:r>
+              <a:rPr lang="ko-KR" altLang="en-US"/>
+              <a:t> </a:t>
+            </a:r>
+            <a:r>
+              <a:rPr lang="en-US" altLang="ko-KR"/>
+              <a:t> - </a:t>
+            </a:r>
+            <a:r>
+              <a:rPr lang="ko-KR" altLang="en-US"/>
+              <a:t>입력된 </a:t>
+            </a:r>
+            <a:r>
+              <a:rPr lang="en-US" altLang="ko-KR"/>
+              <a:t>parameter </a:t>
+            </a:r>
+            <a:r>
+              <a:rPr lang="ko-KR" altLang="en-US"/>
+              <a:t>크기가 </a:t>
+            </a:r>
+            <a:r>
+              <a:rPr lang="en-US" altLang="ko-KR"/>
+              <a:t>average</a:t>
+            </a:r>
+            <a:r>
+              <a:rPr lang="ko-KR" altLang="en-US"/>
+              <a:t>보다 높을 경우, </a:t>
+            </a:r>
+            <a:r>
+              <a:rPr lang="en-US" altLang="ko-KR"/>
+              <a:t>average</a:t>
+            </a:r>
+            <a:r>
+              <a:rPr lang="ko-KR" altLang="en-US"/>
+              <a:t>를 기준하여 분할하고, 각 </a:t>
+            </a:r>
+            <a:r>
+              <a:rPr lang="en-US" altLang="ko-KR"/>
+              <a:t>parameter </a:t>
+            </a:r>
+            <a:r>
+              <a:rPr lang="ko-KR" altLang="en-US"/>
+              <a:t>크기에 맞춘 </a:t>
+            </a:r>
+            <a:r>
+              <a:rPr lang="en-US" altLang="ko-KR"/>
+              <a:t>parameter server</a:t>
+            </a:r>
+            <a:r>
+              <a:rPr lang="ko-KR" altLang="en-US"/>
+              <a:t>를 할당</a:t>
             </a:r>
             <a:endParaRPr lang="ko-KR" altLang="en-US"/>
           </a:p>
@@ -8221,6 +8640,200 @@
 </file>
 
 <file path=ppt/slides/slide31.xml><?xml version="1.0" encoding="utf-8"?>
+<p:sld xmlns:r="http://schemas.openxmlformats.org/officeDocument/2006/relationships" xmlns:c="http://schemas.openxmlformats.org/drawingml/2006/chart" xmlns:a="http://schemas.openxmlformats.org/drawingml/2006/main" xmlns:dgm="http://schemas.openxmlformats.org/drawingml/2006/diagram" xmlns:dsp="http://schemas.microsoft.com/office/drawing/2008/diagram" xmlns:p="http://schemas.openxmlformats.org/presentationml/2006/main">
+  <p:cSld>
+    <p:spTree>
+      <p:nvGrpSpPr>
+        <p:cNvPr id="1" name=""/>
+        <p:cNvGrpSpPr/>
+        <p:nvPr/>
+      </p:nvGrpSpPr>
+      <p:grpSpPr>
+        <a:xfrm>
+          <a:off x="0" y="0"/>
+          <a:ext cx="0" cy="0"/>
+          <a:chOff x="0" y="0"/>
+          <a:chExt cx="0" cy="0"/>
+        </a:xfrm>
+      </p:grpSpPr>
+      <p:sp>
+        <p:nvSpPr>
+          <p:cNvPr id="2" name="제목 1"/>
+          <p:cNvSpPr>
+            <a:spLocks noGrp="1"/>
+          </p:cNvSpPr>
+          <p:nvPr>
+            <p:ph type="title" idx="0"/>
+          </p:nvPr>
+        </p:nvSpPr>
+        <p:spPr/>
+        <p:txBody>
+          <a:bodyPr>
+            <a:normAutofit/>
+          </a:bodyPr>
+          <a:lstStyle/>
+          <a:p>
+            <a:pPr algn="l">
+              <a:defRPr lang="ko-KR" altLang="en-US"/>
+            </a:pPr>
+            <a:r>
+              <a:rPr lang="en-US" altLang="ko-KR"/>
+              <a:t>Scheduler on Kubernetes</a:t>
+            </a:r>
+            <a:endParaRPr lang="en-US" altLang="ko-KR"/>
+          </a:p>
+        </p:txBody>
+      </p:sp>
+      <p:sp>
+        <p:nvSpPr>
+          <p:cNvPr id="4" name=""/>
+          <p:cNvSpPr txBox="1"/>
+          <p:nvPr/>
+        </p:nvSpPr>
+        <p:spPr>
+          <a:xfrm>
+            <a:off x="457197" y="1988820"/>
+            <a:ext cx="8507351" cy="1733550"/>
+          </a:xfrm>
+          <a:prstGeom prst="rect">
+            <a:avLst/>
+          </a:prstGeom>
+        </p:spPr>
+        <p:txBody>
+          <a:bodyPr wrap="square">
+            <a:spAutoFit/>
+          </a:bodyPr>
+          <a:p>
+            <a:pPr>
+              <a:defRPr lang="ko-KR" altLang="en-US"/>
+            </a:pPr>
+            <a:r>
+              <a:rPr lang="ko-KR" altLang="en-US"/>
+              <a:t>1) </a:t>
+            </a:r>
+            <a:r>
+              <a:rPr lang="en-US" altLang="ko-KR"/>
+              <a:t>Tensorflow</a:t>
+            </a:r>
+            <a:r>
+              <a:rPr lang="ko-KR" altLang="en-US"/>
+              <a:t>와 같은 분산 처리 딥러닝 프레임 워크는 일반적으로 </a:t>
+            </a:r>
+            <a:r>
+              <a:rPr lang="en-US" altLang="ko-KR"/>
+              <a:t>Docker</a:t>
+            </a:r>
+            <a:r>
+              <a:rPr lang="ko-KR" altLang="en-US"/>
+              <a:t>를 활용하여 </a:t>
+            </a:r>
+            <a:r>
+              <a:rPr lang="en-US" altLang="ko-KR"/>
+              <a:t>Parameter Server</a:t>
+            </a:r>
+            <a:r>
+              <a:rPr lang="ko-KR" altLang="en-US"/>
+              <a:t>를 구현한다.</a:t>
+            </a:r>
+            <a:endParaRPr lang="ko-KR" altLang="en-US"/>
+          </a:p>
+          <a:p>
+            <a:pPr>
+              <a:defRPr lang="ko-KR" altLang="en-US"/>
+            </a:pPr>
+            <a:endParaRPr lang="ko-KR" altLang="en-US"/>
+          </a:p>
+          <a:p>
+            <a:pPr>
+              <a:defRPr lang="ko-KR" altLang="en-US"/>
+            </a:pPr>
+            <a:r>
+              <a:rPr lang="ko-KR" altLang="en-US"/>
+              <a:t>2) </a:t>
+            </a:r>
+            <a:r>
+              <a:rPr lang="en-US" altLang="ko-KR"/>
+              <a:t>Kubernets</a:t>
+            </a:r>
+            <a:r>
+              <a:rPr lang="ko-KR" altLang="en-US"/>
+              <a:t>는 </a:t>
+            </a:r>
+            <a:r>
+              <a:rPr lang="en-US" altLang="ko-KR"/>
+              <a:t>Docker</a:t>
+            </a:r>
+            <a:r>
+              <a:rPr lang="ko-KR" altLang="en-US"/>
+              <a:t>를 효과적으로 </a:t>
+            </a:r>
+            <a:r>
+              <a:rPr lang="en-US" altLang="ko-KR"/>
+              <a:t>Scheduling </a:t>
+            </a:r>
+            <a:r>
+              <a:rPr lang="ko-KR" altLang="en-US"/>
+              <a:t>할 수 있는 관리 도구로,</a:t>
+            </a:r>
+            <a:endParaRPr lang="ko-KR" altLang="en-US"/>
+          </a:p>
+          <a:p>
+            <a:pPr>
+              <a:defRPr lang="ko-KR" altLang="en-US"/>
+            </a:pPr>
+            <a:r>
+              <a:rPr lang="en-US" altLang="ko-KR"/>
+              <a:t>master node</a:t>
+            </a:r>
+            <a:r>
+              <a:rPr lang="ko-KR" altLang="en-US"/>
+              <a:t>와 </a:t>
+            </a:r>
+            <a:r>
+              <a:rPr lang="en-US" altLang="ko-KR"/>
+              <a:t>slave node</a:t>
+            </a:r>
+            <a:r>
+              <a:rPr lang="ko-KR" altLang="en-US"/>
+              <a:t>로 구성되어지며, </a:t>
+            </a:r>
+            <a:r>
+              <a:rPr lang="en-US" altLang="ko-KR"/>
+              <a:t>load-balance </a:t>
+            </a:r>
+            <a:r>
+              <a:rPr lang="ko-KR" altLang="en-US"/>
+              <a:t>및 </a:t>
+            </a:r>
+            <a:r>
+              <a:rPr lang="en-US" altLang="ko-KR"/>
+              <a:t>fault-tolerance</a:t>
+            </a:r>
+            <a:r>
+              <a:rPr lang="ko-KR" altLang="en-US"/>
+              <a:t> 기능으로 효과적인 작업 분배 및 관리가 용이하다.</a:t>
+            </a:r>
+            <a:endParaRPr lang="ko-KR" altLang="en-US"/>
+          </a:p>
+        </p:txBody>
+      </p:sp>
+    </p:spTree>
+  </p:cSld>
+  <p:clrMapOvr>
+    <a:masterClrMapping/>
+  </p:clrMapOvr>
+  <mc:AlternateContent xmlns:mc="http://schemas.openxmlformats.org/markup-compatibility/2006">
+    <mc:Choice xmlns:p14="http://schemas.microsoft.com/office/powerpoint/2010/main" Requires="p14">
+      <p:transition xmlns:mc="http://schemas.openxmlformats.org/markup-compatibility/2006" xmlns:p14="http://schemas.microsoft.com/office/powerpoint/2010/main" mc:Ignorable="p14" p14:dur="500"/>
+    </mc:Choice>
+    <mc:Fallback>
+      <p:transition/>
+    </mc:Fallback>
+  </mc:AlternateContent>
+</p:sld>
+</file>
+
+<file path=ppt/slides/slide32.xml><?xml version="1.0" encoding="utf-8"?>
 <p:sld xmlns:r="http://schemas.openxmlformats.org/officeDocument/2006/relationships" xmlns:c="http://schemas.openxmlformats.org/drawingml/2006/chart" xmlns:a="http://schemas.openxmlformats.org/drawingml/2006/main" xmlns:dgm="http://schemas.openxmlformats.org/drawingml/2006/diagram" xmlns:dsp="http://schemas.microsoft.com/office/drawing/2008/diagram" xmlns:p="http://schemas.openxmlformats.org/presentationml/2006/main">
   <p:cSld>
     <p:spTree>
